--- a/Presentations/ALA LibLearnX 2024/LibLearnX-2024-ALA.pptx
+++ b/Presentations/ALA LibLearnX 2024/LibLearnX-2024-ALA.pptx
@@ -6,12 +6,26 @@
   </p:sldMasterIdLst>
   <p:sldIdLst>
     <p:sldId id="256" r:id="rId2"/>
-    <p:sldId id="257" r:id="rId3"/>
+    <p:sldId id="262" r:id="rId3"/>
     <p:sldId id="258" r:id="rId4"/>
     <p:sldId id="259" r:id="rId5"/>
-    <p:sldId id="260" r:id="rId6"/>
-    <p:sldId id="261" r:id="rId7"/>
-    <p:sldId id="262" r:id="rId8"/>
+    <p:sldId id="265" r:id="rId6"/>
+    <p:sldId id="273" r:id="rId7"/>
+    <p:sldId id="274" r:id="rId8"/>
+    <p:sldId id="266" r:id="rId9"/>
+    <p:sldId id="270" r:id="rId10"/>
+    <p:sldId id="278" r:id="rId11"/>
+    <p:sldId id="267" r:id="rId12"/>
+    <p:sldId id="277" r:id="rId13"/>
+    <p:sldId id="268" r:id="rId14"/>
+    <p:sldId id="271" r:id="rId15"/>
+    <p:sldId id="272" r:id="rId16"/>
+    <p:sldId id="260" r:id="rId17"/>
+    <p:sldId id="275" r:id="rId18"/>
+    <p:sldId id="276" r:id="rId19"/>
+    <p:sldId id="269" r:id="rId20"/>
+    <p:sldId id="263" r:id="rId21"/>
+    <p:sldId id="264" r:id="rId22"/>
   </p:sldIdLst>
   <p:sldSz cx="9144000" cy="5143500" type="screen16x9"/>
   <p:notesSz cx="6858000" cy="9144000"/>
@@ -2109,35 +2123,50 @@
         </p:nvSpPr>
         <p:spPr/>
         <p:txBody>
+          <a:bodyPr>
+            <a:normAutofit fontScale="90000"/>
+          </a:bodyPr>
+          <a:lstStyle/>
+          <a:p>
+            <a:r>
+              <a:rPr lang="en-US" dirty="0"/>
+              <a:t>Rotting Research: </a:t>
+            </a:r>
+            <a:br>
+              <a:rPr lang="en-US" dirty="0"/>
+            </a:br>
+            <a:r>
+              <a:rPr lang="en-US" dirty="0"/>
+              <a:t>How Link Rot Impacts the Integrity of Scholarly Publishing</a:t>
+            </a:r>
+          </a:p>
+        </p:txBody>
+      </p:sp>
+      <p:sp>
+        <p:nvSpPr>
+          <p:cNvPr id="5" name="Subtitle 4">
+            <a:extLst>
+              <a:ext uri="{FF2B5EF4-FFF2-40B4-BE49-F238E27FC236}">
+                <a16:creationId xmlns:a16="http://schemas.microsoft.com/office/drawing/2014/main" id="{558222CD-2EAE-FC5F-60F2-FAD6659FBC1F}"/>
+              </a:ext>
+            </a:extLst>
+          </p:cNvPr>
+          <p:cNvSpPr>
+            <a:spLocks noGrp="1"/>
+          </p:cNvSpPr>
+          <p:nvPr>
+            <p:ph type="subTitle" idx="1"/>
+          </p:nvPr>
+        </p:nvSpPr>
+        <p:spPr/>
+        <p:txBody>
           <a:bodyPr/>
           <a:lstStyle/>
           <a:p>
-            <a:endParaRPr lang="en-US"/>
-          </a:p>
-        </p:txBody>
-      </p:sp>
-      <p:sp>
-        <p:nvSpPr>
-          <p:cNvPr id="5" name="Subtitle 4">
-            <a:extLst>
-              <a:ext uri="{FF2B5EF4-FFF2-40B4-BE49-F238E27FC236}">
-                <a16:creationId xmlns:a16="http://schemas.microsoft.com/office/drawing/2014/main" id="{558222CD-2EAE-FC5F-60F2-FAD6659FBC1F}"/>
-              </a:ext>
-            </a:extLst>
-          </p:cNvPr>
-          <p:cNvSpPr>
-            <a:spLocks noGrp="1"/>
-          </p:cNvSpPr>
-          <p:nvPr>
-            <p:ph type="subTitle" idx="1"/>
-          </p:nvPr>
-        </p:nvSpPr>
-        <p:spPr/>
-        <p:txBody>
-          <a:bodyPr/>
-          <a:lstStyle/>
-          <a:p>
-            <a:endParaRPr lang="en-US"/>
+            <a:r>
+              <a:rPr lang="en-US" dirty="0"/>
+              <a:t>Dr. Marshal A. Miller</a:t>
+            </a:r>
           </a:p>
         </p:txBody>
       </p:sp>
@@ -2145,6 +2174,1180 @@
     <p:extLst>
       <p:ext uri="{BB962C8B-B14F-4D97-AF65-F5344CB8AC3E}">
         <p14:creationId xmlns:p14="http://schemas.microsoft.com/office/powerpoint/2010/main" val="4079371943"/>
+      </p:ext>
+    </p:extLst>
+  </p:cSld>
+  <p:clrMapOvr>
+    <a:masterClrMapping/>
+  </p:clrMapOvr>
+</p:sld>
+</file>
+
+<file path=ppt/slides/slide10.xml><?xml version="1.0" encoding="utf-8"?>
+<p:sld xmlns:a="http://schemas.openxmlformats.org/drawingml/2006/main" xmlns:r="http://schemas.openxmlformats.org/officeDocument/2006/relationships" xmlns:p="http://schemas.openxmlformats.org/presentationml/2006/main">
+  <p:cSld>
+    <p:spTree>
+      <p:nvGrpSpPr>
+        <p:cNvPr id="1" name=""/>
+        <p:cNvGrpSpPr/>
+        <p:nvPr/>
+      </p:nvGrpSpPr>
+      <p:grpSpPr>
+        <a:xfrm>
+          <a:off x="0" y="0"/>
+          <a:ext cx="0" cy="0"/>
+          <a:chOff x="0" y="0"/>
+          <a:chExt cx="0" cy="0"/>
+        </a:xfrm>
+      </p:grpSpPr>
+      <p:sp>
+        <p:nvSpPr>
+          <p:cNvPr id="4" name="Title 3">
+            <a:extLst>
+              <a:ext uri="{FF2B5EF4-FFF2-40B4-BE49-F238E27FC236}">
+                <a16:creationId xmlns:a16="http://schemas.microsoft.com/office/drawing/2014/main" id="{C43EF85A-9EF5-2DBE-2ECF-2711A4E4A77E}"/>
+              </a:ext>
+            </a:extLst>
+          </p:cNvPr>
+          <p:cNvSpPr>
+            <a:spLocks noGrp="1"/>
+          </p:cNvSpPr>
+          <p:nvPr>
+            <p:ph type="title"/>
+          </p:nvPr>
+        </p:nvSpPr>
+        <p:spPr/>
+        <p:txBody>
+          <a:bodyPr/>
+          <a:lstStyle/>
+          <a:p>
+            <a:r>
+              <a:rPr lang="en-US" dirty="0"/>
+              <a:t>How Does This Affect Research?</a:t>
+            </a:r>
+          </a:p>
+        </p:txBody>
+      </p:sp>
+      <p:sp>
+        <p:nvSpPr>
+          <p:cNvPr id="5" name="Content Placeholder 4">
+            <a:extLst>
+              <a:ext uri="{FF2B5EF4-FFF2-40B4-BE49-F238E27FC236}">
+                <a16:creationId xmlns:a16="http://schemas.microsoft.com/office/drawing/2014/main" id="{ED5124F5-5909-E264-5C59-8EFDA8B54CF5}"/>
+              </a:ext>
+            </a:extLst>
+          </p:cNvPr>
+          <p:cNvSpPr>
+            <a:spLocks noGrp="1"/>
+          </p:cNvSpPr>
+          <p:nvPr>
+            <p:ph idx="1"/>
+          </p:nvPr>
+        </p:nvSpPr>
+        <p:spPr/>
+        <p:txBody>
+          <a:bodyPr>
+            <a:normAutofit/>
+          </a:bodyPr>
+          <a:lstStyle/>
+          <a:p>
+            <a:r>
+              <a:rPr lang="en-US"/>
+              <a:t>Retracted Publications</a:t>
+            </a:r>
+            <a:endParaRPr lang="en-US" dirty="0"/>
+          </a:p>
+          <a:p>
+            <a:pPr algn="l"/>
+            <a:endParaRPr lang="en-US" dirty="0"/>
+          </a:p>
+        </p:txBody>
+      </p:sp>
+    </p:spTree>
+    <p:extLst>
+      <p:ext uri="{BB962C8B-B14F-4D97-AF65-F5344CB8AC3E}">
+        <p14:creationId xmlns:p14="http://schemas.microsoft.com/office/powerpoint/2010/main" val="1264046897"/>
+      </p:ext>
+    </p:extLst>
+  </p:cSld>
+  <p:clrMapOvr>
+    <a:masterClrMapping/>
+  </p:clrMapOvr>
+</p:sld>
+</file>
+
+<file path=ppt/slides/slide11.xml><?xml version="1.0" encoding="utf-8"?>
+<p:sld xmlns:a="http://schemas.openxmlformats.org/drawingml/2006/main" xmlns:r="http://schemas.openxmlformats.org/officeDocument/2006/relationships" xmlns:p="http://schemas.openxmlformats.org/presentationml/2006/main">
+  <p:cSld>
+    <p:spTree>
+      <p:nvGrpSpPr>
+        <p:cNvPr id="1" name=""/>
+        <p:cNvGrpSpPr/>
+        <p:nvPr/>
+      </p:nvGrpSpPr>
+      <p:grpSpPr>
+        <a:xfrm>
+          <a:off x="0" y="0"/>
+          <a:ext cx="0" cy="0"/>
+          <a:chOff x="0" y="0"/>
+          <a:chExt cx="0" cy="0"/>
+        </a:xfrm>
+      </p:grpSpPr>
+      <p:sp>
+        <p:nvSpPr>
+          <p:cNvPr id="4" name="Title 3">
+            <a:extLst>
+              <a:ext uri="{FF2B5EF4-FFF2-40B4-BE49-F238E27FC236}">
+                <a16:creationId xmlns:a16="http://schemas.microsoft.com/office/drawing/2014/main" id="{C43EF85A-9EF5-2DBE-2ECF-2711A4E4A77E}"/>
+              </a:ext>
+            </a:extLst>
+          </p:cNvPr>
+          <p:cNvSpPr>
+            <a:spLocks noGrp="1"/>
+          </p:cNvSpPr>
+          <p:nvPr>
+            <p:ph type="title"/>
+          </p:nvPr>
+        </p:nvSpPr>
+        <p:spPr/>
+        <p:txBody>
+          <a:bodyPr/>
+          <a:lstStyle/>
+          <a:p>
+            <a:r>
+              <a:rPr lang="en-US" dirty="0"/>
+              <a:t>But We Have DOIs</a:t>
+            </a:r>
+          </a:p>
+        </p:txBody>
+      </p:sp>
+      <p:sp>
+        <p:nvSpPr>
+          <p:cNvPr id="5" name="Content Placeholder 4">
+            <a:extLst>
+              <a:ext uri="{FF2B5EF4-FFF2-40B4-BE49-F238E27FC236}">
+                <a16:creationId xmlns:a16="http://schemas.microsoft.com/office/drawing/2014/main" id="{ED5124F5-5909-E264-5C59-8EFDA8B54CF5}"/>
+              </a:ext>
+            </a:extLst>
+          </p:cNvPr>
+          <p:cNvSpPr>
+            <a:spLocks noGrp="1"/>
+          </p:cNvSpPr>
+          <p:nvPr>
+            <p:ph idx="1"/>
+          </p:nvPr>
+        </p:nvSpPr>
+        <p:spPr/>
+        <p:txBody>
+          <a:bodyPr>
+            <a:normAutofit/>
+          </a:bodyPr>
+          <a:lstStyle/>
+          <a:p>
+            <a:r>
+              <a:rPr lang="en-US" dirty="0"/>
+              <a:t>37% of DOI links were broken.</a:t>
+            </a:r>
+          </a:p>
+          <a:p>
+            <a:r>
+              <a:rPr lang="en-US" sz="2800" dirty="0">
+                <a:effectLst/>
+                <a:latin typeface="Times New Roman" panose="02020603050405020304" pitchFamily="18" charset="0"/>
+                <a:ea typeface="Calibri" panose="020F0502020204030204" pitchFamily="34" charset="0"/>
+              </a:rPr>
+              <a:t>Klein and Balakireva (2021) showed 33% of DOI links to be broken on one institution’s internal network. </a:t>
+            </a:r>
+          </a:p>
+          <a:p>
+            <a:r>
+              <a:rPr lang="en-US" sz="2800" dirty="0">
+                <a:effectLst/>
+                <a:latin typeface="Times New Roman" panose="02020603050405020304" pitchFamily="18" charset="0"/>
+                <a:ea typeface="Calibri" panose="020F0502020204030204" pitchFamily="34" charset="0"/>
+              </a:rPr>
+              <a:t>Klein and Balakireva found 51.7% of DOIs were unreachable from outside of the institution’s network. </a:t>
+            </a:r>
+          </a:p>
+          <a:p>
+            <a:endParaRPr lang="en-US" dirty="0"/>
+          </a:p>
+          <a:p>
+            <a:endParaRPr lang="en-US" dirty="0"/>
+          </a:p>
+          <a:p>
+            <a:endParaRPr lang="en-US" dirty="0"/>
+          </a:p>
+        </p:txBody>
+      </p:sp>
+    </p:spTree>
+    <p:extLst>
+      <p:ext uri="{BB962C8B-B14F-4D97-AF65-F5344CB8AC3E}">
+        <p14:creationId xmlns:p14="http://schemas.microsoft.com/office/powerpoint/2010/main" val="3323012388"/>
+      </p:ext>
+    </p:extLst>
+  </p:cSld>
+  <p:clrMapOvr>
+    <a:masterClrMapping/>
+  </p:clrMapOvr>
+</p:sld>
+</file>
+
+<file path=ppt/slides/slide12.xml><?xml version="1.0" encoding="utf-8"?>
+<p:sld xmlns:a="http://schemas.openxmlformats.org/drawingml/2006/main" xmlns:r="http://schemas.openxmlformats.org/officeDocument/2006/relationships" xmlns:p="http://schemas.openxmlformats.org/presentationml/2006/main">
+  <p:cSld>
+    <p:spTree>
+      <p:nvGrpSpPr>
+        <p:cNvPr id="1" name=""/>
+        <p:cNvGrpSpPr/>
+        <p:nvPr/>
+      </p:nvGrpSpPr>
+      <p:grpSpPr>
+        <a:xfrm>
+          <a:off x="0" y="0"/>
+          <a:ext cx="0" cy="0"/>
+          <a:chOff x="0" y="0"/>
+          <a:chExt cx="0" cy="0"/>
+        </a:xfrm>
+      </p:grpSpPr>
+      <p:sp>
+        <p:nvSpPr>
+          <p:cNvPr id="5" name="Title 4">
+            <a:extLst>
+              <a:ext uri="{FF2B5EF4-FFF2-40B4-BE49-F238E27FC236}">
+                <a16:creationId xmlns:a16="http://schemas.microsoft.com/office/drawing/2014/main" id="{8656D822-A16C-27EC-F7D3-8894F12C55D8}"/>
+              </a:ext>
+            </a:extLst>
+          </p:cNvPr>
+          <p:cNvSpPr>
+            <a:spLocks noGrp="1"/>
+          </p:cNvSpPr>
+          <p:nvPr>
+            <p:ph type="title"/>
+          </p:nvPr>
+        </p:nvSpPr>
+        <p:spPr/>
+        <p:txBody>
+          <a:bodyPr/>
+          <a:lstStyle/>
+          <a:p>
+            <a:r>
+              <a:rPr lang="en-US" dirty="0"/>
+              <a:t>Rotting Research: The Study</a:t>
+            </a:r>
+          </a:p>
+        </p:txBody>
+      </p:sp>
+      <p:sp>
+        <p:nvSpPr>
+          <p:cNvPr id="2" name="Content Placeholder 1">
+            <a:extLst>
+              <a:ext uri="{FF2B5EF4-FFF2-40B4-BE49-F238E27FC236}">
+                <a16:creationId xmlns:a16="http://schemas.microsoft.com/office/drawing/2014/main" id="{75C5FA54-AA1C-D18E-9AB4-EAF765C1D60B}"/>
+              </a:ext>
+            </a:extLst>
+          </p:cNvPr>
+          <p:cNvSpPr>
+            <a:spLocks noGrp="1"/>
+          </p:cNvSpPr>
+          <p:nvPr>
+            <p:ph idx="1"/>
+          </p:nvPr>
+        </p:nvSpPr>
+        <p:spPr/>
+        <p:txBody>
+          <a:bodyPr>
+            <a:normAutofit fontScale="77500" lnSpcReduction="20000"/>
+          </a:bodyPr>
+          <a:lstStyle/>
+          <a:p>
+            <a:r>
+              <a:rPr lang="en-US" dirty="0"/>
+              <a:t>2,500 peer-reviewed scholarly articles.</a:t>
+            </a:r>
+          </a:p>
+          <a:p>
+            <a:r>
+              <a:rPr lang="en-US" dirty="0"/>
+              <a:t>Published between 2013 and 2022. 250 publications per year.</a:t>
+            </a:r>
+          </a:p>
+          <a:p>
+            <a:r>
+              <a:rPr lang="en-US" dirty="0"/>
+              <a:t>500 publications from each of the 5 disciplines:</a:t>
+            </a:r>
+          </a:p>
+          <a:p>
+            <a:pPr lvl="1"/>
+            <a:r>
+              <a:rPr lang="en-US" dirty="0"/>
+              <a:t>Arts &amp; Humanities</a:t>
+            </a:r>
+          </a:p>
+          <a:p>
+            <a:pPr lvl="1"/>
+            <a:r>
+              <a:rPr lang="en-US" dirty="0"/>
+              <a:t>Business</a:t>
+            </a:r>
+          </a:p>
+          <a:p>
+            <a:pPr lvl="1"/>
+            <a:r>
+              <a:rPr lang="en-US" dirty="0"/>
+              <a:t>Health and Medicine</a:t>
+            </a:r>
+          </a:p>
+          <a:p>
+            <a:pPr lvl="1"/>
+            <a:r>
+              <a:rPr lang="en-US" dirty="0"/>
+              <a:t>Science, Math, and Technology</a:t>
+            </a:r>
+          </a:p>
+          <a:p>
+            <a:pPr lvl="1"/>
+            <a:r>
+              <a:rPr lang="en-US" dirty="0"/>
+              <a:t>Social Sciences</a:t>
+            </a:r>
+          </a:p>
+          <a:p>
+            <a:endParaRPr lang="en-US" dirty="0"/>
+          </a:p>
+        </p:txBody>
+      </p:sp>
+    </p:spTree>
+    <p:extLst>
+      <p:ext uri="{BB962C8B-B14F-4D97-AF65-F5344CB8AC3E}">
+        <p14:creationId xmlns:p14="http://schemas.microsoft.com/office/powerpoint/2010/main" val="4079877882"/>
+      </p:ext>
+    </p:extLst>
+  </p:cSld>
+  <p:clrMapOvr>
+    <a:masterClrMapping/>
+  </p:clrMapOvr>
+</p:sld>
+</file>
+
+<file path=ppt/slides/slide13.xml><?xml version="1.0" encoding="utf-8"?>
+<p:sld xmlns:a="http://schemas.openxmlformats.org/drawingml/2006/main" xmlns:r="http://schemas.openxmlformats.org/officeDocument/2006/relationships" xmlns:p="http://schemas.openxmlformats.org/presentationml/2006/main">
+  <p:cSld>
+    <p:spTree>
+      <p:nvGrpSpPr>
+        <p:cNvPr id="1" name=""/>
+        <p:cNvGrpSpPr/>
+        <p:nvPr/>
+      </p:nvGrpSpPr>
+      <p:grpSpPr>
+        <a:xfrm>
+          <a:off x="0" y="0"/>
+          <a:ext cx="0" cy="0"/>
+          <a:chOff x="0" y="0"/>
+          <a:chExt cx="0" cy="0"/>
+        </a:xfrm>
+      </p:grpSpPr>
+      <p:sp>
+        <p:nvSpPr>
+          <p:cNvPr id="4" name="Title 3">
+            <a:extLst>
+              <a:ext uri="{FF2B5EF4-FFF2-40B4-BE49-F238E27FC236}">
+                <a16:creationId xmlns:a16="http://schemas.microsoft.com/office/drawing/2014/main" id="{C43EF85A-9EF5-2DBE-2ECF-2711A4E4A77E}"/>
+              </a:ext>
+            </a:extLst>
+          </p:cNvPr>
+          <p:cNvSpPr>
+            <a:spLocks noGrp="1"/>
+          </p:cNvSpPr>
+          <p:nvPr>
+            <p:ph type="title"/>
+          </p:nvPr>
+        </p:nvSpPr>
+        <p:spPr/>
+        <p:txBody>
+          <a:bodyPr/>
+          <a:lstStyle/>
+          <a:p>
+            <a:r>
+              <a:rPr lang="en-US" dirty="0"/>
+              <a:t>Other Findings</a:t>
+            </a:r>
+          </a:p>
+        </p:txBody>
+      </p:sp>
+      <p:sp>
+        <p:nvSpPr>
+          <p:cNvPr id="5" name="Content Placeholder 4">
+            <a:extLst>
+              <a:ext uri="{FF2B5EF4-FFF2-40B4-BE49-F238E27FC236}">
+                <a16:creationId xmlns:a16="http://schemas.microsoft.com/office/drawing/2014/main" id="{ED5124F5-5909-E264-5C59-8EFDA8B54CF5}"/>
+              </a:ext>
+            </a:extLst>
+          </p:cNvPr>
+          <p:cNvSpPr>
+            <a:spLocks noGrp="1"/>
+          </p:cNvSpPr>
+          <p:nvPr>
+            <p:ph idx="1"/>
+          </p:nvPr>
+        </p:nvSpPr>
+        <p:spPr/>
+        <p:txBody>
+          <a:bodyPr>
+            <a:normAutofit fontScale="40000" lnSpcReduction="20000"/>
+          </a:bodyPr>
+          <a:lstStyle/>
+          <a:p>
+            <a:r>
+              <a:rPr lang="en-US" dirty="0"/>
+              <a:t>Mean of broken links by academic domain.</a:t>
+            </a:r>
+          </a:p>
+          <a:p>
+            <a:pPr lvl="1"/>
+            <a:r>
+              <a:rPr lang="en-US" dirty="0"/>
+              <a:t>Arts &amp; Humanities – 39%</a:t>
+            </a:r>
+          </a:p>
+          <a:p>
+            <a:pPr lvl="1"/>
+            <a:r>
+              <a:rPr lang="en-US" dirty="0"/>
+              <a:t>Business – 39%</a:t>
+            </a:r>
+          </a:p>
+          <a:p>
+            <a:pPr lvl="1"/>
+            <a:r>
+              <a:rPr lang="en-US" dirty="0"/>
+              <a:t>Health &amp; Medicine – 32%</a:t>
+            </a:r>
+          </a:p>
+          <a:p>
+            <a:pPr lvl="1"/>
+            <a:r>
+              <a:rPr lang="en-US" dirty="0"/>
+              <a:t>Science, Math, &amp; Technology – 34%</a:t>
+            </a:r>
+          </a:p>
+          <a:p>
+            <a:pPr lvl="1"/>
+            <a:r>
+              <a:rPr lang="en-US" dirty="0"/>
+              <a:t>Social Sciences – 37%</a:t>
+            </a:r>
+          </a:p>
+          <a:p>
+            <a:r>
+              <a:rPr lang="en-US" sz="2800" dirty="0">
+                <a:effectLst/>
+                <a:latin typeface="Times New Roman" panose="02020603050405020304" pitchFamily="18" charset="0"/>
+                <a:ea typeface="Calibri" panose="020F0502020204030204" pitchFamily="34" charset="0"/>
+              </a:rPr>
+              <a:t>Some publishers have developed independent policies to address DOI longevity. </a:t>
+            </a:r>
+          </a:p>
+          <a:p>
+            <a:r>
+              <a:rPr lang="en-US" sz="2800" dirty="0">
+                <a:effectLst/>
+                <a:latin typeface="Times New Roman" panose="02020603050405020304" pitchFamily="18" charset="0"/>
+                <a:ea typeface="Calibri" panose="020F0502020204030204" pitchFamily="34" charset="0"/>
+              </a:rPr>
+              <a:t>Homenda (2021) asserted the best link to use is the one most likely to provide continual access to the resource. </a:t>
+            </a:r>
+          </a:p>
+          <a:p>
+            <a:r>
+              <a:rPr lang="en-US" sz="2800" dirty="0">
+                <a:effectLst/>
+                <a:latin typeface="Times New Roman" panose="02020603050405020304" pitchFamily="18" charset="0"/>
+                <a:ea typeface="Calibri" panose="020F0502020204030204" pitchFamily="34" charset="0"/>
+              </a:rPr>
+              <a:t>However, some publishers have pointed their DOIs to pages behind a paywall without providing any means of checking the link besides logging in. </a:t>
+            </a:r>
+          </a:p>
+          <a:p>
+            <a:r>
+              <a:rPr lang="en-US" sz="2800" dirty="0">
+                <a:effectLst/>
+                <a:latin typeface="Times New Roman" panose="02020603050405020304" pitchFamily="18" charset="0"/>
+                <a:ea typeface="Calibri" panose="020F0502020204030204" pitchFamily="34" charset="0"/>
+              </a:rPr>
+              <a:t>This situation returns an HTTP response code in the 300s. </a:t>
+            </a:r>
+          </a:p>
+          <a:p>
+            <a:r>
+              <a:rPr lang="en-US" sz="2800" dirty="0">
+                <a:effectLst/>
+                <a:latin typeface="Times New Roman" panose="02020603050405020304" pitchFamily="18" charset="0"/>
+                <a:ea typeface="Calibri" panose="020F0502020204030204" pitchFamily="34" charset="0"/>
+              </a:rPr>
+              <a:t>Publishers have also compromised the integrity of DOI links by using a third-party service to handle their DOIs. </a:t>
+            </a:r>
+          </a:p>
+          <a:p>
+            <a:r>
+              <a:rPr lang="en-US" sz="2800" dirty="0">
+                <a:effectLst/>
+                <a:latin typeface="Times New Roman" panose="02020603050405020304" pitchFamily="18" charset="0"/>
+                <a:ea typeface="Calibri" panose="020F0502020204030204" pitchFamily="34" charset="0"/>
+              </a:rPr>
+              <a:t>Crossref serves as one example that frequently appeared in 300-level response codes.</a:t>
+            </a:r>
+          </a:p>
+          <a:p>
+            <a:r>
+              <a:rPr lang="en-US" sz="2800" dirty="0">
+                <a:effectLst/>
+                <a:latin typeface="Times New Roman" panose="02020603050405020304" pitchFamily="18" charset="0"/>
+                <a:ea typeface="Calibri" panose="020F0502020204030204" pitchFamily="34" charset="0"/>
+              </a:rPr>
+              <a:t>Using a third-party service adds another possible point of weakness in the process.</a:t>
+            </a:r>
+          </a:p>
+          <a:p>
+            <a:endParaRPr lang="en-US" dirty="0"/>
+          </a:p>
+          <a:p>
+            <a:endParaRPr lang="en-US" dirty="0"/>
+          </a:p>
+        </p:txBody>
+      </p:sp>
+    </p:spTree>
+    <p:extLst>
+      <p:ext uri="{BB962C8B-B14F-4D97-AF65-F5344CB8AC3E}">
+        <p14:creationId xmlns:p14="http://schemas.microsoft.com/office/powerpoint/2010/main" val="262231424"/>
+      </p:ext>
+    </p:extLst>
+  </p:cSld>
+  <p:clrMapOvr>
+    <a:masterClrMapping/>
+  </p:clrMapOvr>
+</p:sld>
+</file>
+
+<file path=ppt/slides/slide14.xml><?xml version="1.0" encoding="utf-8"?>
+<p:sld xmlns:a="http://schemas.openxmlformats.org/drawingml/2006/main" xmlns:r="http://schemas.openxmlformats.org/officeDocument/2006/relationships" xmlns:p="http://schemas.openxmlformats.org/presentationml/2006/main">
+  <p:cSld>
+    <p:spTree>
+      <p:nvGrpSpPr>
+        <p:cNvPr id="1" name=""/>
+        <p:cNvGrpSpPr/>
+        <p:nvPr/>
+      </p:nvGrpSpPr>
+      <p:grpSpPr>
+        <a:xfrm>
+          <a:off x="0" y="0"/>
+          <a:ext cx="0" cy="0"/>
+          <a:chOff x="0" y="0"/>
+          <a:chExt cx="0" cy="0"/>
+        </a:xfrm>
+      </p:grpSpPr>
+      <p:sp>
+        <p:nvSpPr>
+          <p:cNvPr id="4" name="Title 3">
+            <a:extLst>
+              <a:ext uri="{FF2B5EF4-FFF2-40B4-BE49-F238E27FC236}">
+                <a16:creationId xmlns:a16="http://schemas.microsoft.com/office/drawing/2014/main" id="{C43EF85A-9EF5-2DBE-2ECF-2711A4E4A77E}"/>
+              </a:ext>
+            </a:extLst>
+          </p:cNvPr>
+          <p:cNvSpPr>
+            <a:spLocks noGrp="1"/>
+          </p:cNvSpPr>
+          <p:nvPr>
+            <p:ph type="title"/>
+          </p:nvPr>
+        </p:nvSpPr>
+        <p:spPr/>
+        <p:txBody>
+          <a:bodyPr/>
+          <a:lstStyle/>
+          <a:p>
+            <a:r>
+              <a:rPr lang="en-US" dirty="0"/>
+              <a:t>Other Findings</a:t>
+            </a:r>
+          </a:p>
+        </p:txBody>
+      </p:sp>
+      <p:sp>
+        <p:nvSpPr>
+          <p:cNvPr id="5" name="Content Placeholder 4">
+            <a:extLst>
+              <a:ext uri="{FF2B5EF4-FFF2-40B4-BE49-F238E27FC236}">
+                <a16:creationId xmlns:a16="http://schemas.microsoft.com/office/drawing/2014/main" id="{ED5124F5-5909-E264-5C59-8EFDA8B54CF5}"/>
+              </a:ext>
+            </a:extLst>
+          </p:cNvPr>
+          <p:cNvSpPr>
+            <a:spLocks noGrp="1"/>
+          </p:cNvSpPr>
+          <p:nvPr>
+            <p:ph idx="1"/>
+          </p:nvPr>
+        </p:nvSpPr>
+        <p:spPr/>
+        <p:txBody>
+          <a:bodyPr>
+            <a:normAutofit fontScale="92500" lnSpcReduction="20000"/>
+          </a:bodyPr>
+          <a:lstStyle/>
+          <a:p>
+            <a:r>
+              <a:rPr lang="en-US" dirty="0"/>
+              <a:t>One possible factor contributing to these percentage differences involves the use of different style guides. </a:t>
+            </a:r>
+          </a:p>
+          <a:p>
+            <a:r>
+              <a:rPr lang="en-US" dirty="0"/>
+              <a:t>As outlined in Chapter 2, style guides vary by discipline and, occasionally, by the institution. </a:t>
+            </a:r>
+          </a:p>
+          <a:p>
+            <a:r>
+              <a:rPr lang="en-US" dirty="0"/>
+              <a:t>Additionally, some study guides have changed more frequently than others, and some still contain outdated information in their most recent versions.</a:t>
+            </a:r>
+          </a:p>
+          <a:p>
+            <a:endParaRPr lang="en-US" dirty="0"/>
+          </a:p>
+          <a:p>
+            <a:endParaRPr lang="en-US" dirty="0"/>
+          </a:p>
+        </p:txBody>
+      </p:sp>
+    </p:spTree>
+    <p:extLst>
+      <p:ext uri="{BB962C8B-B14F-4D97-AF65-F5344CB8AC3E}">
+        <p14:creationId xmlns:p14="http://schemas.microsoft.com/office/powerpoint/2010/main" val="4113647300"/>
+      </p:ext>
+    </p:extLst>
+  </p:cSld>
+  <p:clrMapOvr>
+    <a:masterClrMapping/>
+  </p:clrMapOvr>
+</p:sld>
+</file>
+
+<file path=ppt/slides/slide15.xml><?xml version="1.0" encoding="utf-8"?>
+<p:sld xmlns:a="http://schemas.openxmlformats.org/drawingml/2006/main" xmlns:r="http://schemas.openxmlformats.org/officeDocument/2006/relationships" xmlns:p="http://schemas.openxmlformats.org/presentationml/2006/main">
+  <p:cSld>
+    <p:spTree>
+      <p:nvGrpSpPr>
+        <p:cNvPr id="1" name=""/>
+        <p:cNvGrpSpPr/>
+        <p:nvPr/>
+      </p:nvGrpSpPr>
+      <p:grpSpPr>
+        <a:xfrm>
+          <a:off x="0" y="0"/>
+          <a:ext cx="0" cy="0"/>
+          <a:chOff x="0" y="0"/>
+          <a:chExt cx="0" cy="0"/>
+        </a:xfrm>
+      </p:grpSpPr>
+      <p:sp>
+        <p:nvSpPr>
+          <p:cNvPr id="4" name="Title 3">
+            <a:extLst>
+              <a:ext uri="{FF2B5EF4-FFF2-40B4-BE49-F238E27FC236}">
+                <a16:creationId xmlns:a16="http://schemas.microsoft.com/office/drawing/2014/main" id="{C43EF85A-9EF5-2DBE-2ECF-2711A4E4A77E}"/>
+              </a:ext>
+            </a:extLst>
+          </p:cNvPr>
+          <p:cNvSpPr>
+            <a:spLocks noGrp="1"/>
+          </p:cNvSpPr>
+          <p:nvPr>
+            <p:ph type="title"/>
+          </p:nvPr>
+        </p:nvSpPr>
+        <p:spPr/>
+        <p:txBody>
+          <a:bodyPr/>
+          <a:lstStyle/>
+          <a:p>
+            <a:r>
+              <a:rPr lang="en-US" dirty="0"/>
+              <a:t>Other Findings</a:t>
+            </a:r>
+          </a:p>
+        </p:txBody>
+      </p:sp>
+      <p:sp>
+        <p:nvSpPr>
+          <p:cNvPr id="5" name="Content Placeholder 4">
+            <a:extLst>
+              <a:ext uri="{FF2B5EF4-FFF2-40B4-BE49-F238E27FC236}">
+                <a16:creationId xmlns:a16="http://schemas.microsoft.com/office/drawing/2014/main" id="{ED5124F5-5909-E264-5C59-8EFDA8B54CF5}"/>
+              </a:ext>
+            </a:extLst>
+          </p:cNvPr>
+          <p:cNvSpPr>
+            <a:spLocks noGrp="1"/>
+          </p:cNvSpPr>
+          <p:nvPr>
+            <p:ph idx="1"/>
+          </p:nvPr>
+        </p:nvSpPr>
+        <p:spPr/>
+        <p:txBody>
+          <a:bodyPr>
+            <a:normAutofit fontScale="85000" lnSpcReduction="20000"/>
+          </a:bodyPr>
+          <a:lstStyle/>
+          <a:p>
+            <a:r>
+              <a:rPr lang="en-US" dirty="0"/>
+              <a:t>ArXiv is unique because it does not just collect the metadata for a publication; it also acts as a repository for the publication itself. </a:t>
+            </a:r>
+          </a:p>
+          <a:p>
+            <a:r>
+              <a:rPr lang="en-US" dirty="0"/>
+              <a:t>ArXiv can do this by limiting their publications to only those that are open access. </a:t>
+            </a:r>
+          </a:p>
+          <a:p>
+            <a:r>
+              <a:rPr lang="en-US" dirty="0"/>
+              <a:t>The benefit of this method is that arXiv controls the publication’s location, enabling them to ensure the reference remains up-to-date.</a:t>
+            </a:r>
+          </a:p>
+          <a:p>
+            <a:endParaRPr lang="en-US" dirty="0"/>
+          </a:p>
+          <a:p>
+            <a:endParaRPr lang="en-US" dirty="0"/>
+          </a:p>
+        </p:txBody>
+      </p:sp>
+    </p:spTree>
+    <p:extLst>
+      <p:ext uri="{BB962C8B-B14F-4D97-AF65-F5344CB8AC3E}">
+        <p14:creationId xmlns:p14="http://schemas.microsoft.com/office/powerpoint/2010/main" val="59802502"/>
+      </p:ext>
+    </p:extLst>
+  </p:cSld>
+  <p:clrMapOvr>
+    <a:masterClrMapping/>
+  </p:clrMapOvr>
+</p:sld>
+</file>
+
+<file path=ppt/slides/slide16.xml><?xml version="1.0" encoding="utf-8"?>
+<p:sld xmlns:a="http://schemas.openxmlformats.org/drawingml/2006/main" xmlns:r="http://schemas.openxmlformats.org/officeDocument/2006/relationships" xmlns:p="http://schemas.openxmlformats.org/presentationml/2006/main">
+  <p:cSld>
+    <p:spTree>
+      <p:nvGrpSpPr>
+        <p:cNvPr id="1" name=""/>
+        <p:cNvGrpSpPr/>
+        <p:nvPr/>
+      </p:nvGrpSpPr>
+      <p:grpSpPr>
+        <a:xfrm>
+          <a:off x="0" y="0"/>
+          <a:ext cx="0" cy="0"/>
+          <a:chOff x="0" y="0"/>
+          <a:chExt cx="0" cy="0"/>
+        </a:xfrm>
+      </p:grpSpPr>
+      <p:sp>
+        <p:nvSpPr>
+          <p:cNvPr id="6" name="Content Placeholder 5">
+            <a:extLst>
+              <a:ext uri="{FF2B5EF4-FFF2-40B4-BE49-F238E27FC236}">
+                <a16:creationId xmlns:a16="http://schemas.microsoft.com/office/drawing/2014/main" id="{54F90BC5-BBBA-50FA-881E-32B5888CF94C}"/>
+              </a:ext>
+            </a:extLst>
+          </p:cNvPr>
+          <p:cNvSpPr>
+            <a:spLocks noGrp="1"/>
+          </p:cNvSpPr>
+          <p:nvPr>
+            <p:ph idx="1"/>
+          </p:nvPr>
+        </p:nvSpPr>
+        <p:spPr/>
+        <p:txBody>
+          <a:bodyPr/>
+          <a:lstStyle/>
+          <a:p>
+            <a:endParaRPr lang="en-US"/>
+          </a:p>
+        </p:txBody>
+      </p:sp>
+      <p:sp>
+        <p:nvSpPr>
+          <p:cNvPr id="7" name="Content Placeholder 6">
+            <a:extLst>
+              <a:ext uri="{FF2B5EF4-FFF2-40B4-BE49-F238E27FC236}">
+                <a16:creationId xmlns:a16="http://schemas.microsoft.com/office/drawing/2014/main" id="{B88A3976-C29B-1A16-EAB4-25A0F3CB18AD}"/>
+              </a:ext>
+            </a:extLst>
+          </p:cNvPr>
+          <p:cNvSpPr>
+            <a:spLocks noGrp="1"/>
+          </p:cNvSpPr>
+          <p:nvPr>
+            <p:ph idx="11"/>
+          </p:nvPr>
+        </p:nvSpPr>
+        <p:spPr/>
+        <p:txBody>
+          <a:bodyPr/>
+          <a:lstStyle/>
+          <a:p>
+            <a:endParaRPr lang="en-US"/>
+          </a:p>
+        </p:txBody>
+      </p:sp>
+      <p:sp>
+        <p:nvSpPr>
+          <p:cNvPr id="5" name="Title 4">
+            <a:extLst>
+              <a:ext uri="{FF2B5EF4-FFF2-40B4-BE49-F238E27FC236}">
+                <a16:creationId xmlns:a16="http://schemas.microsoft.com/office/drawing/2014/main" id="{8656D822-A16C-27EC-F7D3-8894F12C55D8}"/>
+              </a:ext>
+            </a:extLst>
+          </p:cNvPr>
+          <p:cNvSpPr>
+            <a:spLocks noGrp="1"/>
+          </p:cNvSpPr>
+          <p:nvPr>
+            <p:ph type="title"/>
+          </p:nvPr>
+        </p:nvSpPr>
+        <p:spPr/>
+        <p:txBody>
+          <a:bodyPr/>
+          <a:lstStyle/>
+          <a:p>
+            <a:r>
+              <a:rPr lang="en-US" dirty="0"/>
+              <a:t>Rotting Research: The Project</a:t>
+            </a:r>
+          </a:p>
+        </p:txBody>
+      </p:sp>
+    </p:spTree>
+    <p:extLst>
+      <p:ext uri="{BB962C8B-B14F-4D97-AF65-F5344CB8AC3E}">
+        <p14:creationId xmlns:p14="http://schemas.microsoft.com/office/powerpoint/2010/main" val="1176122726"/>
+      </p:ext>
+    </p:extLst>
+  </p:cSld>
+  <p:clrMapOvr>
+    <a:masterClrMapping/>
+  </p:clrMapOvr>
+</p:sld>
+</file>
+
+<file path=ppt/slides/slide17.xml><?xml version="1.0" encoding="utf-8"?>
+<p:sld xmlns:a="http://schemas.openxmlformats.org/drawingml/2006/main" xmlns:r="http://schemas.openxmlformats.org/officeDocument/2006/relationships" xmlns:p="http://schemas.openxmlformats.org/presentationml/2006/main">
+  <p:cSld>
+    <p:spTree>
+      <p:nvGrpSpPr>
+        <p:cNvPr id="1" name=""/>
+        <p:cNvGrpSpPr/>
+        <p:nvPr/>
+      </p:nvGrpSpPr>
+      <p:grpSpPr>
+        <a:xfrm>
+          <a:off x="0" y="0"/>
+          <a:ext cx="0" cy="0"/>
+          <a:chOff x="0" y="0"/>
+          <a:chExt cx="0" cy="0"/>
+        </a:xfrm>
+      </p:grpSpPr>
+      <p:sp>
+        <p:nvSpPr>
+          <p:cNvPr id="6" name="Content Placeholder 5">
+            <a:extLst>
+              <a:ext uri="{FF2B5EF4-FFF2-40B4-BE49-F238E27FC236}">
+                <a16:creationId xmlns:a16="http://schemas.microsoft.com/office/drawing/2014/main" id="{54F90BC5-BBBA-50FA-881E-32B5888CF94C}"/>
+              </a:ext>
+            </a:extLst>
+          </p:cNvPr>
+          <p:cNvSpPr>
+            <a:spLocks noGrp="1"/>
+          </p:cNvSpPr>
+          <p:nvPr>
+            <p:ph idx="1"/>
+          </p:nvPr>
+        </p:nvSpPr>
+        <p:spPr/>
+        <p:txBody>
+          <a:bodyPr/>
+          <a:lstStyle/>
+          <a:p>
+            <a:endParaRPr lang="en-US" dirty="0"/>
+          </a:p>
+        </p:txBody>
+      </p:sp>
+      <p:sp>
+        <p:nvSpPr>
+          <p:cNvPr id="7" name="Content Placeholder 6">
+            <a:extLst>
+              <a:ext uri="{FF2B5EF4-FFF2-40B4-BE49-F238E27FC236}">
+                <a16:creationId xmlns:a16="http://schemas.microsoft.com/office/drawing/2014/main" id="{B88A3976-C29B-1A16-EAB4-25A0F3CB18AD}"/>
+              </a:ext>
+            </a:extLst>
+          </p:cNvPr>
+          <p:cNvSpPr>
+            <a:spLocks noGrp="1"/>
+          </p:cNvSpPr>
+          <p:nvPr>
+            <p:ph idx="11"/>
+          </p:nvPr>
+        </p:nvSpPr>
+        <p:spPr/>
+        <p:txBody>
+          <a:bodyPr/>
+          <a:lstStyle/>
+          <a:p>
+            <a:endParaRPr lang="en-US"/>
+          </a:p>
+        </p:txBody>
+      </p:sp>
+      <p:sp>
+        <p:nvSpPr>
+          <p:cNvPr id="5" name="Title 4">
+            <a:extLst>
+              <a:ext uri="{FF2B5EF4-FFF2-40B4-BE49-F238E27FC236}">
+                <a16:creationId xmlns:a16="http://schemas.microsoft.com/office/drawing/2014/main" id="{8656D822-A16C-27EC-F7D3-8894F12C55D8}"/>
+              </a:ext>
+            </a:extLst>
+          </p:cNvPr>
+          <p:cNvSpPr>
+            <a:spLocks noGrp="1"/>
+          </p:cNvSpPr>
+          <p:nvPr>
+            <p:ph type="title"/>
+          </p:nvPr>
+        </p:nvSpPr>
+        <p:spPr/>
+        <p:txBody>
+          <a:bodyPr/>
+          <a:lstStyle/>
+          <a:p>
+            <a:r>
+              <a:rPr lang="en-US" dirty="0"/>
+              <a:t>Rotting Research: The Plan</a:t>
+            </a:r>
+          </a:p>
+        </p:txBody>
+      </p:sp>
+    </p:spTree>
+    <p:extLst>
+      <p:ext uri="{BB962C8B-B14F-4D97-AF65-F5344CB8AC3E}">
+        <p14:creationId xmlns:p14="http://schemas.microsoft.com/office/powerpoint/2010/main" val="694727690"/>
+      </p:ext>
+    </p:extLst>
+  </p:cSld>
+  <p:clrMapOvr>
+    <a:masterClrMapping/>
+  </p:clrMapOvr>
+</p:sld>
+</file>
+
+<file path=ppt/slides/slide18.xml><?xml version="1.0" encoding="utf-8"?>
+<p:sld xmlns:a="http://schemas.openxmlformats.org/drawingml/2006/main" xmlns:r="http://schemas.openxmlformats.org/officeDocument/2006/relationships" xmlns:p="http://schemas.openxmlformats.org/presentationml/2006/main">
+  <p:cSld>
+    <p:spTree>
+      <p:nvGrpSpPr>
+        <p:cNvPr id="1" name=""/>
+        <p:cNvGrpSpPr/>
+        <p:nvPr/>
+      </p:nvGrpSpPr>
+      <p:grpSpPr>
+        <a:xfrm>
+          <a:off x="0" y="0"/>
+          <a:ext cx="0" cy="0"/>
+          <a:chOff x="0" y="0"/>
+          <a:chExt cx="0" cy="0"/>
+        </a:xfrm>
+      </p:grpSpPr>
+      <p:sp>
+        <p:nvSpPr>
+          <p:cNvPr id="6" name="Content Placeholder 5">
+            <a:extLst>
+              <a:ext uri="{FF2B5EF4-FFF2-40B4-BE49-F238E27FC236}">
+                <a16:creationId xmlns:a16="http://schemas.microsoft.com/office/drawing/2014/main" id="{54F90BC5-BBBA-50FA-881E-32B5888CF94C}"/>
+              </a:ext>
+            </a:extLst>
+          </p:cNvPr>
+          <p:cNvSpPr>
+            <a:spLocks noGrp="1"/>
+          </p:cNvSpPr>
+          <p:nvPr>
+            <p:ph idx="1"/>
+          </p:nvPr>
+        </p:nvSpPr>
+        <p:spPr/>
+        <p:txBody>
+          <a:bodyPr/>
+          <a:lstStyle/>
+          <a:p>
+            <a:r>
+              <a:rPr lang="en-US" dirty="0"/>
+              <a:t>Content Drift</a:t>
+            </a:r>
+          </a:p>
+          <a:p>
+            <a:endParaRPr lang="en-US" dirty="0"/>
+          </a:p>
+        </p:txBody>
+      </p:sp>
+      <p:sp>
+        <p:nvSpPr>
+          <p:cNvPr id="7" name="Content Placeholder 6">
+            <a:extLst>
+              <a:ext uri="{FF2B5EF4-FFF2-40B4-BE49-F238E27FC236}">
+                <a16:creationId xmlns:a16="http://schemas.microsoft.com/office/drawing/2014/main" id="{B88A3976-C29B-1A16-EAB4-25A0F3CB18AD}"/>
+              </a:ext>
+            </a:extLst>
+          </p:cNvPr>
+          <p:cNvSpPr>
+            <a:spLocks noGrp="1"/>
+          </p:cNvSpPr>
+          <p:nvPr>
+            <p:ph idx="11"/>
+          </p:nvPr>
+        </p:nvSpPr>
+        <p:spPr/>
+        <p:txBody>
+          <a:bodyPr/>
+          <a:lstStyle/>
+          <a:p>
+            <a:endParaRPr lang="en-US"/>
+          </a:p>
+        </p:txBody>
+      </p:sp>
+      <p:sp>
+        <p:nvSpPr>
+          <p:cNvPr id="5" name="Title 4">
+            <a:extLst>
+              <a:ext uri="{FF2B5EF4-FFF2-40B4-BE49-F238E27FC236}">
+                <a16:creationId xmlns:a16="http://schemas.microsoft.com/office/drawing/2014/main" id="{8656D822-A16C-27EC-F7D3-8894F12C55D8}"/>
+              </a:ext>
+            </a:extLst>
+          </p:cNvPr>
+          <p:cNvSpPr>
+            <a:spLocks noGrp="1"/>
+          </p:cNvSpPr>
+          <p:nvPr>
+            <p:ph type="title"/>
+          </p:nvPr>
+        </p:nvSpPr>
+        <p:spPr/>
+        <p:txBody>
+          <a:bodyPr>
+            <a:normAutofit fontScale="90000"/>
+          </a:bodyPr>
+          <a:lstStyle/>
+          <a:p>
+            <a:r>
+              <a:rPr lang="en-US" dirty="0"/>
+              <a:t>Rotting Research: The Conversation</a:t>
+            </a:r>
+          </a:p>
+        </p:txBody>
+      </p:sp>
+    </p:spTree>
+    <p:extLst>
+      <p:ext uri="{BB962C8B-B14F-4D97-AF65-F5344CB8AC3E}">
+        <p14:creationId xmlns:p14="http://schemas.microsoft.com/office/powerpoint/2010/main" val="3447622449"/>
+      </p:ext>
+    </p:extLst>
+  </p:cSld>
+  <p:clrMapOvr>
+    <a:masterClrMapping/>
+  </p:clrMapOvr>
+</p:sld>
+</file>
+
+<file path=ppt/slides/slide19.xml><?xml version="1.0" encoding="utf-8"?>
+<p:sld xmlns:a="http://schemas.openxmlformats.org/drawingml/2006/main" xmlns:r="http://schemas.openxmlformats.org/officeDocument/2006/relationships" xmlns:p="http://schemas.openxmlformats.org/presentationml/2006/main">
+  <p:cSld>
+    <p:spTree>
+      <p:nvGrpSpPr>
+        <p:cNvPr id="1" name=""/>
+        <p:cNvGrpSpPr/>
+        <p:nvPr/>
+      </p:nvGrpSpPr>
+      <p:grpSpPr>
+        <a:xfrm>
+          <a:off x="0" y="0"/>
+          <a:ext cx="0" cy="0"/>
+          <a:chOff x="0" y="0"/>
+          <a:chExt cx="0" cy="0"/>
+        </a:xfrm>
+      </p:grpSpPr>
+      <p:sp>
+        <p:nvSpPr>
+          <p:cNvPr id="4" name="Title 3">
+            <a:extLst>
+              <a:ext uri="{FF2B5EF4-FFF2-40B4-BE49-F238E27FC236}">
+                <a16:creationId xmlns:a16="http://schemas.microsoft.com/office/drawing/2014/main" id="{C43EF85A-9EF5-2DBE-2ECF-2711A4E4A77E}"/>
+              </a:ext>
+            </a:extLst>
+          </p:cNvPr>
+          <p:cNvSpPr>
+            <a:spLocks noGrp="1"/>
+          </p:cNvSpPr>
+          <p:nvPr>
+            <p:ph type="title"/>
+          </p:nvPr>
+        </p:nvSpPr>
+        <p:spPr/>
+        <p:txBody>
+          <a:bodyPr/>
+          <a:lstStyle/>
+          <a:p>
+            <a:r>
+              <a:rPr lang="en-US" dirty="0"/>
+              <a:t>Resources</a:t>
+            </a:r>
+          </a:p>
+        </p:txBody>
+      </p:sp>
+      <p:sp>
+        <p:nvSpPr>
+          <p:cNvPr id="5" name="Content Placeholder 4">
+            <a:extLst>
+              <a:ext uri="{FF2B5EF4-FFF2-40B4-BE49-F238E27FC236}">
+                <a16:creationId xmlns:a16="http://schemas.microsoft.com/office/drawing/2014/main" id="{ED5124F5-5909-E264-5C59-8EFDA8B54CF5}"/>
+              </a:ext>
+            </a:extLst>
+          </p:cNvPr>
+          <p:cNvSpPr>
+            <a:spLocks noGrp="1"/>
+          </p:cNvSpPr>
+          <p:nvPr>
+            <p:ph idx="1"/>
+          </p:nvPr>
+        </p:nvSpPr>
+        <p:spPr/>
+        <p:txBody>
+          <a:bodyPr/>
+          <a:lstStyle/>
+          <a:p>
+            <a:endParaRPr lang="en-US"/>
+          </a:p>
+        </p:txBody>
+      </p:sp>
+    </p:spTree>
+    <p:extLst>
+      <p:ext uri="{BB962C8B-B14F-4D97-AF65-F5344CB8AC3E}">
+        <p14:creationId xmlns:p14="http://schemas.microsoft.com/office/powerpoint/2010/main" val="2472037666"/>
       </p:ext>
     </p:extLst>
   </p:cSld>
@@ -2171,20 +3374,48 @@
           <a:chExt cx="0" cy="0"/>
         </a:xfrm>
       </p:grpSpPr>
-      <p:sp>
-        <p:nvSpPr>
-          <p:cNvPr id="3" name="Title 2">
-            <a:extLst>
-              <a:ext uri="{FF2B5EF4-FFF2-40B4-BE49-F238E27FC236}">
-                <a16:creationId xmlns:a16="http://schemas.microsoft.com/office/drawing/2014/main" id="{D559D7F0-48C3-AF9D-EFDD-94470714848B}"/>
-              </a:ext>
-            </a:extLst>
-          </p:cNvPr>
-          <p:cNvSpPr>
-            <a:spLocks noGrp="1"/>
-          </p:cNvSpPr>
-          <p:nvPr>
-            <p:ph type="ctrTitle"/>
+      <p:pic>
+        <p:nvPicPr>
+          <p:cNvPr id="3" name="Picture Placeholder 2" descr="Dr. Marshal Miller headshot.">
+            <a:extLst>
+              <a:ext uri="{FF2B5EF4-FFF2-40B4-BE49-F238E27FC236}">
+                <a16:creationId xmlns:a16="http://schemas.microsoft.com/office/drawing/2014/main" id="{69EF6305-B8C9-54D3-BAB1-EC0591E02C49}"/>
+              </a:ext>
+            </a:extLst>
+          </p:cNvPr>
+          <p:cNvPicPr>
+            <a:picLocks noGrp="1" noChangeAspect="1"/>
+          </p:cNvPicPr>
+          <p:nvPr>
+            <p:ph type="pic" idx="1"/>
+          </p:nvPr>
+        </p:nvPicPr>
+        <p:blipFill rotWithShape="1">
+          <a:blip r:embed="rId2"/>
+          <a:srcRect t="10866" b="24574"/>
+          <a:stretch/>
+        </p:blipFill>
+        <p:spPr>
+          <a:xfrm>
+            <a:off x="504567" y="1257871"/>
+            <a:ext cx="2960948" cy="2548742"/>
+          </a:xfrm>
+        </p:spPr>
+      </p:pic>
+      <p:sp>
+        <p:nvSpPr>
+          <p:cNvPr id="8" name="Content Placeholder 7">
+            <a:extLst>
+              <a:ext uri="{FF2B5EF4-FFF2-40B4-BE49-F238E27FC236}">
+                <a16:creationId xmlns:a16="http://schemas.microsoft.com/office/drawing/2014/main" id="{7AD77B16-1624-69FD-3B62-ACA48E2AF6E4}"/>
+              </a:ext>
+            </a:extLst>
+          </p:cNvPr>
+          <p:cNvSpPr>
+            <a:spLocks noGrp="1"/>
+          </p:cNvSpPr>
+          <p:nvPr>
+            <p:ph idx="11"/>
           </p:nvPr>
         </p:nvSpPr>
         <p:spPr/>
@@ -2192,14 +3423,386 @@
           <a:bodyPr/>
           <a:lstStyle/>
           <a:p>
-            <a:endParaRPr lang="en-US"/>
+            <a:pPr algn="ctr"/>
+            <a:r>
+              <a:rPr lang="en-US" dirty="0"/>
+              <a:t>Dr. Marshal A. Miller</a:t>
+            </a:r>
+          </a:p>
+          <a:p>
+            <a:pPr algn="ctr"/>
+            <a:r>
+              <a:rPr lang="en-US" dirty="0"/>
+              <a:t>Assistant Professor</a:t>
+            </a:r>
+          </a:p>
+          <a:p>
+            <a:pPr algn="ctr"/>
+            <a:r>
+              <a:rPr lang="en-US" dirty="0"/>
+              <a:t>Computer &amp; Information Science</a:t>
+            </a:r>
+          </a:p>
+          <a:p>
+            <a:pPr algn="ctr"/>
+            <a:r>
+              <a:rPr lang="en-US" dirty="0"/>
+              <a:t>Northampton Community College</a:t>
+            </a:r>
+          </a:p>
+        </p:txBody>
+      </p:sp>
+      <p:sp>
+        <p:nvSpPr>
+          <p:cNvPr id="6" name="Title 5">
+            <a:extLst>
+              <a:ext uri="{FF2B5EF4-FFF2-40B4-BE49-F238E27FC236}">
+                <a16:creationId xmlns:a16="http://schemas.microsoft.com/office/drawing/2014/main" id="{0B877BBE-5B2E-BD9E-EB26-F61581EB2F70}"/>
+              </a:ext>
+            </a:extLst>
+          </p:cNvPr>
+          <p:cNvSpPr>
+            <a:spLocks noGrp="1"/>
+          </p:cNvSpPr>
+          <p:nvPr>
+            <p:ph type="title"/>
+          </p:nvPr>
+        </p:nvSpPr>
+        <p:spPr/>
+        <p:txBody>
+          <a:bodyPr/>
+          <a:lstStyle/>
+          <a:p>
+            <a:r>
+              <a:rPr lang="en-US" dirty="0"/>
+              <a:t>About Me</a:t>
+            </a:r>
+          </a:p>
+        </p:txBody>
+      </p:sp>
+      <p:sp>
+        <p:nvSpPr>
+          <p:cNvPr id="9" name="Content Placeholder 8">
+            <a:extLst>
+              <a:ext uri="{FF2B5EF4-FFF2-40B4-BE49-F238E27FC236}">
+                <a16:creationId xmlns:a16="http://schemas.microsoft.com/office/drawing/2014/main" id="{9C82E228-0385-8FDB-B701-B2E00B20EB83}"/>
+              </a:ext>
+            </a:extLst>
+          </p:cNvPr>
+          <p:cNvSpPr>
+            <a:spLocks noGrp="1"/>
+          </p:cNvSpPr>
+          <p:nvPr>
+            <p:ph idx="13"/>
+          </p:nvPr>
+        </p:nvSpPr>
+        <p:spPr/>
+        <p:txBody>
+          <a:bodyPr/>
+          <a:lstStyle/>
+          <a:p>
+            <a:endParaRPr lang="en-US" dirty="0"/>
           </a:p>
         </p:txBody>
       </p:sp>
     </p:spTree>
     <p:extLst>
       <p:ext uri="{BB962C8B-B14F-4D97-AF65-F5344CB8AC3E}">
-        <p14:creationId xmlns:p14="http://schemas.microsoft.com/office/powerpoint/2010/main" val="136673437"/>
+        <p14:creationId xmlns:p14="http://schemas.microsoft.com/office/powerpoint/2010/main" val="925506361"/>
+      </p:ext>
+    </p:extLst>
+  </p:cSld>
+  <p:clrMapOvr>
+    <a:masterClrMapping/>
+  </p:clrMapOvr>
+</p:sld>
+</file>
+
+<file path=ppt/slides/slide20.xml><?xml version="1.0" encoding="utf-8"?>
+<p:sld xmlns:a="http://schemas.openxmlformats.org/drawingml/2006/main" xmlns:r="http://schemas.openxmlformats.org/officeDocument/2006/relationships" xmlns:p="http://schemas.openxmlformats.org/presentationml/2006/main">
+  <p:cSld>
+    <p:spTree>
+      <p:nvGrpSpPr>
+        <p:cNvPr id="1" name=""/>
+        <p:cNvGrpSpPr/>
+        <p:nvPr/>
+      </p:nvGrpSpPr>
+      <p:grpSpPr>
+        <a:xfrm>
+          <a:off x="0" y="0"/>
+          <a:ext cx="0" cy="0"/>
+          <a:chOff x="0" y="0"/>
+          <a:chExt cx="0" cy="0"/>
+        </a:xfrm>
+      </p:grpSpPr>
+      <p:pic>
+        <p:nvPicPr>
+          <p:cNvPr id="5" name="Picture Placeholder 4" descr="Rotting Research Logo">
+            <a:extLst>
+              <a:ext uri="{FF2B5EF4-FFF2-40B4-BE49-F238E27FC236}">
+                <a16:creationId xmlns:a16="http://schemas.microsoft.com/office/drawing/2014/main" id="{26F63941-8B15-002A-E1D4-B16FEB626252}"/>
+              </a:ext>
+            </a:extLst>
+          </p:cNvPr>
+          <p:cNvPicPr>
+            <a:picLocks noGrp="1" noChangeAspect="1"/>
+          </p:cNvPicPr>
+          <p:nvPr>
+            <p:ph type="pic" idx="1"/>
+          </p:nvPr>
+        </p:nvPicPr>
+        <p:blipFill>
+          <a:blip r:embed="rId2"/>
+          <a:srcRect t="6944" b="6944"/>
+          <a:stretch>
+            <a:fillRect/>
+          </a:stretch>
+        </p:blipFill>
+        <p:spPr/>
+      </p:pic>
+      <p:pic>
+        <p:nvPicPr>
+          <p:cNvPr id="3" name="Content Placeholder 2" descr="Profile pictures of the contributors to the Rotting Research project.">
+            <a:extLst>
+              <a:ext uri="{FF2B5EF4-FFF2-40B4-BE49-F238E27FC236}">
+                <a16:creationId xmlns:a16="http://schemas.microsoft.com/office/drawing/2014/main" id="{9F58E178-EE28-706E-3776-19D94FEA7A08}"/>
+              </a:ext>
+            </a:extLst>
+          </p:cNvPr>
+          <p:cNvPicPr>
+            <a:picLocks noGrp="1" noChangeAspect="1"/>
+          </p:cNvPicPr>
+          <p:nvPr>
+            <p:ph idx="11"/>
+          </p:nvPr>
+        </p:nvPicPr>
+        <p:blipFill>
+          <a:blip r:embed="rId3"/>
+          <a:stretch>
+            <a:fillRect/>
+          </a:stretch>
+        </p:blipFill>
+        <p:spPr>
+          <a:xfrm>
+            <a:off x="3725863" y="2065758"/>
+            <a:ext cx="4960937" cy="1707308"/>
+          </a:xfrm>
+        </p:spPr>
+      </p:pic>
+      <p:sp>
+        <p:nvSpPr>
+          <p:cNvPr id="6" name="Title 5">
+            <a:extLst>
+              <a:ext uri="{FF2B5EF4-FFF2-40B4-BE49-F238E27FC236}">
+                <a16:creationId xmlns:a16="http://schemas.microsoft.com/office/drawing/2014/main" id="{0B877BBE-5B2E-BD9E-EB26-F61581EB2F70}"/>
+              </a:ext>
+            </a:extLst>
+          </p:cNvPr>
+          <p:cNvSpPr>
+            <a:spLocks noGrp="1"/>
+          </p:cNvSpPr>
+          <p:nvPr>
+            <p:ph type="title"/>
+          </p:nvPr>
+        </p:nvSpPr>
+        <p:spPr/>
+        <p:txBody>
+          <a:bodyPr/>
+          <a:lstStyle/>
+          <a:p>
+            <a:r>
+              <a:rPr lang="en-US" dirty="0"/>
+              <a:t>Contributors</a:t>
+            </a:r>
+          </a:p>
+        </p:txBody>
+      </p:sp>
+      <p:sp>
+        <p:nvSpPr>
+          <p:cNvPr id="9" name="Content Placeholder 8">
+            <a:extLst>
+              <a:ext uri="{FF2B5EF4-FFF2-40B4-BE49-F238E27FC236}">
+                <a16:creationId xmlns:a16="http://schemas.microsoft.com/office/drawing/2014/main" id="{9C82E228-0385-8FDB-B701-B2E00B20EB83}"/>
+              </a:ext>
+            </a:extLst>
+          </p:cNvPr>
+          <p:cNvSpPr>
+            <a:spLocks noGrp="1"/>
+          </p:cNvSpPr>
+          <p:nvPr>
+            <p:ph idx="13"/>
+          </p:nvPr>
+        </p:nvSpPr>
+        <p:spPr/>
+        <p:txBody>
+          <a:bodyPr/>
+          <a:lstStyle/>
+          <a:p>
+            <a:r>
+              <a:rPr lang="en-US" dirty="0"/>
+              <a:t>https://rottingresearch.org</a:t>
+            </a:r>
+          </a:p>
+        </p:txBody>
+      </p:sp>
+    </p:spTree>
+    <p:extLst>
+      <p:ext uri="{BB962C8B-B14F-4D97-AF65-F5344CB8AC3E}">
+        <p14:creationId xmlns:p14="http://schemas.microsoft.com/office/powerpoint/2010/main" val="3601119380"/>
+      </p:ext>
+    </p:extLst>
+  </p:cSld>
+  <p:clrMapOvr>
+    <a:masterClrMapping/>
+  </p:clrMapOvr>
+</p:sld>
+</file>
+
+<file path=ppt/slides/slide21.xml><?xml version="1.0" encoding="utf-8"?>
+<p:sld xmlns:a="http://schemas.openxmlformats.org/drawingml/2006/main" xmlns:r="http://schemas.openxmlformats.org/officeDocument/2006/relationships" xmlns:p="http://schemas.openxmlformats.org/presentationml/2006/main">
+  <p:cSld>
+    <p:spTree>
+      <p:nvGrpSpPr>
+        <p:cNvPr id="1" name=""/>
+        <p:cNvGrpSpPr/>
+        <p:nvPr/>
+      </p:nvGrpSpPr>
+      <p:grpSpPr>
+        <a:xfrm>
+          <a:off x="0" y="0"/>
+          <a:ext cx="0" cy="0"/>
+          <a:chOff x="0" y="0"/>
+          <a:chExt cx="0" cy="0"/>
+        </a:xfrm>
+      </p:grpSpPr>
+      <p:pic>
+        <p:nvPicPr>
+          <p:cNvPr id="2" name="Picture Placeholder 1">
+            <a:extLst>
+              <a:ext uri="{FF2B5EF4-FFF2-40B4-BE49-F238E27FC236}">
+                <a16:creationId xmlns:a16="http://schemas.microsoft.com/office/drawing/2014/main" id="{12F2AE35-9ACC-FEF3-F915-E71DA10C62C8}"/>
+              </a:ext>
+            </a:extLst>
+          </p:cNvPr>
+          <p:cNvPicPr>
+            <a:picLocks noGrp="1" noChangeAspect="1"/>
+          </p:cNvPicPr>
+          <p:nvPr>
+            <p:ph type="pic" idx="1"/>
+          </p:nvPr>
+        </p:nvPicPr>
+        <p:blipFill>
+          <a:blip r:embed="rId2"/>
+          <a:srcRect t="6944" b="6944"/>
+          <a:stretch>
+            <a:fillRect/>
+          </a:stretch>
+        </p:blipFill>
+        <p:spPr>
+          <a:prstGeom prst="rect">
+            <a:avLst/>
+          </a:prstGeom>
+        </p:spPr>
+      </p:pic>
+      <p:sp>
+        <p:nvSpPr>
+          <p:cNvPr id="8" name="Content Placeholder 7">
+            <a:extLst>
+              <a:ext uri="{FF2B5EF4-FFF2-40B4-BE49-F238E27FC236}">
+                <a16:creationId xmlns:a16="http://schemas.microsoft.com/office/drawing/2014/main" id="{7AD77B16-1624-69FD-3B62-ACA48E2AF6E4}"/>
+              </a:ext>
+            </a:extLst>
+          </p:cNvPr>
+          <p:cNvSpPr>
+            <a:spLocks noGrp="1"/>
+          </p:cNvSpPr>
+          <p:nvPr>
+            <p:ph idx="11"/>
+          </p:nvPr>
+        </p:nvSpPr>
+        <p:spPr/>
+        <p:txBody>
+          <a:bodyPr/>
+          <a:lstStyle/>
+          <a:p>
+            <a:endParaRPr lang="en-US" dirty="0"/>
+          </a:p>
+        </p:txBody>
+      </p:sp>
+      <p:sp>
+        <p:nvSpPr>
+          <p:cNvPr id="6" name="Title 5">
+            <a:extLst>
+              <a:ext uri="{FF2B5EF4-FFF2-40B4-BE49-F238E27FC236}">
+                <a16:creationId xmlns:a16="http://schemas.microsoft.com/office/drawing/2014/main" id="{0B877BBE-5B2E-BD9E-EB26-F61581EB2F70}"/>
+              </a:ext>
+            </a:extLst>
+          </p:cNvPr>
+          <p:cNvSpPr>
+            <a:spLocks noGrp="1"/>
+          </p:cNvSpPr>
+          <p:nvPr>
+            <p:ph type="title"/>
+          </p:nvPr>
+        </p:nvSpPr>
+        <p:spPr/>
+        <p:txBody>
+          <a:bodyPr/>
+          <a:lstStyle/>
+          <a:p>
+            <a:r>
+              <a:rPr lang="en-US" dirty="0"/>
+              <a:t>Leave Feedback</a:t>
+            </a:r>
+          </a:p>
+        </p:txBody>
+      </p:sp>
+      <p:sp>
+        <p:nvSpPr>
+          <p:cNvPr id="9" name="Content Placeholder 8">
+            <a:extLst>
+              <a:ext uri="{FF2B5EF4-FFF2-40B4-BE49-F238E27FC236}">
+                <a16:creationId xmlns:a16="http://schemas.microsoft.com/office/drawing/2014/main" id="{9C82E228-0385-8FDB-B701-B2E00B20EB83}"/>
+              </a:ext>
+            </a:extLst>
+          </p:cNvPr>
+          <p:cNvSpPr>
+            <a:spLocks noGrp="1"/>
+          </p:cNvSpPr>
+          <p:nvPr>
+            <p:ph idx="13"/>
+          </p:nvPr>
+        </p:nvSpPr>
+        <p:spPr>
+          <a:xfrm>
+            <a:off x="370936" y="4005040"/>
+            <a:ext cx="3217653" cy="395833"/>
+          </a:xfrm>
+        </p:spPr>
+        <p:txBody>
+          <a:bodyPr>
+            <a:normAutofit fontScale="77500" lnSpcReduction="20000"/>
+          </a:bodyPr>
+          <a:lstStyle/>
+          <a:p>
+            <a:r>
+              <a:rPr lang="en-US" dirty="0">
+                <a:solidFill>
+                  <a:srgbClr val="000000"/>
+                </a:solidFill>
+              </a:rPr>
+              <a:t>https://app.keysurvey.com/f/41693657/5c14/</a:t>
+            </a:r>
+          </a:p>
+          <a:p>
+            <a:endParaRPr lang="en-US" dirty="0"/>
+          </a:p>
+        </p:txBody>
+      </p:sp>
+    </p:spTree>
+    <p:extLst>
+      <p:ext uri="{BB962C8B-B14F-4D97-AF65-F5344CB8AC3E}">
+        <p14:creationId xmlns:p14="http://schemas.microsoft.com/office/powerpoint/2010/main" val="1975398621"/>
       </p:ext>
     </p:extLst>
   </p:cSld>
@@ -2244,35 +3847,70 @@
         </p:nvSpPr>
         <p:spPr/>
         <p:txBody>
+          <a:bodyPr>
+            <a:normAutofit/>
+          </a:bodyPr>
+          <a:lstStyle/>
+          <a:p>
+            <a:pPr marL="0" indent="0">
+              <a:buNone/>
+            </a:pPr>
+            <a:r>
+              <a:rPr lang="en-US" sz="2800" dirty="0"/>
+              <a:t>By the end of this presentation, you will be able to:</a:t>
+            </a:r>
+          </a:p>
+          <a:p>
+            <a:pPr marL="0" indent="0">
+              <a:buNone/>
+            </a:pPr>
+            <a:endParaRPr lang="en-US" sz="2800" dirty="0"/>
+          </a:p>
+          <a:p>
+            <a:r>
+              <a:rPr lang="en-US" sz="2400" dirty="0"/>
+              <a:t>Define link rot.</a:t>
+            </a:r>
+          </a:p>
+          <a:p>
+            <a:r>
+              <a:rPr lang="en-US" sz="2400" dirty="0"/>
+              <a:t>Describe the effect of link rot on scholarly research.</a:t>
+            </a:r>
+          </a:p>
+          <a:p>
+            <a:r>
+              <a:rPr lang="en-US" sz="2400" dirty="0"/>
+              <a:t>Discuss potential remediations.</a:t>
+            </a:r>
+          </a:p>
+        </p:txBody>
+      </p:sp>
+      <p:sp>
+        <p:nvSpPr>
+          <p:cNvPr id="4" name="Title 3">
+            <a:extLst>
+              <a:ext uri="{FF2B5EF4-FFF2-40B4-BE49-F238E27FC236}">
+                <a16:creationId xmlns:a16="http://schemas.microsoft.com/office/drawing/2014/main" id="{A1294C0E-003B-C0DC-0D0F-64928123F505}"/>
+              </a:ext>
+            </a:extLst>
+          </p:cNvPr>
+          <p:cNvSpPr>
+            <a:spLocks noGrp="1"/>
+          </p:cNvSpPr>
+          <p:nvPr>
+            <p:ph type="title"/>
+          </p:nvPr>
+        </p:nvSpPr>
+        <p:spPr/>
+        <p:txBody>
           <a:bodyPr/>
           <a:lstStyle/>
           <a:p>
-            <a:endParaRPr lang="en-US"/>
-          </a:p>
-        </p:txBody>
-      </p:sp>
-      <p:sp>
-        <p:nvSpPr>
-          <p:cNvPr id="4" name="Title 3">
-            <a:extLst>
-              <a:ext uri="{FF2B5EF4-FFF2-40B4-BE49-F238E27FC236}">
-                <a16:creationId xmlns:a16="http://schemas.microsoft.com/office/drawing/2014/main" id="{A1294C0E-003B-C0DC-0D0F-64928123F505}"/>
-              </a:ext>
-            </a:extLst>
-          </p:cNvPr>
-          <p:cNvSpPr>
-            <a:spLocks noGrp="1"/>
-          </p:cNvSpPr>
-          <p:nvPr>
-            <p:ph type="title"/>
-          </p:nvPr>
-        </p:nvSpPr>
-        <p:spPr/>
-        <p:txBody>
-          <a:bodyPr/>
-          <a:lstStyle/>
-          <a:p>
-            <a:endParaRPr lang="en-US"/>
+            <a:r>
+              <a:rPr lang="en-US" dirty="0"/>
+              <a:t>Learning Objectives</a:t>
+            </a:r>
           </a:p>
         </p:txBody>
       </p:sp>
@@ -2327,7 +3965,10 @@
           <a:bodyPr/>
           <a:lstStyle/>
           <a:p>
-            <a:endParaRPr lang="en-US"/>
+            <a:r>
+              <a:rPr lang="en-US" dirty="0"/>
+              <a:t>What is Link Rot?</a:t>
+            </a:r>
           </a:p>
         </p:txBody>
       </p:sp>
@@ -2352,7 +3993,14 @@
           <a:bodyPr/>
           <a:lstStyle/>
           <a:p>
-            <a:endParaRPr lang="en-US"/>
+            <a:r>
+              <a:rPr lang="en-US" b="1" i="1" dirty="0"/>
+              <a:t>Link rot: </a:t>
+            </a:r>
+            <a:r>
+              <a:rPr lang="en-US" dirty="0"/>
+              <a:t>The phenomenon of resources becoming inaccessible over time when their originally cited location is relocated or becomes permanently unavailable.</a:t>
+            </a:r>
           </a:p>
         </p:txBody>
       </p:sp>
@@ -2388,18 +4036,18 @@
       </p:grpSpPr>
       <p:sp>
         <p:nvSpPr>
-          <p:cNvPr id="6" name="Content Placeholder 5">
-            <a:extLst>
-              <a:ext uri="{FF2B5EF4-FFF2-40B4-BE49-F238E27FC236}">
-                <a16:creationId xmlns:a16="http://schemas.microsoft.com/office/drawing/2014/main" id="{54F90BC5-BBBA-50FA-881E-32B5888CF94C}"/>
-              </a:ext>
-            </a:extLst>
-          </p:cNvPr>
-          <p:cNvSpPr>
-            <a:spLocks noGrp="1"/>
-          </p:cNvSpPr>
-          <p:nvPr>
-            <p:ph idx="1"/>
+          <p:cNvPr id="4" name="Title 3">
+            <a:extLst>
+              <a:ext uri="{FF2B5EF4-FFF2-40B4-BE49-F238E27FC236}">
+                <a16:creationId xmlns:a16="http://schemas.microsoft.com/office/drawing/2014/main" id="{C43EF85A-9EF5-2DBE-2ECF-2711A4E4A77E}"/>
+              </a:ext>
+            </a:extLst>
+          </p:cNvPr>
+          <p:cNvSpPr>
+            <a:spLocks noGrp="1"/>
+          </p:cNvSpPr>
+          <p:nvPr>
+            <p:ph type="title"/>
           </p:nvPr>
         </p:nvSpPr>
         <p:spPr/>
@@ -2407,24 +4055,27 @@
           <a:bodyPr/>
           <a:lstStyle/>
           <a:p>
-            <a:endParaRPr lang="en-US"/>
-          </a:p>
-        </p:txBody>
-      </p:sp>
-      <p:sp>
-        <p:nvSpPr>
-          <p:cNvPr id="7" name="Content Placeholder 6">
-            <a:extLst>
-              <a:ext uri="{FF2B5EF4-FFF2-40B4-BE49-F238E27FC236}">
-                <a16:creationId xmlns:a16="http://schemas.microsoft.com/office/drawing/2014/main" id="{B88A3976-C29B-1A16-EAB4-25A0F3CB18AD}"/>
-              </a:ext>
-            </a:extLst>
-          </p:cNvPr>
-          <p:cNvSpPr>
-            <a:spLocks noGrp="1"/>
-          </p:cNvSpPr>
-          <p:nvPr>
-            <p:ph idx="11"/>
+            <a:r>
+              <a:rPr lang="en-US" dirty="0"/>
+              <a:t>How Bad is It?</a:t>
+            </a:r>
+          </a:p>
+        </p:txBody>
+      </p:sp>
+      <p:sp>
+        <p:nvSpPr>
+          <p:cNvPr id="5" name="Content Placeholder 4">
+            <a:extLst>
+              <a:ext uri="{FF2B5EF4-FFF2-40B4-BE49-F238E27FC236}">
+                <a16:creationId xmlns:a16="http://schemas.microsoft.com/office/drawing/2014/main" id="{ED5124F5-5909-E264-5C59-8EFDA8B54CF5}"/>
+              </a:ext>
+            </a:extLst>
+          </p:cNvPr>
+          <p:cNvSpPr>
+            <a:spLocks noGrp="1"/>
+          </p:cNvSpPr>
+          <p:nvPr>
+            <p:ph idx="1"/>
           </p:nvPr>
         </p:nvSpPr>
         <p:spPr/>
@@ -2432,39 +4083,63 @@
           <a:bodyPr/>
           <a:lstStyle/>
           <a:p>
-            <a:endParaRPr lang="en-US"/>
-          </a:p>
-        </p:txBody>
-      </p:sp>
-      <p:sp>
-        <p:nvSpPr>
-          <p:cNvPr id="5" name="Title 4">
-            <a:extLst>
-              <a:ext uri="{FF2B5EF4-FFF2-40B4-BE49-F238E27FC236}">
-                <a16:creationId xmlns:a16="http://schemas.microsoft.com/office/drawing/2014/main" id="{8656D822-A16C-27EC-F7D3-8894F12C55D8}"/>
-              </a:ext>
-            </a:extLst>
-          </p:cNvPr>
-          <p:cNvSpPr>
-            <a:spLocks noGrp="1"/>
-          </p:cNvSpPr>
-          <p:nvPr>
-            <p:ph type="title"/>
-          </p:nvPr>
-        </p:nvSpPr>
-        <p:spPr/>
-        <p:txBody>
-          <a:bodyPr/>
-          <a:lstStyle/>
-          <a:p>
-            <a:endParaRPr lang="en-US"/>
+            <a:pPr algn="l"/>
+            <a:endParaRPr lang="en-US" sz="1800" b="0" i="0" u="none" strike="noStrike" baseline="0" dirty="0">
+              <a:latin typeface="Times New Roman" panose="02020603050405020304" pitchFamily="18" charset="0"/>
+            </a:endParaRPr>
+          </a:p>
+          <a:p>
+            <a:pPr algn="l"/>
+            <a:r>
+              <a:rPr lang="en-US" sz="1800" b="0" i="0" u="none" strike="noStrike" baseline="0" dirty="0" err="1">
+                <a:latin typeface="Times New Roman" panose="02020603050405020304" pitchFamily="18" charset="0"/>
+              </a:rPr>
+              <a:t>Krol</a:t>
+            </a:r>
+            <a:r>
+              <a:rPr lang="en-US" sz="1800" b="0" i="0" u="none" strike="noStrike" baseline="0" dirty="0">
+                <a:latin typeface="Times New Roman" panose="02020603050405020304" pitchFamily="18" charset="0"/>
+              </a:rPr>
+              <a:t> and Zdonek claimed over 70% of internet addresses cited in articles published in the </a:t>
+            </a:r>
+            <a:r>
+              <a:rPr lang="en-US" sz="1800" b="0" i="1" u="none" strike="noStrike" baseline="0" dirty="0">
+                <a:latin typeface="Times New Roman" panose="02020603050405020304" pitchFamily="18" charset="0"/>
+              </a:rPr>
+              <a:t>Harvard Law Review </a:t>
+            </a:r>
+            <a:r>
+              <a:rPr lang="en-US" sz="1800" b="0" i="0" u="none" strike="noStrike" baseline="0" dirty="0">
+                <a:latin typeface="Times New Roman" panose="02020603050405020304" pitchFamily="18" charset="0"/>
+              </a:rPr>
+              <a:t>failed to navigate to the original content. </a:t>
+            </a:r>
+          </a:p>
+          <a:p>
+            <a:pPr algn="l"/>
+            <a:r>
+              <a:rPr lang="en-US" sz="1800" b="0" i="0" u="none" strike="noStrike" baseline="0" dirty="0">
+                <a:latin typeface="Times New Roman" panose="02020603050405020304" pitchFamily="18" charset="0"/>
+              </a:rPr>
+              <a:t>The authors noted that even the Supreme Court has been affected, with only about 50% of links in their decisions leading to the content intended.</a:t>
+            </a:r>
+          </a:p>
+          <a:p>
+            <a:pPr algn="l"/>
+            <a:endParaRPr lang="en-US" sz="1800" b="0" i="0" u="none" strike="noStrike" baseline="0" dirty="0">
+              <a:latin typeface="Times New Roman" panose="02020603050405020304" pitchFamily="18" charset="0"/>
+            </a:endParaRPr>
+          </a:p>
+          <a:p>
+            <a:pPr algn="l"/>
+            <a:endParaRPr lang="en-US" dirty="0"/>
           </a:p>
         </p:txBody>
       </p:sp>
     </p:spTree>
     <p:extLst>
       <p:ext uri="{BB962C8B-B14F-4D97-AF65-F5344CB8AC3E}">
-        <p14:creationId xmlns:p14="http://schemas.microsoft.com/office/powerpoint/2010/main" val="1176122726"/>
+        <p14:creationId xmlns:p14="http://schemas.microsoft.com/office/powerpoint/2010/main" val="3404650080"/>
       </p:ext>
     </p:extLst>
   </p:cSld>
@@ -2493,10 +4168,10 @@
       </p:grpSpPr>
       <p:sp>
         <p:nvSpPr>
-          <p:cNvPr id="5" name="Title 4">
-            <a:extLst>
-              <a:ext uri="{FF2B5EF4-FFF2-40B4-BE49-F238E27FC236}">
-                <a16:creationId xmlns:a16="http://schemas.microsoft.com/office/drawing/2014/main" id="{0FD82C89-5670-5108-8471-E208F1DC0D65}"/>
+          <p:cNvPr id="4" name="Title 3">
+            <a:extLst>
+              <a:ext uri="{FF2B5EF4-FFF2-40B4-BE49-F238E27FC236}">
+                <a16:creationId xmlns:a16="http://schemas.microsoft.com/office/drawing/2014/main" id="{C43EF85A-9EF5-2DBE-2ECF-2711A4E4A77E}"/>
               </a:ext>
             </a:extLst>
           </p:cNvPr>
@@ -2512,57 +4187,71 @@
           <a:bodyPr/>
           <a:lstStyle/>
           <a:p>
-            <a:endParaRPr lang="en-US"/>
-          </a:p>
-        </p:txBody>
-      </p:sp>
-      <p:sp>
-        <p:nvSpPr>
-          <p:cNvPr id="7" name="Content Placeholder 6">
-            <a:extLst>
-              <a:ext uri="{FF2B5EF4-FFF2-40B4-BE49-F238E27FC236}">
-                <a16:creationId xmlns:a16="http://schemas.microsoft.com/office/drawing/2014/main" id="{88EB19D2-4589-3F46-9745-EEC0D3207AFC}"/>
-              </a:ext>
-            </a:extLst>
-          </p:cNvPr>
-          <p:cNvSpPr>
-            <a:spLocks noGrp="1"/>
-          </p:cNvSpPr>
-          <p:nvPr>
-            <p:ph idx="13"/>
+            <a:r>
+              <a:rPr lang="en-US" dirty="0"/>
+              <a:t>How Does This Affect Research?</a:t>
+            </a:r>
+          </a:p>
+        </p:txBody>
+      </p:sp>
+      <p:sp>
+        <p:nvSpPr>
+          <p:cNvPr id="5" name="Content Placeholder 4">
+            <a:extLst>
+              <a:ext uri="{FF2B5EF4-FFF2-40B4-BE49-F238E27FC236}">
+                <a16:creationId xmlns:a16="http://schemas.microsoft.com/office/drawing/2014/main" id="{ED5124F5-5909-E264-5C59-8EFDA8B54CF5}"/>
+              </a:ext>
+            </a:extLst>
+          </p:cNvPr>
+          <p:cNvSpPr>
+            <a:spLocks noGrp="1"/>
+          </p:cNvSpPr>
+          <p:nvPr>
+            <p:ph idx="1"/>
           </p:nvPr>
         </p:nvSpPr>
         <p:spPr/>
         <p:txBody>
-          <a:bodyPr/>
+          <a:bodyPr>
+            <a:normAutofit/>
+          </a:bodyPr>
           <a:lstStyle/>
           <a:p>
-            <a:endParaRPr lang="en-US"/>
-          </a:p>
-        </p:txBody>
-      </p:sp>
-      <p:sp>
-        <p:nvSpPr>
-          <p:cNvPr id="6" name="Picture Placeholder 5">
-            <a:extLst>
-              <a:ext uri="{FF2B5EF4-FFF2-40B4-BE49-F238E27FC236}">
-                <a16:creationId xmlns:a16="http://schemas.microsoft.com/office/drawing/2014/main" id="{AE620E06-C49C-9746-5BFD-E273AD3B5F9C}"/>
-              </a:ext>
-            </a:extLst>
-          </p:cNvPr>
-          <p:cNvSpPr>
-            <a:spLocks noGrp="1"/>
-          </p:cNvSpPr>
-          <p:nvPr>
-            <p:ph type="pic" idx="1"/>
-          </p:nvPr>
-        </p:nvSpPr>
-        <p:spPr/>
+            <a:r>
+              <a:rPr lang="en-US" sz="1600" dirty="0"/>
+              <a:t>Link rot severely affects academics, who rely heavily on previous research.</a:t>
+            </a:r>
+          </a:p>
+          <a:p>
+            <a:r>
+              <a:rPr lang="en-US" sz="1600" dirty="0"/>
+              <a:t>Replication of studies is difficult, or impossible, without the ability to find reference resources.</a:t>
+            </a:r>
+          </a:p>
+          <a:p>
+            <a:r>
+              <a:rPr lang="en-US" sz="1600" dirty="0"/>
+              <a:t>Loss of verification calls into question the validity of literature reviews.</a:t>
+            </a:r>
+          </a:p>
+          <a:p>
+            <a:r>
+              <a:rPr lang="en-US" sz="1600" dirty="0"/>
+              <a:t>Research has previously focused on individual disciplines.</a:t>
+            </a:r>
+          </a:p>
+          <a:p>
+            <a:r>
+              <a:rPr lang="en-US" sz="1600" dirty="0"/>
+              <a:t>A pilot study was conducted on an institutional repository.</a:t>
+            </a:r>
+          </a:p>
+        </p:txBody>
       </p:sp>
     </p:spTree>
     <p:extLst>
       <p:ext uri="{BB962C8B-B14F-4D97-AF65-F5344CB8AC3E}">
-        <p14:creationId xmlns:p14="http://schemas.microsoft.com/office/powerpoint/2010/main" val="406942763"/>
+        <p14:creationId xmlns:p14="http://schemas.microsoft.com/office/powerpoint/2010/main" val="443181356"/>
       </p:ext>
     </p:extLst>
   </p:cSld>
@@ -2591,36 +4280,18 @@
       </p:grpSpPr>
       <p:sp>
         <p:nvSpPr>
-          <p:cNvPr id="7" name="Picture Placeholder 6">
-            <a:extLst>
-              <a:ext uri="{FF2B5EF4-FFF2-40B4-BE49-F238E27FC236}">
-                <a16:creationId xmlns:a16="http://schemas.microsoft.com/office/drawing/2014/main" id="{6D72C1E5-60C4-8A53-B2B9-11B6431FFA52}"/>
-              </a:ext>
-            </a:extLst>
-          </p:cNvPr>
-          <p:cNvSpPr>
-            <a:spLocks noGrp="1"/>
-          </p:cNvSpPr>
-          <p:nvPr>
-            <p:ph type="pic" idx="1"/>
-          </p:nvPr>
-        </p:nvSpPr>
-        <p:spPr/>
-      </p:sp>
-      <p:sp>
-        <p:nvSpPr>
-          <p:cNvPr id="8" name="Content Placeholder 7">
-            <a:extLst>
-              <a:ext uri="{FF2B5EF4-FFF2-40B4-BE49-F238E27FC236}">
-                <a16:creationId xmlns:a16="http://schemas.microsoft.com/office/drawing/2014/main" id="{7AD77B16-1624-69FD-3B62-ACA48E2AF6E4}"/>
-              </a:ext>
-            </a:extLst>
-          </p:cNvPr>
-          <p:cNvSpPr>
-            <a:spLocks noGrp="1"/>
-          </p:cNvSpPr>
-          <p:nvPr>
-            <p:ph idx="11"/>
+          <p:cNvPr id="4" name="Title 3">
+            <a:extLst>
+              <a:ext uri="{FF2B5EF4-FFF2-40B4-BE49-F238E27FC236}">
+                <a16:creationId xmlns:a16="http://schemas.microsoft.com/office/drawing/2014/main" id="{C43EF85A-9EF5-2DBE-2ECF-2711A4E4A77E}"/>
+              </a:ext>
+            </a:extLst>
+          </p:cNvPr>
+          <p:cNvSpPr>
+            <a:spLocks noGrp="1"/>
+          </p:cNvSpPr>
+          <p:nvPr>
+            <p:ph type="title"/>
           </p:nvPr>
         </p:nvSpPr>
         <p:spPr/>
@@ -2628,64 +4299,406 @@
           <a:bodyPr/>
           <a:lstStyle/>
           <a:p>
-            <a:endParaRPr lang="en-US"/>
-          </a:p>
-        </p:txBody>
-      </p:sp>
-      <p:sp>
-        <p:nvSpPr>
-          <p:cNvPr id="6" name="Title 5">
-            <a:extLst>
-              <a:ext uri="{FF2B5EF4-FFF2-40B4-BE49-F238E27FC236}">
-                <a16:creationId xmlns:a16="http://schemas.microsoft.com/office/drawing/2014/main" id="{0B877BBE-5B2E-BD9E-EB26-F61581EB2F70}"/>
-              </a:ext>
-            </a:extLst>
-          </p:cNvPr>
-          <p:cNvSpPr>
-            <a:spLocks noGrp="1"/>
-          </p:cNvSpPr>
-          <p:nvPr>
-            <p:ph type="title"/>
+            <a:r>
+              <a:rPr lang="en-US" dirty="0"/>
+              <a:t>How Does This Affect Research?</a:t>
+            </a:r>
+          </a:p>
+        </p:txBody>
+      </p:sp>
+      <p:sp>
+        <p:nvSpPr>
+          <p:cNvPr id="5" name="Content Placeholder 4">
+            <a:extLst>
+              <a:ext uri="{FF2B5EF4-FFF2-40B4-BE49-F238E27FC236}">
+                <a16:creationId xmlns:a16="http://schemas.microsoft.com/office/drawing/2014/main" id="{ED5124F5-5909-E264-5C59-8EFDA8B54CF5}"/>
+              </a:ext>
+            </a:extLst>
+          </p:cNvPr>
+          <p:cNvSpPr>
+            <a:spLocks noGrp="1"/>
+          </p:cNvSpPr>
+          <p:nvPr>
+            <p:ph idx="1"/>
           </p:nvPr>
         </p:nvSpPr>
         <p:spPr/>
         <p:txBody>
-          <a:bodyPr/>
+          <a:bodyPr>
+            <a:normAutofit fontScale="92500"/>
+          </a:bodyPr>
           <a:lstStyle/>
           <a:p>
-            <a:endParaRPr lang="en-US"/>
-          </a:p>
-        </p:txBody>
-      </p:sp>
-      <p:sp>
-        <p:nvSpPr>
-          <p:cNvPr id="9" name="Content Placeholder 8">
-            <a:extLst>
-              <a:ext uri="{FF2B5EF4-FFF2-40B4-BE49-F238E27FC236}">
-                <a16:creationId xmlns:a16="http://schemas.microsoft.com/office/drawing/2014/main" id="{9C82E228-0385-8FDB-B701-B2E00B20EB83}"/>
-              </a:ext>
-            </a:extLst>
-          </p:cNvPr>
-          <p:cNvSpPr>
-            <a:spLocks noGrp="1"/>
-          </p:cNvSpPr>
-          <p:nvPr>
-            <p:ph idx="13"/>
-          </p:nvPr>
-        </p:nvSpPr>
-        <p:spPr/>
-        <p:txBody>
-          <a:bodyPr/>
-          <a:lstStyle/>
-          <a:p>
-            <a:endParaRPr lang="en-US"/>
+            <a:pPr algn="l"/>
+            <a:r>
+              <a:rPr lang="en-US" sz="1800" b="0" i="0" u="none" strike="noStrike" baseline="0" dirty="0">
+                <a:latin typeface="Times New Roman" panose="02020603050405020304" pitchFamily="18" charset="0"/>
+              </a:rPr>
+              <a:t>West et al. (2017) asserted that link rot has severe consequences for academics who rely</a:t>
+            </a:r>
+          </a:p>
+          <a:p>
+            <a:pPr algn="l"/>
+            <a:r>
+              <a:rPr lang="en-US" sz="1800" b="0" i="0" u="none" strike="noStrike" baseline="0" dirty="0">
+                <a:latin typeface="Times New Roman" panose="02020603050405020304" pitchFamily="18" charset="0"/>
+              </a:rPr>
+              <a:t>heavily on previous research. The authors added replication is difficult, if not impossible,</a:t>
+            </a:r>
+          </a:p>
+          <a:p>
+            <a:pPr algn="l"/>
+            <a:r>
+              <a:rPr lang="en-US" sz="1800" b="0" i="0" u="none" strike="noStrike" baseline="0" dirty="0">
+                <a:latin typeface="Times New Roman" panose="02020603050405020304" pitchFamily="18" charset="0"/>
+              </a:rPr>
+              <a:t>without the ability of researchers to find needed resources. The loss of research citations also</a:t>
+            </a:r>
+          </a:p>
+          <a:p>
+            <a:pPr algn="l"/>
+            <a:r>
+              <a:rPr lang="en-US" sz="1800" b="0" i="0" u="none" strike="noStrike" baseline="0" dirty="0">
+                <a:latin typeface="Times New Roman" panose="02020603050405020304" pitchFamily="18" charset="0"/>
+              </a:rPr>
+              <a:t>calls into question the validity of literature reviews in scholarly publications (Rubbo et al., 2019).</a:t>
+            </a:r>
+          </a:p>
+          <a:p>
+            <a:pPr algn="l"/>
+            <a:r>
+              <a:rPr lang="en-US" sz="1800" b="0" i="0" u="none" strike="noStrike" baseline="0" dirty="0">
+                <a:latin typeface="Times New Roman" panose="02020603050405020304" pitchFamily="18" charset="0"/>
+              </a:rPr>
+              <a:t>Although researchers have investigated this topic in individual disciplines, few have compared</a:t>
+            </a:r>
+          </a:p>
+          <a:p>
+            <a:pPr algn="l"/>
+            <a:r>
+              <a:rPr lang="en-US" sz="1800" b="0" i="0" u="none" strike="noStrike" baseline="0" dirty="0">
+                <a:latin typeface="Times New Roman" panose="02020603050405020304" pitchFamily="18" charset="0"/>
+              </a:rPr>
+              <a:t>the effects of link rot across disciplines (Aksnes et al., 2019).</a:t>
+            </a:r>
+            <a:endParaRPr lang="en-US" dirty="0"/>
           </a:p>
         </p:txBody>
       </p:sp>
     </p:spTree>
     <p:extLst>
       <p:ext uri="{BB962C8B-B14F-4D97-AF65-F5344CB8AC3E}">
-        <p14:creationId xmlns:p14="http://schemas.microsoft.com/office/powerpoint/2010/main" val="925506361"/>
+        <p14:creationId xmlns:p14="http://schemas.microsoft.com/office/powerpoint/2010/main" val="89061739"/>
+      </p:ext>
+    </p:extLst>
+  </p:cSld>
+  <p:clrMapOvr>
+    <a:masterClrMapping/>
+  </p:clrMapOvr>
+</p:sld>
+</file>
+
+<file path=ppt/slides/slide8.xml><?xml version="1.0" encoding="utf-8"?>
+<p:sld xmlns:a="http://schemas.openxmlformats.org/drawingml/2006/main" xmlns:r="http://schemas.openxmlformats.org/officeDocument/2006/relationships" xmlns:p="http://schemas.openxmlformats.org/presentationml/2006/main">
+  <p:cSld>
+    <p:spTree>
+      <p:nvGrpSpPr>
+        <p:cNvPr id="1" name=""/>
+        <p:cNvGrpSpPr/>
+        <p:nvPr/>
+      </p:nvGrpSpPr>
+      <p:grpSpPr>
+        <a:xfrm>
+          <a:off x="0" y="0"/>
+          <a:ext cx="0" cy="0"/>
+          <a:chOff x="0" y="0"/>
+          <a:chExt cx="0" cy="0"/>
+        </a:xfrm>
+      </p:grpSpPr>
+      <p:sp>
+        <p:nvSpPr>
+          <p:cNvPr id="4" name="Title 3">
+            <a:extLst>
+              <a:ext uri="{FF2B5EF4-FFF2-40B4-BE49-F238E27FC236}">
+                <a16:creationId xmlns:a16="http://schemas.microsoft.com/office/drawing/2014/main" id="{C43EF85A-9EF5-2DBE-2ECF-2711A4E4A77E}"/>
+              </a:ext>
+            </a:extLst>
+          </p:cNvPr>
+          <p:cNvSpPr>
+            <a:spLocks noGrp="1"/>
+          </p:cNvSpPr>
+          <p:nvPr>
+            <p:ph type="title"/>
+          </p:nvPr>
+        </p:nvSpPr>
+        <p:spPr/>
+        <p:txBody>
+          <a:bodyPr/>
+          <a:lstStyle/>
+          <a:p>
+            <a:r>
+              <a:rPr lang="en-US" dirty="0"/>
+              <a:t>How Does This Affect Research?</a:t>
+            </a:r>
+          </a:p>
+        </p:txBody>
+      </p:sp>
+      <p:sp>
+        <p:nvSpPr>
+          <p:cNvPr id="5" name="Content Placeholder 4">
+            <a:extLst>
+              <a:ext uri="{FF2B5EF4-FFF2-40B4-BE49-F238E27FC236}">
+                <a16:creationId xmlns:a16="http://schemas.microsoft.com/office/drawing/2014/main" id="{ED5124F5-5909-E264-5C59-8EFDA8B54CF5}"/>
+              </a:ext>
+            </a:extLst>
+          </p:cNvPr>
+          <p:cNvSpPr>
+            <a:spLocks noGrp="1"/>
+          </p:cNvSpPr>
+          <p:nvPr>
+            <p:ph idx="1"/>
+          </p:nvPr>
+        </p:nvSpPr>
+        <p:spPr/>
+        <p:txBody>
+          <a:bodyPr>
+            <a:normAutofit fontScale="85000" lnSpcReduction="20000"/>
+          </a:bodyPr>
+          <a:lstStyle/>
+          <a:p>
+            <a:pPr algn="l"/>
+            <a:r>
+              <a:rPr lang="en-US" sz="1800" b="0" i="0" u="none" strike="noStrike" baseline="0" dirty="0">
+                <a:latin typeface="Times New Roman" panose="02020603050405020304" pitchFamily="18" charset="0"/>
+              </a:rPr>
+              <a:t>Citations tend to decay over time because of a preference for recentness, even over</a:t>
+            </a:r>
+          </a:p>
+          <a:p>
+            <a:pPr algn="l"/>
+            <a:r>
+              <a:rPr lang="en-US" sz="1800" b="0" i="0" u="none" strike="noStrike" baseline="0" dirty="0">
+                <a:latin typeface="Times New Roman" panose="02020603050405020304" pitchFamily="18" charset="0"/>
+              </a:rPr>
+              <a:t>seminal works (Gerow et al., 2018). </a:t>
+            </a:r>
+            <a:r>
+              <a:rPr lang="en-US" sz="1800" b="0" i="0" u="none" strike="noStrike" baseline="0" dirty="0" err="1">
+                <a:latin typeface="Times New Roman" panose="02020603050405020304" pitchFamily="18" charset="0"/>
+              </a:rPr>
+              <a:t>Krol</a:t>
+            </a:r>
+            <a:r>
+              <a:rPr lang="en-US" sz="1800" b="0" i="0" u="none" strike="noStrike" baseline="0" dirty="0">
+                <a:latin typeface="Times New Roman" panose="02020603050405020304" pitchFamily="18" charset="0"/>
+              </a:rPr>
+              <a:t> and Zdonek (2020) found that only 30% of links in the sciences functioned after 4 years.</a:t>
+            </a:r>
+          </a:p>
+          <a:p>
+            <a:pPr algn="l"/>
+            <a:r>
+              <a:rPr lang="en-US" sz="1800" b="0" i="0" u="none" strike="noStrike" baseline="0" dirty="0">
+                <a:latin typeface="Times New Roman" panose="02020603050405020304" pitchFamily="18" charset="0"/>
+              </a:rPr>
+              <a:t>Abt (2018) claimed no one</a:t>
+            </a:r>
+          </a:p>
+          <a:p>
+            <a:pPr algn="l"/>
+            <a:r>
+              <a:rPr lang="en-US" sz="1800" b="0" i="0" u="none" strike="noStrike" baseline="0" dirty="0">
+                <a:latin typeface="Times New Roman" panose="02020603050405020304" pitchFamily="18" charset="0"/>
+              </a:rPr>
+              <a:t>but Zwicky cited the study for 27 years and added that it was not seriously discussed for a total</a:t>
+            </a:r>
+          </a:p>
+          <a:p>
+            <a:pPr algn="l"/>
+            <a:r>
+              <a:rPr lang="en-US" sz="1800" b="0" i="0" u="none" strike="noStrike" baseline="0" dirty="0">
+                <a:latin typeface="Times New Roman" panose="02020603050405020304" pitchFamily="18" charset="0"/>
+              </a:rPr>
+              <a:t>of 41 years after its publication.</a:t>
+            </a:r>
+          </a:p>
+          <a:p>
+            <a:pPr algn="l"/>
+            <a:r>
+              <a:rPr lang="en-US" sz="1800" b="0" i="0" u="none" strike="noStrike" baseline="0" dirty="0">
+                <a:latin typeface="Times New Roman" panose="02020603050405020304" pitchFamily="18" charset="0"/>
+              </a:rPr>
+              <a:t>According to </a:t>
+            </a:r>
+            <a:r>
+              <a:rPr lang="en-US" sz="1800" b="0" i="0" u="none" strike="noStrike" baseline="0" dirty="0" err="1">
+                <a:latin typeface="Times New Roman" panose="02020603050405020304" pitchFamily="18" charset="0"/>
+              </a:rPr>
+              <a:t>Krol</a:t>
+            </a:r>
+            <a:r>
+              <a:rPr lang="en-US" sz="1800" b="0" i="0" u="none" strike="noStrike" baseline="0" dirty="0">
+                <a:latin typeface="Times New Roman" panose="02020603050405020304" pitchFamily="18" charset="0"/>
+              </a:rPr>
+              <a:t> and Zdonek, a</a:t>
+            </a:r>
+          </a:p>
+          <a:p>
+            <a:pPr algn="l"/>
+            <a:r>
+              <a:rPr lang="en-US" sz="1800" b="0" i="0" u="none" strike="noStrike" baseline="0" dirty="0">
+                <a:latin typeface="Times New Roman" panose="02020603050405020304" pitchFamily="18" charset="0"/>
+              </a:rPr>
+              <a:t>review of the Web of Science citation index showed </a:t>
+            </a:r>
+            <a:r>
+              <a:rPr lang="en-US" sz="1800" b="0" i="0" u="none" strike="noStrike" baseline="0" dirty="0">
+                <a:latin typeface="TimesNewRomanPSMT"/>
+              </a:rPr>
+              <a:t>that the average lifespan for a resource’s</a:t>
+            </a:r>
+          </a:p>
+          <a:p>
+            <a:pPr algn="l"/>
+            <a:r>
+              <a:rPr lang="en-US" sz="1800" b="0" i="0" u="none" strike="noStrike" baseline="0" dirty="0">
+                <a:latin typeface="Times New Roman" panose="02020603050405020304" pitchFamily="18" charset="0"/>
+              </a:rPr>
+              <a:t>website was 9.3 years. Unfortunately, only 62% of that data was archived.</a:t>
+            </a:r>
+          </a:p>
+          <a:p>
+            <a:pPr algn="l"/>
+            <a:r>
+              <a:rPr lang="en-US" sz="1800" b="0" i="0" u="none" strike="noStrike" baseline="0" dirty="0">
+                <a:latin typeface="Times New Roman" panose="02020603050405020304" pitchFamily="18" charset="0"/>
+              </a:rPr>
+              <a:t>References do, however, provide a method for</a:t>
+            </a:r>
+          </a:p>
+          <a:p>
+            <a:pPr algn="l"/>
+            <a:r>
+              <a:rPr lang="en-US" sz="1800" b="0" i="0" u="none" strike="noStrike" baseline="0" dirty="0">
+                <a:latin typeface="Times New Roman" panose="02020603050405020304" pitchFamily="18" charset="0"/>
+              </a:rPr>
+              <a:t>others to retrace the steps a researcher took to establish their position (Penders, 2018).</a:t>
+            </a:r>
+          </a:p>
+          <a:p>
+            <a:pPr algn="l"/>
+            <a:endParaRPr lang="en-US" dirty="0"/>
+          </a:p>
+        </p:txBody>
+      </p:sp>
+    </p:spTree>
+    <p:extLst>
+      <p:ext uri="{BB962C8B-B14F-4D97-AF65-F5344CB8AC3E}">
+        <p14:creationId xmlns:p14="http://schemas.microsoft.com/office/powerpoint/2010/main" val="4269488075"/>
+      </p:ext>
+    </p:extLst>
+  </p:cSld>
+  <p:clrMapOvr>
+    <a:masterClrMapping/>
+  </p:clrMapOvr>
+</p:sld>
+</file>
+
+<file path=ppt/slides/slide9.xml><?xml version="1.0" encoding="utf-8"?>
+<p:sld xmlns:a="http://schemas.openxmlformats.org/drawingml/2006/main" xmlns:r="http://schemas.openxmlformats.org/officeDocument/2006/relationships" xmlns:p="http://schemas.openxmlformats.org/presentationml/2006/main">
+  <p:cSld>
+    <p:spTree>
+      <p:nvGrpSpPr>
+        <p:cNvPr id="1" name=""/>
+        <p:cNvGrpSpPr/>
+        <p:nvPr/>
+      </p:nvGrpSpPr>
+      <p:grpSpPr>
+        <a:xfrm>
+          <a:off x="0" y="0"/>
+          <a:ext cx="0" cy="0"/>
+          <a:chOff x="0" y="0"/>
+          <a:chExt cx="0" cy="0"/>
+        </a:xfrm>
+      </p:grpSpPr>
+      <p:sp>
+        <p:nvSpPr>
+          <p:cNvPr id="4" name="Title 3">
+            <a:extLst>
+              <a:ext uri="{FF2B5EF4-FFF2-40B4-BE49-F238E27FC236}">
+                <a16:creationId xmlns:a16="http://schemas.microsoft.com/office/drawing/2014/main" id="{C43EF85A-9EF5-2DBE-2ECF-2711A4E4A77E}"/>
+              </a:ext>
+            </a:extLst>
+          </p:cNvPr>
+          <p:cNvSpPr>
+            <a:spLocks noGrp="1"/>
+          </p:cNvSpPr>
+          <p:nvPr>
+            <p:ph type="title"/>
+          </p:nvPr>
+        </p:nvSpPr>
+        <p:spPr/>
+        <p:txBody>
+          <a:bodyPr/>
+          <a:lstStyle/>
+          <a:p>
+            <a:r>
+              <a:rPr lang="en-US" dirty="0"/>
+              <a:t>How Does This Affect Research?</a:t>
+            </a:r>
+          </a:p>
+        </p:txBody>
+      </p:sp>
+      <p:sp>
+        <p:nvSpPr>
+          <p:cNvPr id="5" name="Content Placeholder 4">
+            <a:extLst>
+              <a:ext uri="{FF2B5EF4-FFF2-40B4-BE49-F238E27FC236}">
+                <a16:creationId xmlns:a16="http://schemas.microsoft.com/office/drawing/2014/main" id="{ED5124F5-5909-E264-5C59-8EFDA8B54CF5}"/>
+              </a:ext>
+            </a:extLst>
+          </p:cNvPr>
+          <p:cNvSpPr>
+            <a:spLocks noGrp="1"/>
+          </p:cNvSpPr>
+          <p:nvPr>
+            <p:ph idx="1"/>
+          </p:nvPr>
+        </p:nvSpPr>
+        <p:spPr/>
+        <p:txBody>
+          <a:bodyPr>
+            <a:normAutofit/>
+          </a:bodyPr>
+          <a:lstStyle/>
+          <a:p>
+            <a:r>
+              <a:rPr lang="en-US" dirty="0"/>
+              <a:t>Overall percentage of broken links was 36%.</a:t>
+            </a:r>
+          </a:p>
+          <a:p>
+            <a:r>
+              <a:rPr lang="en-US" dirty="0"/>
+              <a:t>Fell short of the 50% threshold.</a:t>
+            </a:r>
+          </a:p>
+          <a:p>
+            <a:r>
+              <a:rPr lang="en-US" dirty="0"/>
+              <a:t>Results aligned with previous studies from Król and Zdonek (2020), Rivkin (2020), and Genzinger and Wills (2017).</a:t>
+            </a:r>
+          </a:p>
+          <a:p>
+            <a:pPr algn="l"/>
+            <a:endParaRPr lang="en-US" dirty="0"/>
+          </a:p>
+        </p:txBody>
+      </p:sp>
+    </p:spTree>
+    <p:extLst>
+      <p:ext uri="{BB962C8B-B14F-4D97-AF65-F5344CB8AC3E}">
+        <p14:creationId xmlns:p14="http://schemas.microsoft.com/office/powerpoint/2010/main" val="736996498"/>
       </p:ext>
     </p:extLst>
   </p:cSld>

--- a/Presentations/ALA LibLearnX 2024/LibLearnX-2024-ALA.pptx
+++ b/Presentations/ALA LibLearnX 2024/LibLearnX-2024-ALA.pptx
@@ -4,6 +4,9 @@
   <p:sldMasterIdLst>
     <p:sldMasterId id="2147483648" r:id="rId1"/>
   </p:sldMasterIdLst>
+  <p:notesMasterIdLst>
+    <p:notesMasterId r:id="rId24"/>
+  </p:notesMasterIdLst>
   <p:sldIdLst>
     <p:sldId id="256" r:id="rId2"/>
     <p:sldId id="262" r:id="rId3"/>
@@ -11,21 +14,22 @@
     <p:sldId id="259" r:id="rId5"/>
     <p:sldId id="265" r:id="rId6"/>
     <p:sldId id="273" r:id="rId7"/>
-    <p:sldId id="274" r:id="rId8"/>
+    <p:sldId id="267" r:id="rId8"/>
     <p:sldId id="266" r:id="rId9"/>
-    <p:sldId id="270" r:id="rId10"/>
-    <p:sldId id="278" r:id="rId11"/>
-    <p:sldId id="267" r:id="rId12"/>
-    <p:sldId id="277" r:id="rId13"/>
-    <p:sldId id="268" r:id="rId14"/>
-    <p:sldId id="271" r:id="rId15"/>
-    <p:sldId id="272" r:id="rId16"/>
+    <p:sldId id="278" r:id="rId10"/>
+    <p:sldId id="277" r:id="rId11"/>
+    <p:sldId id="270" r:id="rId12"/>
+    <p:sldId id="268" r:id="rId13"/>
+    <p:sldId id="280" r:id="rId14"/>
+    <p:sldId id="279" r:id="rId15"/>
+    <p:sldId id="271" r:id="rId16"/>
     <p:sldId id="260" r:id="rId17"/>
     <p:sldId id="275" r:id="rId18"/>
     <p:sldId id="276" r:id="rId19"/>
     <p:sldId id="269" r:id="rId20"/>
-    <p:sldId id="263" r:id="rId21"/>
-    <p:sldId id="264" r:id="rId22"/>
+    <p:sldId id="282" r:id="rId21"/>
+    <p:sldId id="263" r:id="rId22"/>
+    <p:sldId id="264" r:id="rId23"/>
   </p:sldIdLst>
   <p:sldSz cx="9144000" cy="5143500" type="screen16x9"/>
   <p:notesSz cx="6858000" cy="9144000"/>
@@ -141,6 +145,3115 @@
     </p:ext>
   </p:extLst>
 </p:presentation>
+</file>
+
+<file path=ppt/charts/chart1.xml><?xml version="1.0" encoding="utf-8"?>
+<c:chartSpace xmlns:c="http://schemas.openxmlformats.org/drawingml/2006/chart" xmlns:a="http://schemas.openxmlformats.org/drawingml/2006/main" xmlns:r="http://schemas.openxmlformats.org/officeDocument/2006/relationships" xmlns:c16r2="http://schemas.microsoft.com/office/drawing/2015/06/chart">
+  <c:date1904 val="0"/>
+  <c:lang val="en-US"/>
+  <c:roundedCorners val="0"/>
+  <mc:AlternateContent xmlns:mc="http://schemas.openxmlformats.org/markup-compatibility/2006">
+    <mc:Choice xmlns:c14="http://schemas.microsoft.com/office/drawing/2007/8/2/chart" Requires="c14">
+      <c14:style val="102"/>
+    </mc:Choice>
+    <mc:Fallback>
+      <c:style val="2"/>
+    </mc:Fallback>
+  </mc:AlternateContent>
+  <c:chart>
+    <c:title>
+      <c:tx>
+        <c:rich>
+          <a:bodyPr rot="0" spcFirstLastPara="1" vertOverflow="ellipsis" vert="horz" wrap="square" anchor="ctr" anchorCtr="1"/>
+          <a:lstStyle/>
+          <a:p>
+            <a:pPr>
+              <a:defRPr sz="1862" b="0" i="0" u="none" strike="noStrike" kern="1200" spc="0" baseline="0">
+                <a:solidFill>
+                  <a:schemeClr val="tx1">
+                    <a:lumMod val="65000"/>
+                    <a:lumOff val="35000"/>
+                  </a:schemeClr>
+                </a:solidFill>
+                <a:latin typeface="+mn-lt"/>
+                <a:ea typeface="+mn-ea"/>
+                <a:cs typeface="+mn-cs"/>
+              </a:defRPr>
+            </a:pPr>
+            <a:r>
+              <a:rPr lang="en-US" dirty="0"/>
+              <a:t>Link Rot</a:t>
+            </a:r>
+          </a:p>
+        </c:rich>
+      </c:tx>
+      <c:overlay val="0"/>
+      <c:spPr>
+        <a:noFill/>
+        <a:ln>
+          <a:noFill/>
+        </a:ln>
+        <a:effectLst/>
+      </c:spPr>
+      <c:txPr>
+        <a:bodyPr rot="0" spcFirstLastPara="1" vertOverflow="ellipsis" vert="horz" wrap="square" anchor="ctr" anchorCtr="1"/>
+        <a:lstStyle/>
+        <a:p>
+          <a:pPr>
+            <a:defRPr sz="1862" b="0" i="0" u="none" strike="noStrike" kern="1200" spc="0" baseline="0">
+              <a:solidFill>
+                <a:schemeClr val="tx1">
+                  <a:lumMod val="65000"/>
+                  <a:lumOff val="35000"/>
+                </a:schemeClr>
+              </a:solidFill>
+              <a:latin typeface="+mn-lt"/>
+              <a:ea typeface="+mn-ea"/>
+              <a:cs typeface="+mn-cs"/>
+            </a:defRPr>
+          </a:pPr>
+          <a:endParaRPr lang="en-US"/>
+        </a:p>
+      </c:txPr>
+    </c:title>
+    <c:autoTitleDeleted val="0"/>
+    <c:view3D>
+      <c:rotX val="15"/>
+      <c:rotY val="20"/>
+      <c:depthPercent val="100"/>
+      <c:rAngAx val="1"/>
+    </c:view3D>
+    <c:floor>
+      <c:thickness val="0"/>
+      <c:spPr>
+        <a:noFill/>
+        <a:ln>
+          <a:noFill/>
+        </a:ln>
+        <a:effectLst/>
+        <a:sp3d/>
+      </c:spPr>
+    </c:floor>
+    <c:sideWall>
+      <c:thickness val="0"/>
+      <c:spPr>
+        <a:noFill/>
+        <a:ln>
+          <a:noFill/>
+        </a:ln>
+        <a:effectLst/>
+        <a:sp3d/>
+      </c:spPr>
+    </c:sideWall>
+    <c:backWall>
+      <c:thickness val="0"/>
+      <c:spPr>
+        <a:noFill/>
+        <a:ln>
+          <a:noFill/>
+        </a:ln>
+        <a:effectLst/>
+        <a:sp3d/>
+      </c:spPr>
+    </c:backWall>
+    <c:plotArea>
+      <c:layout/>
+      <c:bar3DChart>
+        <c:barDir val="col"/>
+        <c:grouping val="stacked"/>
+        <c:varyColors val="0"/>
+        <c:ser>
+          <c:idx val="0"/>
+          <c:order val="0"/>
+          <c:tx>
+            <c:strRef>
+              <c:f>Sheet1!$B$1</c:f>
+              <c:strCache>
+                <c:ptCount val="1"/>
+                <c:pt idx="0">
+                  <c:v>Rot</c:v>
+                </c:pt>
+              </c:strCache>
+            </c:strRef>
+          </c:tx>
+          <c:spPr>
+            <a:solidFill>
+              <a:schemeClr val="accent6"/>
+            </a:solidFill>
+            <a:ln>
+              <a:noFill/>
+            </a:ln>
+            <a:effectLst/>
+            <a:sp3d/>
+          </c:spPr>
+          <c:invertIfNegative val="0"/>
+          <c:cat>
+            <c:strRef>
+              <c:f>Sheet1!$A$2:$A$6</c:f>
+              <c:strCache>
+                <c:ptCount val="5"/>
+                <c:pt idx="0">
+                  <c:v>Arts &amp; Humanities</c:v>
+                </c:pt>
+                <c:pt idx="1">
+                  <c:v>Business</c:v>
+                </c:pt>
+                <c:pt idx="2">
+                  <c:v>Health &amp; Medicine</c:v>
+                </c:pt>
+                <c:pt idx="3">
+                  <c:v>Science, Math, &amp; Technology</c:v>
+                </c:pt>
+                <c:pt idx="4">
+                  <c:v>Social Sciences</c:v>
+                </c:pt>
+              </c:strCache>
+            </c:strRef>
+          </c:cat>
+          <c:val>
+            <c:numRef>
+              <c:f>Sheet1!$B$2:$B$6</c:f>
+              <c:numCache>
+                <c:formatCode>General</c:formatCode>
+                <c:ptCount val="5"/>
+                <c:pt idx="0">
+                  <c:v>39</c:v>
+                </c:pt>
+                <c:pt idx="1">
+                  <c:v>39</c:v>
+                </c:pt>
+                <c:pt idx="2">
+                  <c:v>32</c:v>
+                </c:pt>
+                <c:pt idx="3">
+                  <c:v>34</c:v>
+                </c:pt>
+                <c:pt idx="4">
+                  <c:v>39</c:v>
+                </c:pt>
+              </c:numCache>
+            </c:numRef>
+          </c:val>
+          <c:extLst>
+            <c:ext xmlns:c16="http://schemas.microsoft.com/office/drawing/2014/chart" uri="{C3380CC4-5D6E-409C-BE32-E72D297353CC}">
+              <c16:uniqueId val="{00000000-0FDA-4BCD-8ECD-1DF1D4D720B5}"/>
+            </c:ext>
+          </c:extLst>
+        </c:ser>
+        <c:ser>
+          <c:idx val="1"/>
+          <c:order val="1"/>
+          <c:tx>
+            <c:strRef>
+              <c:f>Sheet1!$C$1</c:f>
+              <c:strCache>
+                <c:ptCount val="1"/>
+                <c:pt idx="0">
+                  <c:v>Links</c:v>
+                </c:pt>
+              </c:strCache>
+            </c:strRef>
+          </c:tx>
+          <c:spPr>
+            <a:solidFill>
+              <a:schemeClr val="accent3"/>
+            </a:solidFill>
+            <a:ln>
+              <a:noFill/>
+            </a:ln>
+            <a:effectLst/>
+            <a:sp3d/>
+          </c:spPr>
+          <c:invertIfNegative val="0"/>
+          <c:cat>
+            <c:strRef>
+              <c:f>Sheet1!$A$2:$A$6</c:f>
+              <c:strCache>
+                <c:ptCount val="5"/>
+                <c:pt idx="0">
+                  <c:v>Arts &amp; Humanities</c:v>
+                </c:pt>
+                <c:pt idx="1">
+                  <c:v>Business</c:v>
+                </c:pt>
+                <c:pt idx="2">
+                  <c:v>Health &amp; Medicine</c:v>
+                </c:pt>
+                <c:pt idx="3">
+                  <c:v>Science, Math, &amp; Technology</c:v>
+                </c:pt>
+                <c:pt idx="4">
+                  <c:v>Social Sciences</c:v>
+                </c:pt>
+              </c:strCache>
+            </c:strRef>
+          </c:cat>
+          <c:val>
+            <c:numRef>
+              <c:f>Sheet1!$C$2:$C$6</c:f>
+              <c:numCache>
+                <c:formatCode>General</c:formatCode>
+                <c:ptCount val="5"/>
+                <c:pt idx="0">
+                  <c:v>61</c:v>
+                </c:pt>
+                <c:pt idx="1">
+                  <c:v>61</c:v>
+                </c:pt>
+                <c:pt idx="2">
+                  <c:v>68</c:v>
+                </c:pt>
+                <c:pt idx="3">
+                  <c:v>66</c:v>
+                </c:pt>
+                <c:pt idx="4">
+                  <c:v>61</c:v>
+                </c:pt>
+              </c:numCache>
+            </c:numRef>
+          </c:val>
+          <c:extLst>
+            <c:ext xmlns:c16="http://schemas.microsoft.com/office/drawing/2014/chart" uri="{C3380CC4-5D6E-409C-BE32-E72D297353CC}">
+              <c16:uniqueId val="{00000001-0FDA-4BCD-8ECD-1DF1D4D720B5}"/>
+            </c:ext>
+          </c:extLst>
+        </c:ser>
+        <c:dLbls>
+          <c:showLegendKey val="0"/>
+          <c:showVal val="0"/>
+          <c:showCatName val="0"/>
+          <c:showSerName val="0"/>
+          <c:showPercent val="0"/>
+          <c:showBubbleSize val="0"/>
+        </c:dLbls>
+        <c:gapWidth val="150"/>
+        <c:shape val="box"/>
+        <c:axId val="342887247"/>
+        <c:axId val="1226597232"/>
+        <c:axId val="0"/>
+      </c:bar3DChart>
+      <c:catAx>
+        <c:axId val="342887247"/>
+        <c:scaling>
+          <c:orientation val="minMax"/>
+        </c:scaling>
+        <c:delete val="0"/>
+        <c:axPos val="b"/>
+        <c:numFmt formatCode="General" sourceLinked="1"/>
+        <c:majorTickMark val="none"/>
+        <c:minorTickMark val="none"/>
+        <c:tickLblPos val="nextTo"/>
+        <c:spPr>
+          <a:noFill/>
+          <a:ln>
+            <a:noFill/>
+          </a:ln>
+          <a:effectLst/>
+        </c:spPr>
+        <c:txPr>
+          <a:bodyPr rot="-60000000" spcFirstLastPara="1" vertOverflow="ellipsis" vert="horz" wrap="square" anchor="ctr" anchorCtr="1"/>
+          <a:lstStyle/>
+          <a:p>
+            <a:pPr>
+              <a:defRPr sz="1197" b="0" i="0" u="none" strike="noStrike" kern="1200" baseline="0">
+                <a:solidFill>
+                  <a:schemeClr val="tx1">
+                    <a:lumMod val="65000"/>
+                    <a:lumOff val="35000"/>
+                  </a:schemeClr>
+                </a:solidFill>
+                <a:latin typeface="+mn-lt"/>
+                <a:ea typeface="+mn-ea"/>
+                <a:cs typeface="+mn-cs"/>
+              </a:defRPr>
+            </a:pPr>
+            <a:endParaRPr lang="en-US"/>
+          </a:p>
+        </c:txPr>
+        <c:crossAx val="1226597232"/>
+        <c:crosses val="autoZero"/>
+        <c:auto val="1"/>
+        <c:lblAlgn val="ctr"/>
+        <c:lblOffset val="100"/>
+        <c:noMultiLvlLbl val="0"/>
+      </c:catAx>
+      <c:valAx>
+        <c:axId val="1226597232"/>
+        <c:scaling>
+          <c:orientation val="minMax"/>
+        </c:scaling>
+        <c:delete val="0"/>
+        <c:axPos val="l"/>
+        <c:majorGridlines>
+          <c:spPr>
+            <a:ln w="9525" cap="flat" cmpd="sng" algn="ctr">
+              <a:solidFill>
+                <a:schemeClr val="tx1">
+                  <a:lumMod val="15000"/>
+                  <a:lumOff val="85000"/>
+                </a:schemeClr>
+              </a:solidFill>
+              <a:round/>
+            </a:ln>
+            <a:effectLst/>
+          </c:spPr>
+        </c:majorGridlines>
+        <c:numFmt formatCode="General" sourceLinked="1"/>
+        <c:majorTickMark val="none"/>
+        <c:minorTickMark val="none"/>
+        <c:tickLblPos val="nextTo"/>
+        <c:spPr>
+          <a:noFill/>
+          <a:ln>
+            <a:noFill/>
+          </a:ln>
+          <a:effectLst/>
+        </c:spPr>
+        <c:txPr>
+          <a:bodyPr rot="-60000000" spcFirstLastPara="1" vertOverflow="ellipsis" vert="horz" wrap="square" anchor="ctr" anchorCtr="1"/>
+          <a:lstStyle/>
+          <a:p>
+            <a:pPr>
+              <a:defRPr sz="1197" b="0" i="0" u="none" strike="noStrike" kern="1200" baseline="0">
+                <a:solidFill>
+                  <a:schemeClr val="tx1">
+                    <a:lumMod val="65000"/>
+                    <a:lumOff val="35000"/>
+                  </a:schemeClr>
+                </a:solidFill>
+                <a:latin typeface="+mn-lt"/>
+                <a:ea typeface="+mn-ea"/>
+                <a:cs typeface="+mn-cs"/>
+              </a:defRPr>
+            </a:pPr>
+            <a:endParaRPr lang="en-US"/>
+          </a:p>
+        </c:txPr>
+        <c:crossAx val="342887247"/>
+        <c:crosses val="autoZero"/>
+        <c:crossBetween val="between"/>
+      </c:valAx>
+      <c:spPr>
+        <a:noFill/>
+        <a:ln>
+          <a:noFill/>
+        </a:ln>
+        <a:effectLst/>
+      </c:spPr>
+    </c:plotArea>
+    <c:legend>
+      <c:legendPos val="b"/>
+      <c:overlay val="0"/>
+      <c:spPr>
+        <a:noFill/>
+        <a:ln>
+          <a:noFill/>
+        </a:ln>
+        <a:effectLst/>
+      </c:spPr>
+      <c:txPr>
+        <a:bodyPr rot="0" spcFirstLastPara="1" vertOverflow="ellipsis" vert="horz" wrap="square" anchor="ctr" anchorCtr="1"/>
+        <a:lstStyle/>
+        <a:p>
+          <a:pPr>
+            <a:defRPr sz="1197" b="0" i="0" u="none" strike="noStrike" kern="1200" baseline="0">
+              <a:solidFill>
+                <a:schemeClr val="tx1">
+                  <a:lumMod val="65000"/>
+                  <a:lumOff val="35000"/>
+                </a:schemeClr>
+              </a:solidFill>
+              <a:latin typeface="+mn-lt"/>
+              <a:ea typeface="+mn-ea"/>
+              <a:cs typeface="+mn-cs"/>
+            </a:defRPr>
+          </a:pPr>
+          <a:endParaRPr lang="en-US"/>
+        </a:p>
+      </c:txPr>
+    </c:legend>
+    <c:plotVisOnly val="1"/>
+    <c:dispBlanksAs val="gap"/>
+    <c:extLst>
+      <c:ext xmlns:c16r3="http://schemas.microsoft.com/office/drawing/2017/03/chart" uri="{56B9EC1D-385E-4148-901F-78D8002777C0}">
+        <c16r3:dataDisplayOptions16>
+          <c16r3:dispNaAsBlank val="1"/>
+        </c16r3:dataDisplayOptions16>
+      </c:ext>
+    </c:extLst>
+    <c:showDLblsOverMax val="0"/>
+  </c:chart>
+  <c:spPr>
+    <a:noFill/>
+    <a:ln>
+      <a:noFill/>
+    </a:ln>
+    <a:effectLst/>
+  </c:spPr>
+  <c:txPr>
+    <a:bodyPr/>
+    <a:lstStyle/>
+    <a:p>
+      <a:pPr>
+        <a:defRPr/>
+      </a:pPr>
+      <a:endParaRPr lang="en-US"/>
+    </a:p>
+  </c:txPr>
+  <c:externalData r:id="rId3">
+    <c:autoUpdate val="0"/>
+  </c:externalData>
+</c:chartSpace>
+</file>
+
+<file path=ppt/charts/chart2.xml><?xml version="1.0" encoding="utf-8"?>
+<c:chartSpace xmlns:c="http://schemas.openxmlformats.org/drawingml/2006/chart" xmlns:a="http://schemas.openxmlformats.org/drawingml/2006/main" xmlns:r="http://schemas.openxmlformats.org/officeDocument/2006/relationships" xmlns:c16r2="http://schemas.microsoft.com/office/drawing/2015/06/chart">
+  <c:date1904 val="0"/>
+  <c:lang val="en-US"/>
+  <c:roundedCorners val="0"/>
+  <mc:AlternateContent xmlns:mc="http://schemas.openxmlformats.org/markup-compatibility/2006">
+    <mc:Choice xmlns:c14="http://schemas.microsoft.com/office/drawing/2007/8/2/chart" Requires="c14">
+      <c14:style val="102"/>
+    </mc:Choice>
+    <mc:Fallback>
+      <c:style val="2"/>
+    </mc:Fallback>
+  </mc:AlternateContent>
+  <c:chart>
+    <c:title>
+      <c:tx>
+        <c:rich>
+          <a:bodyPr rot="0" spcFirstLastPara="1" vertOverflow="ellipsis" vert="horz" wrap="square" anchor="ctr" anchorCtr="1"/>
+          <a:lstStyle/>
+          <a:p>
+            <a:pPr>
+              <a:defRPr sz="1862" b="0" i="0" u="none" strike="noStrike" kern="1200" spc="0" baseline="0">
+                <a:solidFill>
+                  <a:schemeClr val="tx1">
+                    <a:lumMod val="65000"/>
+                    <a:lumOff val="35000"/>
+                  </a:schemeClr>
+                </a:solidFill>
+                <a:latin typeface="+mn-lt"/>
+                <a:ea typeface="+mn-ea"/>
+                <a:cs typeface="+mn-cs"/>
+              </a:defRPr>
+            </a:pPr>
+            <a:r>
+              <a:rPr lang="en-US" dirty="0"/>
+              <a:t>DOI Link Rot</a:t>
+            </a:r>
+          </a:p>
+        </c:rich>
+      </c:tx>
+      <c:overlay val="0"/>
+      <c:spPr>
+        <a:noFill/>
+        <a:ln>
+          <a:noFill/>
+        </a:ln>
+        <a:effectLst/>
+      </c:spPr>
+      <c:txPr>
+        <a:bodyPr rot="0" spcFirstLastPara="1" vertOverflow="ellipsis" vert="horz" wrap="square" anchor="ctr" anchorCtr="1"/>
+        <a:lstStyle/>
+        <a:p>
+          <a:pPr>
+            <a:defRPr sz="1862" b="0" i="0" u="none" strike="noStrike" kern="1200" spc="0" baseline="0">
+              <a:solidFill>
+                <a:schemeClr val="tx1">
+                  <a:lumMod val="65000"/>
+                  <a:lumOff val="35000"/>
+                </a:schemeClr>
+              </a:solidFill>
+              <a:latin typeface="+mn-lt"/>
+              <a:ea typeface="+mn-ea"/>
+              <a:cs typeface="+mn-cs"/>
+            </a:defRPr>
+          </a:pPr>
+          <a:endParaRPr lang="en-US"/>
+        </a:p>
+      </c:txPr>
+    </c:title>
+    <c:autoTitleDeleted val="0"/>
+    <c:view3D>
+      <c:rotX val="15"/>
+      <c:rotY val="20"/>
+      <c:depthPercent val="100"/>
+      <c:rAngAx val="1"/>
+    </c:view3D>
+    <c:floor>
+      <c:thickness val="0"/>
+      <c:spPr>
+        <a:noFill/>
+        <a:ln>
+          <a:noFill/>
+        </a:ln>
+        <a:effectLst/>
+        <a:sp3d/>
+      </c:spPr>
+    </c:floor>
+    <c:sideWall>
+      <c:thickness val="0"/>
+      <c:spPr>
+        <a:noFill/>
+        <a:ln>
+          <a:noFill/>
+        </a:ln>
+        <a:effectLst/>
+        <a:sp3d/>
+      </c:spPr>
+    </c:sideWall>
+    <c:backWall>
+      <c:thickness val="0"/>
+      <c:spPr>
+        <a:noFill/>
+        <a:ln>
+          <a:noFill/>
+        </a:ln>
+        <a:effectLst/>
+        <a:sp3d/>
+      </c:spPr>
+    </c:backWall>
+    <c:plotArea>
+      <c:layout/>
+      <c:bar3DChart>
+        <c:barDir val="col"/>
+        <c:grouping val="stacked"/>
+        <c:varyColors val="0"/>
+        <c:ser>
+          <c:idx val="0"/>
+          <c:order val="0"/>
+          <c:tx>
+            <c:strRef>
+              <c:f>Sheet1!$B$1</c:f>
+              <c:strCache>
+                <c:ptCount val="1"/>
+                <c:pt idx="0">
+                  <c:v>Rot</c:v>
+                </c:pt>
+              </c:strCache>
+            </c:strRef>
+          </c:tx>
+          <c:spPr>
+            <a:solidFill>
+              <a:schemeClr val="accent6"/>
+            </a:solidFill>
+            <a:ln>
+              <a:noFill/>
+            </a:ln>
+            <a:effectLst/>
+            <a:sp3d/>
+          </c:spPr>
+          <c:invertIfNegative val="0"/>
+          <c:cat>
+            <c:strRef>
+              <c:f>Sheet1!$A$2:$A$6</c:f>
+              <c:strCache>
+                <c:ptCount val="5"/>
+                <c:pt idx="0">
+                  <c:v>Arts &amp; Humanities </c:v>
+                </c:pt>
+                <c:pt idx="1">
+                  <c:v>Business</c:v>
+                </c:pt>
+                <c:pt idx="2">
+                  <c:v>Health &amp; Medicine</c:v>
+                </c:pt>
+                <c:pt idx="3">
+                  <c:v>Science, Math, &amp; Technology</c:v>
+                </c:pt>
+                <c:pt idx="4">
+                  <c:v>Social Sciences</c:v>
+                </c:pt>
+              </c:strCache>
+            </c:strRef>
+          </c:cat>
+          <c:val>
+            <c:numRef>
+              <c:f>Sheet1!$B$2:$B$6</c:f>
+              <c:numCache>
+                <c:formatCode>General</c:formatCode>
+                <c:ptCount val="5"/>
+                <c:pt idx="0">
+                  <c:v>42</c:v>
+                </c:pt>
+                <c:pt idx="1">
+                  <c:v>44</c:v>
+                </c:pt>
+                <c:pt idx="2">
+                  <c:v>33</c:v>
+                </c:pt>
+                <c:pt idx="3">
+                  <c:v>23</c:v>
+                </c:pt>
+                <c:pt idx="4">
+                  <c:v>40</c:v>
+                </c:pt>
+              </c:numCache>
+            </c:numRef>
+          </c:val>
+          <c:extLst>
+            <c:ext xmlns:c16="http://schemas.microsoft.com/office/drawing/2014/chart" uri="{C3380CC4-5D6E-409C-BE32-E72D297353CC}">
+              <c16:uniqueId val="{00000000-51EC-424D-89C1-C8550F223799}"/>
+            </c:ext>
+          </c:extLst>
+        </c:ser>
+        <c:ser>
+          <c:idx val="1"/>
+          <c:order val="1"/>
+          <c:tx>
+            <c:strRef>
+              <c:f>Sheet1!$C$1</c:f>
+              <c:strCache>
+                <c:ptCount val="1"/>
+                <c:pt idx="0">
+                  <c:v>Links</c:v>
+                </c:pt>
+              </c:strCache>
+            </c:strRef>
+          </c:tx>
+          <c:spPr>
+            <a:solidFill>
+              <a:schemeClr val="accent3"/>
+            </a:solidFill>
+            <a:ln>
+              <a:noFill/>
+            </a:ln>
+            <a:effectLst/>
+            <a:sp3d/>
+          </c:spPr>
+          <c:invertIfNegative val="0"/>
+          <c:cat>
+            <c:strRef>
+              <c:f>Sheet1!$A$2:$A$6</c:f>
+              <c:strCache>
+                <c:ptCount val="5"/>
+                <c:pt idx="0">
+                  <c:v>Arts &amp; Humanities </c:v>
+                </c:pt>
+                <c:pt idx="1">
+                  <c:v>Business</c:v>
+                </c:pt>
+                <c:pt idx="2">
+                  <c:v>Health &amp; Medicine</c:v>
+                </c:pt>
+                <c:pt idx="3">
+                  <c:v>Science, Math, &amp; Technology</c:v>
+                </c:pt>
+                <c:pt idx="4">
+                  <c:v>Social Sciences</c:v>
+                </c:pt>
+              </c:strCache>
+            </c:strRef>
+          </c:cat>
+          <c:val>
+            <c:numRef>
+              <c:f>Sheet1!$C$2:$C$6</c:f>
+              <c:numCache>
+                <c:formatCode>General</c:formatCode>
+                <c:ptCount val="5"/>
+                <c:pt idx="0">
+                  <c:v>58</c:v>
+                </c:pt>
+                <c:pt idx="1">
+                  <c:v>56</c:v>
+                </c:pt>
+                <c:pt idx="2">
+                  <c:v>67</c:v>
+                </c:pt>
+                <c:pt idx="3">
+                  <c:v>77</c:v>
+                </c:pt>
+                <c:pt idx="4">
+                  <c:v>60</c:v>
+                </c:pt>
+              </c:numCache>
+            </c:numRef>
+          </c:val>
+          <c:extLst>
+            <c:ext xmlns:c16="http://schemas.microsoft.com/office/drawing/2014/chart" uri="{C3380CC4-5D6E-409C-BE32-E72D297353CC}">
+              <c16:uniqueId val="{00000001-51EC-424D-89C1-C8550F223799}"/>
+            </c:ext>
+          </c:extLst>
+        </c:ser>
+        <c:dLbls>
+          <c:showLegendKey val="0"/>
+          <c:showVal val="0"/>
+          <c:showCatName val="0"/>
+          <c:showSerName val="0"/>
+          <c:showPercent val="0"/>
+          <c:showBubbleSize val="0"/>
+        </c:dLbls>
+        <c:gapWidth val="150"/>
+        <c:shape val="box"/>
+        <c:axId val="1378632752"/>
+        <c:axId val="925196959"/>
+        <c:axId val="0"/>
+      </c:bar3DChart>
+      <c:catAx>
+        <c:axId val="1378632752"/>
+        <c:scaling>
+          <c:orientation val="minMax"/>
+        </c:scaling>
+        <c:delete val="0"/>
+        <c:axPos val="b"/>
+        <c:numFmt formatCode="General" sourceLinked="1"/>
+        <c:majorTickMark val="none"/>
+        <c:minorTickMark val="none"/>
+        <c:tickLblPos val="nextTo"/>
+        <c:spPr>
+          <a:noFill/>
+          <a:ln>
+            <a:noFill/>
+          </a:ln>
+          <a:effectLst/>
+        </c:spPr>
+        <c:txPr>
+          <a:bodyPr rot="-60000000" spcFirstLastPara="1" vertOverflow="ellipsis" vert="horz" wrap="square" anchor="ctr" anchorCtr="1"/>
+          <a:lstStyle/>
+          <a:p>
+            <a:pPr>
+              <a:defRPr sz="1197" b="0" i="0" u="none" strike="noStrike" kern="1200" baseline="0">
+                <a:solidFill>
+                  <a:schemeClr val="tx1">
+                    <a:lumMod val="65000"/>
+                    <a:lumOff val="35000"/>
+                  </a:schemeClr>
+                </a:solidFill>
+                <a:latin typeface="+mn-lt"/>
+                <a:ea typeface="+mn-ea"/>
+                <a:cs typeface="+mn-cs"/>
+              </a:defRPr>
+            </a:pPr>
+            <a:endParaRPr lang="en-US"/>
+          </a:p>
+        </c:txPr>
+        <c:crossAx val="925196959"/>
+        <c:crosses val="autoZero"/>
+        <c:auto val="1"/>
+        <c:lblAlgn val="ctr"/>
+        <c:lblOffset val="100"/>
+        <c:noMultiLvlLbl val="0"/>
+      </c:catAx>
+      <c:valAx>
+        <c:axId val="925196959"/>
+        <c:scaling>
+          <c:orientation val="minMax"/>
+        </c:scaling>
+        <c:delete val="0"/>
+        <c:axPos val="l"/>
+        <c:majorGridlines>
+          <c:spPr>
+            <a:ln w="9525" cap="flat" cmpd="sng" algn="ctr">
+              <a:solidFill>
+                <a:schemeClr val="tx1">
+                  <a:lumMod val="15000"/>
+                  <a:lumOff val="85000"/>
+                </a:schemeClr>
+              </a:solidFill>
+              <a:round/>
+            </a:ln>
+            <a:effectLst/>
+          </c:spPr>
+        </c:majorGridlines>
+        <c:numFmt formatCode="General" sourceLinked="1"/>
+        <c:majorTickMark val="none"/>
+        <c:minorTickMark val="none"/>
+        <c:tickLblPos val="nextTo"/>
+        <c:spPr>
+          <a:noFill/>
+          <a:ln>
+            <a:noFill/>
+          </a:ln>
+          <a:effectLst/>
+        </c:spPr>
+        <c:txPr>
+          <a:bodyPr rot="-60000000" spcFirstLastPara="1" vertOverflow="ellipsis" vert="horz" wrap="square" anchor="ctr" anchorCtr="1"/>
+          <a:lstStyle/>
+          <a:p>
+            <a:pPr>
+              <a:defRPr sz="1197" b="0" i="0" u="none" strike="noStrike" kern="1200" baseline="0">
+                <a:solidFill>
+                  <a:schemeClr val="tx1">
+                    <a:lumMod val="65000"/>
+                    <a:lumOff val="35000"/>
+                  </a:schemeClr>
+                </a:solidFill>
+                <a:latin typeface="+mn-lt"/>
+                <a:ea typeface="+mn-ea"/>
+                <a:cs typeface="+mn-cs"/>
+              </a:defRPr>
+            </a:pPr>
+            <a:endParaRPr lang="en-US"/>
+          </a:p>
+        </c:txPr>
+        <c:crossAx val="1378632752"/>
+        <c:crosses val="autoZero"/>
+        <c:crossBetween val="between"/>
+      </c:valAx>
+      <c:spPr>
+        <a:noFill/>
+        <a:ln>
+          <a:noFill/>
+        </a:ln>
+        <a:effectLst/>
+      </c:spPr>
+    </c:plotArea>
+    <c:legend>
+      <c:legendPos val="b"/>
+      <c:overlay val="0"/>
+      <c:spPr>
+        <a:noFill/>
+        <a:ln>
+          <a:noFill/>
+        </a:ln>
+        <a:effectLst/>
+      </c:spPr>
+      <c:txPr>
+        <a:bodyPr rot="0" spcFirstLastPara="1" vertOverflow="ellipsis" vert="horz" wrap="square" anchor="ctr" anchorCtr="1"/>
+        <a:lstStyle/>
+        <a:p>
+          <a:pPr>
+            <a:defRPr sz="1197" b="0" i="0" u="none" strike="noStrike" kern="1200" baseline="0">
+              <a:solidFill>
+                <a:schemeClr val="tx1">
+                  <a:lumMod val="65000"/>
+                  <a:lumOff val="35000"/>
+                </a:schemeClr>
+              </a:solidFill>
+              <a:latin typeface="+mn-lt"/>
+              <a:ea typeface="+mn-ea"/>
+              <a:cs typeface="+mn-cs"/>
+            </a:defRPr>
+          </a:pPr>
+          <a:endParaRPr lang="en-US"/>
+        </a:p>
+      </c:txPr>
+    </c:legend>
+    <c:plotVisOnly val="1"/>
+    <c:dispBlanksAs val="gap"/>
+    <c:extLst>
+      <c:ext xmlns:c16r3="http://schemas.microsoft.com/office/drawing/2017/03/chart" uri="{56B9EC1D-385E-4148-901F-78D8002777C0}">
+        <c16r3:dataDisplayOptions16>
+          <c16r3:dispNaAsBlank val="1"/>
+        </c16r3:dataDisplayOptions16>
+      </c:ext>
+    </c:extLst>
+    <c:showDLblsOverMax val="0"/>
+  </c:chart>
+  <c:spPr>
+    <a:noFill/>
+    <a:ln>
+      <a:noFill/>
+    </a:ln>
+    <a:effectLst/>
+  </c:spPr>
+  <c:txPr>
+    <a:bodyPr/>
+    <a:lstStyle/>
+    <a:p>
+      <a:pPr>
+        <a:defRPr/>
+      </a:pPr>
+      <a:endParaRPr lang="en-US"/>
+    </a:p>
+  </c:txPr>
+  <c:externalData r:id="rId3">
+    <c:autoUpdate val="0"/>
+  </c:externalData>
+</c:chartSpace>
+</file>
+
+<file path=ppt/charts/colors1.xml><?xml version="1.0" encoding="utf-8"?>
+<cs:colorStyle xmlns:cs="http://schemas.microsoft.com/office/drawing/2012/chartStyle" xmlns:a="http://schemas.openxmlformats.org/drawingml/2006/main" meth="cycle" id="12">
+  <a:schemeClr val="accent2"/>
+  <a:schemeClr val="accent4"/>
+  <a:schemeClr val="accent6"/>
+  <cs:variation/>
+  <cs:variation>
+    <a:lumMod val="60000"/>
+  </cs:variation>
+  <cs:variation>
+    <a:lumMod val="80000"/>
+    <a:lumOff val="20000"/>
+  </cs:variation>
+  <cs:variation>
+    <a:lumMod val="80000"/>
+  </cs:variation>
+  <cs:variation>
+    <a:lumMod val="60000"/>
+    <a:lumOff val="40000"/>
+  </cs:variation>
+  <cs:variation>
+    <a:lumMod val="50000"/>
+  </cs:variation>
+  <cs:variation>
+    <a:lumMod val="70000"/>
+    <a:lumOff val="30000"/>
+  </cs:variation>
+  <cs:variation>
+    <a:lumMod val="70000"/>
+  </cs:variation>
+  <cs:variation>
+    <a:lumMod val="50000"/>
+    <a:lumOff val="50000"/>
+  </cs:variation>
+</cs:colorStyle>
+</file>
+
+<file path=ppt/charts/colors2.xml><?xml version="1.0" encoding="utf-8"?>
+<cs:colorStyle xmlns:cs="http://schemas.microsoft.com/office/drawing/2012/chartStyle" xmlns:a="http://schemas.openxmlformats.org/drawingml/2006/main" meth="cycle" id="10">
+  <a:schemeClr val="accent1"/>
+  <a:schemeClr val="accent2"/>
+  <a:schemeClr val="accent3"/>
+  <a:schemeClr val="accent4"/>
+  <a:schemeClr val="accent5"/>
+  <a:schemeClr val="accent6"/>
+  <cs:variation/>
+  <cs:variation>
+    <a:lumMod val="60000"/>
+  </cs:variation>
+  <cs:variation>
+    <a:lumMod val="80000"/>
+    <a:lumOff val="20000"/>
+  </cs:variation>
+  <cs:variation>
+    <a:lumMod val="80000"/>
+  </cs:variation>
+  <cs:variation>
+    <a:lumMod val="60000"/>
+    <a:lumOff val="40000"/>
+  </cs:variation>
+  <cs:variation>
+    <a:lumMod val="50000"/>
+  </cs:variation>
+  <cs:variation>
+    <a:lumMod val="70000"/>
+    <a:lumOff val="30000"/>
+  </cs:variation>
+  <cs:variation>
+    <a:lumMod val="70000"/>
+  </cs:variation>
+  <cs:variation>
+    <a:lumMod val="50000"/>
+    <a:lumOff val="50000"/>
+  </cs:variation>
+</cs:colorStyle>
+</file>
+
+<file path=ppt/charts/style1.xml><?xml version="1.0" encoding="utf-8"?>
+<cs:chartStyle xmlns:cs="http://schemas.microsoft.com/office/drawing/2012/chartStyle" xmlns:a="http://schemas.openxmlformats.org/drawingml/2006/main" id="286">
+  <cs:axisTitle>
+    <cs:lnRef idx="0"/>
+    <cs:fillRef idx="0"/>
+    <cs:effectRef idx="0"/>
+    <cs:fontRef idx="minor">
+      <a:schemeClr val="tx1">
+        <a:lumMod val="65000"/>
+        <a:lumOff val="35000"/>
+      </a:schemeClr>
+    </cs:fontRef>
+    <cs:defRPr sz="1330" kern="1200"/>
+  </cs:axisTitle>
+  <cs:categoryAxis>
+    <cs:lnRef idx="0"/>
+    <cs:fillRef idx="0"/>
+    <cs:effectRef idx="0"/>
+    <cs:fontRef idx="minor">
+      <a:schemeClr val="tx1">
+        <a:lumMod val="65000"/>
+        <a:lumOff val="35000"/>
+      </a:schemeClr>
+    </cs:fontRef>
+    <cs:defRPr sz="1197" kern="1200"/>
+  </cs:categoryAxis>
+  <cs:chartArea mods="allowNoFillOverride allowNoLineOverride">
+    <cs:lnRef idx="0"/>
+    <cs:fillRef idx="0"/>
+    <cs:effectRef idx="0"/>
+    <cs:fontRef idx="minor">
+      <a:schemeClr val="tx1"/>
+    </cs:fontRef>
+    <cs:spPr>
+      <a:solidFill>
+        <a:schemeClr val="bg1"/>
+      </a:solidFill>
+      <a:ln w="9525" cap="flat" cmpd="sng" algn="ctr">
+        <a:solidFill>
+          <a:schemeClr val="tx1">
+            <a:lumMod val="15000"/>
+            <a:lumOff val="85000"/>
+          </a:schemeClr>
+        </a:solidFill>
+        <a:round/>
+      </a:ln>
+    </cs:spPr>
+    <cs:defRPr sz="1330" kern="1200"/>
+  </cs:chartArea>
+  <cs:dataLabel>
+    <cs:lnRef idx="0"/>
+    <cs:fillRef idx="0"/>
+    <cs:effectRef idx="0"/>
+    <cs:fontRef idx="minor">
+      <a:schemeClr val="tx1">
+        <a:lumMod val="75000"/>
+        <a:lumOff val="25000"/>
+      </a:schemeClr>
+    </cs:fontRef>
+    <cs:defRPr sz="1197" kern="1200"/>
+  </cs:dataLabel>
+  <cs:dataLabelCallout>
+    <cs:lnRef idx="0"/>
+    <cs:fillRef idx="0"/>
+    <cs:effectRef idx="0"/>
+    <cs:fontRef idx="minor">
+      <a:schemeClr val="dk1">
+        <a:lumMod val="65000"/>
+        <a:lumOff val="35000"/>
+      </a:schemeClr>
+    </cs:fontRef>
+    <cs:spPr>
+      <a:solidFill>
+        <a:schemeClr val="lt1"/>
+      </a:solidFill>
+      <a:ln>
+        <a:solidFill>
+          <a:schemeClr val="dk1">
+            <a:lumMod val="25000"/>
+            <a:lumOff val="75000"/>
+          </a:schemeClr>
+        </a:solidFill>
+      </a:ln>
+    </cs:spPr>
+    <cs:defRPr sz="1197" kern="1200"/>
+    <cs:bodyPr rot="0" spcFirstLastPara="1" vertOverflow="clip" horzOverflow="clip" vert="horz" wrap="square" lIns="36576" tIns="18288" rIns="36576" bIns="18288" anchor="ctr" anchorCtr="1">
+      <a:spAutoFit/>
+    </cs:bodyPr>
+  </cs:dataLabelCallout>
+  <cs:dataPoint>
+    <cs:lnRef idx="0"/>
+    <cs:fillRef idx="1">
+      <cs:styleClr val="auto"/>
+    </cs:fillRef>
+    <cs:effectRef idx="0"/>
+    <cs:fontRef idx="minor">
+      <a:schemeClr val="tx1"/>
+    </cs:fontRef>
+  </cs:dataPoint>
+  <cs:dataPoint3D>
+    <cs:lnRef idx="0"/>
+    <cs:fillRef idx="1">
+      <cs:styleClr val="auto"/>
+    </cs:fillRef>
+    <cs:effectRef idx="0"/>
+    <cs:fontRef idx="minor">
+      <a:schemeClr val="tx1"/>
+    </cs:fontRef>
+  </cs:dataPoint3D>
+  <cs:dataPointLine>
+    <cs:lnRef idx="0">
+      <cs:styleClr val="auto"/>
+    </cs:lnRef>
+    <cs:fillRef idx="1"/>
+    <cs:effectRef idx="0"/>
+    <cs:fontRef idx="minor">
+      <a:schemeClr val="tx1"/>
+    </cs:fontRef>
+    <cs:spPr>
+      <a:ln w="28575" cap="rnd">
+        <a:solidFill>
+          <a:schemeClr val="phClr"/>
+        </a:solidFill>
+        <a:round/>
+      </a:ln>
+    </cs:spPr>
+  </cs:dataPointLine>
+  <cs:dataPointMarker>
+    <cs:lnRef idx="0">
+      <cs:styleClr val="auto"/>
+    </cs:lnRef>
+    <cs:fillRef idx="1">
+      <cs:styleClr val="auto"/>
+    </cs:fillRef>
+    <cs:effectRef idx="0"/>
+    <cs:fontRef idx="minor">
+      <a:schemeClr val="tx1"/>
+    </cs:fontRef>
+    <cs:spPr>
+      <a:ln w="9525">
+        <a:solidFill>
+          <a:schemeClr val="phClr"/>
+        </a:solidFill>
+      </a:ln>
+    </cs:spPr>
+  </cs:dataPointMarker>
+  <cs:dataPointMarkerLayout symbol="circle" size="5"/>
+  <cs:dataPointWireframe>
+    <cs:lnRef idx="0">
+      <cs:styleClr val="auto"/>
+    </cs:lnRef>
+    <cs:fillRef idx="1"/>
+    <cs:effectRef idx="0"/>
+    <cs:fontRef idx="minor">
+      <a:schemeClr val="tx1"/>
+    </cs:fontRef>
+    <cs:spPr>
+      <a:ln w="9525" cap="rnd">
+        <a:solidFill>
+          <a:schemeClr val="phClr"/>
+        </a:solidFill>
+        <a:round/>
+      </a:ln>
+    </cs:spPr>
+  </cs:dataPointWireframe>
+  <cs:dataTable>
+    <cs:lnRef idx="0"/>
+    <cs:fillRef idx="0"/>
+    <cs:effectRef idx="0"/>
+    <cs:fontRef idx="minor">
+      <a:schemeClr val="tx1">
+        <a:lumMod val="65000"/>
+        <a:lumOff val="35000"/>
+      </a:schemeClr>
+    </cs:fontRef>
+    <cs:spPr>
+      <a:noFill/>
+      <a:ln w="9525" cap="flat" cmpd="sng" algn="ctr">
+        <a:solidFill>
+          <a:schemeClr val="tx1">
+            <a:lumMod val="15000"/>
+            <a:lumOff val="85000"/>
+          </a:schemeClr>
+        </a:solidFill>
+        <a:round/>
+      </a:ln>
+    </cs:spPr>
+    <cs:defRPr sz="1197" kern="1200"/>
+  </cs:dataTable>
+  <cs:downBar>
+    <cs:lnRef idx="0"/>
+    <cs:fillRef idx="0"/>
+    <cs:effectRef idx="0"/>
+    <cs:fontRef idx="minor">
+      <a:schemeClr val="tx1"/>
+    </cs:fontRef>
+    <cs:spPr>
+      <a:solidFill>
+        <a:schemeClr val="dk1">
+          <a:lumMod val="75000"/>
+          <a:lumOff val="25000"/>
+        </a:schemeClr>
+      </a:solidFill>
+      <a:ln w="9525" cap="flat" cmpd="sng" algn="ctr">
+        <a:solidFill>
+          <a:schemeClr val="tx1">
+            <a:lumMod val="65000"/>
+            <a:lumOff val="35000"/>
+          </a:schemeClr>
+        </a:solidFill>
+        <a:round/>
+      </a:ln>
+    </cs:spPr>
+  </cs:downBar>
+  <cs:dropLine>
+    <cs:lnRef idx="0"/>
+    <cs:fillRef idx="0"/>
+    <cs:effectRef idx="0"/>
+    <cs:fontRef idx="minor">
+      <a:schemeClr val="tx1"/>
+    </cs:fontRef>
+    <cs:spPr>
+      <a:ln w="9525" cap="flat" cmpd="sng" algn="ctr">
+        <a:solidFill>
+          <a:schemeClr val="tx1">
+            <a:lumMod val="35000"/>
+            <a:lumOff val="65000"/>
+          </a:schemeClr>
+        </a:solidFill>
+        <a:round/>
+      </a:ln>
+    </cs:spPr>
+  </cs:dropLine>
+  <cs:errorBar>
+    <cs:lnRef idx="0"/>
+    <cs:fillRef idx="0"/>
+    <cs:effectRef idx="0"/>
+    <cs:fontRef idx="minor">
+      <a:schemeClr val="tx1"/>
+    </cs:fontRef>
+    <cs:spPr>
+      <a:ln w="9525" cap="flat" cmpd="sng" algn="ctr">
+        <a:solidFill>
+          <a:schemeClr val="tx1">
+            <a:lumMod val="65000"/>
+            <a:lumOff val="35000"/>
+          </a:schemeClr>
+        </a:solidFill>
+        <a:round/>
+      </a:ln>
+    </cs:spPr>
+  </cs:errorBar>
+  <cs:floor>
+    <cs:lnRef idx="0"/>
+    <cs:fillRef idx="0"/>
+    <cs:effectRef idx="0"/>
+    <cs:fontRef idx="minor">
+      <a:schemeClr val="tx1"/>
+    </cs:fontRef>
+    <cs:spPr>
+      <a:noFill/>
+      <a:ln>
+        <a:noFill/>
+      </a:ln>
+    </cs:spPr>
+  </cs:floor>
+  <cs:gridlineMajor>
+    <cs:lnRef idx="0"/>
+    <cs:fillRef idx="0"/>
+    <cs:effectRef idx="0"/>
+    <cs:fontRef idx="minor">
+      <a:schemeClr val="tx1"/>
+    </cs:fontRef>
+    <cs:spPr>
+      <a:ln w="9525" cap="flat" cmpd="sng" algn="ctr">
+        <a:solidFill>
+          <a:schemeClr val="tx1">
+            <a:lumMod val="15000"/>
+            <a:lumOff val="85000"/>
+          </a:schemeClr>
+        </a:solidFill>
+        <a:round/>
+      </a:ln>
+    </cs:spPr>
+  </cs:gridlineMajor>
+  <cs:gridlineMinor>
+    <cs:lnRef idx="0"/>
+    <cs:fillRef idx="0"/>
+    <cs:effectRef idx="0"/>
+    <cs:fontRef idx="minor">
+      <a:schemeClr val="tx1"/>
+    </cs:fontRef>
+    <cs:spPr>
+      <a:ln w="9525" cap="flat" cmpd="sng" algn="ctr">
+        <a:solidFill>
+          <a:schemeClr val="tx1">
+            <a:lumMod val="5000"/>
+            <a:lumOff val="95000"/>
+          </a:schemeClr>
+        </a:solidFill>
+        <a:round/>
+      </a:ln>
+    </cs:spPr>
+  </cs:gridlineMinor>
+  <cs:hiLoLine>
+    <cs:lnRef idx="0"/>
+    <cs:fillRef idx="0"/>
+    <cs:effectRef idx="0"/>
+    <cs:fontRef idx="minor">
+      <a:schemeClr val="tx1"/>
+    </cs:fontRef>
+    <cs:spPr>
+      <a:ln w="9525" cap="flat" cmpd="sng" algn="ctr">
+        <a:solidFill>
+          <a:schemeClr val="tx1">
+            <a:lumMod val="50000"/>
+            <a:lumOff val="50000"/>
+          </a:schemeClr>
+        </a:solidFill>
+        <a:round/>
+      </a:ln>
+    </cs:spPr>
+  </cs:hiLoLine>
+  <cs:leaderLine>
+    <cs:lnRef idx="0"/>
+    <cs:fillRef idx="0"/>
+    <cs:effectRef idx="0"/>
+    <cs:fontRef idx="minor">
+      <a:schemeClr val="tx1"/>
+    </cs:fontRef>
+    <cs:spPr>
+      <a:ln w="9525" cap="flat" cmpd="sng" algn="ctr">
+        <a:solidFill>
+          <a:schemeClr val="tx1">
+            <a:lumMod val="35000"/>
+            <a:lumOff val="65000"/>
+          </a:schemeClr>
+        </a:solidFill>
+        <a:round/>
+      </a:ln>
+    </cs:spPr>
+  </cs:leaderLine>
+  <cs:legend>
+    <cs:lnRef idx="0"/>
+    <cs:fillRef idx="0"/>
+    <cs:effectRef idx="0"/>
+    <cs:fontRef idx="minor">
+      <a:schemeClr val="tx1">
+        <a:lumMod val="65000"/>
+        <a:lumOff val="35000"/>
+      </a:schemeClr>
+    </cs:fontRef>
+    <cs:defRPr sz="1197" kern="1200"/>
+  </cs:legend>
+  <cs:plotArea mods="allowNoFillOverride allowNoLineOverride">
+    <cs:lnRef idx="0"/>
+    <cs:fillRef idx="0"/>
+    <cs:effectRef idx="0"/>
+    <cs:fontRef idx="minor">
+      <a:schemeClr val="tx1"/>
+    </cs:fontRef>
+  </cs:plotArea>
+  <cs:plotArea3D mods="allowNoFillOverride allowNoLineOverride">
+    <cs:lnRef idx="0"/>
+    <cs:fillRef idx="0"/>
+    <cs:effectRef idx="0"/>
+    <cs:fontRef idx="minor">
+      <a:schemeClr val="tx1"/>
+    </cs:fontRef>
+  </cs:plotArea3D>
+  <cs:seriesAxis>
+    <cs:lnRef idx="0"/>
+    <cs:fillRef idx="0"/>
+    <cs:effectRef idx="0"/>
+    <cs:fontRef idx="minor">
+      <a:schemeClr val="tx1">
+        <a:lumMod val="65000"/>
+        <a:lumOff val="35000"/>
+      </a:schemeClr>
+    </cs:fontRef>
+    <cs:defRPr sz="1197" kern="1200"/>
+  </cs:seriesAxis>
+  <cs:seriesLine>
+    <cs:lnRef idx="0"/>
+    <cs:fillRef idx="0"/>
+    <cs:effectRef idx="0"/>
+    <cs:fontRef idx="minor">
+      <a:schemeClr val="tx1"/>
+    </cs:fontRef>
+    <cs:spPr>
+      <a:ln w="9525" cap="flat" cmpd="sng" algn="ctr">
+        <a:solidFill>
+          <a:schemeClr val="tx1">
+            <a:lumMod val="35000"/>
+            <a:lumOff val="65000"/>
+          </a:schemeClr>
+        </a:solidFill>
+        <a:round/>
+      </a:ln>
+    </cs:spPr>
+  </cs:seriesLine>
+  <cs:title>
+    <cs:lnRef idx="0"/>
+    <cs:fillRef idx="0"/>
+    <cs:effectRef idx="0"/>
+    <cs:fontRef idx="minor">
+      <a:schemeClr val="tx1">
+        <a:lumMod val="65000"/>
+        <a:lumOff val="35000"/>
+      </a:schemeClr>
+    </cs:fontRef>
+    <cs:defRPr sz="1862" b="0" kern="1200" spc="0" baseline="0"/>
+  </cs:title>
+  <cs:trendline>
+    <cs:lnRef idx="0">
+      <cs:styleClr val="auto"/>
+    </cs:lnRef>
+    <cs:fillRef idx="0"/>
+    <cs:effectRef idx="0"/>
+    <cs:fontRef idx="minor">
+      <a:schemeClr val="tx1"/>
+    </cs:fontRef>
+    <cs:spPr>
+      <a:ln w="19050" cap="rnd">
+        <a:solidFill>
+          <a:schemeClr val="phClr"/>
+        </a:solidFill>
+        <a:prstDash val="sysDot"/>
+      </a:ln>
+    </cs:spPr>
+  </cs:trendline>
+  <cs:trendlineLabel>
+    <cs:lnRef idx="0"/>
+    <cs:fillRef idx="0"/>
+    <cs:effectRef idx="0"/>
+    <cs:fontRef idx="minor">
+      <a:schemeClr val="tx1">
+        <a:lumMod val="65000"/>
+        <a:lumOff val="35000"/>
+      </a:schemeClr>
+    </cs:fontRef>
+    <cs:defRPr sz="1197" kern="1200"/>
+  </cs:trendlineLabel>
+  <cs:upBar>
+    <cs:lnRef idx="0"/>
+    <cs:fillRef idx="0"/>
+    <cs:effectRef idx="0"/>
+    <cs:fontRef idx="minor">
+      <a:schemeClr val="tx1"/>
+    </cs:fontRef>
+    <cs:spPr>
+      <a:solidFill>
+        <a:schemeClr val="lt1"/>
+      </a:solidFill>
+      <a:ln w="9525" cap="flat" cmpd="sng" algn="ctr">
+        <a:solidFill>
+          <a:schemeClr val="tx1">
+            <a:lumMod val="65000"/>
+            <a:lumOff val="35000"/>
+          </a:schemeClr>
+        </a:solidFill>
+        <a:round/>
+      </a:ln>
+    </cs:spPr>
+  </cs:upBar>
+  <cs:valueAxis>
+    <cs:lnRef idx="0"/>
+    <cs:fillRef idx="0"/>
+    <cs:effectRef idx="0"/>
+    <cs:fontRef idx="minor">
+      <a:schemeClr val="tx1">
+        <a:lumMod val="65000"/>
+        <a:lumOff val="35000"/>
+      </a:schemeClr>
+    </cs:fontRef>
+    <cs:defRPr sz="1197" kern="1200"/>
+  </cs:valueAxis>
+  <cs:wall>
+    <cs:lnRef idx="0"/>
+    <cs:fillRef idx="0"/>
+    <cs:effectRef idx="0"/>
+    <cs:fontRef idx="minor">
+      <a:schemeClr val="tx1"/>
+    </cs:fontRef>
+    <cs:spPr>
+      <a:noFill/>
+      <a:ln>
+        <a:noFill/>
+      </a:ln>
+    </cs:spPr>
+  </cs:wall>
+</cs:chartStyle>
+</file>
+
+<file path=ppt/charts/style2.xml><?xml version="1.0" encoding="utf-8"?>
+<cs:chartStyle xmlns:cs="http://schemas.microsoft.com/office/drawing/2012/chartStyle" xmlns:a="http://schemas.openxmlformats.org/drawingml/2006/main" id="286">
+  <cs:axisTitle>
+    <cs:lnRef idx="0"/>
+    <cs:fillRef idx="0"/>
+    <cs:effectRef idx="0"/>
+    <cs:fontRef idx="minor">
+      <a:schemeClr val="tx1">
+        <a:lumMod val="65000"/>
+        <a:lumOff val="35000"/>
+      </a:schemeClr>
+    </cs:fontRef>
+    <cs:defRPr sz="1330" kern="1200"/>
+  </cs:axisTitle>
+  <cs:categoryAxis>
+    <cs:lnRef idx="0"/>
+    <cs:fillRef idx="0"/>
+    <cs:effectRef idx="0"/>
+    <cs:fontRef idx="minor">
+      <a:schemeClr val="tx1">
+        <a:lumMod val="65000"/>
+        <a:lumOff val="35000"/>
+      </a:schemeClr>
+    </cs:fontRef>
+    <cs:defRPr sz="1197" kern="1200"/>
+  </cs:categoryAxis>
+  <cs:chartArea mods="allowNoFillOverride allowNoLineOverride">
+    <cs:lnRef idx="0"/>
+    <cs:fillRef idx="0"/>
+    <cs:effectRef idx="0"/>
+    <cs:fontRef idx="minor">
+      <a:schemeClr val="tx1"/>
+    </cs:fontRef>
+    <cs:spPr>
+      <a:solidFill>
+        <a:schemeClr val="bg1"/>
+      </a:solidFill>
+      <a:ln w="9525" cap="flat" cmpd="sng" algn="ctr">
+        <a:solidFill>
+          <a:schemeClr val="tx1">
+            <a:lumMod val="15000"/>
+            <a:lumOff val="85000"/>
+          </a:schemeClr>
+        </a:solidFill>
+        <a:round/>
+      </a:ln>
+    </cs:spPr>
+    <cs:defRPr sz="1330" kern="1200"/>
+  </cs:chartArea>
+  <cs:dataLabel>
+    <cs:lnRef idx="0"/>
+    <cs:fillRef idx="0"/>
+    <cs:effectRef idx="0"/>
+    <cs:fontRef idx="minor">
+      <a:schemeClr val="tx1">
+        <a:lumMod val="75000"/>
+        <a:lumOff val="25000"/>
+      </a:schemeClr>
+    </cs:fontRef>
+    <cs:defRPr sz="1197" kern="1200"/>
+  </cs:dataLabel>
+  <cs:dataLabelCallout>
+    <cs:lnRef idx="0"/>
+    <cs:fillRef idx="0"/>
+    <cs:effectRef idx="0"/>
+    <cs:fontRef idx="minor">
+      <a:schemeClr val="dk1">
+        <a:lumMod val="65000"/>
+        <a:lumOff val="35000"/>
+      </a:schemeClr>
+    </cs:fontRef>
+    <cs:spPr>
+      <a:solidFill>
+        <a:schemeClr val="lt1"/>
+      </a:solidFill>
+      <a:ln>
+        <a:solidFill>
+          <a:schemeClr val="dk1">
+            <a:lumMod val="25000"/>
+            <a:lumOff val="75000"/>
+          </a:schemeClr>
+        </a:solidFill>
+      </a:ln>
+    </cs:spPr>
+    <cs:defRPr sz="1197" kern="1200"/>
+    <cs:bodyPr rot="0" spcFirstLastPara="1" vertOverflow="clip" horzOverflow="clip" vert="horz" wrap="square" lIns="36576" tIns="18288" rIns="36576" bIns="18288" anchor="ctr" anchorCtr="1">
+      <a:spAutoFit/>
+    </cs:bodyPr>
+  </cs:dataLabelCallout>
+  <cs:dataPoint>
+    <cs:lnRef idx="0"/>
+    <cs:fillRef idx="1">
+      <cs:styleClr val="auto"/>
+    </cs:fillRef>
+    <cs:effectRef idx="0"/>
+    <cs:fontRef idx="minor">
+      <a:schemeClr val="tx1"/>
+    </cs:fontRef>
+  </cs:dataPoint>
+  <cs:dataPoint3D>
+    <cs:lnRef idx="0"/>
+    <cs:fillRef idx="1">
+      <cs:styleClr val="auto"/>
+    </cs:fillRef>
+    <cs:effectRef idx="0"/>
+    <cs:fontRef idx="minor">
+      <a:schemeClr val="tx1"/>
+    </cs:fontRef>
+  </cs:dataPoint3D>
+  <cs:dataPointLine>
+    <cs:lnRef idx="0">
+      <cs:styleClr val="auto"/>
+    </cs:lnRef>
+    <cs:fillRef idx="1"/>
+    <cs:effectRef idx="0"/>
+    <cs:fontRef idx="minor">
+      <a:schemeClr val="tx1"/>
+    </cs:fontRef>
+    <cs:spPr>
+      <a:ln w="28575" cap="rnd">
+        <a:solidFill>
+          <a:schemeClr val="phClr"/>
+        </a:solidFill>
+        <a:round/>
+      </a:ln>
+    </cs:spPr>
+  </cs:dataPointLine>
+  <cs:dataPointMarker>
+    <cs:lnRef idx="0">
+      <cs:styleClr val="auto"/>
+    </cs:lnRef>
+    <cs:fillRef idx="1">
+      <cs:styleClr val="auto"/>
+    </cs:fillRef>
+    <cs:effectRef idx="0"/>
+    <cs:fontRef idx="minor">
+      <a:schemeClr val="tx1"/>
+    </cs:fontRef>
+    <cs:spPr>
+      <a:ln w="9525">
+        <a:solidFill>
+          <a:schemeClr val="phClr"/>
+        </a:solidFill>
+      </a:ln>
+    </cs:spPr>
+  </cs:dataPointMarker>
+  <cs:dataPointMarkerLayout symbol="circle" size="5"/>
+  <cs:dataPointWireframe>
+    <cs:lnRef idx="0">
+      <cs:styleClr val="auto"/>
+    </cs:lnRef>
+    <cs:fillRef idx="1"/>
+    <cs:effectRef idx="0"/>
+    <cs:fontRef idx="minor">
+      <a:schemeClr val="tx1"/>
+    </cs:fontRef>
+    <cs:spPr>
+      <a:ln w="9525" cap="rnd">
+        <a:solidFill>
+          <a:schemeClr val="phClr"/>
+        </a:solidFill>
+        <a:round/>
+      </a:ln>
+    </cs:spPr>
+  </cs:dataPointWireframe>
+  <cs:dataTable>
+    <cs:lnRef idx="0"/>
+    <cs:fillRef idx="0"/>
+    <cs:effectRef idx="0"/>
+    <cs:fontRef idx="minor">
+      <a:schemeClr val="tx1">
+        <a:lumMod val="65000"/>
+        <a:lumOff val="35000"/>
+      </a:schemeClr>
+    </cs:fontRef>
+    <cs:spPr>
+      <a:noFill/>
+      <a:ln w="9525" cap="flat" cmpd="sng" algn="ctr">
+        <a:solidFill>
+          <a:schemeClr val="tx1">
+            <a:lumMod val="15000"/>
+            <a:lumOff val="85000"/>
+          </a:schemeClr>
+        </a:solidFill>
+        <a:round/>
+      </a:ln>
+    </cs:spPr>
+    <cs:defRPr sz="1197" kern="1200"/>
+  </cs:dataTable>
+  <cs:downBar>
+    <cs:lnRef idx="0"/>
+    <cs:fillRef idx="0"/>
+    <cs:effectRef idx="0"/>
+    <cs:fontRef idx="minor">
+      <a:schemeClr val="tx1"/>
+    </cs:fontRef>
+    <cs:spPr>
+      <a:solidFill>
+        <a:schemeClr val="dk1">
+          <a:lumMod val="75000"/>
+          <a:lumOff val="25000"/>
+        </a:schemeClr>
+      </a:solidFill>
+      <a:ln w="9525" cap="flat" cmpd="sng" algn="ctr">
+        <a:solidFill>
+          <a:schemeClr val="tx1">
+            <a:lumMod val="65000"/>
+            <a:lumOff val="35000"/>
+          </a:schemeClr>
+        </a:solidFill>
+        <a:round/>
+      </a:ln>
+    </cs:spPr>
+  </cs:downBar>
+  <cs:dropLine>
+    <cs:lnRef idx="0"/>
+    <cs:fillRef idx="0"/>
+    <cs:effectRef idx="0"/>
+    <cs:fontRef idx="minor">
+      <a:schemeClr val="tx1"/>
+    </cs:fontRef>
+    <cs:spPr>
+      <a:ln w="9525" cap="flat" cmpd="sng" algn="ctr">
+        <a:solidFill>
+          <a:schemeClr val="tx1">
+            <a:lumMod val="35000"/>
+            <a:lumOff val="65000"/>
+          </a:schemeClr>
+        </a:solidFill>
+        <a:round/>
+      </a:ln>
+    </cs:spPr>
+  </cs:dropLine>
+  <cs:errorBar>
+    <cs:lnRef idx="0"/>
+    <cs:fillRef idx="0"/>
+    <cs:effectRef idx="0"/>
+    <cs:fontRef idx="minor">
+      <a:schemeClr val="tx1"/>
+    </cs:fontRef>
+    <cs:spPr>
+      <a:ln w="9525" cap="flat" cmpd="sng" algn="ctr">
+        <a:solidFill>
+          <a:schemeClr val="tx1">
+            <a:lumMod val="65000"/>
+            <a:lumOff val="35000"/>
+          </a:schemeClr>
+        </a:solidFill>
+        <a:round/>
+      </a:ln>
+    </cs:spPr>
+  </cs:errorBar>
+  <cs:floor>
+    <cs:lnRef idx="0"/>
+    <cs:fillRef idx="0"/>
+    <cs:effectRef idx="0"/>
+    <cs:fontRef idx="minor">
+      <a:schemeClr val="tx1"/>
+    </cs:fontRef>
+    <cs:spPr>
+      <a:noFill/>
+      <a:ln>
+        <a:noFill/>
+      </a:ln>
+    </cs:spPr>
+  </cs:floor>
+  <cs:gridlineMajor>
+    <cs:lnRef idx="0"/>
+    <cs:fillRef idx="0"/>
+    <cs:effectRef idx="0"/>
+    <cs:fontRef idx="minor">
+      <a:schemeClr val="tx1"/>
+    </cs:fontRef>
+    <cs:spPr>
+      <a:ln w="9525" cap="flat" cmpd="sng" algn="ctr">
+        <a:solidFill>
+          <a:schemeClr val="tx1">
+            <a:lumMod val="15000"/>
+            <a:lumOff val="85000"/>
+          </a:schemeClr>
+        </a:solidFill>
+        <a:round/>
+      </a:ln>
+    </cs:spPr>
+  </cs:gridlineMajor>
+  <cs:gridlineMinor>
+    <cs:lnRef idx="0"/>
+    <cs:fillRef idx="0"/>
+    <cs:effectRef idx="0"/>
+    <cs:fontRef idx="minor">
+      <a:schemeClr val="tx1"/>
+    </cs:fontRef>
+    <cs:spPr>
+      <a:ln w="9525" cap="flat" cmpd="sng" algn="ctr">
+        <a:solidFill>
+          <a:schemeClr val="tx1">
+            <a:lumMod val="5000"/>
+            <a:lumOff val="95000"/>
+          </a:schemeClr>
+        </a:solidFill>
+        <a:round/>
+      </a:ln>
+    </cs:spPr>
+  </cs:gridlineMinor>
+  <cs:hiLoLine>
+    <cs:lnRef idx="0"/>
+    <cs:fillRef idx="0"/>
+    <cs:effectRef idx="0"/>
+    <cs:fontRef idx="minor">
+      <a:schemeClr val="tx1"/>
+    </cs:fontRef>
+    <cs:spPr>
+      <a:ln w="9525" cap="flat" cmpd="sng" algn="ctr">
+        <a:solidFill>
+          <a:schemeClr val="tx1">
+            <a:lumMod val="50000"/>
+            <a:lumOff val="50000"/>
+          </a:schemeClr>
+        </a:solidFill>
+        <a:round/>
+      </a:ln>
+    </cs:spPr>
+  </cs:hiLoLine>
+  <cs:leaderLine>
+    <cs:lnRef idx="0"/>
+    <cs:fillRef idx="0"/>
+    <cs:effectRef idx="0"/>
+    <cs:fontRef idx="minor">
+      <a:schemeClr val="tx1"/>
+    </cs:fontRef>
+    <cs:spPr>
+      <a:ln w="9525" cap="flat" cmpd="sng" algn="ctr">
+        <a:solidFill>
+          <a:schemeClr val="tx1">
+            <a:lumMod val="35000"/>
+            <a:lumOff val="65000"/>
+          </a:schemeClr>
+        </a:solidFill>
+        <a:round/>
+      </a:ln>
+    </cs:spPr>
+  </cs:leaderLine>
+  <cs:legend>
+    <cs:lnRef idx="0"/>
+    <cs:fillRef idx="0"/>
+    <cs:effectRef idx="0"/>
+    <cs:fontRef idx="minor">
+      <a:schemeClr val="tx1">
+        <a:lumMod val="65000"/>
+        <a:lumOff val="35000"/>
+      </a:schemeClr>
+    </cs:fontRef>
+    <cs:defRPr sz="1197" kern="1200"/>
+  </cs:legend>
+  <cs:plotArea mods="allowNoFillOverride allowNoLineOverride">
+    <cs:lnRef idx="0"/>
+    <cs:fillRef idx="0"/>
+    <cs:effectRef idx="0"/>
+    <cs:fontRef idx="minor">
+      <a:schemeClr val="tx1"/>
+    </cs:fontRef>
+  </cs:plotArea>
+  <cs:plotArea3D mods="allowNoFillOverride allowNoLineOverride">
+    <cs:lnRef idx="0"/>
+    <cs:fillRef idx="0"/>
+    <cs:effectRef idx="0"/>
+    <cs:fontRef idx="minor">
+      <a:schemeClr val="tx1"/>
+    </cs:fontRef>
+  </cs:plotArea3D>
+  <cs:seriesAxis>
+    <cs:lnRef idx="0"/>
+    <cs:fillRef idx="0"/>
+    <cs:effectRef idx="0"/>
+    <cs:fontRef idx="minor">
+      <a:schemeClr val="tx1">
+        <a:lumMod val="65000"/>
+        <a:lumOff val="35000"/>
+      </a:schemeClr>
+    </cs:fontRef>
+    <cs:defRPr sz="1197" kern="1200"/>
+  </cs:seriesAxis>
+  <cs:seriesLine>
+    <cs:lnRef idx="0"/>
+    <cs:fillRef idx="0"/>
+    <cs:effectRef idx="0"/>
+    <cs:fontRef idx="minor">
+      <a:schemeClr val="tx1"/>
+    </cs:fontRef>
+    <cs:spPr>
+      <a:ln w="9525" cap="flat" cmpd="sng" algn="ctr">
+        <a:solidFill>
+          <a:schemeClr val="tx1">
+            <a:lumMod val="35000"/>
+            <a:lumOff val="65000"/>
+          </a:schemeClr>
+        </a:solidFill>
+        <a:round/>
+      </a:ln>
+    </cs:spPr>
+  </cs:seriesLine>
+  <cs:title>
+    <cs:lnRef idx="0"/>
+    <cs:fillRef idx="0"/>
+    <cs:effectRef idx="0"/>
+    <cs:fontRef idx="minor">
+      <a:schemeClr val="tx1">
+        <a:lumMod val="65000"/>
+        <a:lumOff val="35000"/>
+      </a:schemeClr>
+    </cs:fontRef>
+    <cs:defRPr sz="1862" b="0" kern="1200" spc="0" baseline="0"/>
+  </cs:title>
+  <cs:trendline>
+    <cs:lnRef idx="0">
+      <cs:styleClr val="auto"/>
+    </cs:lnRef>
+    <cs:fillRef idx="0"/>
+    <cs:effectRef idx="0"/>
+    <cs:fontRef idx="minor">
+      <a:schemeClr val="tx1"/>
+    </cs:fontRef>
+    <cs:spPr>
+      <a:ln w="19050" cap="rnd">
+        <a:solidFill>
+          <a:schemeClr val="phClr"/>
+        </a:solidFill>
+        <a:prstDash val="sysDot"/>
+      </a:ln>
+    </cs:spPr>
+  </cs:trendline>
+  <cs:trendlineLabel>
+    <cs:lnRef idx="0"/>
+    <cs:fillRef idx="0"/>
+    <cs:effectRef idx="0"/>
+    <cs:fontRef idx="minor">
+      <a:schemeClr val="tx1">
+        <a:lumMod val="65000"/>
+        <a:lumOff val="35000"/>
+      </a:schemeClr>
+    </cs:fontRef>
+    <cs:defRPr sz="1197" kern="1200"/>
+  </cs:trendlineLabel>
+  <cs:upBar>
+    <cs:lnRef idx="0"/>
+    <cs:fillRef idx="0"/>
+    <cs:effectRef idx="0"/>
+    <cs:fontRef idx="minor">
+      <a:schemeClr val="tx1"/>
+    </cs:fontRef>
+    <cs:spPr>
+      <a:solidFill>
+        <a:schemeClr val="lt1"/>
+      </a:solidFill>
+      <a:ln w="9525" cap="flat" cmpd="sng" algn="ctr">
+        <a:solidFill>
+          <a:schemeClr val="tx1">
+            <a:lumMod val="65000"/>
+            <a:lumOff val="35000"/>
+          </a:schemeClr>
+        </a:solidFill>
+        <a:round/>
+      </a:ln>
+    </cs:spPr>
+  </cs:upBar>
+  <cs:valueAxis>
+    <cs:lnRef idx="0"/>
+    <cs:fillRef idx="0"/>
+    <cs:effectRef idx="0"/>
+    <cs:fontRef idx="minor">
+      <a:schemeClr val="tx1">
+        <a:lumMod val="65000"/>
+        <a:lumOff val="35000"/>
+      </a:schemeClr>
+    </cs:fontRef>
+    <cs:defRPr sz="1197" kern="1200"/>
+  </cs:valueAxis>
+  <cs:wall>
+    <cs:lnRef idx="0"/>
+    <cs:fillRef idx="0"/>
+    <cs:effectRef idx="0"/>
+    <cs:fontRef idx="minor">
+      <a:schemeClr val="tx1"/>
+    </cs:fontRef>
+    <cs:spPr>
+      <a:noFill/>
+      <a:ln>
+        <a:noFill/>
+      </a:ln>
+    </cs:spPr>
+  </cs:wall>
+</cs:chartStyle>
+</file>
+
+<file path=ppt/notesMasters/notesMaster1.xml><?xml version="1.0" encoding="utf-8"?>
+<p:notesMaster xmlns:a="http://schemas.openxmlformats.org/drawingml/2006/main" xmlns:r="http://schemas.openxmlformats.org/officeDocument/2006/relationships" xmlns:p="http://schemas.openxmlformats.org/presentationml/2006/main">
+  <p:cSld>
+    <p:bg>
+      <p:bgRef idx="1001">
+        <a:schemeClr val="bg1"/>
+      </p:bgRef>
+    </p:bg>
+    <p:spTree>
+      <p:nvGrpSpPr>
+        <p:cNvPr id="1" name=""/>
+        <p:cNvGrpSpPr/>
+        <p:nvPr/>
+      </p:nvGrpSpPr>
+      <p:grpSpPr>
+        <a:xfrm>
+          <a:off x="0" y="0"/>
+          <a:ext cx="0" cy="0"/>
+          <a:chOff x="0" y="0"/>
+          <a:chExt cx="0" cy="0"/>
+        </a:xfrm>
+      </p:grpSpPr>
+      <p:sp>
+        <p:nvSpPr>
+          <p:cNvPr id="2" name="Header Placeholder 1"/>
+          <p:cNvSpPr>
+            <a:spLocks noGrp="1"/>
+          </p:cNvSpPr>
+          <p:nvPr>
+            <p:ph type="hdr" sz="quarter"/>
+          </p:nvPr>
+        </p:nvSpPr>
+        <p:spPr>
+          <a:xfrm>
+            <a:off x="0" y="0"/>
+            <a:ext cx="2971800" cy="458788"/>
+          </a:xfrm>
+          <a:prstGeom prst="rect">
+            <a:avLst/>
+          </a:prstGeom>
+        </p:spPr>
+        <p:txBody>
+          <a:bodyPr vert="horz" lIns="91440" tIns="45720" rIns="91440" bIns="45720" rtlCol="0"/>
+          <a:lstStyle>
+            <a:lvl1pPr algn="l">
+              <a:defRPr sz="1200"/>
+            </a:lvl1pPr>
+          </a:lstStyle>
+          <a:p>
+            <a:endParaRPr lang="en-US"/>
+          </a:p>
+        </p:txBody>
+      </p:sp>
+      <p:sp>
+        <p:nvSpPr>
+          <p:cNvPr id="3" name="Date Placeholder 2"/>
+          <p:cNvSpPr>
+            <a:spLocks noGrp="1"/>
+          </p:cNvSpPr>
+          <p:nvPr>
+            <p:ph type="dt" idx="1"/>
+          </p:nvPr>
+        </p:nvSpPr>
+        <p:spPr>
+          <a:xfrm>
+            <a:off x="3884613" y="0"/>
+            <a:ext cx="2971800" cy="458788"/>
+          </a:xfrm>
+          <a:prstGeom prst="rect">
+            <a:avLst/>
+          </a:prstGeom>
+        </p:spPr>
+        <p:txBody>
+          <a:bodyPr vert="horz" lIns="91440" tIns="45720" rIns="91440" bIns="45720" rtlCol="0"/>
+          <a:lstStyle>
+            <a:lvl1pPr algn="r">
+              <a:defRPr sz="1200"/>
+            </a:lvl1pPr>
+          </a:lstStyle>
+          <a:p>
+            <a:fld id="{3B483058-C520-424D-A359-56EFCB517D29}" type="datetimeFigureOut">
+              <a:rPr lang="en-US" smtClean="0"/>
+              <a:t>1/3/2024</a:t>
+            </a:fld>
+            <a:endParaRPr lang="en-US"/>
+          </a:p>
+        </p:txBody>
+      </p:sp>
+      <p:sp>
+        <p:nvSpPr>
+          <p:cNvPr id="4" name="Slide Image Placeholder 3"/>
+          <p:cNvSpPr>
+            <a:spLocks noGrp="1" noRot="1" noChangeAspect="1"/>
+          </p:cNvSpPr>
+          <p:nvPr>
+            <p:ph type="sldImg" idx="2"/>
+          </p:nvPr>
+        </p:nvSpPr>
+        <p:spPr>
+          <a:xfrm>
+            <a:off x="685800" y="1143000"/>
+            <a:ext cx="5486400" cy="3086100"/>
+          </a:xfrm>
+          <a:prstGeom prst="rect">
+            <a:avLst/>
+          </a:prstGeom>
+          <a:noFill/>
+          <a:ln w="12700">
+            <a:solidFill>
+              <a:prstClr val="black"/>
+            </a:solidFill>
+          </a:ln>
+        </p:spPr>
+        <p:txBody>
+          <a:bodyPr vert="horz" lIns="91440" tIns="45720" rIns="91440" bIns="45720" rtlCol="0" anchor="ctr"/>
+          <a:lstStyle/>
+          <a:p>
+            <a:endParaRPr lang="en-US"/>
+          </a:p>
+        </p:txBody>
+      </p:sp>
+      <p:sp>
+        <p:nvSpPr>
+          <p:cNvPr id="5" name="Notes Placeholder 4"/>
+          <p:cNvSpPr>
+            <a:spLocks noGrp="1"/>
+          </p:cNvSpPr>
+          <p:nvPr>
+            <p:ph type="body" sz="quarter" idx="3"/>
+          </p:nvPr>
+        </p:nvSpPr>
+        <p:spPr>
+          <a:xfrm>
+            <a:off x="685800" y="4400550"/>
+            <a:ext cx="5486400" cy="3600450"/>
+          </a:xfrm>
+          <a:prstGeom prst="rect">
+            <a:avLst/>
+          </a:prstGeom>
+        </p:spPr>
+        <p:txBody>
+          <a:bodyPr vert="horz" lIns="91440" tIns="45720" rIns="91440" bIns="45720" rtlCol="0"/>
+          <a:lstStyle/>
+          <a:p>
+            <a:pPr lvl="0"/>
+            <a:r>
+              <a:rPr lang="en-US"/>
+              <a:t>Click to edit Master text styles</a:t>
+            </a:r>
+          </a:p>
+          <a:p>
+            <a:pPr lvl="1"/>
+            <a:r>
+              <a:rPr lang="en-US"/>
+              <a:t>Second level</a:t>
+            </a:r>
+          </a:p>
+          <a:p>
+            <a:pPr lvl="2"/>
+            <a:r>
+              <a:rPr lang="en-US"/>
+              <a:t>Third level</a:t>
+            </a:r>
+          </a:p>
+          <a:p>
+            <a:pPr lvl="3"/>
+            <a:r>
+              <a:rPr lang="en-US"/>
+              <a:t>Fourth level</a:t>
+            </a:r>
+          </a:p>
+          <a:p>
+            <a:pPr lvl="4"/>
+            <a:r>
+              <a:rPr lang="en-US"/>
+              <a:t>Fifth level</a:t>
+            </a:r>
+          </a:p>
+        </p:txBody>
+      </p:sp>
+      <p:sp>
+        <p:nvSpPr>
+          <p:cNvPr id="6" name="Footer Placeholder 5"/>
+          <p:cNvSpPr>
+            <a:spLocks noGrp="1"/>
+          </p:cNvSpPr>
+          <p:nvPr>
+            <p:ph type="ftr" sz="quarter" idx="4"/>
+          </p:nvPr>
+        </p:nvSpPr>
+        <p:spPr>
+          <a:xfrm>
+            <a:off x="0" y="8685213"/>
+            <a:ext cx="2971800" cy="458787"/>
+          </a:xfrm>
+          <a:prstGeom prst="rect">
+            <a:avLst/>
+          </a:prstGeom>
+        </p:spPr>
+        <p:txBody>
+          <a:bodyPr vert="horz" lIns="91440" tIns="45720" rIns="91440" bIns="45720" rtlCol="0" anchor="b"/>
+          <a:lstStyle>
+            <a:lvl1pPr algn="l">
+              <a:defRPr sz="1200"/>
+            </a:lvl1pPr>
+          </a:lstStyle>
+          <a:p>
+            <a:endParaRPr lang="en-US"/>
+          </a:p>
+        </p:txBody>
+      </p:sp>
+      <p:sp>
+        <p:nvSpPr>
+          <p:cNvPr id="7" name="Slide Number Placeholder 6"/>
+          <p:cNvSpPr>
+            <a:spLocks noGrp="1"/>
+          </p:cNvSpPr>
+          <p:nvPr>
+            <p:ph type="sldNum" sz="quarter" idx="5"/>
+          </p:nvPr>
+        </p:nvSpPr>
+        <p:spPr>
+          <a:xfrm>
+            <a:off x="3884613" y="8685213"/>
+            <a:ext cx="2971800" cy="458787"/>
+          </a:xfrm>
+          <a:prstGeom prst="rect">
+            <a:avLst/>
+          </a:prstGeom>
+        </p:spPr>
+        <p:txBody>
+          <a:bodyPr vert="horz" lIns="91440" tIns="45720" rIns="91440" bIns="45720" rtlCol="0" anchor="b"/>
+          <a:lstStyle>
+            <a:lvl1pPr algn="r">
+              <a:defRPr sz="1200"/>
+            </a:lvl1pPr>
+          </a:lstStyle>
+          <a:p>
+            <a:fld id="{18C544B7-89C3-44C1-8E4C-E08862D59DA5}" type="slidenum">
+              <a:rPr lang="en-US" smtClean="0"/>
+              <a:t>‹#›</a:t>
+            </a:fld>
+            <a:endParaRPr lang="en-US"/>
+          </a:p>
+        </p:txBody>
+      </p:sp>
+    </p:spTree>
+    <p:extLst>
+      <p:ext uri="{BB962C8B-B14F-4D97-AF65-F5344CB8AC3E}">
+        <p14:creationId xmlns:p14="http://schemas.microsoft.com/office/powerpoint/2010/main" val="1241826667"/>
+      </p:ext>
+    </p:extLst>
+  </p:cSld>
+  <p:clrMap bg1="lt1" tx1="dk1" bg2="lt2" tx2="dk2" accent1="accent1" accent2="accent2" accent3="accent3" accent4="accent4" accent5="accent5" accent6="accent6" hlink="hlink" folHlink="folHlink"/>
+  <p:notesStyle>
+    <a:lvl1pPr marL="0" algn="l" defTabSz="914400" rtl="0" eaLnBrk="1" latinLnBrk="0" hangingPunct="1">
+      <a:defRPr sz="1200" kern="1200">
+        <a:solidFill>
+          <a:schemeClr val="tx1"/>
+        </a:solidFill>
+        <a:latin typeface="+mn-lt"/>
+        <a:ea typeface="+mn-ea"/>
+        <a:cs typeface="+mn-cs"/>
+      </a:defRPr>
+    </a:lvl1pPr>
+    <a:lvl2pPr marL="457200" algn="l" defTabSz="914400" rtl="0" eaLnBrk="1" latinLnBrk="0" hangingPunct="1">
+      <a:defRPr sz="1200" kern="1200">
+        <a:solidFill>
+          <a:schemeClr val="tx1"/>
+        </a:solidFill>
+        <a:latin typeface="+mn-lt"/>
+        <a:ea typeface="+mn-ea"/>
+        <a:cs typeface="+mn-cs"/>
+      </a:defRPr>
+    </a:lvl2pPr>
+    <a:lvl3pPr marL="914400" algn="l" defTabSz="914400" rtl="0" eaLnBrk="1" latinLnBrk="0" hangingPunct="1">
+      <a:defRPr sz="1200" kern="1200">
+        <a:solidFill>
+          <a:schemeClr val="tx1"/>
+        </a:solidFill>
+        <a:latin typeface="+mn-lt"/>
+        <a:ea typeface="+mn-ea"/>
+        <a:cs typeface="+mn-cs"/>
+      </a:defRPr>
+    </a:lvl3pPr>
+    <a:lvl4pPr marL="1371600" algn="l" defTabSz="914400" rtl="0" eaLnBrk="1" latinLnBrk="0" hangingPunct="1">
+      <a:defRPr sz="1200" kern="1200">
+        <a:solidFill>
+          <a:schemeClr val="tx1"/>
+        </a:solidFill>
+        <a:latin typeface="+mn-lt"/>
+        <a:ea typeface="+mn-ea"/>
+        <a:cs typeface="+mn-cs"/>
+      </a:defRPr>
+    </a:lvl4pPr>
+    <a:lvl5pPr marL="1828800" algn="l" defTabSz="914400" rtl="0" eaLnBrk="1" latinLnBrk="0" hangingPunct="1">
+      <a:defRPr sz="1200" kern="1200">
+        <a:solidFill>
+          <a:schemeClr val="tx1"/>
+        </a:solidFill>
+        <a:latin typeface="+mn-lt"/>
+        <a:ea typeface="+mn-ea"/>
+        <a:cs typeface="+mn-cs"/>
+      </a:defRPr>
+    </a:lvl5pPr>
+    <a:lvl6pPr marL="2286000" algn="l" defTabSz="914400" rtl="0" eaLnBrk="1" latinLnBrk="0" hangingPunct="1">
+      <a:defRPr sz="1200" kern="1200">
+        <a:solidFill>
+          <a:schemeClr val="tx1"/>
+        </a:solidFill>
+        <a:latin typeface="+mn-lt"/>
+        <a:ea typeface="+mn-ea"/>
+        <a:cs typeface="+mn-cs"/>
+      </a:defRPr>
+    </a:lvl6pPr>
+    <a:lvl7pPr marL="2743200" algn="l" defTabSz="914400" rtl="0" eaLnBrk="1" latinLnBrk="0" hangingPunct="1">
+      <a:defRPr sz="1200" kern="1200">
+        <a:solidFill>
+          <a:schemeClr val="tx1"/>
+        </a:solidFill>
+        <a:latin typeface="+mn-lt"/>
+        <a:ea typeface="+mn-ea"/>
+        <a:cs typeface="+mn-cs"/>
+      </a:defRPr>
+    </a:lvl7pPr>
+    <a:lvl8pPr marL="3200400" algn="l" defTabSz="914400" rtl="0" eaLnBrk="1" latinLnBrk="0" hangingPunct="1">
+      <a:defRPr sz="1200" kern="1200">
+        <a:solidFill>
+          <a:schemeClr val="tx1"/>
+        </a:solidFill>
+        <a:latin typeface="+mn-lt"/>
+        <a:ea typeface="+mn-ea"/>
+        <a:cs typeface="+mn-cs"/>
+      </a:defRPr>
+    </a:lvl8pPr>
+    <a:lvl9pPr marL="3657600" algn="l" defTabSz="914400" rtl="0" eaLnBrk="1" latinLnBrk="0" hangingPunct="1">
+      <a:defRPr sz="1200" kern="1200">
+        <a:solidFill>
+          <a:schemeClr val="tx1"/>
+        </a:solidFill>
+        <a:latin typeface="+mn-lt"/>
+        <a:ea typeface="+mn-ea"/>
+        <a:cs typeface="+mn-cs"/>
+      </a:defRPr>
+    </a:lvl9pPr>
+  </p:notesStyle>
+</p:notesMaster>
+</file>
+
+<file path=ppt/notesSlides/notesSlide1.xml><?xml version="1.0" encoding="utf-8"?>
+<p:notes xmlns:a="http://schemas.openxmlformats.org/drawingml/2006/main" xmlns:r="http://schemas.openxmlformats.org/officeDocument/2006/relationships" xmlns:p="http://schemas.openxmlformats.org/presentationml/2006/main">
+  <p:cSld>
+    <p:spTree>
+      <p:nvGrpSpPr>
+        <p:cNvPr id="1" name=""/>
+        <p:cNvGrpSpPr/>
+        <p:nvPr/>
+      </p:nvGrpSpPr>
+      <p:grpSpPr>
+        <a:xfrm>
+          <a:off x="0" y="0"/>
+          <a:ext cx="0" cy="0"/>
+          <a:chOff x="0" y="0"/>
+          <a:chExt cx="0" cy="0"/>
+        </a:xfrm>
+      </p:grpSpPr>
+      <p:sp>
+        <p:nvSpPr>
+          <p:cNvPr id="2" name="Slide Image Placeholder 1"/>
+          <p:cNvSpPr>
+            <a:spLocks noGrp="1" noRot="1" noChangeAspect="1"/>
+          </p:cNvSpPr>
+          <p:nvPr>
+            <p:ph type="sldImg"/>
+          </p:nvPr>
+        </p:nvSpPr>
+        <p:spPr/>
+      </p:sp>
+      <p:sp>
+        <p:nvSpPr>
+          <p:cNvPr id="3" name="Notes Placeholder 2"/>
+          <p:cNvSpPr>
+            <a:spLocks noGrp="1"/>
+          </p:cNvSpPr>
+          <p:nvPr>
+            <p:ph type="body" idx="1"/>
+          </p:nvPr>
+        </p:nvSpPr>
+        <p:spPr/>
+        <p:txBody>
+          <a:bodyPr/>
+          <a:lstStyle/>
+          <a:p>
+            <a:endParaRPr lang="en-US" dirty="0"/>
+          </a:p>
+        </p:txBody>
+      </p:sp>
+      <p:sp>
+        <p:nvSpPr>
+          <p:cNvPr id="4" name="Slide Number Placeholder 3"/>
+          <p:cNvSpPr>
+            <a:spLocks noGrp="1"/>
+          </p:cNvSpPr>
+          <p:nvPr>
+            <p:ph type="sldNum" sz="quarter" idx="5"/>
+          </p:nvPr>
+        </p:nvSpPr>
+        <p:spPr/>
+        <p:txBody>
+          <a:bodyPr/>
+          <a:lstStyle/>
+          <a:p>
+            <a:fld id="{18C544B7-89C3-44C1-8E4C-E08862D59DA5}" type="slidenum">
+              <a:rPr lang="en-US" smtClean="0"/>
+              <a:t>5</a:t>
+            </a:fld>
+            <a:endParaRPr lang="en-US"/>
+          </a:p>
+        </p:txBody>
+      </p:sp>
+    </p:spTree>
+    <p:extLst>
+      <p:ext uri="{BB962C8B-B14F-4D97-AF65-F5344CB8AC3E}">
+        <p14:creationId xmlns:p14="http://schemas.microsoft.com/office/powerpoint/2010/main" val="507900719"/>
+      </p:ext>
+    </p:extLst>
+  </p:cSld>
+  <p:clrMapOvr>
+    <a:masterClrMapping/>
+  </p:clrMapOvr>
+</p:notes>
+</file>
+
+<file path=ppt/notesSlides/notesSlide2.xml><?xml version="1.0" encoding="utf-8"?>
+<p:notes xmlns:a="http://schemas.openxmlformats.org/drawingml/2006/main" xmlns:r="http://schemas.openxmlformats.org/officeDocument/2006/relationships" xmlns:p="http://schemas.openxmlformats.org/presentationml/2006/main">
+  <p:cSld>
+    <p:spTree>
+      <p:nvGrpSpPr>
+        <p:cNvPr id="1" name=""/>
+        <p:cNvGrpSpPr/>
+        <p:nvPr/>
+      </p:nvGrpSpPr>
+      <p:grpSpPr>
+        <a:xfrm>
+          <a:off x="0" y="0"/>
+          <a:ext cx="0" cy="0"/>
+          <a:chOff x="0" y="0"/>
+          <a:chExt cx="0" cy="0"/>
+        </a:xfrm>
+      </p:grpSpPr>
+      <p:sp>
+        <p:nvSpPr>
+          <p:cNvPr id="2" name="Slide Image Placeholder 1"/>
+          <p:cNvSpPr>
+            <a:spLocks noGrp="1" noRot="1" noChangeAspect="1"/>
+          </p:cNvSpPr>
+          <p:nvPr>
+            <p:ph type="sldImg"/>
+          </p:nvPr>
+        </p:nvSpPr>
+        <p:spPr/>
+      </p:sp>
+      <p:sp>
+        <p:nvSpPr>
+          <p:cNvPr id="3" name="Notes Placeholder 2"/>
+          <p:cNvSpPr>
+            <a:spLocks noGrp="1"/>
+          </p:cNvSpPr>
+          <p:nvPr>
+            <p:ph type="body" idx="1"/>
+          </p:nvPr>
+        </p:nvSpPr>
+        <p:spPr/>
+        <p:txBody>
+          <a:bodyPr/>
+          <a:lstStyle/>
+          <a:p>
+            <a:pPr algn="l"/>
+            <a:r>
+              <a:rPr lang="en-US" sz="1200" b="0" i="0" u="none" strike="noStrike" baseline="0" dirty="0">
+                <a:latin typeface="Times New Roman" panose="02020603050405020304" pitchFamily="18" charset="0"/>
+              </a:rPr>
+              <a:t>Abt (2018) claimed no one</a:t>
+            </a:r>
+          </a:p>
+          <a:p>
+            <a:pPr algn="l"/>
+            <a:r>
+              <a:rPr lang="en-US" sz="1200" b="0" i="0" u="none" strike="noStrike" baseline="0" dirty="0">
+                <a:latin typeface="Times New Roman" panose="02020603050405020304" pitchFamily="18" charset="0"/>
+              </a:rPr>
+              <a:t>but Zwicky cited the study for 27 years and added that it was not seriously discussed for a total</a:t>
+            </a:r>
+          </a:p>
+          <a:p>
+            <a:pPr algn="l"/>
+            <a:r>
+              <a:rPr lang="en-US" sz="1200" b="0" i="0" u="none" strike="noStrike" baseline="0" dirty="0">
+                <a:latin typeface="Times New Roman" panose="02020603050405020304" pitchFamily="18" charset="0"/>
+              </a:rPr>
+              <a:t>of 41 years after its publication.</a:t>
+            </a:r>
+          </a:p>
+          <a:p>
+            <a:endParaRPr lang="en-US" dirty="0"/>
+          </a:p>
+        </p:txBody>
+      </p:sp>
+      <p:sp>
+        <p:nvSpPr>
+          <p:cNvPr id="4" name="Slide Number Placeholder 3"/>
+          <p:cNvSpPr>
+            <a:spLocks noGrp="1"/>
+          </p:cNvSpPr>
+          <p:nvPr>
+            <p:ph type="sldNum" sz="quarter" idx="5"/>
+          </p:nvPr>
+        </p:nvSpPr>
+        <p:spPr/>
+        <p:txBody>
+          <a:bodyPr/>
+          <a:lstStyle/>
+          <a:p>
+            <a:fld id="{18C544B7-89C3-44C1-8E4C-E08862D59DA5}" type="slidenum">
+              <a:rPr lang="en-US" smtClean="0"/>
+              <a:t>8</a:t>
+            </a:fld>
+            <a:endParaRPr lang="en-US"/>
+          </a:p>
+        </p:txBody>
+      </p:sp>
+    </p:spTree>
+    <p:extLst>
+      <p:ext uri="{BB962C8B-B14F-4D97-AF65-F5344CB8AC3E}">
+        <p14:creationId xmlns:p14="http://schemas.microsoft.com/office/powerpoint/2010/main" val="3839011968"/>
+      </p:ext>
+    </p:extLst>
+  </p:cSld>
+  <p:clrMapOvr>
+    <a:masterClrMapping/>
+  </p:clrMapOvr>
+</p:notes>
+</file>
+
+<file path=ppt/notesSlides/notesSlide3.xml><?xml version="1.0" encoding="utf-8"?>
+<p:notes xmlns:a="http://schemas.openxmlformats.org/drawingml/2006/main" xmlns:r="http://schemas.openxmlformats.org/officeDocument/2006/relationships" xmlns:p="http://schemas.openxmlformats.org/presentationml/2006/main">
+  <p:cSld>
+    <p:spTree>
+      <p:nvGrpSpPr>
+        <p:cNvPr id="1" name=""/>
+        <p:cNvGrpSpPr/>
+        <p:nvPr/>
+      </p:nvGrpSpPr>
+      <p:grpSpPr>
+        <a:xfrm>
+          <a:off x="0" y="0"/>
+          <a:ext cx="0" cy="0"/>
+          <a:chOff x="0" y="0"/>
+          <a:chExt cx="0" cy="0"/>
+        </a:xfrm>
+      </p:grpSpPr>
+      <p:sp>
+        <p:nvSpPr>
+          <p:cNvPr id="2" name="Slide Image Placeholder 1"/>
+          <p:cNvSpPr>
+            <a:spLocks noGrp="1" noRot="1" noChangeAspect="1"/>
+          </p:cNvSpPr>
+          <p:nvPr>
+            <p:ph type="sldImg"/>
+          </p:nvPr>
+        </p:nvSpPr>
+        <p:spPr/>
+      </p:sp>
+      <p:sp>
+        <p:nvSpPr>
+          <p:cNvPr id="3" name="Notes Placeholder 2"/>
+          <p:cNvSpPr>
+            <a:spLocks noGrp="1"/>
+          </p:cNvSpPr>
+          <p:nvPr>
+            <p:ph type="body" idx="1"/>
+          </p:nvPr>
+        </p:nvSpPr>
+        <p:spPr/>
+        <p:txBody>
+          <a:bodyPr/>
+          <a:lstStyle/>
+          <a:p>
+            <a:pPr marL="0" marR="0" lvl="0" indent="0" algn="l" defTabSz="914400" rtl="0" eaLnBrk="1" fontAlgn="auto" latinLnBrk="0" hangingPunct="1">
+              <a:lnSpc>
+                <a:spcPct val="100000"/>
+              </a:lnSpc>
+              <a:spcBef>
+                <a:spcPts val="0"/>
+              </a:spcBef>
+              <a:spcAft>
+                <a:spcPts val="0"/>
+              </a:spcAft>
+              <a:buClrTx/>
+              <a:buSzTx/>
+              <a:buFontTx/>
+              <a:buNone/>
+              <a:tabLst/>
+              <a:defRPr/>
+            </a:pPr>
+            <a:r>
+              <a:rPr lang="en-US" sz="1200" dirty="0"/>
+              <a:t>Research has previously focused on individual disciplines. </a:t>
+            </a:r>
+            <a:r>
+              <a:rPr lang="en-US" sz="1200" b="0" i="0" u="none" strike="noStrike" baseline="0" dirty="0">
+                <a:latin typeface="Times New Roman" panose="02020603050405020304" pitchFamily="18" charset="0"/>
+              </a:rPr>
+              <a:t>(Aksnes et al., 2019).</a:t>
+            </a:r>
+            <a:endParaRPr lang="en-US" dirty="0"/>
+          </a:p>
+          <a:p>
+            <a:r>
+              <a:rPr lang="en-US" dirty="0"/>
+              <a:t>Web of Science, Harvard Law Review, Supreme Court decisions.</a:t>
+            </a:r>
+          </a:p>
+          <a:p>
+            <a:endParaRPr lang="en-US" dirty="0"/>
+          </a:p>
+          <a:p>
+            <a:endParaRPr lang="en-US" dirty="0"/>
+          </a:p>
+        </p:txBody>
+      </p:sp>
+      <p:sp>
+        <p:nvSpPr>
+          <p:cNvPr id="4" name="Slide Number Placeholder 3"/>
+          <p:cNvSpPr>
+            <a:spLocks noGrp="1"/>
+          </p:cNvSpPr>
+          <p:nvPr>
+            <p:ph type="sldNum" sz="quarter" idx="5"/>
+          </p:nvPr>
+        </p:nvSpPr>
+        <p:spPr/>
+        <p:txBody>
+          <a:bodyPr/>
+          <a:lstStyle/>
+          <a:p>
+            <a:fld id="{18C544B7-89C3-44C1-8E4C-E08862D59DA5}" type="slidenum">
+              <a:rPr lang="en-US" smtClean="0"/>
+              <a:t>10</a:t>
+            </a:fld>
+            <a:endParaRPr lang="en-US"/>
+          </a:p>
+        </p:txBody>
+      </p:sp>
+    </p:spTree>
+    <p:extLst>
+      <p:ext uri="{BB962C8B-B14F-4D97-AF65-F5344CB8AC3E}">
+        <p14:creationId xmlns:p14="http://schemas.microsoft.com/office/powerpoint/2010/main" val="4088702188"/>
+      </p:ext>
+    </p:extLst>
+  </p:cSld>
+  <p:clrMapOvr>
+    <a:masterClrMapping/>
+  </p:clrMapOvr>
+</p:notes>
+</file>
+
+<file path=ppt/notesSlides/notesSlide4.xml><?xml version="1.0" encoding="utf-8"?>
+<p:notes xmlns:a="http://schemas.openxmlformats.org/drawingml/2006/main" xmlns:r="http://schemas.openxmlformats.org/officeDocument/2006/relationships" xmlns:p="http://schemas.openxmlformats.org/presentationml/2006/main">
+  <p:cSld>
+    <p:spTree>
+      <p:nvGrpSpPr>
+        <p:cNvPr id="1" name=""/>
+        <p:cNvGrpSpPr/>
+        <p:nvPr/>
+      </p:nvGrpSpPr>
+      <p:grpSpPr>
+        <a:xfrm>
+          <a:off x="0" y="0"/>
+          <a:ext cx="0" cy="0"/>
+          <a:chOff x="0" y="0"/>
+          <a:chExt cx="0" cy="0"/>
+        </a:xfrm>
+      </p:grpSpPr>
+      <p:sp>
+        <p:nvSpPr>
+          <p:cNvPr id="2" name="Slide Image Placeholder 1"/>
+          <p:cNvSpPr>
+            <a:spLocks noGrp="1" noRot="1" noChangeAspect="1"/>
+          </p:cNvSpPr>
+          <p:nvPr>
+            <p:ph type="sldImg"/>
+          </p:nvPr>
+        </p:nvSpPr>
+        <p:spPr/>
+      </p:sp>
+      <p:sp>
+        <p:nvSpPr>
+          <p:cNvPr id="3" name="Notes Placeholder 2"/>
+          <p:cNvSpPr>
+            <a:spLocks noGrp="1"/>
+          </p:cNvSpPr>
+          <p:nvPr>
+            <p:ph type="body" idx="1"/>
+          </p:nvPr>
+        </p:nvSpPr>
+        <p:spPr/>
+        <p:txBody>
+          <a:bodyPr/>
+          <a:lstStyle/>
+          <a:p>
+            <a:pPr marL="0" marR="0" lvl="0" indent="0" algn="l" defTabSz="914400" rtl="0" eaLnBrk="1" fontAlgn="auto" latinLnBrk="0" hangingPunct="1">
+              <a:lnSpc>
+                <a:spcPct val="100000"/>
+              </a:lnSpc>
+              <a:spcBef>
+                <a:spcPts val="0"/>
+              </a:spcBef>
+              <a:spcAft>
+                <a:spcPts val="0"/>
+              </a:spcAft>
+              <a:buClrTx/>
+              <a:buSzTx/>
+              <a:buFontTx/>
+              <a:buNone/>
+              <a:tabLst/>
+              <a:defRPr/>
+            </a:pPr>
+            <a:r>
+              <a:rPr lang="en-US" sz="1200" dirty="0">
+                <a:effectLst/>
+                <a:latin typeface="Times New Roman" panose="02020603050405020304" pitchFamily="18" charset="0"/>
+                <a:ea typeface="Calibri" panose="020F0502020204030204" pitchFamily="34" charset="0"/>
+              </a:rPr>
+              <a:t>The best link to use is the one most likely to provide continual access to the resource. </a:t>
+            </a:r>
+            <a:r>
+              <a:rPr lang="en-US" sz="1200" baseline="30000" dirty="0">
+                <a:effectLst/>
+                <a:latin typeface="Times New Roman" panose="02020603050405020304" pitchFamily="18" charset="0"/>
+                <a:ea typeface="Calibri" panose="020F0502020204030204" pitchFamily="34" charset="0"/>
+              </a:rPr>
+              <a:t>2</a:t>
+            </a:r>
+          </a:p>
+          <a:p>
+            <a:endParaRPr lang="en-US" dirty="0"/>
+          </a:p>
+          <a:p>
+            <a:r>
+              <a:rPr lang="en-US" sz="1200" dirty="0">
+                <a:effectLst/>
+                <a:latin typeface="Times New Roman" panose="02020603050405020304" pitchFamily="18" charset="0"/>
+                <a:ea typeface="Calibri" panose="020F0502020204030204" pitchFamily="34" charset="0"/>
+              </a:rPr>
+              <a:t>Without providing any means of checking the link besides logging in. </a:t>
+            </a:r>
+          </a:p>
+          <a:p>
+            <a:r>
+              <a:rPr lang="en-US" sz="1200" dirty="0">
+                <a:effectLst/>
+                <a:latin typeface="Times New Roman" panose="02020603050405020304" pitchFamily="18" charset="0"/>
+                <a:ea typeface="Calibri" panose="020F0502020204030204" pitchFamily="34" charset="0"/>
+              </a:rPr>
+              <a:t>Most style guides advise pointing to a public abstract.</a:t>
+            </a:r>
+          </a:p>
+          <a:p>
+            <a:pPr marL="0" indent="0">
+              <a:buFont typeface="Wingdings" panose="05000000000000000000" pitchFamily="2" charset="2"/>
+              <a:buNone/>
+            </a:pPr>
+            <a:endParaRPr lang="en-US" sz="1200" dirty="0">
+              <a:effectLst/>
+              <a:latin typeface="Times New Roman" panose="02020603050405020304" pitchFamily="18" charset="0"/>
+              <a:ea typeface="Calibri" panose="020F0502020204030204" pitchFamily="34" charset="0"/>
+            </a:endParaRPr>
+          </a:p>
+          <a:p>
+            <a:pPr marL="0" indent="0">
+              <a:buFont typeface="Wingdings" panose="05000000000000000000" pitchFamily="2" charset="2"/>
+              <a:buNone/>
+            </a:pPr>
+            <a:r>
+              <a:rPr lang="en-US" sz="1200" dirty="0">
+                <a:effectLst/>
+                <a:latin typeface="Times New Roman" panose="02020603050405020304" pitchFamily="18" charset="0"/>
+                <a:ea typeface="Calibri" panose="020F0502020204030204" pitchFamily="34" charset="0"/>
+              </a:rPr>
+              <a:t>Crossref serves as one example that frequently appeared in 300-level response codes.</a:t>
+            </a:r>
+          </a:p>
+          <a:p>
+            <a:pPr marL="0" indent="0">
+              <a:buFont typeface="Wingdings" panose="05000000000000000000" pitchFamily="2" charset="2"/>
+              <a:buNone/>
+            </a:pPr>
+            <a:endParaRPr lang="en-US" sz="1200" dirty="0">
+              <a:effectLst/>
+              <a:latin typeface="Times New Roman" panose="02020603050405020304" pitchFamily="18" charset="0"/>
+              <a:ea typeface="Calibri" panose="020F0502020204030204" pitchFamily="34" charset="0"/>
+            </a:endParaRPr>
+          </a:p>
+          <a:p>
+            <a:pPr marL="0" indent="0">
+              <a:buFont typeface="Wingdings" panose="05000000000000000000" pitchFamily="2" charset="2"/>
+              <a:buNone/>
+            </a:pPr>
+            <a:r>
+              <a:rPr lang="en-US" sz="1200" dirty="0">
+                <a:effectLst/>
+                <a:latin typeface="Times New Roman" panose="02020603050405020304" pitchFamily="18" charset="0"/>
+                <a:ea typeface="Calibri" panose="020F0502020204030204" pitchFamily="34" charset="0"/>
+              </a:rPr>
+              <a:t>Using a third-party service adds another possible point of weakness in the process.</a:t>
+            </a:r>
+          </a:p>
+          <a:p>
+            <a:endParaRPr lang="en-US" dirty="0"/>
+          </a:p>
+        </p:txBody>
+      </p:sp>
+      <p:sp>
+        <p:nvSpPr>
+          <p:cNvPr id="4" name="Slide Number Placeholder 3"/>
+          <p:cNvSpPr>
+            <a:spLocks noGrp="1"/>
+          </p:cNvSpPr>
+          <p:nvPr>
+            <p:ph type="sldNum" sz="quarter" idx="5"/>
+          </p:nvPr>
+        </p:nvSpPr>
+        <p:spPr/>
+        <p:txBody>
+          <a:bodyPr/>
+          <a:lstStyle/>
+          <a:p>
+            <a:fld id="{18C544B7-89C3-44C1-8E4C-E08862D59DA5}" type="slidenum">
+              <a:rPr lang="en-US" smtClean="0"/>
+              <a:t>14</a:t>
+            </a:fld>
+            <a:endParaRPr lang="en-US"/>
+          </a:p>
+        </p:txBody>
+      </p:sp>
+    </p:spTree>
+    <p:extLst>
+      <p:ext uri="{BB962C8B-B14F-4D97-AF65-F5344CB8AC3E}">
+        <p14:creationId xmlns:p14="http://schemas.microsoft.com/office/powerpoint/2010/main" val="2510885207"/>
+      </p:ext>
+    </p:extLst>
+  </p:cSld>
+  <p:clrMapOvr>
+    <a:masterClrMapping/>
+  </p:clrMapOvr>
+</p:notes>
+</file>
+
+<file path=ppt/notesSlides/notesSlide5.xml><?xml version="1.0" encoding="utf-8"?>
+<p:notes xmlns:a="http://schemas.openxmlformats.org/drawingml/2006/main" xmlns:r="http://schemas.openxmlformats.org/officeDocument/2006/relationships" xmlns:p="http://schemas.openxmlformats.org/presentationml/2006/main">
+  <p:cSld>
+    <p:spTree>
+      <p:nvGrpSpPr>
+        <p:cNvPr id="1" name=""/>
+        <p:cNvGrpSpPr/>
+        <p:nvPr/>
+      </p:nvGrpSpPr>
+      <p:grpSpPr>
+        <a:xfrm>
+          <a:off x="0" y="0"/>
+          <a:ext cx="0" cy="0"/>
+          <a:chOff x="0" y="0"/>
+          <a:chExt cx="0" cy="0"/>
+        </a:xfrm>
+      </p:grpSpPr>
+      <p:sp>
+        <p:nvSpPr>
+          <p:cNvPr id="2" name="Slide Image Placeholder 1"/>
+          <p:cNvSpPr>
+            <a:spLocks noGrp="1" noRot="1" noChangeAspect="1"/>
+          </p:cNvSpPr>
+          <p:nvPr>
+            <p:ph type="sldImg"/>
+          </p:nvPr>
+        </p:nvSpPr>
+        <p:spPr/>
+      </p:sp>
+      <p:sp>
+        <p:nvSpPr>
+          <p:cNvPr id="3" name="Notes Placeholder 2"/>
+          <p:cNvSpPr>
+            <a:spLocks noGrp="1"/>
+          </p:cNvSpPr>
+          <p:nvPr>
+            <p:ph type="body" idx="1"/>
+          </p:nvPr>
+        </p:nvSpPr>
+        <p:spPr/>
+        <p:txBody>
+          <a:bodyPr/>
+          <a:lstStyle/>
+          <a:p>
+            <a:r>
+              <a:rPr lang="en-US" dirty="0"/>
+              <a:t>One possible factor contributing to these percentage differences involves the use of different style guides. </a:t>
+            </a:r>
+          </a:p>
+          <a:p>
+            <a:endParaRPr lang="en-US" dirty="0"/>
+          </a:p>
+          <a:p>
+            <a:r>
+              <a:rPr lang="en-US" dirty="0"/>
+              <a:t>Some study guides have changed more frequently than others, and some still contain outdated information in their most recent versions.</a:t>
+            </a:r>
+          </a:p>
+          <a:p>
+            <a:endParaRPr lang="en-US" dirty="0"/>
+          </a:p>
+        </p:txBody>
+      </p:sp>
+      <p:sp>
+        <p:nvSpPr>
+          <p:cNvPr id="4" name="Slide Number Placeholder 3"/>
+          <p:cNvSpPr>
+            <a:spLocks noGrp="1"/>
+          </p:cNvSpPr>
+          <p:nvPr>
+            <p:ph type="sldNum" sz="quarter" idx="5"/>
+          </p:nvPr>
+        </p:nvSpPr>
+        <p:spPr/>
+        <p:txBody>
+          <a:bodyPr/>
+          <a:lstStyle/>
+          <a:p>
+            <a:fld id="{18C544B7-89C3-44C1-8E4C-E08862D59DA5}" type="slidenum">
+              <a:rPr lang="en-US" smtClean="0"/>
+              <a:t>15</a:t>
+            </a:fld>
+            <a:endParaRPr lang="en-US"/>
+          </a:p>
+        </p:txBody>
+      </p:sp>
+    </p:spTree>
+    <p:extLst>
+      <p:ext uri="{BB962C8B-B14F-4D97-AF65-F5344CB8AC3E}">
+        <p14:creationId xmlns:p14="http://schemas.microsoft.com/office/powerpoint/2010/main" val="3809609896"/>
+      </p:ext>
+    </p:extLst>
+  </p:cSld>
+  <p:clrMapOvr>
+    <a:masterClrMapping/>
+  </p:clrMapOvr>
+</p:notes>
+</file>
+
+<file path=ppt/notesSlides/notesSlide6.xml><?xml version="1.0" encoding="utf-8"?>
+<p:notes xmlns:a="http://schemas.openxmlformats.org/drawingml/2006/main" xmlns:r="http://schemas.openxmlformats.org/officeDocument/2006/relationships" xmlns:p="http://schemas.openxmlformats.org/presentationml/2006/main">
+  <p:cSld>
+    <p:spTree>
+      <p:nvGrpSpPr>
+        <p:cNvPr id="1" name=""/>
+        <p:cNvGrpSpPr/>
+        <p:nvPr/>
+      </p:nvGrpSpPr>
+      <p:grpSpPr>
+        <a:xfrm>
+          <a:off x="0" y="0"/>
+          <a:ext cx="0" cy="0"/>
+          <a:chOff x="0" y="0"/>
+          <a:chExt cx="0" cy="0"/>
+        </a:xfrm>
+      </p:grpSpPr>
+      <p:sp>
+        <p:nvSpPr>
+          <p:cNvPr id="2" name="Slide Image Placeholder 1"/>
+          <p:cNvSpPr>
+            <a:spLocks noGrp="1" noRot="1" noChangeAspect="1"/>
+          </p:cNvSpPr>
+          <p:nvPr>
+            <p:ph type="sldImg"/>
+          </p:nvPr>
+        </p:nvSpPr>
+        <p:spPr/>
+      </p:sp>
+      <p:sp>
+        <p:nvSpPr>
+          <p:cNvPr id="3" name="Notes Placeholder 2"/>
+          <p:cNvSpPr>
+            <a:spLocks noGrp="1"/>
+          </p:cNvSpPr>
+          <p:nvPr>
+            <p:ph type="body" idx="1"/>
+          </p:nvPr>
+        </p:nvSpPr>
+        <p:spPr/>
+        <p:txBody>
+          <a:bodyPr/>
+          <a:lstStyle/>
+          <a:p>
+            <a:endParaRPr lang="en-US" dirty="0"/>
+          </a:p>
+        </p:txBody>
+      </p:sp>
+      <p:sp>
+        <p:nvSpPr>
+          <p:cNvPr id="4" name="Slide Number Placeholder 3"/>
+          <p:cNvSpPr>
+            <a:spLocks noGrp="1"/>
+          </p:cNvSpPr>
+          <p:nvPr>
+            <p:ph type="sldNum" sz="quarter" idx="5"/>
+          </p:nvPr>
+        </p:nvSpPr>
+        <p:spPr/>
+        <p:txBody>
+          <a:bodyPr/>
+          <a:lstStyle/>
+          <a:p>
+            <a:fld id="{18C544B7-89C3-44C1-8E4C-E08862D59DA5}" type="slidenum">
+              <a:rPr lang="en-US" smtClean="0"/>
+              <a:t>16</a:t>
+            </a:fld>
+            <a:endParaRPr lang="en-US"/>
+          </a:p>
+        </p:txBody>
+      </p:sp>
+    </p:spTree>
+    <p:extLst>
+      <p:ext uri="{BB962C8B-B14F-4D97-AF65-F5344CB8AC3E}">
+        <p14:creationId xmlns:p14="http://schemas.microsoft.com/office/powerpoint/2010/main" val="2806218164"/>
+      </p:ext>
+    </p:extLst>
+  </p:cSld>
+  <p:clrMapOvr>
+    <a:masterClrMapping/>
+  </p:clrMapOvr>
+</p:notes>
+</file>
+
+<file path=ppt/notesSlides/notesSlide7.xml><?xml version="1.0" encoding="utf-8"?>
+<p:notes xmlns:a="http://schemas.openxmlformats.org/drawingml/2006/main" xmlns:r="http://schemas.openxmlformats.org/officeDocument/2006/relationships" xmlns:p="http://schemas.openxmlformats.org/presentationml/2006/main">
+  <p:cSld>
+    <p:spTree>
+      <p:nvGrpSpPr>
+        <p:cNvPr id="1" name=""/>
+        <p:cNvGrpSpPr/>
+        <p:nvPr/>
+      </p:nvGrpSpPr>
+      <p:grpSpPr>
+        <a:xfrm>
+          <a:off x="0" y="0"/>
+          <a:ext cx="0" cy="0"/>
+          <a:chOff x="0" y="0"/>
+          <a:chExt cx="0" cy="0"/>
+        </a:xfrm>
+      </p:grpSpPr>
+      <p:sp>
+        <p:nvSpPr>
+          <p:cNvPr id="2" name="Slide Image Placeholder 1"/>
+          <p:cNvSpPr>
+            <a:spLocks noGrp="1" noRot="1" noChangeAspect="1"/>
+          </p:cNvSpPr>
+          <p:nvPr>
+            <p:ph type="sldImg"/>
+          </p:nvPr>
+        </p:nvSpPr>
+        <p:spPr/>
+      </p:sp>
+      <p:sp>
+        <p:nvSpPr>
+          <p:cNvPr id="3" name="Notes Placeholder 2"/>
+          <p:cNvSpPr>
+            <a:spLocks noGrp="1"/>
+          </p:cNvSpPr>
+          <p:nvPr>
+            <p:ph type="body" idx="1"/>
+          </p:nvPr>
+        </p:nvSpPr>
+        <p:spPr/>
+        <p:txBody>
+          <a:bodyPr/>
+          <a:lstStyle/>
+          <a:p>
+            <a:endParaRPr lang="en-US" dirty="0"/>
+          </a:p>
+        </p:txBody>
+      </p:sp>
+      <p:sp>
+        <p:nvSpPr>
+          <p:cNvPr id="4" name="Slide Number Placeholder 3"/>
+          <p:cNvSpPr>
+            <a:spLocks noGrp="1"/>
+          </p:cNvSpPr>
+          <p:nvPr>
+            <p:ph type="sldNum" sz="quarter" idx="5"/>
+          </p:nvPr>
+        </p:nvSpPr>
+        <p:spPr/>
+        <p:txBody>
+          <a:bodyPr/>
+          <a:lstStyle/>
+          <a:p>
+            <a:fld id="{18C544B7-89C3-44C1-8E4C-E08862D59DA5}" type="slidenum">
+              <a:rPr lang="en-US" smtClean="0"/>
+              <a:t>17</a:t>
+            </a:fld>
+            <a:endParaRPr lang="en-US"/>
+          </a:p>
+        </p:txBody>
+      </p:sp>
+    </p:spTree>
+    <p:extLst>
+      <p:ext uri="{BB962C8B-B14F-4D97-AF65-F5344CB8AC3E}">
+        <p14:creationId xmlns:p14="http://schemas.microsoft.com/office/powerpoint/2010/main" val="3614516657"/>
+      </p:ext>
+    </p:extLst>
+  </p:cSld>
+  <p:clrMapOvr>
+    <a:masterClrMapping/>
+  </p:clrMapOvr>
+</p:notes>
 </file>
 
 <file path=ppt/slideLayouts/slideLayout1.xml><?xml version="1.0" encoding="utf-8"?>
@@ -2202,10 +5315,10 @@
       </p:grpSpPr>
       <p:sp>
         <p:nvSpPr>
-          <p:cNvPr id="4" name="Title 3">
+          <p:cNvPr id="2" name="Content Placeholder 1">
             <a:extLst>
               <a:ext uri="{FF2B5EF4-FFF2-40B4-BE49-F238E27FC236}">
-                <a16:creationId xmlns:a16="http://schemas.microsoft.com/office/drawing/2014/main" id="{C43EF85A-9EF5-2DBE-2ECF-2711A4E4A77E}"/>
+                <a16:creationId xmlns:a16="http://schemas.microsoft.com/office/drawing/2014/main" id="{75C5FA54-AA1C-D18E-9AB4-EAF765C1D60B}"/>
               </a:ext>
             </a:extLst>
           </p:cNvPr>
@@ -2213,27 +5326,140 @@
             <a:spLocks noGrp="1"/>
           </p:cNvSpPr>
           <p:nvPr>
-            <p:ph type="title"/>
+            <p:ph idx="1"/>
           </p:nvPr>
         </p:nvSpPr>
-        <p:spPr/>
+        <p:spPr>
+          <a:xfrm>
+            <a:off x="457200" y="1070199"/>
+            <a:ext cx="8229600" cy="3110492"/>
+          </a:xfrm>
+        </p:spPr>
         <p:txBody>
-          <a:bodyPr/>
+          <a:bodyPr>
+            <a:normAutofit/>
+          </a:bodyPr>
           <a:lstStyle/>
           <a:p>
-            <a:r>
-              <a:rPr lang="en-US" dirty="0"/>
-              <a:t>How Does This Affect Research?</a:t>
-            </a:r>
+            <a:pPr marL="457200" indent="-457200">
+              <a:lnSpc>
+                <a:spcPct val="90000"/>
+              </a:lnSpc>
+              <a:buFont typeface="Wingdings" panose="05000000000000000000" pitchFamily="2" charset="2"/>
+              <a:buChar char="§"/>
+            </a:pPr>
+            <a:r>
+              <a:rPr lang="en-US" sz="2000"/>
+              <a:t>2,500 peer-reviewed scholarly articles.</a:t>
+            </a:r>
+          </a:p>
+          <a:p>
+            <a:pPr marL="457200" indent="-457200">
+              <a:lnSpc>
+                <a:spcPct val="90000"/>
+              </a:lnSpc>
+              <a:buFont typeface="Wingdings" panose="05000000000000000000" pitchFamily="2" charset="2"/>
+              <a:buChar char="§"/>
+            </a:pPr>
+            <a:r>
+              <a:rPr lang="en-US" sz="2000"/>
+              <a:t>Published between 2013 and 2022. 250 publications per year.</a:t>
+            </a:r>
+          </a:p>
+          <a:p>
+            <a:pPr marL="457200" indent="-457200">
+              <a:lnSpc>
+                <a:spcPct val="90000"/>
+              </a:lnSpc>
+              <a:buFont typeface="Wingdings" panose="05000000000000000000" pitchFamily="2" charset="2"/>
+              <a:buChar char="§"/>
+            </a:pPr>
+            <a:r>
+              <a:rPr lang="en-US" sz="2000"/>
+              <a:t>500 publications from each of the 5 disciplines:</a:t>
+            </a:r>
+          </a:p>
+          <a:p>
+            <a:pPr lvl="1">
+              <a:lnSpc>
+                <a:spcPct val="90000"/>
+              </a:lnSpc>
+              <a:buFont typeface="Wingdings" panose="05000000000000000000" pitchFamily="2" charset="2"/>
+              <a:buChar char="q"/>
+            </a:pPr>
+            <a:r>
+              <a:rPr lang="en-US" sz="2000"/>
+              <a:t>Arts &amp; Humanities</a:t>
+            </a:r>
+          </a:p>
+          <a:p>
+            <a:pPr lvl="1">
+              <a:lnSpc>
+                <a:spcPct val="90000"/>
+              </a:lnSpc>
+              <a:buFont typeface="Wingdings" panose="05000000000000000000" pitchFamily="2" charset="2"/>
+              <a:buChar char="q"/>
+            </a:pPr>
+            <a:r>
+              <a:rPr lang="en-US" sz="2000"/>
+              <a:t>Business</a:t>
+            </a:r>
+          </a:p>
+          <a:p>
+            <a:pPr lvl="1">
+              <a:lnSpc>
+                <a:spcPct val="90000"/>
+              </a:lnSpc>
+              <a:buFont typeface="Wingdings" panose="05000000000000000000" pitchFamily="2" charset="2"/>
+              <a:buChar char="q"/>
+            </a:pPr>
+            <a:r>
+              <a:rPr lang="en-US" sz="2000"/>
+              <a:t>Health and Medicine</a:t>
+            </a:r>
+          </a:p>
+          <a:p>
+            <a:pPr lvl="1">
+              <a:lnSpc>
+                <a:spcPct val="90000"/>
+              </a:lnSpc>
+              <a:buFont typeface="Wingdings" panose="05000000000000000000" pitchFamily="2" charset="2"/>
+              <a:buChar char="q"/>
+            </a:pPr>
+            <a:r>
+              <a:rPr lang="en-US" sz="2000"/>
+              <a:t>Science, Math, and Technology</a:t>
+            </a:r>
+          </a:p>
+          <a:p>
+            <a:pPr lvl="1">
+              <a:lnSpc>
+                <a:spcPct val="90000"/>
+              </a:lnSpc>
+              <a:buFont typeface="Wingdings" panose="05000000000000000000" pitchFamily="2" charset="2"/>
+              <a:buChar char="q"/>
+            </a:pPr>
+            <a:r>
+              <a:rPr lang="en-US" sz="2000"/>
+              <a:t>Social Sciences</a:t>
+            </a:r>
+          </a:p>
+          <a:p>
+            <a:pPr>
+              <a:lnSpc>
+                <a:spcPct val="90000"/>
+              </a:lnSpc>
+            </a:pPr>
+            <a:endParaRPr lang="en-US" sz="2000"/>
           </a:p>
         </p:txBody>
       </p:sp>
       <p:sp>
         <p:nvSpPr>
-          <p:cNvPr id="5" name="Content Placeholder 4">
+          <p:cNvPr id="5" name="Title 4">
             <a:extLst>
               <a:ext uri="{FF2B5EF4-FFF2-40B4-BE49-F238E27FC236}">
-                <a16:creationId xmlns:a16="http://schemas.microsoft.com/office/drawing/2014/main" id="{ED5124F5-5909-E264-5C59-8EFDA8B54CF5}"/>
+                <a16:creationId xmlns:a16="http://schemas.microsoft.com/office/drawing/2014/main" id="{8656D822-A16C-27EC-F7D3-8894F12C55D8}"/>
               </a:ext>
             </a:extLst>
           </p:cNvPr>
@@ -2241,32 +5467,32 @@
             <a:spLocks noGrp="1"/>
           </p:cNvSpPr>
           <p:nvPr>
-            <p:ph idx="1"/>
+            <p:ph type="title"/>
           </p:nvPr>
         </p:nvSpPr>
-        <p:spPr/>
+        <p:spPr>
+          <a:xfrm>
+            <a:off x="457200" y="205979"/>
+            <a:ext cx="8229600" cy="734738"/>
+          </a:xfrm>
+        </p:spPr>
         <p:txBody>
-          <a:bodyPr>
+          <a:bodyPr anchor="ctr">
             <a:normAutofit/>
           </a:bodyPr>
           <a:lstStyle/>
           <a:p>
             <a:r>
-              <a:rPr lang="en-US"/>
-              <a:t>Retracted Publications</a:t>
-            </a:r>
-            <a:endParaRPr lang="en-US" dirty="0"/>
-          </a:p>
-          <a:p>
-            <a:pPr algn="l"/>
-            <a:endParaRPr lang="en-US" dirty="0"/>
+              <a:rPr lang="en-US" dirty="0"/>
+              <a:t>Rotting Research: The Study</a:t>
+            </a:r>
           </a:p>
         </p:txBody>
       </p:sp>
     </p:spTree>
     <p:extLst>
       <p:ext uri="{BB962C8B-B14F-4D97-AF65-F5344CB8AC3E}">
-        <p14:creationId xmlns:p14="http://schemas.microsoft.com/office/powerpoint/2010/main" val="1264046897"/>
+        <p14:creationId xmlns:p14="http://schemas.microsoft.com/office/powerpoint/2010/main" val="4079877882"/>
       </p:ext>
     </p:extLst>
   </p:cSld>
@@ -2316,7 +5542,7 @@
           <a:p>
             <a:r>
               <a:rPr lang="en-US" dirty="0"/>
-              <a:t>But We Have DOIs</a:t>
+              <a:t>Rotting Research: The Study</a:t>
             </a:r>
           </a:p>
         </p:txBody>
@@ -2344,38 +5570,51 @@
           </a:bodyPr>
           <a:lstStyle/>
           <a:p>
-            <a:r>
-              <a:rPr lang="en-US" dirty="0"/>
-              <a:t>37% of DOI links were broken.</a:t>
-            </a:r>
-          </a:p>
-          <a:p>
-            <a:r>
-              <a:rPr lang="en-US" sz="2800" dirty="0">
-                <a:effectLst/>
-                <a:latin typeface="Times New Roman" panose="02020603050405020304" pitchFamily="18" charset="0"/>
-                <a:ea typeface="Calibri" panose="020F0502020204030204" pitchFamily="34" charset="0"/>
-              </a:rPr>
-              <a:t>Klein and Balakireva (2021) showed 33% of DOI links to be broken on one institution’s internal network. </a:t>
-            </a:r>
-          </a:p>
-          <a:p>
-            <a:r>
-              <a:rPr lang="en-US" sz="2800" dirty="0">
-                <a:effectLst/>
-                <a:latin typeface="Times New Roman" panose="02020603050405020304" pitchFamily="18" charset="0"/>
-                <a:ea typeface="Calibri" panose="020F0502020204030204" pitchFamily="34" charset="0"/>
-              </a:rPr>
-              <a:t>Klein and Balakireva found 51.7% of DOIs were unreachable from outside of the institution’s network. </a:t>
-            </a:r>
-          </a:p>
-          <a:p>
-            <a:endParaRPr lang="en-US" dirty="0"/>
-          </a:p>
-          <a:p>
-            <a:endParaRPr lang="en-US" dirty="0"/>
-          </a:p>
-          <a:p>
+            <a:pPr marL="457200" indent="-457200">
+              <a:buFont typeface="Wingdings" panose="05000000000000000000" pitchFamily="2" charset="2"/>
+              <a:buChar char="§"/>
+            </a:pPr>
+            <a:r>
+              <a:rPr lang="en-US" sz="2400" dirty="0"/>
+              <a:t>The overall percentage of broken links was 36%. </a:t>
+            </a:r>
+            <a:r>
+              <a:rPr lang="en-US" sz="2400" baseline="30000" dirty="0"/>
+              <a:t>5</a:t>
+            </a:r>
+          </a:p>
+          <a:p>
+            <a:pPr marL="457200" indent="-457200">
+              <a:buFont typeface="Wingdings" panose="05000000000000000000" pitchFamily="2" charset="2"/>
+              <a:buChar char="§"/>
+            </a:pPr>
+            <a:r>
+              <a:rPr lang="en-US" sz="2400" dirty="0"/>
+              <a:t>The overall percentage of broken DOIs was 37%.</a:t>
+            </a:r>
+            <a:r>
+              <a:rPr lang="en-US" sz="2400" baseline="30000" dirty="0"/>
+              <a:t> 5</a:t>
+            </a:r>
+            <a:endParaRPr lang="en-US" sz="2400" dirty="0"/>
+          </a:p>
+          <a:p>
+            <a:pPr marL="457200" indent="-457200">
+              <a:buFont typeface="Wingdings" panose="05000000000000000000" pitchFamily="2" charset="2"/>
+              <a:buChar char="§"/>
+            </a:pPr>
+            <a:r>
+              <a:rPr lang="en-US" sz="2400" dirty="0"/>
+              <a:t>Results aligned with previous studies.</a:t>
+            </a:r>
+            <a:r>
+              <a:rPr lang="en-US" sz="2400" baseline="30000" dirty="0"/>
+              <a:t> 5</a:t>
+            </a:r>
+            <a:endParaRPr lang="en-US" sz="2400" dirty="0"/>
+          </a:p>
+          <a:p>
+            <a:pPr algn="l"/>
             <a:endParaRPr lang="en-US" dirty="0"/>
           </a:p>
         </p:txBody>
@@ -2383,7 +5622,7 @@
     </p:spTree>
     <p:extLst>
       <p:ext uri="{BB962C8B-B14F-4D97-AF65-F5344CB8AC3E}">
-        <p14:creationId xmlns:p14="http://schemas.microsoft.com/office/powerpoint/2010/main" val="3323012388"/>
+        <p14:creationId xmlns:p14="http://schemas.microsoft.com/office/powerpoint/2010/main" val="736996498"/>
       </p:ext>
     </p:extLst>
   </p:cSld>
@@ -2410,12 +5649,43 @@
           <a:chExt cx="0" cy="0"/>
         </a:xfrm>
       </p:grpSpPr>
+      <p:graphicFrame>
+        <p:nvGraphicFramePr>
+          <p:cNvPr id="6" name="Content Placeholder 5">
+            <a:extLst>
+              <a:ext uri="{FF2B5EF4-FFF2-40B4-BE49-F238E27FC236}">
+                <a16:creationId xmlns:a16="http://schemas.microsoft.com/office/drawing/2014/main" id="{45EBDD73-A85B-8CD4-F1D6-30C9413A2CC9}"/>
+              </a:ext>
+            </a:extLst>
+          </p:cNvPr>
+          <p:cNvGraphicFramePr>
+            <a:graphicFrameLocks noGrp="1"/>
+          </p:cNvGraphicFramePr>
+          <p:nvPr>
+            <p:ph idx="1"/>
+            <p:extLst>
+              <p:ext uri="{D42A27DB-BD31-4B8C-83A1-F6EECF244321}">
+                <p14:modId xmlns:p14="http://schemas.microsoft.com/office/powerpoint/2010/main" val="1469817688"/>
+              </p:ext>
+            </p:extLst>
+          </p:nvPr>
+        </p:nvGraphicFramePr>
+        <p:xfrm>
+          <a:off x="457200" y="1084263"/>
+          <a:ext cx="4025900" cy="3097212"/>
+        </p:xfrm>
+        <a:graphic>
+          <a:graphicData uri="http://schemas.openxmlformats.org/drawingml/2006/chart">
+            <c:chart xmlns:c="http://schemas.openxmlformats.org/drawingml/2006/chart" xmlns:r="http://schemas.openxmlformats.org/officeDocument/2006/relationships" r:id="rId2"/>
+          </a:graphicData>
+        </a:graphic>
+      </p:graphicFrame>
       <p:sp>
         <p:nvSpPr>
-          <p:cNvPr id="5" name="Title 4">
+          <p:cNvPr id="10" name="Content Placeholder 2">
             <a:extLst>
               <a:ext uri="{FF2B5EF4-FFF2-40B4-BE49-F238E27FC236}">
-                <a16:creationId xmlns:a16="http://schemas.microsoft.com/office/drawing/2014/main" id="{8656D822-A16C-27EC-F7D3-8894F12C55D8}"/>
+                <a16:creationId xmlns:a16="http://schemas.microsoft.com/office/drawing/2014/main" id="{B7BE0565-B3A3-EBD0-5E62-D8720996782D}"/>
               </a:ext>
             </a:extLst>
           </p:cNvPr>
@@ -2423,27 +5693,110 @@
             <a:spLocks noGrp="1"/>
           </p:cNvSpPr>
           <p:nvPr>
-            <p:ph type="title"/>
+            <p:ph idx="11"/>
           </p:nvPr>
         </p:nvSpPr>
-        <p:spPr/>
+        <p:spPr>
+          <a:xfrm>
+            <a:off x="3666745" y="1170129"/>
+            <a:ext cx="5559552" cy="3084498"/>
+          </a:xfrm>
+        </p:spPr>
         <p:txBody>
           <a:bodyPr/>
           <a:lstStyle/>
           <a:p>
+            <a:pPr>
+              <a:lnSpc>
+                <a:spcPct val="90000"/>
+              </a:lnSpc>
+            </a:pPr>
+            <a:r>
+              <a:rPr lang="en-US" sz="2000" dirty="0"/>
+              <a:t>Mean of broken links by academic domain.</a:t>
+            </a:r>
+            <a:r>
+              <a:rPr lang="en-US" sz="2000" baseline="30000" dirty="0"/>
+              <a:t> 5</a:t>
+            </a:r>
+            <a:endParaRPr lang="en-US" sz="2000" dirty="0"/>
+          </a:p>
+          <a:p>
+            <a:pPr lvl="1">
+              <a:lnSpc>
+                <a:spcPct val="90000"/>
+              </a:lnSpc>
+              <a:buFont typeface="Wingdings" panose="05000000000000000000" pitchFamily="2" charset="2"/>
+              <a:buChar char="§"/>
+            </a:pPr>
             <a:r>
               <a:rPr lang="en-US" dirty="0"/>
-              <a:t>Rotting Research: The Study</a:t>
-            </a:r>
+              <a:t>Arts &amp; Humanities – 39%</a:t>
+            </a:r>
+          </a:p>
+          <a:p>
+            <a:pPr lvl="1">
+              <a:lnSpc>
+                <a:spcPct val="90000"/>
+              </a:lnSpc>
+              <a:buFont typeface="Wingdings" panose="05000000000000000000" pitchFamily="2" charset="2"/>
+              <a:buChar char="§"/>
+            </a:pPr>
+            <a:r>
+              <a:rPr lang="en-US" dirty="0"/>
+              <a:t>Business – 39%</a:t>
+            </a:r>
+          </a:p>
+          <a:p>
+            <a:pPr lvl="1">
+              <a:lnSpc>
+                <a:spcPct val="90000"/>
+              </a:lnSpc>
+              <a:buFont typeface="Wingdings" panose="05000000000000000000" pitchFamily="2" charset="2"/>
+              <a:buChar char="§"/>
+            </a:pPr>
+            <a:r>
+              <a:rPr lang="en-US" dirty="0"/>
+              <a:t>Health &amp; Medicine – 32%</a:t>
+            </a:r>
+          </a:p>
+          <a:p>
+            <a:pPr lvl="1">
+              <a:lnSpc>
+                <a:spcPct val="90000"/>
+              </a:lnSpc>
+              <a:buFont typeface="Wingdings" panose="05000000000000000000" pitchFamily="2" charset="2"/>
+              <a:buChar char="§"/>
+            </a:pPr>
+            <a:r>
+              <a:rPr lang="en-US" dirty="0"/>
+              <a:t>Science, Math, &amp; Technology – 34%</a:t>
+            </a:r>
+          </a:p>
+          <a:p>
+            <a:pPr lvl="1">
+              <a:lnSpc>
+                <a:spcPct val="90000"/>
+              </a:lnSpc>
+              <a:buFont typeface="Wingdings" panose="05000000000000000000" pitchFamily="2" charset="2"/>
+              <a:buChar char="§"/>
+            </a:pPr>
+            <a:r>
+              <a:rPr lang="en-US" dirty="0"/>
+              <a:t>Social Sciences – 37%</a:t>
+            </a:r>
+          </a:p>
+          <a:p>
+            <a:endParaRPr lang="en-US" dirty="0"/>
           </a:p>
         </p:txBody>
       </p:sp>
       <p:sp>
         <p:nvSpPr>
-          <p:cNvPr id="2" name="Content Placeholder 1">
+          <p:cNvPr id="4" name="Title 3">
             <a:extLst>
               <a:ext uri="{FF2B5EF4-FFF2-40B4-BE49-F238E27FC236}">
-                <a16:creationId xmlns:a16="http://schemas.microsoft.com/office/drawing/2014/main" id="{75C5FA54-AA1C-D18E-9AB4-EAF765C1D60B}"/>
+                <a16:creationId xmlns:a16="http://schemas.microsoft.com/office/drawing/2014/main" id="{C43EF85A-9EF5-2DBE-2ECF-2711A4E4A77E}"/>
               </a:ext>
             </a:extLst>
           </p:cNvPr>
@@ -2451,77 +5804,32 @@
             <a:spLocks noGrp="1"/>
           </p:cNvSpPr>
           <p:nvPr>
-            <p:ph idx="1"/>
+            <p:ph type="title"/>
           </p:nvPr>
         </p:nvSpPr>
-        <p:spPr/>
+        <p:spPr>
+          <a:xfrm>
+            <a:off x="457200" y="205979"/>
+            <a:ext cx="8229600" cy="734738"/>
+          </a:xfrm>
+        </p:spPr>
         <p:txBody>
-          <a:bodyPr>
-            <a:normAutofit fontScale="77500" lnSpcReduction="20000"/>
+          <a:bodyPr anchor="ctr">
+            <a:normAutofit/>
           </a:bodyPr>
           <a:lstStyle/>
           <a:p>
             <a:r>
               <a:rPr lang="en-US" dirty="0"/>
-              <a:t>2,500 peer-reviewed scholarly articles.</a:t>
-            </a:r>
-          </a:p>
-          <a:p>
-            <a:r>
-              <a:rPr lang="en-US" dirty="0"/>
-              <a:t>Published between 2013 and 2022. 250 publications per year.</a:t>
-            </a:r>
-          </a:p>
-          <a:p>
-            <a:r>
-              <a:rPr lang="en-US" dirty="0"/>
-              <a:t>500 publications from each of the 5 disciplines:</a:t>
-            </a:r>
-          </a:p>
-          <a:p>
-            <a:pPr lvl="1"/>
-            <a:r>
-              <a:rPr lang="en-US" dirty="0"/>
-              <a:t>Arts &amp; Humanities</a:t>
-            </a:r>
-          </a:p>
-          <a:p>
-            <a:pPr lvl="1"/>
-            <a:r>
-              <a:rPr lang="en-US" dirty="0"/>
-              <a:t>Business</a:t>
-            </a:r>
-          </a:p>
-          <a:p>
-            <a:pPr lvl="1"/>
-            <a:r>
-              <a:rPr lang="en-US" dirty="0"/>
-              <a:t>Health and Medicine</a:t>
-            </a:r>
-          </a:p>
-          <a:p>
-            <a:pPr lvl="1"/>
-            <a:r>
-              <a:rPr lang="en-US" dirty="0"/>
-              <a:t>Science, Math, and Technology</a:t>
-            </a:r>
-          </a:p>
-          <a:p>
-            <a:pPr lvl="1"/>
-            <a:r>
-              <a:rPr lang="en-US" dirty="0"/>
-              <a:t>Social Sciences</a:t>
-            </a:r>
-          </a:p>
-          <a:p>
-            <a:endParaRPr lang="en-US" dirty="0"/>
+              <a:t>Rotting Research: The Study</a:t>
+            </a:r>
           </a:p>
         </p:txBody>
       </p:sp>
     </p:spTree>
     <p:extLst>
       <p:ext uri="{BB962C8B-B14F-4D97-AF65-F5344CB8AC3E}">
-        <p14:creationId xmlns:p14="http://schemas.microsoft.com/office/powerpoint/2010/main" val="4079877882"/>
+        <p14:creationId xmlns:p14="http://schemas.microsoft.com/office/powerpoint/2010/main" val="262231424"/>
       </p:ext>
     </p:extLst>
   </p:cSld>
@@ -2550,6 +5858,163 @@
       </p:grpSpPr>
       <p:sp>
         <p:nvSpPr>
+          <p:cNvPr id="5" name="Content Placeholder 4">
+            <a:extLst>
+              <a:ext uri="{FF2B5EF4-FFF2-40B4-BE49-F238E27FC236}">
+                <a16:creationId xmlns:a16="http://schemas.microsoft.com/office/drawing/2014/main" id="{ED5124F5-5909-E264-5C59-8EFDA8B54CF5}"/>
+              </a:ext>
+            </a:extLst>
+          </p:cNvPr>
+          <p:cNvSpPr>
+            <a:spLocks noGrp="1"/>
+          </p:cNvSpPr>
+          <p:nvPr>
+            <p:ph idx="1"/>
+          </p:nvPr>
+        </p:nvSpPr>
+        <p:spPr>
+          <a:xfrm>
+            <a:off x="109728" y="1175175"/>
+            <a:ext cx="5998464" cy="3096952"/>
+          </a:xfrm>
+        </p:spPr>
+        <p:txBody>
+          <a:bodyPr>
+            <a:normAutofit/>
+          </a:bodyPr>
+          <a:lstStyle/>
+          <a:p>
+            <a:pPr>
+              <a:lnSpc>
+                <a:spcPct val="90000"/>
+              </a:lnSpc>
+            </a:pPr>
+            <a:r>
+              <a:rPr lang="en-US" sz="2000" dirty="0"/>
+              <a:t>Mean of broken DOIs by academic domain.</a:t>
+            </a:r>
+            <a:r>
+              <a:rPr lang="en-US" sz="2000" baseline="30000" dirty="0"/>
+              <a:t> 5</a:t>
+            </a:r>
+            <a:endParaRPr lang="en-US" sz="2000" dirty="0"/>
+          </a:p>
+          <a:p>
+            <a:pPr lvl="1">
+              <a:lnSpc>
+                <a:spcPct val="90000"/>
+              </a:lnSpc>
+              <a:buFont typeface="Wingdings" panose="05000000000000000000" pitchFamily="2" charset="2"/>
+              <a:buChar char="§"/>
+            </a:pPr>
+            <a:r>
+              <a:rPr lang="en-US" dirty="0"/>
+              <a:t>Arts &amp; Humanities – 42%</a:t>
+            </a:r>
+          </a:p>
+          <a:p>
+            <a:pPr lvl="1">
+              <a:lnSpc>
+                <a:spcPct val="90000"/>
+              </a:lnSpc>
+              <a:buFont typeface="Wingdings" panose="05000000000000000000" pitchFamily="2" charset="2"/>
+              <a:buChar char="§"/>
+            </a:pPr>
+            <a:r>
+              <a:rPr lang="en-US" dirty="0"/>
+              <a:t>Business – 44%</a:t>
+            </a:r>
+          </a:p>
+          <a:p>
+            <a:pPr lvl="1">
+              <a:lnSpc>
+                <a:spcPct val="90000"/>
+              </a:lnSpc>
+              <a:buFont typeface="Wingdings" panose="05000000000000000000" pitchFamily="2" charset="2"/>
+              <a:buChar char="§"/>
+            </a:pPr>
+            <a:r>
+              <a:rPr lang="en-US" dirty="0"/>
+              <a:t>Health &amp; Medicine – 33%</a:t>
+            </a:r>
+          </a:p>
+          <a:p>
+            <a:pPr lvl="1">
+              <a:lnSpc>
+                <a:spcPct val="90000"/>
+              </a:lnSpc>
+              <a:buFont typeface="Wingdings" panose="05000000000000000000" pitchFamily="2" charset="2"/>
+              <a:buChar char="§"/>
+            </a:pPr>
+            <a:r>
+              <a:rPr lang="en-US" dirty="0"/>
+              <a:t>Science, Math, &amp; Technology – 23%</a:t>
+            </a:r>
+          </a:p>
+          <a:p>
+            <a:pPr lvl="1">
+              <a:lnSpc>
+                <a:spcPct val="90000"/>
+              </a:lnSpc>
+              <a:buFont typeface="Wingdings" panose="05000000000000000000" pitchFamily="2" charset="2"/>
+              <a:buChar char="§"/>
+            </a:pPr>
+            <a:r>
+              <a:rPr lang="en-US" dirty="0"/>
+              <a:t>Social Sciences – 40%</a:t>
+            </a:r>
+          </a:p>
+          <a:p>
+            <a:pPr>
+              <a:lnSpc>
+                <a:spcPct val="90000"/>
+              </a:lnSpc>
+            </a:pPr>
+            <a:endParaRPr lang="en-US" sz="2000" dirty="0"/>
+          </a:p>
+          <a:p>
+            <a:pPr>
+              <a:lnSpc>
+                <a:spcPct val="90000"/>
+              </a:lnSpc>
+            </a:pPr>
+            <a:endParaRPr lang="en-US" sz="2000" dirty="0"/>
+          </a:p>
+        </p:txBody>
+      </p:sp>
+      <p:graphicFrame>
+        <p:nvGraphicFramePr>
+          <p:cNvPr id="6" name="Content Placeholder 5">
+            <a:extLst>
+              <a:ext uri="{FF2B5EF4-FFF2-40B4-BE49-F238E27FC236}">
+                <a16:creationId xmlns:a16="http://schemas.microsoft.com/office/drawing/2014/main" id="{12DADA47-F277-A2E9-7557-2515F1B696EC}"/>
+              </a:ext>
+            </a:extLst>
+          </p:cNvPr>
+          <p:cNvGraphicFramePr>
+            <a:graphicFrameLocks noGrp="1"/>
+          </p:cNvGraphicFramePr>
+          <p:nvPr>
+            <p:ph idx="11"/>
+            <p:extLst>
+              <p:ext uri="{D42A27DB-BD31-4B8C-83A1-F6EECF244321}">
+                <p14:modId xmlns:p14="http://schemas.microsoft.com/office/powerpoint/2010/main" val="341837021"/>
+              </p:ext>
+            </p:extLst>
+          </p:nvPr>
+        </p:nvGraphicFramePr>
+        <p:xfrm>
+          <a:off x="4660900" y="1096963"/>
+          <a:ext cx="4025900" cy="3084512"/>
+        </p:xfrm>
+        <a:graphic>
+          <a:graphicData uri="http://schemas.openxmlformats.org/drawingml/2006/chart">
+            <c:chart xmlns:c="http://schemas.openxmlformats.org/drawingml/2006/chart" xmlns:r="http://schemas.openxmlformats.org/officeDocument/2006/relationships" r:id="rId2"/>
+          </a:graphicData>
+        </a:graphic>
+      </p:graphicFrame>
+      <p:sp>
+        <p:nvSpPr>
           <p:cNvPr id="4" name="Title 3">
             <a:extLst>
               <a:ext uri="{FF2B5EF4-FFF2-40B4-BE49-F238E27FC236}">
@@ -2564,163 +6029,30 @@
             <p:ph type="title"/>
           </p:nvPr>
         </p:nvSpPr>
-        <p:spPr/>
+        <p:spPr>
+          <a:xfrm>
+            <a:off x="457200" y="205979"/>
+            <a:ext cx="8229600" cy="734738"/>
+          </a:xfrm>
+        </p:spPr>
         <p:txBody>
-          <a:bodyPr/>
-          <a:lstStyle/>
-          <a:p>
-            <a:r>
-              <a:rPr lang="en-US" dirty="0"/>
-              <a:t>Other Findings</a:t>
-            </a:r>
-          </a:p>
-        </p:txBody>
-      </p:sp>
-      <p:sp>
-        <p:nvSpPr>
-          <p:cNvPr id="5" name="Content Placeholder 4">
-            <a:extLst>
-              <a:ext uri="{FF2B5EF4-FFF2-40B4-BE49-F238E27FC236}">
-                <a16:creationId xmlns:a16="http://schemas.microsoft.com/office/drawing/2014/main" id="{ED5124F5-5909-E264-5C59-8EFDA8B54CF5}"/>
-              </a:ext>
-            </a:extLst>
-          </p:cNvPr>
-          <p:cNvSpPr>
-            <a:spLocks noGrp="1"/>
-          </p:cNvSpPr>
-          <p:nvPr>
-            <p:ph idx="1"/>
-          </p:nvPr>
-        </p:nvSpPr>
-        <p:spPr/>
-        <p:txBody>
-          <a:bodyPr>
-            <a:normAutofit fontScale="40000" lnSpcReduction="20000"/>
+          <a:bodyPr anchor="ctr">
+            <a:normAutofit/>
           </a:bodyPr>
           <a:lstStyle/>
           <a:p>
             <a:r>
               <a:rPr lang="en-US" dirty="0"/>
-              <a:t>Mean of broken links by academic domain.</a:t>
-            </a:r>
-          </a:p>
-          <a:p>
-            <a:pPr lvl="1"/>
-            <a:r>
-              <a:rPr lang="en-US" dirty="0"/>
-              <a:t>Arts &amp; Humanities – 39%</a:t>
-            </a:r>
-          </a:p>
-          <a:p>
-            <a:pPr lvl="1"/>
-            <a:r>
-              <a:rPr lang="en-US" dirty="0"/>
-              <a:t>Business – 39%</a:t>
-            </a:r>
-          </a:p>
-          <a:p>
-            <a:pPr lvl="1"/>
-            <a:r>
-              <a:rPr lang="en-US" dirty="0"/>
-              <a:t>Health &amp; Medicine – 32%</a:t>
-            </a:r>
-          </a:p>
-          <a:p>
-            <a:pPr lvl="1"/>
-            <a:r>
-              <a:rPr lang="en-US" dirty="0"/>
-              <a:t>Science, Math, &amp; Technology – 34%</a:t>
-            </a:r>
-          </a:p>
-          <a:p>
-            <a:pPr lvl="1"/>
-            <a:r>
-              <a:rPr lang="en-US" dirty="0"/>
-              <a:t>Social Sciences – 37%</a:t>
-            </a:r>
-          </a:p>
-          <a:p>
-            <a:r>
-              <a:rPr lang="en-US" sz="2800" dirty="0">
-                <a:effectLst/>
-                <a:latin typeface="Times New Roman" panose="02020603050405020304" pitchFamily="18" charset="0"/>
-                <a:ea typeface="Calibri" panose="020F0502020204030204" pitchFamily="34" charset="0"/>
-              </a:rPr>
-              <a:t>Some publishers have developed independent policies to address DOI longevity. </a:t>
-            </a:r>
-          </a:p>
-          <a:p>
-            <a:r>
-              <a:rPr lang="en-US" sz="2800" dirty="0">
-                <a:effectLst/>
-                <a:latin typeface="Times New Roman" panose="02020603050405020304" pitchFamily="18" charset="0"/>
-                <a:ea typeface="Calibri" panose="020F0502020204030204" pitchFamily="34" charset="0"/>
-              </a:rPr>
-              <a:t>Homenda (2021) asserted the best link to use is the one most likely to provide continual access to the resource. </a:t>
-            </a:r>
-          </a:p>
-          <a:p>
-            <a:r>
-              <a:rPr lang="en-US" sz="2800" dirty="0">
-                <a:effectLst/>
-                <a:latin typeface="Times New Roman" panose="02020603050405020304" pitchFamily="18" charset="0"/>
-                <a:ea typeface="Calibri" panose="020F0502020204030204" pitchFamily="34" charset="0"/>
-              </a:rPr>
-              <a:t>However, some publishers have pointed their DOIs to pages behind a paywall without providing any means of checking the link besides logging in. </a:t>
-            </a:r>
-          </a:p>
-          <a:p>
-            <a:r>
-              <a:rPr lang="en-US" sz="2800" dirty="0">
-                <a:effectLst/>
-                <a:latin typeface="Times New Roman" panose="02020603050405020304" pitchFamily="18" charset="0"/>
-                <a:ea typeface="Calibri" panose="020F0502020204030204" pitchFamily="34" charset="0"/>
-              </a:rPr>
-              <a:t>This situation returns an HTTP response code in the 300s. </a:t>
-            </a:r>
-          </a:p>
-          <a:p>
-            <a:r>
-              <a:rPr lang="en-US" sz="2800" dirty="0">
-                <a:effectLst/>
-                <a:latin typeface="Times New Roman" panose="02020603050405020304" pitchFamily="18" charset="0"/>
-                <a:ea typeface="Calibri" panose="020F0502020204030204" pitchFamily="34" charset="0"/>
-              </a:rPr>
-              <a:t>Publishers have also compromised the integrity of DOI links by using a third-party service to handle their DOIs. </a:t>
-            </a:r>
-          </a:p>
-          <a:p>
-            <a:r>
-              <a:rPr lang="en-US" sz="2800" dirty="0">
-                <a:effectLst/>
-                <a:latin typeface="Times New Roman" panose="02020603050405020304" pitchFamily="18" charset="0"/>
-                <a:ea typeface="Calibri" panose="020F0502020204030204" pitchFamily="34" charset="0"/>
-              </a:rPr>
-              <a:t>Crossref serves as one example that frequently appeared in 300-level response codes.</a:t>
-            </a:r>
-          </a:p>
-          <a:p>
-            <a:r>
-              <a:rPr lang="en-US" sz="2800" dirty="0">
-                <a:effectLst/>
-                <a:latin typeface="Times New Roman" panose="02020603050405020304" pitchFamily="18" charset="0"/>
-                <a:ea typeface="Calibri" panose="020F0502020204030204" pitchFamily="34" charset="0"/>
-              </a:rPr>
-              <a:t>Using a third-party service adds another possible point of weakness in the process.</a:t>
-            </a:r>
-          </a:p>
-          <a:p>
-            <a:endParaRPr lang="en-US" dirty="0"/>
-          </a:p>
-          <a:p>
-            <a:endParaRPr lang="en-US" dirty="0"/>
+              <a:t>Rotting Research: The Study</a:t>
+            </a:r>
+            <a:endParaRPr lang="en-US"/>
           </a:p>
         </p:txBody>
       </p:sp>
     </p:spTree>
     <p:extLst>
       <p:ext uri="{BB962C8B-B14F-4D97-AF65-F5344CB8AC3E}">
-        <p14:creationId xmlns:p14="http://schemas.microsoft.com/office/powerpoint/2010/main" val="262231424"/>
+        <p14:creationId xmlns:p14="http://schemas.microsoft.com/office/powerpoint/2010/main" val="718210527"/>
       </p:ext>
     </p:extLst>
   </p:cSld>
@@ -2794,39 +6126,64 @@
         <p:spPr/>
         <p:txBody>
           <a:bodyPr>
-            <a:normAutofit fontScale="92500" lnSpcReduction="20000"/>
+            <a:normAutofit/>
           </a:bodyPr>
           <a:lstStyle/>
           <a:p>
-            <a:r>
-              <a:rPr lang="en-US" dirty="0"/>
-              <a:t>One possible factor contributing to these percentage differences involves the use of different style guides. </a:t>
-            </a:r>
-          </a:p>
-          <a:p>
-            <a:r>
-              <a:rPr lang="en-US" dirty="0"/>
-              <a:t>As outlined in Chapter 2, style guides vary by discipline and, occasionally, by the institution. </a:t>
-            </a:r>
-          </a:p>
-          <a:p>
-            <a:r>
-              <a:rPr lang="en-US" dirty="0"/>
-              <a:t>Additionally, some study guides have changed more frequently than others, and some still contain outdated information in their most recent versions.</a:t>
-            </a:r>
-          </a:p>
-          <a:p>
-            <a:endParaRPr lang="en-US" dirty="0"/>
-          </a:p>
-          <a:p>
-            <a:endParaRPr lang="en-US" dirty="0"/>
+            <a:pPr marL="457200" indent="-457200">
+              <a:buFont typeface="Wingdings" panose="05000000000000000000" pitchFamily="2" charset="2"/>
+              <a:buChar char="§"/>
+            </a:pPr>
+            <a:r>
+              <a:rPr lang="en-US" sz="2400" dirty="0">
+                <a:effectLst/>
+                <a:ea typeface="Calibri" panose="020F0502020204030204" pitchFamily="34" charset="0"/>
+              </a:rPr>
+              <a:t>Publishers have internal policies to address DOIs. </a:t>
+            </a:r>
+          </a:p>
+          <a:p>
+            <a:pPr marL="457200" indent="-457200">
+              <a:buFont typeface="Wingdings" panose="05000000000000000000" pitchFamily="2" charset="2"/>
+              <a:buChar char="§"/>
+            </a:pPr>
+            <a:r>
+              <a:rPr lang="en-US" sz="2400" dirty="0">
+                <a:effectLst/>
+                <a:ea typeface="Calibri" panose="020F0502020204030204" pitchFamily="34" charset="0"/>
+              </a:rPr>
+              <a:t>Publishers hide their DOIs behind a paywall.</a:t>
+            </a:r>
+          </a:p>
+          <a:p>
+            <a:pPr marL="457200" indent="-457200">
+              <a:buFont typeface="Wingdings" panose="05000000000000000000" pitchFamily="2" charset="2"/>
+              <a:buChar char="§"/>
+            </a:pPr>
+            <a:r>
+              <a:rPr lang="en-US" sz="2400" dirty="0">
+                <a:effectLst/>
+                <a:ea typeface="Calibri" panose="020F0502020204030204" pitchFamily="34" charset="0"/>
+              </a:rPr>
+              <a:t>Publishers use 3rd-party services for their DOIs. </a:t>
+            </a:r>
+          </a:p>
+          <a:p>
+            <a:r>
+              <a:rPr lang="en-US" sz="2800" dirty="0">
+                <a:effectLst/>
+                <a:latin typeface="Times New Roman" panose="02020603050405020304" pitchFamily="18" charset="0"/>
+                <a:ea typeface="Calibri" panose="020F0502020204030204" pitchFamily="34" charset="0"/>
+              </a:rPr>
+              <a:t> </a:t>
+            </a:r>
           </a:p>
         </p:txBody>
       </p:sp>
     </p:spTree>
     <p:extLst>
       <p:ext uri="{BB962C8B-B14F-4D97-AF65-F5344CB8AC3E}">
-        <p14:creationId xmlns:p14="http://schemas.microsoft.com/office/powerpoint/2010/main" val="4113647300"/>
+        <p14:creationId xmlns:p14="http://schemas.microsoft.com/office/powerpoint/2010/main" val="879927564"/>
       </p:ext>
     </p:extLst>
   </p:cSld>
@@ -2900,25 +6257,37 @@
         <p:spPr/>
         <p:txBody>
           <a:bodyPr>
-            <a:normAutofit fontScale="85000" lnSpcReduction="20000"/>
+            <a:normAutofit/>
           </a:bodyPr>
           <a:lstStyle/>
           <a:p>
-            <a:r>
-              <a:rPr lang="en-US" dirty="0"/>
-              <a:t>ArXiv is unique because it does not just collect the metadata for a publication; it also acts as a repository for the publication itself. </a:t>
-            </a:r>
-          </a:p>
-          <a:p>
-            <a:r>
-              <a:rPr lang="en-US" dirty="0"/>
-              <a:t>ArXiv can do this by limiting their publications to only those that are open access. </a:t>
-            </a:r>
-          </a:p>
-          <a:p>
-            <a:r>
-              <a:rPr lang="en-US" dirty="0"/>
-              <a:t>The benefit of this method is that arXiv controls the publication’s location, enabling them to ensure the reference remains up-to-date.</a:t>
+            <a:pPr marL="457200" indent="-457200">
+              <a:buFont typeface="Wingdings" panose="05000000000000000000" pitchFamily="2" charset="2"/>
+              <a:buChar char="§"/>
+            </a:pPr>
+            <a:r>
+              <a:rPr lang="en-US" sz="2400" dirty="0"/>
+              <a:t>Style guides may play a part in this issue. </a:t>
+            </a:r>
+          </a:p>
+          <a:p>
+            <a:pPr marL="457200" indent="-457200">
+              <a:buFont typeface="Wingdings" panose="05000000000000000000" pitchFamily="2" charset="2"/>
+              <a:buChar char="§"/>
+            </a:pPr>
+            <a:r>
+              <a:rPr lang="en-US" sz="2400" dirty="0"/>
+              <a:t>Study guides are updated at different intervals.</a:t>
+            </a:r>
+          </a:p>
+          <a:p>
+            <a:pPr marL="457200" indent="-457200">
+              <a:buFont typeface="Wingdings" panose="05000000000000000000" pitchFamily="2" charset="2"/>
+              <a:buChar char="§"/>
+            </a:pPr>
+            <a:r>
+              <a:rPr lang="en-US" sz="2400" dirty="0"/>
+              <a:t>Some contain outdated information.</a:t>
             </a:r>
           </a:p>
           <a:p>
@@ -2932,7 +6301,7 @@
     </p:spTree>
     <p:extLst>
       <p:ext uri="{BB962C8B-B14F-4D97-AF65-F5344CB8AC3E}">
-        <p14:creationId xmlns:p14="http://schemas.microsoft.com/office/powerpoint/2010/main" val="59802502"/>
+        <p14:creationId xmlns:p14="http://schemas.microsoft.com/office/powerpoint/2010/main" val="4113647300"/>
       </p:ext>
     </p:extLst>
   </p:cSld>
@@ -2961,6 +6330,47 @@
       </p:grpSpPr>
       <p:sp>
         <p:nvSpPr>
+          <p:cNvPr id="5" name="Title 4">
+            <a:extLst>
+              <a:ext uri="{FF2B5EF4-FFF2-40B4-BE49-F238E27FC236}">
+                <a16:creationId xmlns:a16="http://schemas.microsoft.com/office/drawing/2014/main" id="{8656D822-A16C-27EC-F7D3-8894F12C55D8}"/>
+              </a:ext>
+            </a:extLst>
+          </p:cNvPr>
+          <p:cNvSpPr>
+            <a:spLocks noGrp="1"/>
+          </p:cNvSpPr>
+          <p:nvPr>
+            <p:ph type="title"/>
+          </p:nvPr>
+        </p:nvSpPr>
+        <p:spPr>
+          <a:xfrm>
+            <a:off x="5791201" y="270956"/>
+            <a:ext cx="3008314" cy="1819351"/>
+          </a:xfrm>
+        </p:spPr>
+        <p:txBody>
+          <a:bodyPr anchor="t">
+            <a:normAutofit/>
+          </a:bodyPr>
+          <a:lstStyle/>
+          <a:p>
+            <a:pPr>
+              <a:lnSpc>
+                <a:spcPct val="90000"/>
+              </a:lnSpc>
+            </a:pPr>
+            <a:r>
+              <a:rPr lang="en-US" dirty="0"/>
+              <a:t>Rotting Research: The Project</a:t>
+            </a:r>
+            <a:endParaRPr lang="en-US"/>
+          </a:p>
+        </p:txBody>
+      </p:sp>
+      <p:sp>
+        <p:nvSpPr>
           <p:cNvPr id="6" name="Content Placeholder 5">
             <a:extLst>
               <a:ext uri="{FF2B5EF4-FFF2-40B4-BE49-F238E27FC236}">
@@ -2972,71 +6382,134 @@
             <a:spLocks noGrp="1"/>
           </p:cNvSpPr>
           <p:nvPr>
-            <p:ph idx="1"/>
+            <p:ph idx="13"/>
           </p:nvPr>
         </p:nvSpPr>
-        <p:spPr/>
+        <p:spPr>
+          <a:xfrm>
+            <a:off x="5791201" y="2255520"/>
+            <a:ext cx="3008314" cy="1755317"/>
+          </a:xfrm>
+        </p:spPr>
         <p:txBody>
-          <a:bodyPr/>
+          <a:bodyPr>
+            <a:normAutofit/>
+          </a:bodyPr>
           <a:lstStyle/>
           <a:p>
-            <a:endParaRPr lang="en-US"/>
+            <a:pPr marL="342900" indent="-342900">
+              <a:lnSpc>
+                <a:spcPct val="90000"/>
+              </a:lnSpc>
+              <a:buFont typeface="Wingdings" panose="05000000000000000000" pitchFamily="2" charset="2"/>
+              <a:buChar char="§"/>
+            </a:pPr>
+            <a:r>
+              <a:rPr lang="en-US" sz="2000" dirty="0">
+                <a:solidFill>
+                  <a:schemeClr val="accent1">
+                    <a:lumMod val="50000"/>
+                  </a:schemeClr>
+                </a:solidFill>
+              </a:rPr>
+              <a:t>Upload PDF</a:t>
+            </a:r>
+          </a:p>
+          <a:p>
+            <a:pPr marL="342900" indent="-342900">
+              <a:lnSpc>
+                <a:spcPct val="90000"/>
+              </a:lnSpc>
+              <a:buFont typeface="Wingdings" panose="05000000000000000000" pitchFamily="2" charset="2"/>
+              <a:buChar char="§"/>
+            </a:pPr>
+            <a:r>
+              <a:rPr lang="en-US" sz="2000" dirty="0">
+                <a:solidFill>
+                  <a:schemeClr val="accent1">
+                    <a:lumMod val="50000"/>
+                  </a:schemeClr>
+                </a:solidFill>
+              </a:rPr>
+              <a:t>Checks for Links</a:t>
+            </a:r>
+          </a:p>
+          <a:p>
+            <a:pPr marL="342900" indent="-342900">
+              <a:lnSpc>
+                <a:spcPct val="90000"/>
+              </a:lnSpc>
+              <a:buFont typeface="Wingdings" panose="05000000000000000000" pitchFamily="2" charset="2"/>
+              <a:buChar char="§"/>
+            </a:pPr>
+            <a:r>
+              <a:rPr lang="en-US" sz="2000" dirty="0">
+                <a:solidFill>
+                  <a:schemeClr val="accent1">
+                    <a:lumMod val="50000"/>
+                  </a:schemeClr>
+                </a:solidFill>
+              </a:rPr>
+              <a:t>Checks for DOIs</a:t>
+            </a:r>
+          </a:p>
+          <a:p>
+            <a:pPr marL="342900" indent="-342900">
+              <a:lnSpc>
+                <a:spcPct val="90000"/>
+              </a:lnSpc>
+              <a:buFont typeface="Wingdings" panose="05000000000000000000" pitchFamily="2" charset="2"/>
+              <a:buChar char="§"/>
+            </a:pPr>
+            <a:r>
+              <a:rPr lang="en-US" sz="2000" dirty="0">
+                <a:solidFill>
+                  <a:schemeClr val="accent1">
+                    <a:lumMod val="50000"/>
+                  </a:schemeClr>
+                </a:solidFill>
+              </a:rPr>
+              <a:t>Downloadable Report</a:t>
+            </a:r>
+          </a:p>
+          <a:p>
+            <a:pPr>
+              <a:lnSpc>
+                <a:spcPct val="90000"/>
+              </a:lnSpc>
+            </a:pPr>
+            <a:endParaRPr lang="en-US" sz="2000" dirty="0"/>
           </a:p>
         </p:txBody>
       </p:sp>
-      <p:sp>
-        <p:nvSpPr>
-          <p:cNvPr id="7" name="Content Placeholder 6">
+      <p:pic>
+        <p:nvPicPr>
+          <p:cNvPr id="3" name="Content Placeholder 2">
             <a:extLst>
               <a:ext uri="{FF2B5EF4-FFF2-40B4-BE49-F238E27FC236}">
-                <a16:creationId xmlns:a16="http://schemas.microsoft.com/office/drawing/2014/main" id="{B88A3976-C29B-1A16-EAB4-25A0F3CB18AD}"/>
+                <a16:creationId xmlns:a16="http://schemas.microsoft.com/office/drawing/2014/main" id="{E87956FC-8750-EDB3-4836-4B8DEF413873}"/>
               </a:ext>
             </a:extLst>
           </p:cNvPr>
-          <p:cNvSpPr>
-            <a:spLocks noGrp="1"/>
-          </p:cNvSpPr>
-          <p:nvPr>
-            <p:ph idx="11"/>
-          </p:nvPr>
-        </p:nvSpPr>
-        <p:spPr/>
-        <p:txBody>
-          <a:bodyPr/>
-          <a:lstStyle/>
-          <a:p>
-            <a:endParaRPr lang="en-US"/>
-          </a:p>
-        </p:txBody>
-      </p:sp>
-      <p:sp>
-        <p:nvSpPr>
-          <p:cNvPr id="5" name="Title 4">
-            <a:extLst>
-              <a:ext uri="{FF2B5EF4-FFF2-40B4-BE49-F238E27FC236}">
-                <a16:creationId xmlns:a16="http://schemas.microsoft.com/office/drawing/2014/main" id="{8656D822-A16C-27EC-F7D3-8894F12C55D8}"/>
-              </a:ext>
-            </a:extLst>
-          </p:cNvPr>
-          <p:cNvSpPr>
-            <a:spLocks noGrp="1"/>
-          </p:cNvSpPr>
-          <p:nvPr>
-            <p:ph type="title"/>
-          </p:nvPr>
-        </p:nvSpPr>
-        <p:spPr/>
-        <p:txBody>
-          <a:bodyPr/>
-          <a:lstStyle/>
-          <a:p>
-            <a:r>
-              <a:rPr lang="en-US" dirty="0"/>
-              <a:t>Rotting Research: The Project</a:t>
-            </a:r>
-          </a:p>
-        </p:txBody>
-      </p:sp>
+          <p:cNvPicPr>
+            <a:picLocks noGrp="1" noChangeAspect="1"/>
+          </p:cNvPicPr>
+          <p:nvPr>
+            <p:ph type="pic" idx="1"/>
+          </p:nvPr>
+        </p:nvPicPr>
+        <p:blipFill>
+          <a:blip r:embed="rId3"/>
+          <a:stretch/>
+        </p:blipFill>
+        <p:spPr>
+          <a:xfrm>
+            <a:off x="277707" y="505064"/>
+            <a:ext cx="5156711" cy="3454995"/>
+          </a:xfrm>
+          <a:noFill/>
+        </p:spPr>
+      </p:pic>
     </p:spTree>
     <p:extLst>
       <p:ext uri="{BB962C8B-B14F-4D97-AF65-F5344CB8AC3E}">
@@ -3069,6 +6542,46 @@
       </p:grpSpPr>
       <p:sp>
         <p:nvSpPr>
+          <p:cNvPr id="5" name="Title 4">
+            <a:extLst>
+              <a:ext uri="{FF2B5EF4-FFF2-40B4-BE49-F238E27FC236}">
+                <a16:creationId xmlns:a16="http://schemas.microsoft.com/office/drawing/2014/main" id="{8656D822-A16C-27EC-F7D3-8894F12C55D8}"/>
+              </a:ext>
+            </a:extLst>
+          </p:cNvPr>
+          <p:cNvSpPr>
+            <a:spLocks noGrp="1"/>
+          </p:cNvSpPr>
+          <p:nvPr>
+            <p:ph type="title"/>
+          </p:nvPr>
+        </p:nvSpPr>
+        <p:spPr>
+          <a:xfrm>
+            <a:off x="5791201" y="270956"/>
+            <a:ext cx="3008314" cy="1819351"/>
+          </a:xfrm>
+        </p:spPr>
+        <p:txBody>
+          <a:bodyPr anchor="t">
+            <a:normAutofit/>
+          </a:bodyPr>
+          <a:lstStyle/>
+          <a:p>
+            <a:pPr>
+              <a:lnSpc>
+                <a:spcPct val="90000"/>
+              </a:lnSpc>
+            </a:pPr>
+            <a:r>
+              <a:rPr lang="en-US" dirty="0"/>
+              <a:t>Rotting Research: The Plan</a:t>
+            </a:r>
+          </a:p>
+        </p:txBody>
+      </p:sp>
+      <p:sp>
+        <p:nvSpPr>
           <p:cNvPr id="6" name="Content Placeholder 5">
             <a:extLst>
               <a:ext uri="{FF2B5EF4-FFF2-40B4-BE49-F238E27FC236}">
@@ -3080,71 +6593,126 @@
             <a:spLocks noGrp="1"/>
           </p:cNvSpPr>
           <p:nvPr>
-            <p:ph idx="1"/>
+            <p:ph idx="13"/>
           </p:nvPr>
         </p:nvSpPr>
-        <p:spPr/>
+        <p:spPr>
+          <a:xfrm>
+            <a:off x="5791200" y="2255520"/>
+            <a:ext cx="3133343" cy="1755317"/>
+          </a:xfrm>
+        </p:spPr>
         <p:txBody>
-          <a:bodyPr/>
+          <a:bodyPr>
+            <a:normAutofit/>
+          </a:bodyPr>
           <a:lstStyle/>
           <a:p>
-            <a:endParaRPr lang="en-US" dirty="0"/>
+            <a:pPr marL="285750" indent="-285750">
+              <a:lnSpc>
+                <a:spcPct val="90000"/>
+              </a:lnSpc>
+              <a:buFont typeface="Wingdings" panose="05000000000000000000" pitchFamily="2" charset="2"/>
+              <a:buChar char="§"/>
+            </a:pPr>
+            <a:r>
+              <a:rPr lang="en-US" sz="1700" dirty="0">
+                <a:solidFill>
+                  <a:schemeClr val="accent1">
+                    <a:lumMod val="50000"/>
+                  </a:schemeClr>
+                </a:solidFill>
+              </a:rPr>
+              <a:t>Archive via Internet Archive</a:t>
+            </a:r>
+          </a:p>
+          <a:p>
+            <a:pPr marL="285750" indent="-285750">
+              <a:lnSpc>
+                <a:spcPct val="90000"/>
+              </a:lnSpc>
+              <a:buFont typeface="Wingdings" panose="05000000000000000000" pitchFamily="2" charset="2"/>
+              <a:buChar char="§"/>
+            </a:pPr>
+            <a:r>
+              <a:rPr lang="en-US" sz="1700" dirty="0">
+                <a:solidFill>
+                  <a:schemeClr val="accent1">
+                    <a:lumMod val="50000"/>
+                  </a:schemeClr>
+                </a:solidFill>
+              </a:rPr>
+              <a:t>Detect Retractions</a:t>
+            </a:r>
+          </a:p>
+          <a:p>
+            <a:pPr marL="285750" indent="-285750">
+              <a:lnSpc>
+                <a:spcPct val="90000"/>
+              </a:lnSpc>
+              <a:buFont typeface="Wingdings" panose="05000000000000000000" pitchFamily="2" charset="2"/>
+              <a:buChar char="§"/>
+            </a:pPr>
+            <a:r>
+              <a:rPr lang="en-US" sz="1700" dirty="0">
+                <a:solidFill>
+                  <a:schemeClr val="accent1">
+                    <a:lumMod val="50000"/>
+                  </a:schemeClr>
+                </a:solidFill>
+              </a:rPr>
+              <a:t>Database for Future Studies</a:t>
+            </a:r>
+          </a:p>
+          <a:p>
+            <a:pPr marL="285750" indent="-285750">
+              <a:lnSpc>
+                <a:spcPct val="90000"/>
+              </a:lnSpc>
+              <a:buFont typeface="Wingdings" panose="05000000000000000000" pitchFamily="2" charset="2"/>
+              <a:buChar char="§"/>
+            </a:pPr>
+            <a:r>
+              <a:rPr lang="en-US" sz="1700" dirty="0">
+                <a:solidFill>
+                  <a:schemeClr val="accent1">
+                    <a:lumMod val="50000"/>
+                  </a:schemeClr>
+                </a:solidFill>
+              </a:rPr>
+              <a:t>Change Detection</a:t>
+            </a:r>
           </a:p>
         </p:txBody>
       </p:sp>
-      <p:sp>
-        <p:nvSpPr>
-          <p:cNvPr id="7" name="Content Placeholder 6">
+      <p:pic>
+        <p:nvPicPr>
+          <p:cNvPr id="3" name="Content Placeholder 2" descr="A screenshot of a report&#10;&#10;Description automatically generated">
             <a:extLst>
               <a:ext uri="{FF2B5EF4-FFF2-40B4-BE49-F238E27FC236}">
-                <a16:creationId xmlns:a16="http://schemas.microsoft.com/office/drawing/2014/main" id="{B88A3976-C29B-1A16-EAB4-25A0F3CB18AD}"/>
+                <a16:creationId xmlns:a16="http://schemas.microsoft.com/office/drawing/2014/main" id="{2B8407FC-1B54-1AAF-A875-24A55631F290}"/>
               </a:ext>
             </a:extLst>
           </p:cNvPr>
-          <p:cNvSpPr>
-            <a:spLocks noGrp="1"/>
-          </p:cNvSpPr>
-          <p:nvPr>
-            <p:ph idx="11"/>
-          </p:nvPr>
-        </p:nvSpPr>
-        <p:spPr/>
-        <p:txBody>
-          <a:bodyPr/>
-          <a:lstStyle/>
-          <a:p>
-            <a:endParaRPr lang="en-US"/>
-          </a:p>
-        </p:txBody>
-      </p:sp>
-      <p:sp>
-        <p:nvSpPr>
-          <p:cNvPr id="5" name="Title 4">
-            <a:extLst>
-              <a:ext uri="{FF2B5EF4-FFF2-40B4-BE49-F238E27FC236}">
-                <a16:creationId xmlns:a16="http://schemas.microsoft.com/office/drawing/2014/main" id="{8656D822-A16C-27EC-F7D3-8894F12C55D8}"/>
-              </a:ext>
-            </a:extLst>
-          </p:cNvPr>
-          <p:cNvSpPr>
-            <a:spLocks noGrp="1"/>
-          </p:cNvSpPr>
-          <p:nvPr>
-            <p:ph type="title"/>
-          </p:nvPr>
-        </p:nvSpPr>
-        <p:spPr/>
-        <p:txBody>
-          <a:bodyPr/>
-          <a:lstStyle/>
-          <a:p>
-            <a:r>
-              <a:rPr lang="en-US" dirty="0"/>
-              <a:t>Rotting Research: The Plan</a:t>
-            </a:r>
-          </a:p>
-        </p:txBody>
-      </p:sp>
+          <p:cNvPicPr>
+            <a:picLocks noGrp="1" noChangeAspect="1"/>
+          </p:cNvPicPr>
+          <p:nvPr>
+            <p:ph type="pic" idx="1"/>
+          </p:nvPr>
+        </p:nvPicPr>
+        <p:blipFill>
+          <a:blip r:embed="rId3"/>
+          <a:stretch/>
+        </p:blipFill>
+        <p:spPr>
+          <a:xfrm>
+            <a:off x="387263" y="313070"/>
+            <a:ext cx="4937599" cy="3838983"/>
+          </a:xfrm>
+          <a:noFill/>
+        </p:spPr>
+      </p:pic>
     </p:spTree>
     <p:extLst>
       <p:ext uri="{BB962C8B-B14F-4D97-AF65-F5344CB8AC3E}">
@@ -3202,6 +6770,44 @@
             </a:r>
           </a:p>
           <a:p>
+            <a:r>
+              <a:rPr lang="en-US" dirty="0"/>
+              <a:t>Citation Managers</a:t>
+            </a:r>
+          </a:p>
+          <a:p>
+            <a:r>
+              <a:rPr lang="en-US" dirty="0"/>
+              <a:t>Style Guides</a:t>
+            </a:r>
+          </a:p>
+          <a:p>
+            <a:r>
+              <a:rPr lang="en-US" dirty="0"/>
+              <a:t>3</a:t>
+            </a:r>
+            <a:r>
+              <a:rPr lang="en-US" baseline="30000" dirty="0"/>
+              <a:t>rd</a:t>
+            </a:r>
+            <a:r>
+              <a:rPr lang="en-US" dirty="0"/>
+              <a:t>-Party Services</a:t>
+            </a:r>
+          </a:p>
+          <a:p>
+            <a:r>
+              <a:rPr lang="en-US" dirty="0"/>
+              <a:t>DOIs</a:t>
+            </a:r>
+          </a:p>
+          <a:p>
+            <a:r>
+              <a:rPr lang="en-US" dirty="0"/>
+              <a:t>Pre-Publishing</a:t>
+            </a:r>
+          </a:p>
+          <a:p>
             <a:endParaRPr lang="en-US" dirty="0"/>
           </a:p>
         </p:txBody>
@@ -3224,10 +6830,45 @@
         </p:nvSpPr>
         <p:spPr/>
         <p:txBody>
-          <a:bodyPr/>
+          <a:bodyPr>
+            <a:normAutofit/>
+          </a:bodyPr>
           <a:lstStyle/>
           <a:p>
-            <a:endParaRPr lang="en-US"/>
+            <a:r>
+              <a:rPr lang="en-US" dirty="0"/>
+              <a:t>Role of Librarians</a:t>
+            </a:r>
+          </a:p>
+          <a:p>
+            <a:r>
+              <a:rPr lang="en-US" dirty="0"/>
+              <a:t>Iterative Citations</a:t>
+            </a:r>
+          </a:p>
+          <a:p>
+            <a:r>
+              <a:rPr lang="en-US" dirty="0"/>
+              <a:t>Library of Congress</a:t>
+            </a:r>
+          </a:p>
+          <a:p>
+            <a:r>
+              <a:rPr lang="en-US" dirty="0"/>
+              <a:t>Copyright</a:t>
+            </a:r>
+          </a:p>
+          <a:p>
+            <a:r>
+              <a:rPr lang="en-US" dirty="0"/>
+              <a:t>Future Research</a:t>
+            </a:r>
+          </a:p>
+          <a:p>
+            <a:r>
+              <a:rPr lang="en-US" dirty="0"/>
+              <a:t>Solutions</a:t>
+            </a:r>
           </a:p>
         </p:txBody>
       </p:sp>
@@ -3335,12 +6976,224 @@
             <p:ph idx="1"/>
           </p:nvPr>
         </p:nvSpPr>
-        <p:spPr/>
+        <p:spPr>
+          <a:xfrm>
+            <a:off x="457200" y="1399031"/>
+            <a:ext cx="8229600" cy="2962657"/>
+          </a:xfrm>
+        </p:spPr>
         <p:txBody>
-          <a:bodyPr/>
+          <a:bodyPr>
+            <a:normAutofit fontScale="92500"/>
+          </a:bodyPr>
           <a:lstStyle/>
           <a:p>
-            <a:endParaRPr lang="en-US"/>
+            <a:pPr marL="457200" indent="-457200">
+              <a:buFont typeface="+mj-lt"/>
+              <a:buAutoNum type="arabicPeriod"/>
+            </a:pPr>
+            <a:r>
+              <a:rPr lang="en-US" sz="1400" dirty="0">
+                <a:effectLst/>
+              </a:rPr>
+              <a:t>Gerow, A., Hu, Y., Boyd-Graber, J., </a:t>
+            </a:r>
+            <a:r>
+              <a:rPr lang="en-US" sz="1400" dirty="0" err="1">
+                <a:effectLst/>
+              </a:rPr>
+              <a:t>Blei</a:t>
+            </a:r>
+            <a:r>
+              <a:rPr lang="en-US" sz="1400" dirty="0">
+                <a:effectLst/>
+              </a:rPr>
+              <a:t>, D. M., &amp; Evans, J. A. (2018). Measuring discursive influence across scholarship. </a:t>
+            </a:r>
+            <a:r>
+              <a:rPr lang="en-US" sz="1400" i="1" dirty="0">
+                <a:effectLst/>
+              </a:rPr>
+              <a:t>Proceedings of the National Academy of Sciences of the United States of America</a:t>
+            </a:r>
+            <a:r>
+              <a:rPr lang="en-US" sz="1400" dirty="0">
+                <a:effectLst/>
+              </a:rPr>
+              <a:t>, </a:t>
+            </a:r>
+            <a:r>
+              <a:rPr lang="en-US" sz="1400" i="1" dirty="0">
+                <a:effectLst/>
+              </a:rPr>
+              <a:t>115</a:t>
+            </a:r>
+            <a:r>
+              <a:rPr lang="en-US" sz="1400" dirty="0">
+                <a:effectLst/>
+              </a:rPr>
+              <a:t>(13), 3308–3313.</a:t>
+            </a:r>
+          </a:p>
+          <a:p>
+            <a:pPr marL="457200" indent="-457200">
+              <a:buFont typeface="+mj-lt"/>
+              <a:buAutoNum type="arabicPeriod"/>
+            </a:pPr>
+            <a:r>
+              <a:rPr lang="en-US" sz="1400" dirty="0">
+                <a:effectLst/>
+              </a:rPr>
+              <a:t>Homenda, N. (2021). Persistent URLs and Citations Offered for Digital Objects by Digital Libraries. </a:t>
+            </a:r>
+            <a:r>
+              <a:rPr lang="en-US" sz="1400" i="1" dirty="0">
+                <a:effectLst/>
+              </a:rPr>
+              <a:t>Information Technology and Libraries (Online)</a:t>
+            </a:r>
+            <a:r>
+              <a:rPr lang="en-US" sz="1400" dirty="0">
+                <a:effectLst/>
+              </a:rPr>
+              <a:t>, </a:t>
+            </a:r>
+            <a:r>
+              <a:rPr lang="en-US" sz="1400" i="1" dirty="0">
+                <a:effectLst/>
+              </a:rPr>
+              <a:t>40</a:t>
+            </a:r>
+            <a:r>
+              <a:rPr lang="en-US" sz="1400" dirty="0">
+                <a:effectLst/>
+              </a:rPr>
+              <a:t>(2), 1–12. </a:t>
+            </a:r>
+            <a:r>
+              <a:rPr lang="en-US" sz="1400" dirty="0">
+                <a:effectLst/>
+                <a:hlinkClick r:id="rId2"/>
+              </a:rPr>
+              <a:t>http://dx.doi.org/10.6017/ital.v40i2.12987</a:t>
+            </a:r>
+            <a:endParaRPr lang="en-US" sz="1400" dirty="0">
+              <a:effectLst/>
+            </a:endParaRPr>
+          </a:p>
+          <a:p>
+            <a:pPr marL="457200" indent="-457200">
+              <a:buFont typeface="+mj-lt"/>
+              <a:buAutoNum type="arabicPeriod"/>
+            </a:pPr>
+            <a:r>
+              <a:rPr lang="en-US" sz="1400" dirty="0">
+                <a:effectLst/>
+              </a:rPr>
+              <a:t>Klein, M., &amp; Balakireva, L. (2021). An extended analysis of the persistence of persistent identifiers of the scholarly web. </a:t>
+            </a:r>
+            <a:r>
+              <a:rPr lang="en-US" sz="1400" i="1" dirty="0">
+                <a:effectLst/>
+              </a:rPr>
+              <a:t>International Journal on Digital Libraries</a:t>
+            </a:r>
+            <a:r>
+              <a:rPr lang="en-US" sz="1400" dirty="0">
+                <a:effectLst/>
+              </a:rPr>
+              <a:t>. </a:t>
+            </a:r>
+            <a:r>
+              <a:rPr lang="en-US" sz="1400" dirty="0">
+                <a:effectLst/>
+                <a:hlinkClick r:id="rId3"/>
+              </a:rPr>
+              <a:t>https://doi.org/10.1007/s00799-021-00315-w</a:t>
+            </a:r>
+            <a:endParaRPr lang="en-US" sz="1400" dirty="0">
+              <a:effectLst/>
+            </a:endParaRPr>
+          </a:p>
+          <a:p>
+            <a:pPr marL="457200" indent="-457200">
+              <a:buFont typeface="+mj-lt"/>
+              <a:buAutoNum type="arabicPeriod"/>
+            </a:pPr>
+            <a:r>
+              <a:rPr lang="en-US" sz="1400" dirty="0">
+                <a:effectLst/>
+              </a:rPr>
+              <a:t>Król, K., &amp; Zdonek, D. (2020). Peculiarity of the bit rot and link rot phenomena. </a:t>
+            </a:r>
+            <a:r>
+              <a:rPr lang="en-US" sz="1400" i="1" dirty="0">
+                <a:effectLst/>
+              </a:rPr>
+              <a:t>Global Knowledge, Memory and Communication</a:t>
+            </a:r>
+            <a:r>
+              <a:rPr lang="en-US" sz="1400" dirty="0">
+                <a:effectLst/>
+              </a:rPr>
+              <a:t>, </a:t>
+            </a:r>
+            <a:r>
+              <a:rPr lang="en-US" sz="1400" i="1" dirty="0">
+                <a:effectLst/>
+              </a:rPr>
+              <a:t>69</a:t>
+            </a:r>
+            <a:r>
+              <a:rPr lang="en-US" sz="1400" dirty="0">
+                <a:effectLst/>
+              </a:rPr>
+              <a:t>(1/2), 20–37. </a:t>
+            </a:r>
+            <a:r>
+              <a:rPr lang="en-US" sz="1400" dirty="0">
+                <a:effectLst/>
+                <a:hlinkClick r:id="rId4"/>
+              </a:rPr>
+              <a:t>http://dx.doi.org/10.1108/GKMC-06-2019-0067</a:t>
+            </a:r>
+            <a:endParaRPr lang="en-US" sz="1400" dirty="0">
+              <a:effectLst/>
+            </a:endParaRPr>
+          </a:p>
+          <a:p>
+            <a:pPr marL="457200" indent="-457200">
+              <a:buFont typeface="+mj-lt"/>
+              <a:buAutoNum type="arabicPeriod"/>
+            </a:pPr>
+            <a:r>
+              <a:rPr lang="en-US" sz="1400" dirty="0">
+                <a:effectLst/>
+              </a:rPr>
+              <a:t>Miller, M. A. (2022). The Putrefaction of Digital Scholarship: How Link Rot Impacts the Integrity of Scholarly Publishing [Ed.D., Southeastern University]. In </a:t>
+            </a:r>
+            <a:r>
+              <a:rPr lang="en-US" sz="1400" i="1" dirty="0">
+                <a:effectLst/>
+              </a:rPr>
+              <a:t>ProQuest Dissertations and Theses</a:t>
+            </a:r>
+            <a:r>
+              <a:rPr lang="en-US" sz="1400" dirty="0">
+                <a:effectLst/>
+              </a:rPr>
+              <a:t> (2841257231). ProQuest Central. </a:t>
+            </a:r>
+            <a:r>
+              <a:rPr lang="en-US" sz="1400" dirty="0">
+                <a:effectLst/>
+                <a:hlinkClick r:id="rId5"/>
+              </a:rPr>
+              <a:t>https://www.proquest.com/dissertations-theses/putrefaction-digital-scholarship-how-link-rot/docview/2841257231/</a:t>
+            </a:r>
+            <a:endParaRPr lang="en-US" sz="1400" dirty="0">
+              <a:effectLst/>
+            </a:endParaRPr>
           </a:p>
         </p:txBody>
       </p:sp>
@@ -3535,66 +7388,12 @@
           <a:chExt cx="0" cy="0"/>
         </a:xfrm>
       </p:grpSpPr>
-      <p:pic>
-        <p:nvPicPr>
-          <p:cNvPr id="5" name="Picture Placeholder 4" descr="Rotting Research Logo">
+      <p:sp>
+        <p:nvSpPr>
+          <p:cNvPr id="4" name="Title 3">
             <a:extLst>
               <a:ext uri="{FF2B5EF4-FFF2-40B4-BE49-F238E27FC236}">
-                <a16:creationId xmlns:a16="http://schemas.microsoft.com/office/drawing/2014/main" id="{26F63941-8B15-002A-E1D4-B16FEB626252}"/>
-              </a:ext>
-            </a:extLst>
-          </p:cNvPr>
-          <p:cNvPicPr>
-            <a:picLocks noGrp="1" noChangeAspect="1"/>
-          </p:cNvPicPr>
-          <p:nvPr>
-            <p:ph type="pic" idx="1"/>
-          </p:nvPr>
-        </p:nvPicPr>
-        <p:blipFill>
-          <a:blip r:embed="rId2"/>
-          <a:srcRect t="6944" b="6944"/>
-          <a:stretch>
-            <a:fillRect/>
-          </a:stretch>
-        </p:blipFill>
-        <p:spPr/>
-      </p:pic>
-      <p:pic>
-        <p:nvPicPr>
-          <p:cNvPr id="3" name="Content Placeholder 2" descr="Profile pictures of the contributors to the Rotting Research project.">
-            <a:extLst>
-              <a:ext uri="{FF2B5EF4-FFF2-40B4-BE49-F238E27FC236}">
-                <a16:creationId xmlns:a16="http://schemas.microsoft.com/office/drawing/2014/main" id="{9F58E178-EE28-706E-3776-19D94FEA7A08}"/>
-              </a:ext>
-            </a:extLst>
-          </p:cNvPr>
-          <p:cNvPicPr>
-            <a:picLocks noGrp="1" noChangeAspect="1"/>
-          </p:cNvPicPr>
-          <p:nvPr>
-            <p:ph idx="11"/>
-          </p:nvPr>
-        </p:nvPicPr>
-        <p:blipFill>
-          <a:blip r:embed="rId3"/>
-          <a:stretch>
-            <a:fillRect/>
-          </a:stretch>
-        </p:blipFill>
-        <p:spPr>
-          <a:xfrm>
-            <a:off x="3725863" y="2065758"/>
-            <a:ext cx="4960937" cy="1707308"/>
-          </a:xfrm>
-        </p:spPr>
-      </p:pic>
-      <p:sp>
-        <p:nvSpPr>
-          <p:cNvPr id="6" name="Title 5">
-            <a:extLst>
-              <a:ext uri="{FF2B5EF4-FFF2-40B4-BE49-F238E27FC236}">
-                <a16:creationId xmlns:a16="http://schemas.microsoft.com/office/drawing/2014/main" id="{0B877BBE-5B2E-BD9E-EB26-F61581EB2F70}"/>
+                <a16:creationId xmlns:a16="http://schemas.microsoft.com/office/drawing/2014/main" id="{C43EF85A-9EF5-2DBE-2ECF-2711A4E4A77E}"/>
               </a:ext>
             </a:extLst>
           </p:cNvPr>
@@ -3612,17 +7411,17 @@
           <a:p>
             <a:r>
               <a:rPr lang="en-US" dirty="0"/>
-              <a:t>Contributors</a:t>
+              <a:t>Resources</a:t>
             </a:r>
           </a:p>
         </p:txBody>
       </p:sp>
       <p:sp>
         <p:nvSpPr>
-          <p:cNvPr id="9" name="Content Placeholder 8">
+          <p:cNvPr id="5" name="Content Placeholder 4">
             <a:extLst>
               <a:ext uri="{FF2B5EF4-FFF2-40B4-BE49-F238E27FC236}">
-                <a16:creationId xmlns:a16="http://schemas.microsoft.com/office/drawing/2014/main" id="{9C82E228-0385-8FDB-B701-B2E00B20EB83}"/>
+                <a16:creationId xmlns:a16="http://schemas.microsoft.com/office/drawing/2014/main" id="{ED5124F5-5909-E264-5C59-8EFDA8B54CF5}"/>
               </a:ext>
             </a:extLst>
           </p:cNvPr>
@@ -3630,25 +7429,295 @@
             <a:spLocks noGrp="1"/>
           </p:cNvSpPr>
           <p:nvPr>
-            <p:ph idx="13"/>
+            <p:ph idx="1"/>
           </p:nvPr>
         </p:nvSpPr>
         <p:spPr/>
         <p:txBody>
-          <a:bodyPr/>
+          <a:bodyPr>
+            <a:normAutofit fontScale="55000" lnSpcReduction="20000"/>
+          </a:bodyPr>
           <a:lstStyle/>
           <a:p>
-            <a:r>
-              <a:rPr lang="en-US" dirty="0"/>
-              <a:t>https://rottingresearch.org</a:t>
-            </a:r>
+            <a:pPr marL="514350" indent="-514350">
+              <a:buFont typeface="+mj-lt"/>
+              <a:buAutoNum type="arabicPeriod" startAt="6"/>
+            </a:pPr>
+            <a:r>
+              <a:rPr lang="en-US" dirty="0">
+                <a:effectLst/>
+              </a:rPr>
+              <a:t>Penders, B. (2018). Ten simple rules for responsible referencing. </a:t>
+            </a:r>
+            <a:r>
+              <a:rPr lang="en-US" i="1" dirty="0" err="1">
+                <a:effectLst/>
+              </a:rPr>
+              <a:t>PLoS</a:t>
+            </a:r>
+            <a:r>
+              <a:rPr lang="en-US" i="1" dirty="0">
+                <a:effectLst/>
+              </a:rPr>
+              <a:t> Computational Biology</a:t>
+            </a:r>
+            <a:r>
+              <a:rPr lang="en-US" dirty="0">
+                <a:effectLst/>
+              </a:rPr>
+              <a:t>, </a:t>
+            </a:r>
+            <a:r>
+              <a:rPr lang="en-US" i="1" dirty="0">
+                <a:effectLst/>
+              </a:rPr>
+              <a:t>14</a:t>
+            </a:r>
+            <a:r>
+              <a:rPr lang="en-US" dirty="0">
+                <a:effectLst/>
+              </a:rPr>
+              <a:t>(4), 1–6. </a:t>
+            </a:r>
+            <a:r>
+              <a:rPr lang="en-US" dirty="0">
+                <a:effectLst/>
+                <a:hlinkClick r:id="rId2"/>
+              </a:rPr>
+              <a:t>https://doi.org/10.1371/journal.pcbi.1006036</a:t>
+            </a:r>
+            <a:endParaRPr lang="en-US" dirty="0">
+              <a:effectLst/>
+            </a:endParaRPr>
+          </a:p>
+          <a:p>
+            <a:pPr marL="514350" indent="-514350">
+              <a:buFont typeface="+mj-lt"/>
+              <a:buAutoNum type="arabicPeriod" startAt="6"/>
+            </a:pPr>
+            <a:r>
+              <a:rPr lang="en-US" dirty="0">
+                <a:effectLst/>
+              </a:rPr>
+              <a:t>Rubbo, P., </a:t>
+            </a:r>
+            <a:r>
+              <a:rPr lang="en-US" dirty="0" err="1">
+                <a:effectLst/>
+              </a:rPr>
+              <a:t>Pilatti</a:t>
+            </a:r>
+            <a:r>
+              <a:rPr lang="en-US" dirty="0">
+                <a:effectLst/>
+              </a:rPr>
+              <a:t>, L. A., &amp; </a:t>
+            </a:r>
+            <a:r>
+              <a:rPr lang="en-US" dirty="0" err="1">
+                <a:effectLst/>
+              </a:rPr>
+              <a:t>Picinin</a:t>
+            </a:r>
+            <a:r>
+              <a:rPr lang="en-US" dirty="0">
+                <a:effectLst/>
+              </a:rPr>
+              <a:t>, C. T. (2019). Citation of Retracted Articles in Engineering: A Study of the Web of Science Database. </a:t>
+            </a:r>
+            <a:r>
+              <a:rPr lang="en-US" i="1" dirty="0">
+                <a:effectLst/>
+              </a:rPr>
+              <a:t>Ethics &amp; Behavior</a:t>
+            </a:r>
+            <a:r>
+              <a:rPr lang="en-US" dirty="0">
+                <a:effectLst/>
+              </a:rPr>
+              <a:t>, </a:t>
+            </a:r>
+            <a:r>
+              <a:rPr lang="en-US" i="1" dirty="0">
+                <a:effectLst/>
+              </a:rPr>
+              <a:t>29</a:t>
+            </a:r>
+            <a:r>
+              <a:rPr lang="en-US" dirty="0">
+                <a:effectLst/>
+              </a:rPr>
+              <a:t>(8), 661–679. </a:t>
+            </a:r>
+            <a:r>
+              <a:rPr lang="en-US" dirty="0">
+                <a:effectLst/>
+                <a:hlinkClick r:id="rId3"/>
+              </a:rPr>
+              <a:t>https://doi.org/10.1080/10508422.2018.1559064</a:t>
+            </a:r>
+            <a:endParaRPr lang="en-US" dirty="0">
+              <a:effectLst/>
+            </a:endParaRPr>
+          </a:p>
+          <a:p>
+            <a:pPr marL="514350" indent="-514350">
+              <a:buFont typeface="+mj-lt"/>
+              <a:buAutoNum type="arabicPeriod" startAt="6"/>
+            </a:pPr>
+            <a:r>
+              <a:rPr lang="en-US" dirty="0">
+                <a:effectLst/>
+              </a:rPr>
+              <a:t>Van </a:t>
+            </a:r>
+            <a:r>
+              <a:rPr lang="en-US" dirty="0" err="1">
+                <a:effectLst/>
+              </a:rPr>
+              <a:t>Noorden</a:t>
+            </a:r>
+            <a:r>
+              <a:rPr lang="en-US" dirty="0">
+                <a:effectLst/>
+              </a:rPr>
+              <a:t>, R. (2023). More than 10,000 research papers were retracted in 2023—A new record. </a:t>
+            </a:r>
+            <a:r>
+              <a:rPr lang="en-US" i="1" dirty="0">
+                <a:effectLst/>
+              </a:rPr>
+              <a:t>Nature</a:t>
+            </a:r>
+            <a:r>
+              <a:rPr lang="en-US" dirty="0">
+                <a:effectLst/>
+              </a:rPr>
+              <a:t>. </a:t>
+            </a:r>
+            <a:r>
+              <a:rPr lang="en-US" dirty="0">
+                <a:effectLst/>
+                <a:hlinkClick r:id="rId4"/>
+              </a:rPr>
+              <a:t>https://doi.org/10.1038/d41586-023-03974-8</a:t>
+            </a:r>
+            <a:endParaRPr lang="en-US" dirty="0">
+              <a:effectLst/>
+            </a:endParaRPr>
+          </a:p>
+          <a:p>
+            <a:pPr marL="514350" indent="-514350">
+              <a:buFont typeface="+mj-lt"/>
+              <a:buAutoNum type="arabicPeriod" startAt="6"/>
+            </a:pPr>
+            <a:r>
+              <a:rPr lang="en-US" dirty="0">
+                <a:effectLst/>
+              </a:rPr>
+              <a:t>West, R., </a:t>
+            </a:r>
+            <a:r>
+              <a:rPr lang="en-US" dirty="0" err="1">
+                <a:effectLst/>
+              </a:rPr>
+              <a:t>Stenius</a:t>
+            </a:r>
+            <a:r>
+              <a:rPr lang="en-US" dirty="0">
+                <a:effectLst/>
+              </a:rPr>
+              <a:t>, K., &amp; </a:t>
+            </a:r>
+            <a:r>
+              <a:rPr lang="en-US" dirty="0" err="1">
+                <a:effectLst/>
+              </a:rPr>
+              <a:t>Kettunen</a:t>
+            </a:r>
+            <a:r>
+              <a:rPr lang="en-US" dirty="0">
+                <a:effectLst/>
+              </a:rPr>
+              <a:t>, T. (2017). Use and Abuse of Citations. In K. </a:t>
+            </a:r>
+            <a:r>
+              <a:rPr lang="en-US" dirty="0" err="1">
+                <a:effectLst/>
+              </a:rPr>
+              <a:t>Stenius</a:t>
+            </a:r>
+            <a:r>
+              <a:rPr lang="en-US" dirty="0">
+                <a:effectLst/>
+              </a:rPr>
+              <a:t>, T. F. </a:t>
+            </a:r>
+            <a:r>
+              <a:rPr lang="en-US" dirty="0" err="1">
+                <a:effectLst/>
+              </a:rPr>
+              <a:t>Babor</a:t>
+            </a:r>
+            <a:r>
+              <a:rPr lang="en-US" dirty="0">
+                <a:effectLst/>
+              </a:rPr>
+              <a:t>, R. Pates, M. </a:t>
+            </a:r>
+            <a:r>
+              <a:rPr lang="en-US" dirty="0" err="1">
+                <a:effectLst/>
+              </a:rPr>
+              <a:t>Miovský</a:t>
+            </a:r>
+            <a:r>
+              <a:rPr lang="en-US" dirty="0">
+                <a:effectLst/>
+              </a:rPr>
+              <a:t>, J. O’Reilly, &amp; P. </a:t>
+            </a:r>
+            <a:r>
+              <a:rPr lang="en-US" dirty="0" err="1">
+                <a:effectLst/>
+              </a:rPr>
+              <a:t>Candon</a:t>
+            </a:r>
+            <a:r>
+              <a:rPr lang="en-US" dirty="0">
+                <a:effectLst/>
+              </a:rPr>
+              <a:t> (Eds.), </a:t>
+            </a:r>
+            <a:r>
+              <a:rPr lang="en-US" i="1" dirty="0">
+                <a:effectLst/>
+              </a:rPr>
+              <a:t>Publishing Addiction Science</a:t>
+            </a:r>
+            <a:r>
+              <a:rPr lang="en-US" dirty="0">
+                <a:effectLst/>
+              </a:rPr>
+              <a:t> (pp. 191–206). Ubiquity Press; JSTOR. </a:t>
+            </a:r>
+            <a:r>
+              <a:rPr lang="en-US" dirty="0">
+                <a:effectLst/>
+                <a:hlinkClick r:id="rId5"/>
+              </a:rPr>
+              <a:t>https://www.jstor.org/stable/j.ctv3t5qxw.16</a:t>
+            </a:r>
+            <a:endParaRPr lang="en-US" dirty="0">
+              <a:effectLst/>
+            </a:endParaRPr>
           </a:p>
         </p:txBody>
       </p:sp>
     </p:spTree>
     <p:extLst>
       <p:ext uri="{BB962C8B-B14F-4D97-AF65-F5344CB8AC3E}">
-        <p14:creationId xmlns:p14="http://schemas.microsoft.com/office/powerpoint/2010/main" val="3601119380"/>
+        <p14:creationId xmlns:p14="http://schemas.microsoft.com/office/powerpoint/2010/main" val="3584797560"/>
       </p:ext>
     </p:extLst>
   </p:cSld>
@@ -3677,6 +7746,146 @@
       </p:grpSpPr>
       <p:pic>
         <p:nvPicPr>
+          <p:cNvPr id="5" name="Picture Placeholder 4" descr="Rotting Research Logo">
+            <a:extLst>
+              <a:ext uri="{FF2B5EF4-FFF2-40B4-BE49-F238E27FC236}">
+                <a16:creationId xmlns:a16="http://schemas.microsoft.com/office/drawing/2014/main" id="{26F63941-8B15-002A-E1D4-B16FEB626252}"/>
+              </a:ext>
+            </a:extLst>
+          </p:cNvPr>
+          <p:cNvPicPr>
+            <a:picLocks noGrp="1" noChangeAspect="1"/>
+          </p:cNvPicPr>
+          <p:nvPr>
+            <p:ph type="pic" idx="1"/>
+          </p:nvPr>
+        </p:nvPicPr>
+        <p:blipFill>
+          <a:blip r:embed="rId2"/>
+          <a:srcRect t="6944" b="6944"/>
+          <a:stretch>
+            <a:fillRect/>
+          </a:stretch>
+        </p:blipFill>
+        <p:spPr/>
+      </p:pic>
+      <p:pic>
+        <p:nvPicPr>
+          <p:cNvPr id="3" name="Content Placeholder 2" descr="Profile pictures of the contributors to the Rotting Research project.">
+            <a:extLst>
+              <a:ext uri="{FF2B5EF4-FFF2-40B4-BE49-F238E27FC236}">
+                <a16:creationId xmlns:a16="http://schemas.microsoft.com/office/drawing/2014/main" id="{9F58E178-EE28-706E-3776-19D94FEA7A08}"/>
+              </a:ext>
+            </a:extLst>
+          </p:cNvPr>
+          <p:cNvPicPr>
+            <a:picLocks noGrp="1" noChangeAspect="1"/>
+          </p:cNvPicPr>
+          <p:nvPr>
+            <p:ph idx="11"/>
+          </p:nvPr>
+        </p:nvPicPr>
+        <p:blipFill>
+          <a:blip r:embed="rId3"/>
+          <a:stretch>
+            <a:fillRect/>
+          </a:stretch>
+        </p:blipFill>
+        <p:spPr>
+          <a:xfrm>
+            <a:off x="3725863" y="2065758"/>
+            <a:ext cx="4960937" cy="1707308"/>
+          </a:xfrm>
+        </p:spPr>
+      </p:pic>
+      <p:sp>
+        <p:nvSpPr>
+          <p:cNvPr id="6" name="Title 5">
+            <a:extLst>
+              <a:ext uri="{FF2B5EF4-FFF2-40B4-BE49-F238E27FC236}">
+                <a16:creationId xmlns:a16="http://schemas.microsoft.com/office/drawing/2014/main" id="{0B877BBE-5B2E-BD9E-EB26-F61581EB2F70}"/>
+              </a:ext>
+            </a:extLst>
+          </p:cNvPr>
+          <p:cNvSpPr>
+            <a:spLocks noGrp="1"/>
+          </p:cNvSpPr>
+          <p:nvPr>
+            <p:ph type="title"/>
+          </p:nvPr>
+        </p:nvSpPr>
+        <p:spPr/>
+        <p:txBody>
+          <a:bodyPr/>
+          <a:lstStyle/>
+          <a:p>
+            <a:r>
+              <a:rPr lang="en-US" dirty="0"/>
+              <a:t>Contributors</a:t>
+            </a:r>
+          </a:p>
+        </p:txBody>
+      </p:sp>
+      <p:sp>
+        <p:nvSpPr>
+          <p:cNvPr id="9" name="Content Placeholder 8">
+            <a:extLst>
+              <a:ext uri="{FF2B5EF4-FFF2-40B4-BE49-F238E27FC236}">
+                <a16:creationId xmlns:a16="http://schemas.microsoft.com/office/drawing/2014/main" id="{9C82E228-0385-8FDB-B701-B2E00B20EB83}"/>
+              </a:ext>
+            </a:extLst>
+          </p:cNvPr>
+          <p:cNvSpPr>
+            <a:spLocks noGrp="1"/>
+          </p:cNvSpPr>
+          <p:nvPr>
+            <p:ph idx="13"/>
+          </p:nvPr>
+        </p:nvSpPr>
+        <p:spPr/>
+        <p:txBody>
+          <a:bodyPr/>
+          <a:lstStyle/>
+          <a:p>
+            <a:r>
+              <a:rPr lang="en-US" dirty="0"/>
+              <a:t>https://rottingresearch.org</a:t>
+            </a:r>
+          </a:p>
+        </p:txBody>
+      </p:sp>
+    </p:spTree>
+    <p:extLst>
+      <p:ext uri="{BB962C8B-B14F-4D97-AF65-F5344CB8AC3E}">
+        <p14:creationId xmlns:p14="http://schemas.microsoft.com/office/powerpoint/2010/main" val="3601119380"/>
+      </p:ext>
+    </p:extLst>
+  </p:cSld>
+  <p:clrMapOvr>
+    <a:masterClrMapping/>
+  </p:clrMapOvr>
+</p:sld>
+</file>
+
+<file path=ppt/slides/slide22.xml><?xml version="1.0" encoding="utf-8"?>
+<p:sld xmlns:a="http://schemas.openxmlformats.org/drawingml/2006/main" xmlns:r="http://schemas.openxmlformats.org/officeDocument/2006/relationships" xmlns:p="http://schemas.openxmlformats.org/presentationml/2006/main">
+  <p:cSld>
+    <p:spTree>
+      <p:nvGrpSpPr>
+        <p:cNvPr id="1" name=""/>
+        <p:cNvGrpSpPr/>
+        <p:nvPr/>
+      </p:nvGrpSpPr>
+      <p:grpSpPr>
+        <a:xfrm>
+          <a:off x="0" y="0"/>
+          <a:ext cx="0" cy="0"/>
+          <a:chOff x="0" y="0"/>
+          <a:chExt cx="0" cy="0"/>
+        </a:xfrm>
+      </p:grpSpPr>
+      <p:pic>
+        <p:nvPicPr>
           <p:cNvPr id="2" name="Picture Placeholder 1">
             <a:extLst>
               <a:ext uri="{FF2B5EF4-FFF2-40B4-BE49-F238E27FC236}">
@@ -3725,7 +7934,25 @@
           <a:bodyPr/>
           <a:lstStyle/>
           <a:p>
-            <a:endParaRPr lang="en-US" dirty="0"/>
+            <a:pPr algn="ctr"/>
+            <a:r>
+              <a:rPr lang="en-US" dirty="0"/>
+              <a:t>Thank you for attending our session and joining in the discussion.</a:t>
+            </a:r>
+          </a:p>
+          <a:p>
+            <a:pPr algn="ctr"/>
+            <a:r>
+              <a:rPr lang="en-US" dirty="0"/>
+              <a:t>https://rottingresearch.org</a:t>
+            </a:r>
+          </a:p>
+          <a:p>
+            <a:pPr algn="ctr"/>
+            <a:r>
+              <a:rPr lang="en-US" dirty="0"/>
+              <a:t>Contact me: mmiller@northampton.edu</a:t>
+            </a:r>
           </a:p>
         </p:txBody>
       </p:sp>
@@ -3861,12 +8088,6 @@
             </a:r>
           </a:p>
           <a:p>
-            <a:pPr marL="0" indent="0">
-              <a:buNone/>
-            </a:pPr>
-            <a:endParaRPr lang="en-US" sz="2800" dirty="0"/>
-          </a:p>
-          <a:p>
             <a:r>
               <a:rPr lang="en-US" sz="2400" dirty="0"/>
               <a:t>Define link rot.</a:t>
@@ -3994,13 +8215,31 @@
           <a:lstStyle/>
           <a:p>
             <a:r>
-              <a:rPr lang="en-US" b="1" i="1" dirty="0"/>
+              <a:rPr lang="en-US" b="1" i="1"/>
               <a:t>Link rot: </a:t>
             </a:r>
             <a:r>
-              <a:rPr lang="en-US" dirty="0"/>
+              <a:rPr lang="en-US"/>
               <a:t>The phenomenon of resources becoming inaccessible over time when their originally cited location is relocated or becomes permanently unavailable.</a:t>
             </a:r>
+            <a:r>
+              <a:rPr lang="en-US" sz="2800" b="0" i="0" u="none" strike="noStrike" baseline="30000">
+                <a:latin typeface="Times New Roman" panose="02020603050405020304" pitchFamily="18" charset="0"/>
+              </a:rPr>
+              <a:t> </a:t>
+            </a:r>
+            <a:r>
+              <a:rPr lang="en-US" baseline="30000">
+                <a:latin typeface="Times New Roman" panose="02020603050405020304" pitchFamily="18" charset="0"/>
+              </a:rPr>
+              <a:t>4</a:t>
+            </a:r>
+            <a:endParaRPr lang="en-US" sz="2800" b="0" i="0" u="none" strike="noStrike" baseline="30000">
+              <a:latin typeface="Times New Roman" panose="02020603050405020304" pitchFamily="18" charset="0"/>
+            </a:endParaRPr>
+          </a:p>
+          <a:p>
+            <a:endParaRPr lang="en-US" dirty="0"/>
           </a:p>
         </p:txBody>
       </p:sp>
@@ -4034,6 +8273,107 @@
           <a:chExt cx="0" cy="0"/>
         </a:xfrm>
       </p:grpSpPr>
+      <p:pic>
+        <p:nvPicPr>
+          <p:cNvPr id="3" name="Picture Placeholder 2" descr="Statue on top of building">
+            <a:extLst>
+              <a:ext uri="{FF2B5EF4-FFF2-40B4-BE49-F238E27FC236}">
+                <a16:creationId xmlns:a16="http://schemas.microsoft.com/office/drawing/2014/main" id="{42B1C0AE-F72B-5EE2-036E-7699F8CF0C30}"/>
+              </a:ext>
+            </a:extLst>
+          </p:cNvPr>
+          <p:cNvPicPr>
+            <a:picLocks noGrp="1" noChangeAspect="1"/>
+          </p:cNvPicPr>
+          <p:nvPr>
+            <p:ph type="pic" idx="1"/>
+          </p:nvPr>
+        </p:nvPicPr>
+        <p:blipFill>
+          <a:blip r:embed="rId3"/>
+          <a:srcRect l="11285" r="11285"/>
+          <a:stretch/>
+        </p:blipFill>
+        <p:spPr/>
+      </p:pic>
+      <p:sp>
+        <p:nvSpPr>
+          <p:cNvPr id="5" name="Content Placeholder 4">
+            <a:extLst>
+              <a:ext uri="{FF2B5EF4-FFF2-40B4-BE49-F238E27FC236}">
+                <a16:creationId xmlns:a16="http://schemas.microsoft.com/office/drawing/2014/main" id="{ED5124F5-5909-E264-5C59-8EFDA8B54CF5}"/>
+              </a:ext>
+            </a:extLst>
+          </p:cNvPr>
+          <p:cNvSpPr>
+            <a:spLocks noGrp="1"/>
+          </p:cNvSpPr>
+          <p:nvPr>
+            <p:ph idx="11"/>
+          </p:nvPr>
+        </p:nvSpPr>
+        <p:spPr>
+          <a:xfrm>
+            <a:off x="3725333" y="1606699"/>
+            <a:ext cx="4961466" cy="2624876"/>
+          </a:xfrm>
+        </p:spPr>
+        <p:txBody>
+          <a:bodyPr>
+            <a:normAutofit/>
+          </a:bodyPr>
+          <a:lstStyle/>
+          <a:p>
+            <a:pPr marL="285750" indent="-285750">
+              <a:buFont typeface="Wingdings" panose="05000000000000000000" pitchFamily="2" charset="2"/>
+              <a:buChar char="§"/>
+            </a:pPr>
+            <a:r>
+              <a:rPr lang="en-US" b="0" i="0" u="none" strike="noStrike" baseline="0" dirty="0"/>
+              <a:t>70% of internet addresses cited in articles published in the </a:t>
+            </a:r>
+            <a:r>
+              <a:rPr lang="en-US" b="0" i="1" u="none" strike="noStrike" baseline="0" dirty="0"/>
+              <a:t>Harvard Law Review</a:t>
+            </a:r>
+            <a:r>
+              <a:rPr lang="en-US" b="0" i="0" u="none" strike="noStrike" baseline="0" dirty="0"/>
+              <a:t>. </a:t>
+            </a:r>
+            <a:r>
+              <a:rPr lang="en-US" b="0" i="0" u="none" strike="noStrike" baseline="30000" dirty="0"/>
+              <a:t>4</a:t>
+            </a:r>
+            <a:endParaRPr lang="en-US" b="0" i="0" u="none" strike="noStrike" baseline="0" dirty="0"/>
+          </a:p>
+          <a:p>
+            <a:pPr marL="285750" indent="-285750">
+              <a:buFont typeface="Wingdings" panose="05000000000000000000" pitchFamily="2" charset="2"/>
+              <a:buChar char="§"/>
+            </a:pPr>
+            <a:r>
+              <a:rPr lang="en-US" dirty="0"/>
+              <a:t>~</a:t>
+            </a:r>
+            <a:r>
+              <a:rPr lang="en-US" b="0" i="0" u="none" strike="noStrike" baseline="0" dirty="0"/>
+              <a:t>50% of links in Supreme Court decisions. </a:t>
+            </a:r>
+            <a:r>
+              <a:rPr lang="en-US" baseline="30000" dirty="0"/>
+              <a:t>4</a:t>
+            </a:r>
+            <a:endParaRPr lang="en-US" b="0" i="0" u="none" strike="noStrike" baseline="30000" dirty="0"/>
+          </a:p>
+          <a:p>
+            <a:pPr marL="285750" indent="-285750">
+              <a:buFont typeface="Wingdings" panose="05000000000000000000" pitchFamily="2" charset="2"/>
+              <a:buChar char="§"/>
+            </a:pPr>
+            <a:endParaRPr lang="en-US" b="0" i="0" u="none" strike="noStrike" baseline="0" dirty="0"/>
+          </a:p>
+        </p:txBody>
+      </p:sp>
       <p:sp>
         <p:nvSpPr>
           <p:cNvPr id="4" name="Title 3">
@@ -4050,9 +8390,16 @@
             <p:ph type="title"/>
           </p:nvPr>
         </p:nvSpPr>
-        <p:spPr/>
+        <p:spPr>
+          <a:xfrm>
+            <a:off x="457200" y="205979"/>
+            <a:ext cx="8229600" cy="857250"/>
+          </a:xfrm>
+        </p:spPr>
         <p:txBody>
-          <a:bodyPr/>
+          <a:bodyPr anchor="ctr">
+            <a:normAutofit/>
+          </a:bodyPr>
           <a:lstStyle/>
           <a:p>
             <a:r>
@@ -4064,10 +8411,10 @@
       </p:sp>
       <p:sp>
         <p:nvSpPr>
-          <p:cNvPr id="5" name="Content Placeholder 4">
+          <p:cNvPr id="12" name="Content Placeholder 4">
             <a:extLst>
               <a:ext uri="{FF2B5EF4-FFF2-40B4-BE49-F238E27FC236}">
-                <a16:creationId xmlns:a16="http://schemas.microsoft.com/office/drawing/2014/main" id="{ED5124F5-5909-E264-5C59-8EFDA8B54CF5}"/>
+                <a16:creationId xmlns:a16="http://schemas.microsoft.com/office/drawing/2014/main" id="{DC708982-F19D-DAC5-C5FD-348458FC0995}"/>
               </a:ext>
             </a:extLst>
           </p:cNvPr>
@@ -4075,64 +8422,23 @@
             <a:spLocks noGrp="1"/>
           </p:cNvSpPr>
           <p:nvPr>
-            <p:ph idx="1"/>
+            <p:ph idx="13"/>
           </p:nvPr>
         </p:nvSpPr>
-        <p:spPr/>
+        <p:spPr>
+          <a:xfrm>
+            <a:off x="457201" y="3918780"/>
+            <a:ext cx="3008314" cy="395833"/>
+          </a:xfrm>
+        </p:spPr>
         <p:txBody>
           <a:bodyPr/>
           <a:lstStyle/>
           <a:p>
-            <a:pPr algn="l"/>
-            <a:endParaRPr lang="en-US" sz="1800" b="0" i="0" u="none" strike="noStrike" baseline="0" dirty="0">
-              <a:latin typeface="Times New Roman" panose="02020603050405020304" pitchFamily="18" charset="0"/>
-            </a:endParaRPr>
-          </a:p>
-          <a:p>
-            <a:pPr algn="l"/>
-            <a:r>
-              <a:rPr lang="en-US" sz="1800" b="0" i="0" u="none" strike="noStrike" baseline="0" dirty="0" err="1">
-                <a:latin typeface="Times New Roman" panose="02020603050405020304" pitchFamily="18" charset="0"/>
-              </a:rPr>
-              <a:t>Krol</a:t>
-            </a:r>
-            <a:r>
-              <a:rPr lang="en-US" sz="1800" b="0" i="0" u="none" strike="noStrike" baseline="0" dirty="0">
-                <a:latin typeface="Times New Roman" panose="02020603050405020304" pitchFamily="18" charset="0"/>
-              </a:rPr>
-              <a:t> and Zdonek claimed over 70% of internet addresses cited in articles published in the </a:t>
-            </a:r>
-            <a:r>
-              <a:rPr lang="en-US" sz="1800" b="0" i="1" u="none" strike="noStrike" baseline="0" dirty="0">
-                <a:latin typeface="Times New Roman" panose="02020603050405020304" pitchFamily="18" charset="0"/>
-              </a:rPr>
-              <a:t>Harvard Law Review </a:t>
-            </a:r>
-            <a:r>
-              <a:rPr lang="en-US" sz="1800" b="0" i="0" u="none" strike="noStrike" baseline="0" dirty="0">
-                <a:latin typeface="Times New Roman" panose="02020603050405020304" pitchFamily="18" charset="0"/>
-              </a:rPr>
-              <a:t>failed to navigate to the original content. </a:t>
-            </a:r>
-          </a:p>
-          <a:p>
-            <a:pPr algn="l"/>
-            <a:r>
-              <a:rPr lang="en-US" sz="1800" b="0" i="0" u="none" strike="noStrike" baseline="0" dirty="0">
-                <a:latin typeface="Times New Roman" panose="02020603050405020304" pitchFamily="18" charset="0"/>
-              </a:rPr>
-              <a:t>The authors noted that even the Supreme Court has been affected, with only about 50% of links in their decisions leading to the content intended.</a:t>
-            </a:r>
-          </a:p>
-          <a:p>
-            <a:pPr algn="l"/>
-            <a:endParaRPr lang="en-US" sz="1800" b="0" i="0" u="none" strike="noStrike" baseline="0" dirty="0">
-              <a:latin typeface="Times New Roman" panose="02020603050405020304" pitchFamily="18" charset="0"/>
-            </a:endParaRPr>
-          </a:p>
-          <a:p>
-            <a:pPr algn="l"/>
-            <a:endParaRPr lang="en-US" dirty="0"/>
+            <a:r>
+              <a:rPr lang="en-US" dirty="0"/>
+              <a:t>Link Rot in Law</a:t>
+            </a:r>
           </a:p>
         </p:txBody>
       </p:sp>
@@ -4168,6 +8474,106 @@
       </p:grpSpPr>
       <p:sp>
         <p:nvSpPr>
+          <p:cNvPr id="5" name="Content Placeholder 4">
+            <a:extLst>
+              <a:ext uri="{FF2B5EF4-FFF2-40B4-BE49-F238E27FC236}">
+                <a16:creationId xmlns:a16="http://schemas.microsoft.com/office/drawing/2014/main" id="{ED5124F5-5909-E264-5C59-8EFDA8B54CF5}"/>
+              </a:ext>
+            </a:extLst>
+          </p:cNvPr>
+          <p:cNvSpPr>
+            <a:spLocks noGrp="1"/>
+          </p:cNvSpPr>
+          <p:nvPr>
+            <p:ph idx="1"/>
+          </p:nvPr>
+        </p:nvSpPr>
+        <p:spPr>
+          <a:xfrm>
+            <a:off x="457200" y="1070199"/>
+            <a:ext cx="8229600" cy="3110492"/>
+          </a:xfrm>
+        </p:spPr>
+        <p:txBody>
+          <a:bodyPr>
+            <a:normAutofit/>
+          </a:bodyPr>
+          <a:lstStyle/>
+          <a:p>
+            <a:pPr marL="285750" indent="-285750">
+              <a:lnSpc>
+                <a:spcPct val="90000"/>
+              </a:lnSpc>
+              <a:buFont typeface="Wingdings" panose="05000000000000000000" pitchFamily="2" charset="2"/>
+              <a:buChar char="§"/>
+            </a:pPr>
+            <a:r>
+              <a:rPr lang="en-US" sz="2400" dirty="0"/>
+              <a:t>Academics rely heavily on previous research. </a:t>
+            </a:r>
+            <a:r>
+              <a:rPr lang="en-US" sz="2400" b="0" i="0" u="none" strike="noStrike" baseline="30000" dirty="0"/>
+              <a:t>9</a:t>
+            </a:r>
+          </a:p>
+          <a:p>
+            <a:pPr marL="285750" indent="-285750">
+              <a:lnSpc>
+                <a:spcPct val="90000"/>
+              </a:lnSpc>
+              <a:buFont typeface="Wingdings" panose="05000000000000000000" pitchFamily="2" charset="2"/>
+              <a:buChar char="§"/>
+            </a:pPr>
+            <a:r>
+              <a:rPr lang="en-US" sz="2400" b="0" i="0" u="none" strike="noStrike" baseline="0" dirty="0"/>
+              <a:t>References provide a method for others to retrace the steps a researcher took to establish their position. </a:t>
+            </a:r>
+            <a:r>
+              <a:rPr lang="en-US" sz="2400" baseline="30000" dirty="0"/>
+              <a:t>6</a:t>
+            </a:r>
+            <a:endParaRPr lang="en-US" sz="2400" dirty="0"/>
+          </a:p>
+          <a:p>
+            <a:pPr marL="285750" indent="-285750">
+              <a:lnSpc>
+                <a:spcPct val="90000"/>
+              </a:lnSpc>
+              <a:buFont typeface="Wingdings" panose="05000000000000000000" pitchFamily="2" charset="2"/>
+              <a:buChar char="§"/>
+            </a:pPr>
+            <a:r>
+              <a:rPr lang="en-US" sz="2400" dirty="0"/>
+              <a:t>Replication of studies is difficult, or impossible, without the ability to find reference resources. </a:t>
+            </a:r>
+            <a:r>
+              <a:rPr lang="en-US" sz="2400" b="0" i="0" u="none" strike="noStrike" baseline="30000" dirty="0"/>
+              <a:t>9</a:t>
+            </a:r>
+            <a:endParaRPr lang="en-US" sz="2400" dirty="0"/>
+          </a:p>
+          <a:p>
+            <a:pPr marL="285750" indent="-285750">
+              <a:lnSpc>
+                <a:spcPct val="90000"/>
+              </a:lnSpc>
+              <a:buFont typeface="Wingdings" panose="05000000000000000000" pitchFamily="2" charset="2"/>
+              <a:buChar char="§"/>
+            </a:pPr>
+            <a:r>
+              <a:rPr lang="en-US" sz="2400" dirty="0"/>
+              <a:t>Loss of verification calls into question the validity of literature reviews. </a:t>
+            </a:r>
+            <a:r>
+              <a:rPr lang="en-US" sz="2400" baseline="30000" dirty="0"/>
+              <a:t>7</a:t>
+            </a:r>
+            <a:endParaRPr lang="en-US" sz="2400" b="0" i="0" u="none" strike="noStrike" baseline="0" dirty="0"/>
+          </a:p>
+        </p:txBody>
+      </p:sp>
+      <p:sp>
+        <p:nvSpPr>
           <p:cNvPr id="4" name="Title 3">
             <a:extLst>
               <a:ext uri="{FF2B5EF4-FFF2-40B4-BE49-F238E27FC236}">
@@ -4182,68 +8588,21 @@
             <p:ph type="title"/>
           </p:nvPr>
         </p:nvSpPr>
-        <p:spPr/>
+        <p:spPr>
+          <a:xfrm>
+            <a:off x="457200" y="205979"/>
+            <a:ext cx="8229600" cy="734738"/>
+          </a:xfrm>
+        </p:spPr>
         <p:txBody>
-          <a:bodyPr/>
-          <a:lstStyle/>
-          <a:p>
-            <a:r>
-              <a:rPr lang="en-US" dirty="0"/>
-              <a:t>How Does This Affect Research?</a:t>
-            </a:r>
-          </a:p>
-        </p:txBody>
-      </p:sp>
-      <p:sp>
-        <p:nvSpPr>
-          <p:cNvPr id="5" name="Content Placeholder 4">
-            <a:extLst>
-              <a:ext uri="{FF2B5EF4-FFF2-40B4-BE49-F238E27FC236}">
-                <a16:creationId xmlns:a16="http://schemas.microsoft.com/office/drawing/2014/main" id="{ED5124F5-5909-E264-5C59-8EFDA8B54CF5}"/>
-              </a:ext>
-            </a:extLst>
-          </p:cNvPr>
-          <p:cNvSpPr>
-            <a:spLocks noGrp="1"/>
-          </p:cNvSpPr>
-          <p:nvPr>
-            <p:ph idx="1"/>
-          </p:nvPr>
-        </p:nvSpPr>
-        <p:spPr/>
-        <p:txBody>
-          <a:bodyPr>
+          <a:bodyPr anchor="ctr">
             <a:normAutofit/>
           </a:bodyPr>
           <a:lstStyle/>
           <a:p>
             <a:r>
-              <a:rPr lang="en-US" sz="1600" dirty="0"/>
-              <a:t>Link rot severely affects academics, who rely heavily on previous research.</a:t>
-            </a:r>
-          </a:p>
-          <a:p>
-            <a:r>
-              <a:rPr lang="en-US" sz="1600" dirty="0"/>
-              <a:t>Replication of studies is difficult, or impossible, without the ability to find reference resources.</a:t>
-            </a:r>
-          </a:p>
-          <a:p>
-            <a:r>
-              <a:rPr lang="en-US" sz="1600" dirty="0"/>
-              <a:t>Loss of verification calls into question the validity of literature reviews.</a:t>
-            </a:r>
-          </a:p>
-          <a:p>
-            <a:r>
-              <a:rPr lang="en-US" sz="1600" dirty="0"/>
-              <a:t>Research has previously focused on individual disciplines.</a:t>
-            </a:r>
-          </a:p>
-          <a:p>
-            <a:r>
-              <a:rPr lang="en-US" sz="1600" dirty="0"/>
-              <a:t>A pilot study was conducted on an institutional repository.</a:t>
+              <a:rPr lang="en-US" dirty="0"/>
+              <a:t>How Does This Affect Research?</a:t>
             </a:r>
           </a:p>
         </p:txBody>
@@ -4301,7 +8660,7 @@
           <a:p>
             <a:r>
               <a:rPr lang="en-US" dirty="0"/>
-              <a:t>How Does This Affect Research?</a:t>
+              <a:t>But We Have DOIs</a:t>
             </a:r>
           </a:p>
         </p:txBody>
@@ -4325,62 +8684,76 @@
         <p:spPr/>
         <p:txBody>
           <a:bodyPr>
-            <a:normAutofit fontScale="92500"/>
+            <a:normAutofit/>
           </a:bodyPr>
           <a:lstStyle/>
           <a:p>
-            <a:pPr algn="l"/>
-            <a:r>
-              <a:rPr lang="en-US" sz="1800" b="0" i="0" u="none" strike="noStrike" baseline="0" dirty="0">
-                <a:latin typeface="Times New Roman" panose="02020603050405020304" pitchFamily="18" charset="0"/>
+            <a:pPr marL="457200" indent="-457200">
+              <a:buFont typeface="Wingdings" panose="05000000000000000000" pitchFamily="2" charset="2"/>
+              <a:buChar char="§"/>
+            </a:pPr>
+            <a:r>
+              <a:rPr lang="en-US" sz="2400" dirty="0"/>
+              <a:t>37% of DOI links were broken. </a:t>
+            </a:r>
+            <a:r>
+              <a:rPr lang="en-US" sz="2400" baseline="30000" dirty="0"/>
+              <a:t>3</a:t>
+            </a:r>
+            <a:endParaRPr lang="en-US" sz="2400" dirty="0"/>
+          </a:p>
+          <a:p>
+            <a:pPr marL="457200" indent="-457200">
+              <a:buFont typeface="Wingdings" panose="05000000000000000000" pitchFamily="2" charset="2"/>
+              <a:buChar char="§"/>
+            </a:pPr>
+            <a:r>
+              <a:rPr lang="en-US" sz="2400" dirty="0">
+                <a:effectLst/>
+                <a:ea typeface="Calibri" panose="020F0502020204030204" pitchFamily="34" charset="0"/>
               </a:rPr>
-              <a:t>West et al. (2017) asserted that link rot has severe consequences for academics who rely</a:t>
-            </a:r>
-          </a:p>
-          <a:p>
-            <a:pPr algn="l"/>
-            <a:r>
-              <a:rPr lang="en-US" sz="1800" b="0" i="0" u="none" strike="noStrike" baseline="0" dirty="0">
-                <a:latin typeface="Times New Roman" panose="02020603050405020304" pitchFamily="18" charset="0"/>
+              <a:t>33% of DOI links to be broken on one institution’s internal network. </a:t>
+            </a:r>
+            <a:r>
+              <a:rPr lang="en-US" sz="2400" baseline="30000" dirty="0"/>
+              <a:t>3</a:t>
+            </a:r>
+            <a:endParaRPr lang="en-US" sz="2400" dirty="0">
+              <a:effectLst/>
+              <a:ea typeface="Calibri" panose="020F0502020204030204" pitchFamily="34" charset="0"/>
+            </a:endParaRPr>
+          </a:p>
+          <a:p>
+            <a:pPr marL="457200" indent="-457200">
+              <a:buFont typeface="Wingdings" panose="05000000000000000000" pitchFamily="2" charset="2"/>
+              <a:buChar char="§"/>
+            </a:pPr>
+            <a:r>
+              <a:rPr lang="en-US" sz="2400" dirty="0">
+                <a:effectLst/>
+                <a:ea typeface="Calibri" panose="020F0502020204030204" pitchFamily="34" charset="0"/>
               </a:rPr>
-              <a:t>heavily on previous research. The authors added replication is difficult, if not impossible,</a:t>
-            </a:r>
-          </a:p>
-          <a:p>
-            <a:pPr algn="l"/>
-            <a:r>
-              <a:rPr lang="en-US" sz="1800" b="0" i="0" u="none" strike="noStrike" baseline="0" dirty="0">
-                <a:latin typeface="Times New Roman" panose="02020603050405020304" pitchFamily="18" charset="0"/>
+              <a:t>51.7% of DOIs were unreachable from outside of the institution’s network. </a:t>
+            </a:r>
+            <a:r>
+              <a:rPr lang="en-US" sz="2400" baseline="30000" dirty="0"/>
+              <a:t>3</a:t>
+            </a:r>
+            <a:r>
+              <a:rPr lang="en-US" sz="2400" dirty="0">
+                <a:effectLst/>
+                <a:ea typeface="Calibri" panose="020F0502020204030204" pitchFamily="34" charset="0"/>
               </a:rPr>
-              <a:t>without the ability of researchers to find needed resources. The loss of research citations also</a:t>
-            </a:r>
-          </a:p>
-          <a:p>
-            <a:pPr algn="l"/>
-            <a:r>
-              <a:rPr lang="en-US" sz="1800" b="0" i="0" u="none" strike="noStrike" baseline="0" dirty="0">
-                <a:latin typeface="Times New Roman" panose="02020603050405020304" pitchFamily="18" charset="0"/>
-              </a:rPr>
-              <a:t>calls into question the validity of literature reviews in scholarly publications (Rubbo et al., 2019).</a:t>
-            </a:r>
-          </a:p>
-          <a:p>
-            <a:pPr algn="l"/>
-            <a:r>
-              <a:rPr lang="en-US" sz="1800" b="0" i="0" u="none" strike="noStrike" baseline="0" dirty="0">
-                <a:latin typeface="Times New Roman" panose="02020603050405020304" pitchFamily="18" charset="0"/>
-              </a:rPr>
-              <a:t>Although researchers have investigated this topic in individual disciplines, few have compared</a:t>
-            </a:r>
-          </a:p>
-          <a:p>
-            <a:pPr algn="l"/>
-            <a:r>
-              <a:rPr lang="en-US" sz="1800" b="0" i="0" u="none" strike="noStrike" baseline="0" dirty="0">
-                <a:latin typeface="Times New Roman" panose="02020603050405020304" pitchFamily="18" charset="0"/>
-              </a:rPr>
-              <a:t>the effects of link rot across disciplines (Aksnes et al., 2019).</a:t>
-            </a:r>
+              <a:t> </a:t>
+            </a:r>
+          </a:p>
+          <a:p>
+            <a:endParaRPr lang="en-US" dirty="0"/>
+          </a:p>
+          <a:p>
+            <a:endParaRPr lang="en-US" dirty="0"/>
+          </a:p>
+          <a:p>
             <a:endParaRPr lang="en-US" dirty="0"/>
           </a:p>
         </p:txBody>
@@ -4388,7 +8761,7 @@
     </p:spTree>
     <p:extLst>
       <p:ext uri="{BB962C8B-B14F-4D97-AF65-F5344CB8AC3E}">
-        <p14:creationId xmlns:p14="http://schemas.microsoft.com/office/powerpoint/2010/main" val="89061739"/>
+        <p14:creationId xmlns:p14="http://schemas.microsoft.com/office/powerpoint/2010/main" val="3323012388"/>
       </p:ext>
     </p:extLst>
   </p:cSld>
@@ -4417,6 +8790,128 @@
       </p:grpSpPr>
       <p:sp>
         <p:nvSpPr>
+          <p:cNvPr id="5" name="Content Placeholder 4">
+            <a:extLst>
+              <a:ext uri="{FF2B5EF4-FFF2-40B4-BE49-F238E27FC236}">
+                <a16:creationId xmlns:a16="http://schemas.microsoft.com/office/drawing/2014/main" id="{ED5124F5-5909-E264-5C59-8EFDA8B54CF5}"/>
+              </a:ext>
+            </a:extLst>
+          </p:cNvPr>
+          <p:cNvSpPr>
+            <a:spLocks noGrp="1"/>
+          </p:cNvSpPr>
+          <p:nvPr>
+            <p:ph idx="1"/>
+          </p:nvPr>
+        </p:nvSpPr>
+        <p:spPr>
+          <a:xfrm>
+            <a:off x="457200" y="1070199"/>
+            <a:ext cx="8229600" cy="3110492"/>
+          </a:xfrm>
+        </p:spPr>
+        <p:txBody>
+          <a:bodyPr>
+            <a:normAutofit/>
+          </a:bodyPr>
+          <a:lstStyle/>
+          <a:p>
+            <a:pPr marL="285750" indent="-285750">
+              <a:lnSpc>
+                <a:spcPct val="90000"/>
+              </a:lnSpc>
+              <a:buFont typeface="Wingdings" panose="05000000000000000000" pitchFamily="2" charset="2"/>
+              <a:buChar char="§"/>
+            </a:pPr>
+            <a:r>
+              <a:rPr lang="en-US" sz="2200" b="0" i="0" u="none" strike="noStrike" baseline="0" dirty="0"/>
+              <a:t>Citations tend to decay over time because of a preference for recentness, even over seminal works. </a:t>
+            </a:r>
+            <a:r>
+              <a:rPr lang="en-US" sz="2200" baseline="30000" dirty="0"/>
+              <a:t>1</a:t>
+            </a:r>
+            <a:endParaRPr lang="en-US" sz="2200" b="0" i="0" u="none" strike="noStrike" baseline="0" dirty="0"/>
+          </a:p>
+          <a:p>
+            <a:pPr marL="285750" indent="-285750">
+              <a:lnSpc>
+                <a:spcPct val="90000"/>
+              </a:lnSpc>
+              <a:buFont typeface="Wingdings" panose="05000000000000000000" pitchFamily="2" charset="2"/>
+              <a:buChar char="§"/>
+            </a:pPr>
+            <a:r>
+              <a:rPr lang="en-US" sz="2200" b="0" i="0" u="none" strike="noStrike" baseline="0" dirty="0"/>
+              <a:t>Only 30% of links in the sciences functioned after 4 years. </a:t>
+            </a:r>
+            <a:r>
+              <a:rPr lang="en-US" sz="2200" baseline="30000" dirty="0"/>
+              <a:t>4</a:t>
+            </a:r>
+            <a:endParaRPr lang="en-US" sz="2200" b="0" i="0" u="none" strike="noStrike" baseline="30000" dirty="0"/>
+          </a:p>
+          <a:p>
+            <a:pPr marL="285750" indent="-285750">
+              <a:lnSpc>
+                <a:spcPct val="90000"/>
+              </a:lnSpc>
+              <a:buFont typeface="Wingdings" panose="05000000000000000000" pitchFamily="2" charset="2"/>
+              <a:buChar char="§"/>
+            </a:pPr>
+            <a:r>
+              <a:rPr lang="en-US" sz="2200" b="0" i="0" u="none" strike="noStrike" baseline="0" dirty="0"/>
+              <a:t>The average lifespan for a resource’s website was 9.3 years.</a:t>
+            </a:r>
+            <a:r>
+              <a:rPr lang="en-US" sz="2200" b="0" i="0" u="none" strike="noStrike" baseline="30000" dirty="0"/>
+              <a:t>  </a:t>
+            </a:r>
+            <a:r>
+              <a:rPr lang="en-US" sz="2200" baseline="30000" dirty="0"/>
+              <a:t>4</a:t>
+            </a:r>
+            <a:r>
+              <a:rPr lang="en-US" sz="2200" b="0" i="0" u="none" strike="noStrike" baseline="0" dirty="0"/>
+              <a:t> </a:t>
+            </a:r>
+          </a:p>
+          <a:p>
+            <a:pPr marL="285750" indent="-285750">
+              <a:lnSpc>
+                <a:spcPct val="90000"/>
+              </a:lnSpc>
+              <a:buFont typeface="Wingdings" panose="05000000000000000000" pitchFamily="2" charset="2"/>
+              <a:buChar char="§"/>
+            </a:pPr>
+            <a:r>
+              <a:rPr lang="en-US" sz="2200" b="0" i="0" u="none" strike="noStrike" baseline="0" dirty="0"/>
+              <a:t>Unfortunately, only 62% of that data was archived.</a:t>
+            </a:r>
+            <a:r>
+              <a:rPr lang="en-US" sz="2200" b="0" i="0" u="none" strike="noStrike" baseline="30000" dirty="0"/>
+              <a:t> </a:t>
+            </a:r>
+            <a:r>
+              <a:rPr lang="en-US" sz="2200" baseline="30000" dirty="0"/>
+              <a:t>4</a:t>
+            </a:r>
+            <a:endParaRPr lang="en-US" sz="2200" b="0" i="0" u="none" strike="noStrike" baseline="30000" dirty="0"/>
+          </a:p>
+          <a:p>
+            <a:pPr marL="285750" indent="-285750">
+              <a:lnSpc>
+                <a:spcPct val="90000"/>
+              </a:lnSpc>
+              <a:buFont typeface="Wingdings" panose="05000000000000000000" pitchFamily="2" charset="2"/>
+              <a:buChar char="§"/>
+            </a:pPr>
+            <a:endParaRPr lang="en-US" sz="2500" b="0" i="0" u="none" strike="noStrike" baseline="0" dirty="0"/>
+          </a:p>
+        </p:txBody>
+      </p:sp>
+      <p:sp>
+        <p:nvSpPr>
           <p:cNvPr id="4" name="Title 3">
             <a:extLst>
               <a:ext uri="{FF2B5EF4-FFF2-40B4-BE49-F238E27FC236}">
@@ -4431,163 +8926,22 @@
             <p:ph type="title"/>
           </p:nvPr>
         </p:nvSpPr>
-        <p:spPr/>
+        <p:spPr>
+          <a:xfrm>
+            <a:off x="457200" y="205979"/>
+            <a:ext cx="8229600" cy="734738"/>
+          </a:xfrm>
+        </p:spPr>
         <p:txBody>
-          <a:bodyPr/>
+          <a:bodyPr anchor="ctr">
+            <a:normAutofit/>
+          </a:bodyPr>
           <a:lstStyle/>
           <a:p>
             <a:r>
               <a:rPr lang="en-US" dirty="0"/>
               <a:t>How Does This Affect Research?</a:t>
             </a:r>
-          </a:p>
-        </p:txBody>
-      </p:sp>
-      <p:sp>
-        <p:nvSpPr>
-          <p:cNvPr id="5" name="Content Placeholder 4">
-            <a:extLst>
-              <a:ext uri="{FF2B5EF4-FFF2-40B4-BE49-F238E27FC236}">
-                <a16:creationId xmlns:a16="http://schemas.microsoft.com/office/drawing/2014/main" id="{ED5124F5-5909-E264-5C59-8EFDA8B54CF5}"/>
-              </a:ext>
-            </a:extLst>
-          </p:cNvPr>
-          <p:cNvSpPr>
-            <a:spLocks noGrp="1"/>
-          </p:cNvSpPr>
-          <p:nvPr>
-            <p:ph idx="1"/>
-          </p:nvPr>
-        </p:nvSpPr>
-        <p:spPr/>
-        <p:txBody>
-          <a:bodyPr>
-            <a:normAutofit fontScale="85000" lnSpcReduction="20000"/>
-          </a:bodyPr>
-          <a:lstStyle/>
-          <a:p>
-            <a:pPr algn="l"/>
-            <a:r>
-              <a:rPr lang="en-US" sz="1800" b="0" i="0" u="none" strike="noStrike" baseline="0" dirty="0">
-                <a:latin typeface="Times New Roman" panose="02020603050405020304" pitchFamily="18" charset="0"/>
-              </a:rPr>
-              <a:t>Citations tend to decay over time because of a preference for recentness, even over</a:t>
-            </a:r>
-          </a:p>
-          <a:p>
-            <a:pPr algn="l"/>
-            <a:r>
-              <a:rPr lang="en-US" sz="1800" b="0" i="0" u="none" strike="noStrike" baseline="0" dirty="0">
-                <a:latin typeface="Times New Roman" panose="02020603050405020304" pitchFamily="18" charset="0"/>
-              </a:rPr>
-              <a:t>seminal works (Gerow et al., 2018). </a:t>
-            </a:r>
-            <a:r>
-              <a:rPr lang="en-US" sz="1800" b="0" i="0" u="none" strike="noStrike" baseline="0" dirty="0" err="1">
-                <a:latin typeface="Times New Roman" panose="02020603050405020304" pitchFamily="18" charset="0"/>
-              </a:rPr>
-              <a:t>Krol</a:t>
-            </a:r>
-            <a:r>
-              <a:rPr lang="en-US" sz="1800" b="0" i="0" u="none" strike="noStrike" baseline="0" dirty="0">
-                <a:latin typeface="Times New Roman" panose="02020603050405020304" pitchFamily="18" charset="0"/>
-              </a:rPr>
-              <a:t> and Zdonek (2020) found that only 30% of links in the sciences functioned after 4 years.</a:t>
-            </a:r>
-          </a:p>
-          <a:p>
-            <a:pPr algn="l"/>
-            <a:r>
-              <a:rPr lang="en-US" sz="1800" b="0" i="0" u="none" strike="noStrike" baseline="0" dirty="0">
-                <a:latin typeface="Times New Roman" panose="02020603050405020304" pitchFamily="18" charset="0"/>
-              </a:rPr>
-              <a:t>Abt (2018) claimed no one</a:t>
-            </a:r>
-          </a:p>
-          <a:p>
-            <a:pPr algn="l"/>
-            <a:r>
-              <a:rPr lang="en-US" sz="1800" b="0" i="0" u="none" strike="noStrike" baseline="0" dirty="0">
-                <a:latin typeface="Times New Roman" panose="02020603050405020304" pitchFamily="18" charset="0"/>
-              </a:rPr>
-              <a:t>but Zwicky cited the study for 27 years and added that it was not seriously discussed for a total</a:t>
-            </a:r>
-          </a:p>
-          <a:p>
-            <a:pPr algn="l"/>
-            <a:r>
-              <a:rPr lang="en-US" sz="1800" b="0" i="0" u="none" strike="noStrike" baseline="0" dirty="0">
-                <a:latin typeface="Times New Roman" panose="02020603050405020304" pitchFamily="18" charset="0"/>
-              </a:rPr>
-              <a:t>of 41 years after its publication.</a:t>
-            </a:r>
-          </a:p>
-          <a:p>
-            <a:pPr algn="l"/>
-            <a:r>
-              <a:rPr lang="en-US" sz="1800" b="0" i="0" u="none" strike="noStrike" baseline="0" dirty="0">
-                <a:latin typeface="Times New Roman" panose="02020603050405020304" pitchFamily="18" charset="0"/>
-              </a:rPr>
-              <a:t>According to </a:t>
-            </a:r>
-            <a:r>
-              <a:rPr lang="en-US" sz="1800" b="0" i="0" u="none" strike="noStrike" baseline="0" dirty="0" err="1">
-                <a:latin typeface="Times New Roman" panose="02020603050405020304" pitchFamily="18" charset="0"/>
-              </a:rPr>
-              <a:t>Krol</a:t>
-            </a:r>
-            <a:r>
-              <a:rPr lang="en-US" sz="1800" b="0" i="0" u="none" strike="noStrike" baseline="0" dirty="0">
-                <a:latin typeface="Times New Roman" panose="02020603050405020304" pitchFamily="18" charset="0"/>
-              </a:rPr>
-              <a:t> and Zdonek, a</a:t>
-            </a:r>
-          </a:p>
-          <a:p>
-            <a:pPr algn="l"/>
-            <a:r>
-              <a:rPr lang="en-US" sz="1800" b="0" i="0" u="none" strike="noStrike" baseline="0" dirty="0">
-                <a:latin typeface="Times New Roman" panose="02020603050405020304" pitchFamily="18" charset="0"/>
-              </a:rPr>
-              <a:t>review of the Web of Science citation index showed </a:t>
-            </a:r>
-            <a:r>
-              <a:rPr lang="en-US" sz="1800" b="0" i="0" u="none" strike="noStrike" baseline="0" dirty="0">
-                <a:latin typeface="TimesNewRomanPSMT"/>
-              </a:rPr>
-              <a:t>that the average lifespan for a resource’s</a:t>
-            </a:r>
-          </a:p>
-          <a:p>
-            <a:pPr algn="l"/>
-            <a:r>
-              <a:rPr lang="en-US" sz="1800" b="0" i="0" u="none" strike="noStrike" baseline="0" dirty="0">
-                <a:latin typeface="Times New Roman" panose="02020603050405020304" pitchFamily="18" charset="0"/>
-              </a:rPr>
-              <a:t>website was 9.3 years. Unfortunately, only 62% of that data was archived.</a:t>
-            </a:r>
-          </a:p>
-          <a:p>
-            <a:pPr algn="l"/>
-            <a:r>
-              <a:rPr lang="en-US" sz="1800" b="0" i="0" u="none" strike="noStrike" baseline="0" dirty="0">
-                <a:latin typeface="Times New Roman" panose="02020603050405020304" pitchFamily="18" charset="0"/>
-              </a:rPr>
-              <a:t>References do, however, provide a method for</a:t>
-            </a:r>
-          </a:p>
-          <a:p>
-            <a:pPr algn="l"/>
-            <a:r>
-              <a:rPr lang="en-US" sz="1800" b="0" i="0" u="none" strike="noStrike" baseline="0" dirty="0">
-                <a:latin typeface="Times New Roman" panose="02020603050405020304" pitchFamily="18" charset="0"/>
-              </a:rPr>
-              <a:t>others to retrace the steps a researcher took to establish their position (Penders, 2018).</a:t>
-            </a:r>
-          </a:p>
-          <a:p>
-            <a:pPr algn="l"/>
-            <a:endParaRPr lang="en-US" dirty="0"/>
           </a:p>
         </p:txBody>
       </p:sp>
@@ -4673,32 +9027,60 @@
           <a:lstStyle/>
           <a:p>
             <a:r>
-              <a:rPr lang="en-US" dirty="0"/>
-              <a:t>Overall percentage of broken links was 36%.</a:t>
-            </a:r>
-          </a:p>
-          <a:p>
-            <a:r>
-              <a:rPr lang="en-US" dirty="0"/>
-              <a:t>Fell short of the 50% threshold.</a:t>
-            </a:r>
-          </a:p>
-          <a:p>
-            <a:r>
-              <a:rPr lang="en-US" dirty="0"/>
-              <a:t>Results aligned with previous studies from Król and Zdonek (2020), Rivkin (2020), and Genzinger and Wills (2017).</a:t>
-            </a:r>
-          </a:p>
-          <a:p>
-            <a:pPr algn="l"/>
-            <a:endParaRPr lang="en-US" dirty="0"/>
+              <a:rPr lang="en-US" b="1" dirty="0"/>
+              <a:t>Retracted Publications:</a:t>
+            </a:r>
+          </a:p>
+          <a:p>
+            <a:pPr marL="457200" indent="-457200">
+              <a:buFont typeface="Wingdings" panose="05000000000000000000" pitchFamily="2" charset="2"/>
+              <a:buChar char="§"/>
+            </a:pPr>
+            <a:r>
+              <a:rPr lang="en-US" sz="2400" dirty="0"/>
+              <a:t>The number of retractions issued for research articles in 2023 passed 10,000 in early December. </a:t>
+            </a:r>
+            <a:r>
+              <a:rPr lang="en-US" sz="2400" baseline="30000" dirty="0"/>
+              <a:t>8</a:t>
+            </a:r>
+          </a:p>
+          <a:p>
+            <a:pPr marL="457200" indent="-457200" algn="l">
+              <a:buFont typeface="Wingdings" panose="05000000000000000000" pitchFamily="2" charset="2"/>
+              <a:buChar char="§"/>
+            </a:pPr>
+            <a:r>
+              <a:rPr lang="en-US" sz="2400" dirty="0"/>
+              <a:t>Retractions to articles ratio rises 0.2% every year. </a:t>
+            </a:r>
+            <a:r>
+              <a:rPr lang="en-US" sz="2400" baseline="30000" dirty="0"/>
+              <a:t>8 </a:t>
+            </a:r>
+            <a:endParaRPr lang="en-US" sz="2400" dirty="0"/>
+          </a:p>
+          <a:p>
+            <a:pPr marL="457200" indent="-457200" algn="l">
+              <a:buFont typeface="Wingdings" panose="05000000000000000000" pitchFamily="2" charset="2"/>
+              <a:buChar char="§"/>
+            </a:pPr>
+            <a:r>
+              <a:rPr lang="en-US" sz="2400" dirty="0"/>
+              <a:t>Wiley’s articles were cited more than 35,000 times. </a:t>
+            </a:r>
+            <a:r>
+              <a:rPr lang="en-US" sz="2400" b="0" i="0" u="none" strike="noStrike" baseline="30000" dirty="0"/>
+              <a:t>8</a:t>
+            </a:r>
+            <a:endParaRPr lang="en-US" sz="2400" dirty="0"/>
           </a:p>
         </p:txBody>
       </p:sp>
     </p:spTree>
     <p:extLst>
       <p:ext uri="{BB962C8B-B14F-4D97-AF65-F5344CB8AC3E}">
-        <p14:creationId xmlns:p14="http://schemas.microsoft.com/office/powerpoint/2010/main" val="736996498"/>
+        <p14:creationId xmlns:p14="http://schemas.microsoft.com/office/powerpoint/2010/main" val="1264046897"/>
       </p:ext>
     </p:extLst>
   </p:cSld>
@@ -5029,4 +9411,299 @@
     </a:ext>
   </a:extLst>
 </a:theme>
+</file>
+
+<file path=ppt/theme/theme2.xml><?xml version="1.0" encoding="utf-8"?>
+<a:theme xmlns:a="http://schemas.openxmlformats.org/drawingml/2006/main" name="Office Theme">
+  <a:themeElements>
+    <a:clrScheme name="Office">
+      <a:dk1>
+        <a:sysClr val="windowText" lastClr="000000"/>
+      </a:dk1>
+      <a:lt1>
+        <a:sysClr val="window" lastClr="FFFFFF"/>
+      </a:lt1>
+      <a:dk2>
+        <a:srgbClr val="44546A"/>
+      </a:dk2>
+      <a:lt2>
+        <a:srgbClr val="E7E6E6"/>
+      </a:lt2>
+      <a:accent1>
+        <a:srgbClr val="4472C4"/>
+      </a:accent1>
+      <a:accent2>
+        <a:srgbClr val="ED7D31"/>
+      </a:accent2>
+      <a:accent3>
+        <a:srgbClr val="A5A5A5"/>
+      </a:accent3>
+      <a:accent4>
+        <a:srgbClr val="FFC000"/>
+      </a:accent4>
+      <a:accent5>
+        <a:srgbClr val="5B9BD5"/>
+      </a:accent5>
+      <a:accent6>
+        <a:srgbClr val="70AD47"/>
+      </a:accent6>
+      <a:hlink>
+        <a:srgbClr val="0563C1"/>
+      </a:hlink>
+      <a:folHlink>
+        <a:srgbClr val="954F72"/>
+      </a:folHlink>
+    </a:clrScheme>
+    <a:fontScheme name="Office">
+      <a:majorFont>
+        <a:latin typeface="Calibri Light" panose="020F0302020204030204"/>
+        <a:ea typeface=""/>
+        <a:cs typeface=""/>
+        <a:font script="Jpan" typeface="游ゴシック Light"/>
+        <a:font script="Hang" typeface="맑은 고딕"/>
+        <a:font script="Hans" typeface="等线 Light"/>
+        <a:font script="Hant" typeface="新細明體"/>
+        <a:font script="Arab" typeface="Times New Roman"/>
+        <a:font script="Hebr" typeface="Times New Roman"/>
+        <a:font script="Thai" typeface="Angsana New"/>
+        <a:font script="Ethi" typeface="Nyala"/>
+        <a:font script="Beng" typeface="Vrinda"/>
+        <a:font script="Gujr" typeface="Shruti"/>
+        <a:font script="Khmr" typeface="MoolBoran"/>
+        <a:font script="Knda" typeface="Tunga"/>
+        <a:font script="Guru" typeface="Raavi"/>
+        <a:font script="Cans" typeface="Euphemia"/>
+        <a:font script="Cher" typeface="Plantagenet Cherokee"/>
+        <a:font script="Yiii" typeface="Microsoft Yi Baiti"/>
+        <a:font script="Tibt" typeface="Microsoft Himalaya"/>
+        <a:font script="Thaa" typeface="MV Boli"/>
+        <a:font script="Deva" typeface="Mangal"/>
+        <a:font script="Telu" typeface="Gautami"/>
+        <a:font script="Taml" typeface="Latha"/>
+        <a:font script="Syrc" typeface="Estrangelo Edessa"/>
+        <a:font script="Orya" typeface="Kalinga"/>
+        <a:font script="Mlym" typeface="Kartika"/>
+        <a:font script="Laoo" typeface="DokChampa"/>
+        <a:font script="Sinh" typeface="Iskoola Pota"/>
+        <a:font script="Mong" typeface="Mongolian Baiti"/>
+        <a:font script="Viet" typeface="Times New Roman"/>
+        <a:font script="Uigh" typeface="Microsoft Uighur"/>
+        <a:font script="Geor" typeface="Sylfaen"/>
+        <a:font script="Armn" typeface="Arial"/>
+        <a:font script="Bugi" typeface="Leelawadee UI"/>
+        <a:font script="Bopo" typeface="Microsoft JhengHei"/>
+        <a:font script="Java" typeface="Javanese Text"/>
+        <a:font script="Lisu" typeface="Segoe UI"/>
+        <a:font script="Mymr" typeface="Myanmar Text"/>
+        <a:font script="Nkoo" typeface="Ebrima"/>
+        <a:font script="Olck" typeface="Nirmala UI"/>
+        <a:font script="Osma" typeface="Ebrima"/>
+        <a:font script="Phag" typeface="Phagspa"/>
+        <a:font script="Syrn" typeface="Estrangelo Edessa"/>
+        <a:font script="Syrj" typeface="Estrangelo Edessa"/>
+        <a:font script="Syre" typeface="Estrangelo Edessa"/>
+        <a:font script="Sora" typeface="Nirmala UI"/>
+        <a:font script="Tale" typeface="Microsoft Tai Le"/>
+        <a:font script="Talu" typeface="Microsoft New Tai Lue"/>
+        <a:font script="Tfng" typeface="Ebrima"/>
+      </a:majorFont>
+      <a:minorFont>
+        <a:latin typeface="Calibri" panose="020F0502020204030204"/>
+        <a:ea typeface=""/>
+        <a:cs typeface=""/>
+        <a:font script="Jpan" typeface="游ゴシック"/>
+        <a:font script="Hang" typeface="맑은 고딕"/>
+        <a:font script="Hans" typeface="等线"/>
+        <a:font script="Hant" typeface="新細明體"/>
+        <a:font script="Arab" typeface="Arial"/>
+        <a:font script="Hebr" typeface="Arial"/>
+        <a:font script="Thai" typeface="Cordia New"/>
+        <a:font script="Ethi" typeface="Nyala"/>
+        <a:font script="Beng" typeface="Vrinda"/>
+        <a:font script="Gujr" typeface="Shruti"/>
+        <a:font script="Khmr" typeface="DaunPenh"/>
+        <a:font script="Knda" typeface="Tunga"/>
+        <a:font script="Guru" typeface="Raavi"/>
+        <a:font script="Cans" typeface="Euphemia"/>
+        <a:font script="Cher" typeface="Plantagenet Cherokee"/>
+        <a:font script="Yiii" typeface="Microsoft Yi Baiti"/>
+        <a:font script="Tibt" typeface="Microsoft Himalaya"/>
+        <a:font script="Thaa" typeface="MV Boli"/>
+        <a:font script="Deva" typeface="Mangal"/>
+        <a:font script="Telu" typeface="Gautami"/>
+        <a:font script="Taml" typeface="Latha"/>
+        <a:font script="Syrc" typeface="Estrangelo Edessa"/>
+        <a:font script="Orya" typeface="Kalinga"/>
+        <a:font script="Mlym" typeface="Kartika"/>
+        <a:font script="Laoo" typeface="DokChampa"/>
+        <a:font script="Sinh" typeface="Iskoola Pota"/>
+        <a:font script="Mong" typeface="Mongolian Baiti"/>
+        <a:font script="Viet" typeface="Arial"/>
+        <a:font script="Uigh" typeface="Microsoft Uighur"/>
+        <a:font script="Geor" typeface="Sylfaen"/>
+        <a:font script="Armn" typeface="Arial"/>
+        <a:font script="Bugi" typeface="Leelawadee UI"/>
+        <a:font script="Bopo" typeface="Microsoft JhengHei"/>
+        <a:font script="Java" typeface="Javanese Text"/>
+        <a:font script="Lisu" typeface="Segoe UI"/>
+        <a:font script="Mymr" typeface="Myanmar Text"/>
+        <a:font script="Nkoo" typeface="Ebrima"/>
+        <a:font script="Olck" typeface="Nirmala UI"/>
+        <a:font script="Osma" typeface="Ebrima"/>
+        <a:font script="Phag" typeface="Phagspa"/>
+        <a:font script="Syrn" typeface="Estrangelo Edessa"/>
+        <a:font script="Syrj" typeface="Estrangelo Edessa"/>
+        <a:font script="Syre" typeface="Estrangelo Edessa"/>
+        <a:font script="Sora" typeface="Nirmala UI"/>
+        <a:font script="Tale" typeface="Microsoft Tai Le"/>
+        <a:font script="Talu" typeface="Microsoft New Tai Lue"/>
+        <a:font script="Tfng" typeface="Ebrima"/>
+      </a:minorFont>
+    </a:fontScheme>
+    <a:fmtScheme name="Office">
+      <a:fillStyleLst>
+        <a:solidFill>
+          <a:schemeClr val="phClr"/>
+        </a:solidFill>
+        <a:gradFill rotWithShape="1">
+          <a:gsLst>
+            <a:gs pos="0">
+              <a:schemeClr val="phClr">
+                <a:lumMod val="110000"/>
+                <a:satMod val="105000"/>
+                <a:tint val="67000"/>
+              </a:schemeClr>
+            </a:gs>
+            <a:gs pos="50000">
+              <a:schemeClr val="phClr">
+                <a:lumMod val="105000"/>
+                <a:satMod val="103000"/>
+                <a:tint val="73000"/>
+              </a:schemeClr>
+            </a:gs>
+            <a:gs pos="100000">
+              <a:schemeClr val="phClr">
+                <a:lumMod val="105000"/>
+                <a:satMod val="109000"/>
+                <a:tint val="81000"/>
+              </a:schemeClr>
+            </a:gs>
+          </a:gsLst>
+          <a:lin ang="5400000" scaled="0"/>
+        </a:gradFill>
+        <a:gradFill rotWithShape="1">
+          <a:gsLst>
+            <a:gs pos="0">
+              <a:schemeClr val="phClr">
+                <a:satMod val="103000"/>
+                <a:lumMod val="102000"/>
+                <a:tint val="94000"/>
+              </a:schemeClr>
+            </a:gs>
+            <a:gs pos="50000">
+              <a:schemeClr val="phClr">
+                <a:satMod val="110000"/>
+                <a:lumMod val="100000"/>
+                <a:shade val="100000"/>
+              </a:schemeClr>
+            </a:gs>
+            <a:gs pos="100000">
+              <a:schemeClr val="phClr">
+                <a:lumMod val="99000"/>
+                <a:satMod val="120000"/>
+                <a:shade val="78000"/>
+              </a:schemeClr>
+            </a:gs>
+          </a:gsLst>
+          <a:lin ang="5400000" scaled="0"/>
+        </a:gradFill>
+      </a:fillStyleLst>
+      <a:lnStyleLst>
+        <a:ln w="6350" cap="flat" cmpd="sng" algn="ctr">
+          <a:solidFill>
+            <a:schemeClr val="phClr"/>
+          </a:solidFill>
+          <a:prstDash val="solid"/>
+          <a:miter lim="800000"/>
+        </a:ln>
+        <a:ln w="12700" cap="flat" cmpd="sng" algn="ctr">
+          <a:solidFill>
+            <a:schemeClr val="phClr"/>
+          </a:solidFill>
+          <a:prstDash val="solid"/>
+          <a:miter lim="800000"/>
+        </a:ln>
+        <a:ln w="19050" cap="flat" cmpd="sng" algn="ctr">
+          <a:solidFill>
+            <a:schemeClr val="phClr"/>
+          </a:solidFill>
+          <a:prstDash val="solid"/>
+          <a:miter lim="800000"/>
+        </a:ln>
+      </a:lnStyleLst>
+      <a:effectStyleLst>
+        <a:effectStyle>
+          <a:effectLst/>
+        </a:effectStyle>
+        <a:effectStyle>
+          <a:effectLst/>
+        </a:effectStyle>
+        <a:effectStyle>
+          <a:effectLst>
+            <a:outerShdw blurRad="57150" dist="19050" dir="5400000" algn="ctr" rotWithShape="0">
+              <a:srgbClr val="000000">
+                <a:alpha val="63000"/>
+              </a:srgbClr>
+            </a:outerShdw>
+          </a:effectLst>
+        </a:effectStyle>
+      </a:effectStyleLst>
+      <a:bgFillStyleLst>
+        <a:solidFill>
+          <a:schemeClr val="phClr"/>
+        </a:solidFill>
+        <a:solidFill>
+          <a:schemeClr val="phClr">
+            <a:tint val="95000"/>
+            <a:satMod val="170000"/>
+          </a:schemeClr>
+        </a:solidFill>
+        <a:gradFill rotWithShape="1">
+          <a:gsLst>
+            <a:gs pos="0">
+              <a:schemeClr val="phClr">
+                <a:tint val="93000"/>
+                <a:satMod val="150000"/>
+                <a:shade val="98000"/>
+                <a:lumMod val="102000"/>
+              </a:schemeClr>
+            </a:gs>
+            <a:gs pos="50000">
+              <a:schemeClr val="phClr">
+                <a:tint val="98000"/>
+                <a:satMod val="130000"/>
+                <a:shade val="90000"/>
+                <a:lumMod val="103000"/>
+              </a:schemeClr>
+            </a:gs>
+            <a:gs pos="100000">
+              <a:schemeClr val="phClr">
+                <a:shade val="63000"/>
+                <a:satMod val="120000"/>
+              </a:schemeClr>
+            </a:gs>
+          </a:gsLst>
+          <a:lin ang="5400000" scaled="0"/>
+        </a:gradFill>
+      </a:bgFillStyleLst>
+    </a:fmtScheme>
+  </a:themeElements>
+  <a:objectDefaults/>
+  <a:extraClrSchemeLst/>
+  <a:extLst>
+    <a:ext uri="{05A4C25C-085E-4340-85A3-A5531E510DB2}">
+      <thm15:themeFamily xmlns:thm15="http://schemas.microsoft.com/office/thememl/2012/main" name="Office Theme" id="{62F939B6-93AF-4DB8-9C6B-D6C7DFDC589F}" vid="{4A3C46E8-61CC-4603-A589-7422A47A8E4A}"/>
+    </a:ext>
+  </a:extLst>
+</a:theme>
 </file>
--- a/Presentations/ALA LibLearnX 2024/LibLearnX-2024-ALA.pptx
+++ b/Presentations/ALA LibLearnX 2024/LibLearnX-2024-ALA.pptx
@@ -5,7 +5,7 @@
     <p:sldMasterId id="2147483648" r:id="rId1"/>
   </p:sldMasterIdLst>
   <p:notesMasterIdLst>
-    <p:notesMasterId r:id="rId24"/>
+    <p:notesMasterId r:id="rId25"/>
   </p:notesMasterIdLst>
   <p:sldIdLst>
     <p:sldId id="256" r:id="rId2"/>
@@ -13,23 +13,24 @@
     <p:sldId id="258" r:id="rId4"/>
     <p:sldId id="259" r:id="rId5"/>
     <p:sldId id="265" r:id="rId6"/>
-    <p:sldId id="273" r:id="rId7"/>
-    <p:sldId id="267" r:id="rId8"/>
-    <p:sldId id="266" r:id="rId9"/>
-    <p:sldId id="278" r:id="rId10"/>
-    <p:sldId id="277" r:id="rId11"/>
-    <p:sldId id="270" r:id="rId12"/>
-    <p:sldId id="268" r:id="rId13"/>
-    <p:sldId id="280" r:id="rId14"/>
-    <p:sldId id="279" r:id="rId15"/>
-    <p:sldId id="271" r:id="rId16"/>
-    <p:sldId id="260" r:id="rId17"/>
-    <p:sldId id="275" r:id="rId18"/>
-    <p:sldId id="276" r:id="rId19"/>
-    <p:sldId id="269" r:id="rId20"/>
-    <p:sldId id="282" r:id="rId21"/>
-    <p:sldId id="263" r:id="rId22"/>
-    <p:sldId id="264" r:id="rId23"/>
+    <p:sldId id="267" r:id="rId7"/>
+    <p:sldId id="273" r:id="rId8"/>
+    <p:sldId id="283" r:id="rId9"/>
+    <p:sldId id="266" r:id="rId10"/>
+    <p:sldId id="278" r:id="rId11"/>
+    <p:sldId id="277" r:id="rId12"/>
+    <p:sldId id="270" r:id="rId13"/>
+    <p:sldId id="268" r:id="rId14"/>
+    <p:sldId id="280" r:id="rId15"/>
+    <p:sldId id="279" r:id="rId16"/>
+    <p:sldId id="271" r:id="rId17"/>
+    <p:sldId id="260" r:id="rId18"/>
+    <p:sldId id="275" r:id="rId19"/>
+    <p:sldId id="276" r:id="rId20"/>
+    <p:sldId id="269" r:id="rId21"/>
+    <p:sldId id="282" r:id="rId22"/>
+    <p:sldId id="263" r:id="rId23"/>
+    <p:sldId id="264" r:id="rId24"/>
   </p:sldIdLst>
   <p:sldSz cx="9144000" cy="5143500" type="screen16x9"/>
   <p:notesSz cx="6858000" cy="9144000"/>
@@ -2212,7 +2213,7 @@
           <a:p>
             <a:fld id="{3B483058-C520-424D-A359-56EFCB517D29}" type="datetimeFigureOut">
               <a:rPr lang="en-US" smtClean="0"/>
-              <a:t>1/3/2024</a:t>
+              <a:t>1/4/2024</a:t>
             </a:fld>
             <a:endParaRPr lang="en-US"/>
           </a:p>
@@ -2523,7 +2524,27 @@
           <a:bodyPr/>
           <a:lstStyle/>
           <a:p>
-            <a:endParaRPr lang="en-US" dirty="0"/>
+            <a:pPr marL="0" marR="0" lvl="0" indent="0" algn="l" defTabSz="914400" rtl="0" eaLnBrk="1" fontAlgn="auto" latinLnBrk="0" hangingPunct="1">
+              <a:lnSpc>
+                <a:spcPct val="100000"/>
+              </a:lnSpc>
+              <a:spcBef>
+                <a:spcPts val="0"/>
+              </a:spcBef>
+              <a:spcAft>
+                <a:spcPts val="0"/>
+              </a:spcAft>
+              <a:buClrTx/>
+              <a:buSzTx/>
+              <a:buFontTx/>
+              <a:buNone/>
+              <a:tabLst/>
+              <a:defRPr/>
+            </a:pPr>
+            <a:r>
+              <a:rPr lang="en-US" dirty="0"/>
+              <a:t>About 12 years ago, The Berkman (Klein) Center for Internet and Society at Harvard Law School decided to conduct a study on the accessibility of the online resources cited in Supreme Court cases. This led to further studies into the publications of Harvard Law Review. This started research into the subject of link rot. This later expanded into other areas like content drift, where content changes over time, Reference Rot, specific to citations, and persistent identifiers. Which is where many of you are probably most familiar with this work. Many of you are probably thinking, what about DOIs, or Digital Object Identifiers?</a:t>
+            </a:r>
           </a:p>
         </p:txBody>
       </p:sp>
@@ -2554,6 +2575,887 @@
     <p:extLst>
       <p:ext uri="{BB962C8B-B14F-4D97-AF65-F5344CB8AC3E}">
         <p14:creationId xmlns:p14="http://schemas.microsoft.com/office/powerpoint/2010/main" val="507900719"/>
+      </p:ext>
+    </p:extLst>
+  </p:cSld>
+  <p:clrMapOvr>
+    <a:masterClrMapping/>
+  </p:clrMapOvr>
+</p:notes>
+</file>
+
+<file path=ppt/notesSlides/notesSlide10.xml><?xml version="1.0" encoding="utf-8"?>
+<p:notes xmlns:a="http://schemas.openxmlformats.org/drawingml/2006/main" xmlns:r="http://schemas.openxmlformats.org/officeDocument/2006/relationships" xmlns:p="http://schemas.openxmlformats.org/presentationml/2006/main">
+  <p:cSld>
+    <p:spTree>
+      <p:nvGrpSpPr>
+        <p:cNvPr id="1" name=""/>
+        <p:cNvGrpSpPr/>
+        <p:nvPr/>
+      </p:nvGrpSpPr>
+      <p:grpSpPr>
+        <a:xfrm>
+          <a:off x="0" y="0"/>
+          <a:ext cx="0" cy="0"/>
+          <a:chOff x="0" y="0"/>
+          <a:chExt cx="0" cy="0"/>
+        </a:xfrm>
+      </p:grpSpPr>
+      <p:sp>
+        <p:nvSpPr>
+          <p:cNvPr id="2" name="Slide Image Placeholder 1"/>
+          <p:cNvSpPr>
+            <a:spLocks noGrp="1" noRot="1" noChangeAspect="1"/>
+          </p:cNvSpPr>
+          <p:nvPr>
+            <p:ph type="sldImg"/>
+          </p:nvPr>
+        </p:nvSpPr>
+        <p:spPr/>
+      </p:sp>
+      <p:sp>
+        <p:nvSpPr>
+          <p:cNvPr id="3" name="Notes Placeholder 2"/>
+          <p:cNvSpPr>
+            <a:spLocks noGrp="1"/>
+          </p:cNvSpPr>
+          <p:nvPr>
+            <p:ph type="body" idx="1"/>
+          </p:nvPr>
+        </p:nvSpPr>
+        <p:spPr/>
+        <p:txBody>
+          <a:bodyPr/>
+          <a:lstStyle/>
+          <a:p>
+            <a:r>
+              <a:rPr lang="en-US" dirty="0"/>
+              <a:t>And now we look specifically at DOIs by discipline. Oddly enough, there is a much bigger disparity between disciplines when it comes to DOIs than when it came to links in general.</a:t>
+            </a:r>
+          </a:p>
+        </p:txBody>
+      </p:sp>
+      <p:sp>
+        <p:nvSpPr>
+          <p:cNvPr id="4" name="Slide Number Placeholder 3"/>
+          <p:cNvSpPr>
+            <a:spLocks noGrp="1"/>
+          </p:cNvSpPr>
+          <p:nvPr>
+            <p:ph type="sldNum" sz="quarter" idx="5"/>
+          </p:nvPr>
+        </p:nvSpPr>
+        <p:spPr/>
+        <p:txBody>
+          <a:bodyPr/>
+          <a:lstStyle/>
+          <a:p>
+            <a:fld id="{18C544B7-89C3-44C1-8E4C-E08862D59DA5}" type="slidenum">
+              <a:rPr lang="en-US" smtClean="0"/>
+              <a:t>14</a:t>
+            </a:fld>
+            <a:endParaRPr lang="en-US"/>
+          </a:p>
+        </p:txBody>
+      </p:sp>
+    </p:spTree>
+    <p:extLst>
+      <p:ext uri="{BB962C8B-B14F-4D97-AF65-F5344CB8AC3E}">
+        <p14:creationId xmlns:p14="http://schemas.microsoft.com/office/powerpoint/2010/main" val="391851216"/>
+      </p:ext>
+    </p:extLst>
+  </p:cSld>
+  <p:clrMapOvr>
+    <a:masterClrMapping/>
+  </p:clrMapOvr>
+</p:notes>
+</file>
+
+<file path=ppt/notesSlides/notesSlide11.xml><?xml version="1.0" encoding="utf-8"?>
+<p:notes xmlns:a="http://schemas.openxmlformats.org/drawingml/2006/main" xmlns:r="http://schemas.openxmlformats.org/officeDocument/2006/relationships" xmlns:p="http://schemas.openxmlformats.org/presentationml/2006/main">
+  <p:cSld>
+    <p:spTree>
+      <p:nvGrpSpPr>
+        <p:cNvPr id="1" name=""/>
+        <p:cNvGrpSpPr/>
+        <p:nvPr/>
+      </p:nvGrpSpPr>
+      <p:grpSpPr>
+        <a:xfrm>
+          <a:off x="0" y="0"/>
+          <a:ext cx="0" cy="0"/>
+          <a:chOff x="0" y="0"/>
+          <a:chExt cx="0" cy="0"/>
+        </a:xfrm>
+      </p:grpSpPr>
+      <p:sp>
+        <p:nvSpPr>
+          <p:cNvPr id="2" name="Slide Image Placeholder 1"/>
+          <p:cNvSpPr>
+            <a:spLocks noGrp="1" noRot="1" noChangeAspect="1"/>
+          </p:cNvSpPr>
+          <p:nvPr>
+            <p:ph type="sldImg"/>
+          </p:nvPr>
+        </p:nvSpPr>
+        <p:spPr/>
+      </p:sp>
+      <p:sp>
+        <p:nvSpPr>
+          <p:cNvPr id="3" name="Notes Placeholder 2"/>
+          <p:cNvSpPr>
+            <a:spLocks noGrp="1"/>
+          </p:cNvSpPr>
+          <p:nvPr>
+            <p:ph type="body" idx="1"/>
+          </p:nvPr>
+        </p:nvSpPr>
+        <p:spPr/>
+        <p:txBody>
+          <a:bodyPr/>
+          <a:lstStyle/>
+          <a:p>
+            <a:pPr marL="0" marR="0" lvl="0" indent="0" algn="l" defTabSz="914400" rtl="0" eaLnBrk="1" fontAlgn="auto" latinLnBrk="0" hangingPunct="1">
+              <a:lnSpc>
+                <a:spcPct val="100000"/>
+              </a:lnSpc>
+              <a:spcBef>
+                <a:spcPts val="0"/>
+              </a:spcBef>
+              <a:spcAft>
+                <a:spcPts val="0"/>
+              </a:spcAft>
+              <a:buClrTx/>
+              <a:buSzTx/>
+              <a:buFontTx/>
+              <a:buNone/>
+              <a:tabLst/>
+              <a:defRPr/>
+            </a:pPr>
+            <a:r>
+              <a:rPr lang="en-US" sz="1200" dirty="0">
+                <a:effectLst/>
+                <a:latin typeface="Times New Roman" panose="02020603050405020304" pitchFamily="18" charset="0"/>
+                <a:ea typeface="Calibri" panose="020F0502020204030204" pitchFamily="34" charset="0"/>
+              </a:rPr>
+              <a:t>The best link to use is the one most likely to provide continual access to the resource. </a:t>
+            </a:r>
+            <a:r>
+              <a:rPr lang="en-US" sz="1200" baseline="30000" dirty="0">
+                <a:effectLst/>
+                <a:latin typeface="Times New Roman" panose="02020603050405020304" pitchFamily="18" charset="0"/>
+                <a:ea typeface="Calibri" panose="020F0502020204030204" pitchFamily="34" charset="0"/>
+              </a:rPr>
+              <a:t>2</a:t>
+            </a:r>
+            <a:endParaRPr lang="en-US" dirty="0"/>
+          </a:p>
+          <a:p>
+            <a:r>
+              <a:rPr lang="en-US" sz="1200" dirty="0">
+                <a:effectLst/>
+                <a:latin typeface="Times New Roman" panose="02020603050405020304" pitchFamily="18" charset="0"/>
+                <a:ea typeface="Calibri" panose="020F0502020204030204" pitchFamily="34" charset="0"/>
+              </a:rPr>
+              <a:t>Without providing any means of checking the link besides logging in. </a:t>
+            </a:r>
+          </a:p>
+          <a:p>
+            <a:r>
+              <a:rPr lang="en-US" sz="1200" dirty="0">
+                <a:effectLst/>
+                <a:latin typeface="Times New Roman" panose="02020603050405020304" pitchFamily="18" charset="0"/>
+                <a:ea typeface="Calibri" panose="020F0502020204030204" pitchFamily="34" charset="0"/>
+              </a:rPr>
+              <a:t>Most style guides advise pointing to a public abstract.</a:t>
+            </a:r>
+          </a:p>
+          <a:p>
+            <a:pPr marL="0" indent="0">
+              <a:buFont typeface="Wingdings" panose="05000000000000000000" pitchFamily="2" charset="2"/>
+              <a:buNone/>
+            </a:pPr>
+            <a:r>
+              <a:rPr lang="en-US" sz="1200" dirty="0">
+                <a:effectLst/>
+                <a:latin typeface="Times New Roman" panose="02020603050405020304" pitchFamily="18" charset="0"/>
+                <a:ea typeface="Calibri" panose="020F0502020204030204" pitchFamily="34" charset="0"/>
+              </a:rPr>
+              <a:t>Crossref serves as one example that frequently appeared in 300-level response codes.</a:t>
+            </a:r>
+          </a:p>
+          <a:p>
+            <a:pPr marL="0" indent="0">
+              <a:buFont typeface="Wingdings" panose="05000000000000000000" pitchFamily="2" charset="2"/>
+              <a:buNone/>
+            </a:pPr>
+            <a:r>
+              <a:rPr lang="en-US" sz="1200" dirty="0">
+                <a:effectLst/>
+                <a:latin typeface="Times New Roman" panose="02020603050405020304" pitchFamily="18" charset="0"/>
+                <a:ea typeface="Calibri" panose="020F0502020204030204" pitchFamily="34" charset="0"/>
+              </a:rPr>
+              <a:t>Using a third-party service adds another possible point of weakness in the process.</a:t>
+            </a:r>
+          </a:p>
+          <a:p>
+            <a:endParaRPr lang="en-US" dirty="0"/>
+          </a:p>
+        </p:txBody>
+      </p:sp>
+      <p:sp>
+        <p:nvSpPr>
+          <p:cNvPr id="4" name="Slide Number Placeholder 3"/>
+          <p:cNvSpPr>
+            <a:spLocks noGrp="1"/>
+          </p:cNvSpPr>
+          <p:nvPr>
+            <p:ph type="sldNum" sz="quarter" idx="5"/>
+          </p:nvPr>
+        </p:nvSpPr>
+        <p:spPr/>
+        <p:txBody>
+          <a:bodyPr/>
+          <a:lstStyle/>
+          <a:p>
+            <a:fld id="{18C544B7-89C3-44C1-8E4C-E08862D59DA5}" type="slidenum">
+              <a:rPr lang="en-US" smtClean="0"/>
+              <a:t>15</a:t>
+            </a:fld>
+            <a:endParaRPr lang="en-US"/>
+          </a:p>
+        </p:txBody>
+      </p:sp>
+    </p:spTree>
+    <p:extLst>
+      <p:ext uri="{BB962C8B-B14F-4D97-AF65-F5344CB8AC3E}">
+        <p14:creationId xmlns:p14="http://schemas.microsoft.com/office/powerpoint/2010/main" val="2510885207"/>
+      </p:ext>
+    </p:extLst>
+  </p:cSld>
+  <p:clrMapOvr>
+    <a:masterClrMapping/>
+  </p:clrMapOvr>
+</p:notes>
+</file>
+
+<file path=ppt/notesSlides/notesSlide12.xml><?xml version="1.0" encoding="utf-8"?>
+<p:notes xmlns:a="http://schemas.openxmlformats.org/drawingml/2006/main" xmlns:r="http://schemas.openxmlformats.org/officeDocument/2006/relationships" xmlns:p="http://schemas.openxmlformats.org/presentationml/2006/main">
+  <p:cSld>
+    <p:spTree>
+      <p:nvGrpSpPr>
+        <p:cNvPr id="1" name=""/>
+        <p:cNvGrpSpPr/>
+        <p:nvPr/>
+      </p:nvGrpSpPr>
+      <p:grpSpPr>
+        <a:xfrm>
+          <a:off x="0" y="0"/>
+          <a:ext cx="0" cy="0"/>
+          <a:chOff x="0" y="0"/>
+          <a:chExt cx="0" cy="0"/>
+        </a:xfrm>
+      </p:grpSpPr>
+      <p:sp>
+        <p:nvSpPr>
+          <p:cNvPr id="2" name="Slide Image Placeholder 1"/>
+          <p:cNvSpPr>
+            <a:spLocks noGrp="1" noRot="1" noChangeAspect="1"/>
+          </p:cNvSpPr>
+          <p:nvPr>
+            <p:ph type="sldImg"/>
+          </p:nvPr>
+        </p:nvSpPr>
+        <p:spPr/>
+      </p:sp>
+      <p:sp>
+        <p:nvSpPr>
+          <p:cNvPr id="3" name="Notes Placeholder 2"/>
+          <p:cNvSpPr>
+            <a:spLocks noGrp="1"/>
+          </p:cNvSpPr>
+          <p:nvPr>
+            <p:ph type="body" idx="1"/>
+          </p:nvPr>
+        </p:nvSpPr>
+        <p:spPr/>
+        <p:txBody>
+          <a:bodyPr/>
+          <a:lstStyle/>
+          <a:p>
+            <a:r>
+              <a:rPr lang="en-US" dirty="0"/>
+              <a:t>One possible factor contributing to these percentage differences involves the use of different style guides. </a:t>
+            </a:r>
+          </a:p>
+          <a:p>
+            <a:r>
+              <a:rPr lang="en-US" dirty="0"/>
+              <a:t>Some study guides have changed more frequently than others, and some still contain outdated information in their most recent versions.</a:t>
+            </a:r>
+          </a:p>
+          <a:p>
+            <a:endParaRPr lang="en-US" dirty="0"/>
+          </a:p>
+        </p:txBody>
+      </p:sp>
+      <p:sp>
+        <p:nvSpPr>
+          <p:cNvPr id="4" name="Slide Number Placeholder 3"/>
+          <p:cNvSpPr>
+            <a:spLocks noGrp="1"/>
+          </p:cNvSpPr>
+          <p:nvPr>
+            <p:ph type="sldNum" sz="quarter" idx="5"/>
+          </p:nvPr>
+        </p:nvSpPr>
+        <p:spPr/>
+        <p:txBody>
+          <a:bodyPr/>
+          <a:lstStyle/>
+          <a:p>
+            <a:fld id="{18C544B7-89C3-44C1-8E4C-E08862D59DA5}" type="slidenum">
+              <a:rPr lang="en-US" smtClean="0"/>
+              <a:t>16</a:t>
+            </a:fld>
+            <a:endParaRPr lang="en-US"/>
+          </a:p>
+        </p:txBody>
+      </p:sp>
+    </p:spTree>
+    <p:extLst>
+      <p:ext uri="{BB962C8B-B14F-4D97-AF65-F5344CB8AC3E}">
+        <p14:creationId xmlns:p14="http://schemas.microsoft.com/office/powerpoint/2010/main" val="3809609896"/>
+      </p:ext>
+    </p:extLst>
+  </p:cSld>
+  <p:clrMapOvr>
+    <a:masterClrMapping/>
+  </p:clrMapOvr>
+</p:notes>
+</file>
+
+<file path=ppt/notesSlides/notesSlide13.xml><?xml version="1.0" encoding="utf-8"?>
+<p:notes xmlns:a="http://schemas.openxmlformats.org/drawingml/2006/main" xmlns:r="http://schemas.openxmlformats.org/officeDocument/2006/relationships" xmlns:p="http://schemas.openxmlformats.org/presentationml/2006/main">
+  <p:cSld>
+    <p:spTree>
+      <p:nvGrpSpPr>
+        <p:cNvPr id="1" name=""/>
+        <p:cNvGrpSpPr/>
+        <p:nvPr/>
+      </p:nvGrpSpPr>
+      <p:grpSpPr>
+        <a:xfrm>
+          <a:off x="0" y="0"/>
+          <a:ext cx="0" cy="0"/>
+          <a:chOff x="0" y="0"/>
+          <a:chExt cx="0" cy="0"/>
+        </a:xfrm>
+      </p:grpSpPr>
+      <p:sp>
+        <p:nvSpPr>
+          <p:cNvPr id="2" name="Slide Image Placeholder 1"/>
+          <p:cNvSpPr>
+            <a:spLocks noGrp="1" noRot="1" noChangeAspect="1"/>
+          </p:cNvSpPr>
+          <p:nvPr>
+            <p:ph type="sldImg"/>
+          </p:nvPr>
+        </p:nvSpPr>
+        <p:spPr/>
+      </p:sp>
+      <p:sp>
+        <p:nvSpPr>
+          <p:cNvPr id="3" name="Notes Placeholder 2"/>
+          <p:cNvSpPr>
+            <a:spLocks noGrp="1"/>
+          </p:cNvSpPr>
+          <p:nvPr>
+            <p:ph type="body" idx="1"/>
+          </p:nvPr>
+        </p:nvSpPr>
+        <p:spPr/>
+        <p:txBody>
+          <a:bodyPr/>
+          <a:lstStyle/>
+          <a:p>
+            <a:r>
+              <a:rPr lang="en-US" dirty="0"/>
+              <a:t>Still trying to learn from all of this, I created an app that helps collect data on this. Basically, you upload a PDF, and it finds all the links in that document, and then checks if they are reachable. It will then return a report. It even breaks down the results by overall links and DOIs.</a:t>
+            </a:r>
+          </a:p>
+        </p:txBody>
+      </p:sp>
+      <p:sp>
+        <p:nvSpPr>
+          <p:cNvPr id="4" name="Slide Number Placeholder 3"/>
+          <p:cNvSpPr>
+            <a:spLocks noGrp="1"/>
+          </p:cNvSpPr>
+          <p:nvPr>
+            <p:ph type="sldNum" sz="quarter" idx="5"/>
+          </p:nvPr>
+        </p:nvSpPr>
+        <p:spPr/>
+        <p:txBody>
+          <a:bodyPr/>
+          <a:lstStyle/>
+          <a:p>
+            <a:fld id="{18C544B7-89C3-44C1-8E4C-E08862D59DA5}" type="slidenum">
+              <a:rPr lang="en-US" smtClean="0"/>
+              <a:t>17</a:t>
+            </a:fld>
+            <a:endParaRPr lang="en-US"/>
+          </a:p>
+        </p:txBody>
+      </p:sp>
+    </p:spTree>
+    <p:extLst>
+      <p:ext uri="{BB962C8B-B14F-4D97-AF65-F5344CB8AC3E}">
+        <p14:creationId xmlns:p14="http://schemas.microsoft.com/office/powerpoint/2010/main" val="2806218164"/>
+      </p:ext>
+    </p:extLst>
+  </p:cSld>
+  <p:clrMapOvr>
+    <a:masterClrMapping/>
+  </p:clrMapOvr>
+</p:notes>
+</file>
+
+<file path=ppt/notesSlides/notesSlide14.xml><?xml version="1.0" encoding="utf-8"?>
+<p:notes xmlns:a="http://schemas.openxmlformats.org/drawingml/2006/main" xmlns:r="http://schemas.openxmlformats.org/officeDocument/2006/relationships" xmlns:p="http://schemas.openxmlformats.org/presentationml/2006/main">
+  <p:cSld>
+    <p:spTree>
+      <p:nvGrpSpPr>
+        <p:cNvPr id="1" name=""/>
+        <p:cNvGrpSpPr/>
+        <p:nvPr/>
+      </p:nvGrpSpPr>
+      <p:grpSpPr>
+        <a:xfrm>
+          <a:off x="0" y="0"/>
+          <a:ext cx="0" cy="0"/>
+          <a:chOff x="0" y="0"/>
+          <a:chExt cx="0" cy="0"/>
+        </a:xfrm>
+      </p:grpSpPr>
+      <p:sp>
+        <p:nvSpPr>
+          <p:cNvPr id="2" name="Slide Image Placeholder 1"/>
+          <p:cNvSpPr>
+            <a:spLocks noGrp="1" noRot="1" noChangeAspect="1"/>
+          </p:cNvSpPr>
+          <p:nvPr>
+            <p:ph type="sldImg"/>
+          </p:nvPr>
+        </p:nvSpPr>
+        <p:spPr/>
+      </p:sp>
+      <p:sp>
+        <p:nvSpPr>
+          <p:cNvPr id="3" name="Notes Placeholder 2"/>
+          <p:cNvSpPr>
+            <a:spLocks noGrp="1"/>
+          </p:cNvSpPr>
+          <p:nvPr>
+            <p:ph type="body" idx="1"/>
+          </p:nvPr>
+        </p:nvSpPr>
+        <p:spPr/>
+        <p:txBody>
+          <a:bodyPr/>
+          <a:lstStyle/>
+          <a:p>
+            <a:r>
+              <a:rPr lang="en-US" dirty="0"/>
+              <a:t>Taking into consideration the evolving problem, our roadmap includes things like archiving all links with the Internet Archive and detecting any references that were retracted or changed content. We also hope to use the data from this site to create an even larger dataset to continue to monitor the situation.</a:t>
+            </a:r>
+          </a:p>
+        </p:txBody>
+      </p:sp>
+      <p:sp>
+        <p:nvSpPr>
+          <p:cNvPr id="4" name="Slide Number Placeholder 3"/>
+          <p:cNvSpPr>
+            <a:spLocks noGrp="1"/>
+          </p:cNvSpPr>
+          <p:nvPr>
+            <p:ph type="sldNum" sz="quarter" idx="5"/>
+          </p:nvPr>
+        </p:nvSpPr>
+        <p:spPr/>
+        <p:txBody>
+          <a:bodyPr/>
+          <a:lstStyle/>
+          <a:p>
+            <a:fld id="{18C544B7-89C3-44C1-8E4C-E08862D59DA5}" type="slidenum">
+              <a:rPr lang="en-US" smtClean="0"/>
+              <a:t>18</a:t>
+            </a:fld>
+            <a:endParaRPr lang="en-US"/>
+          </a:p>
+        </p:txBody>
+      </p:sp>
+    </p:spTree>
+    <p:extLst>
+      <p:ext uri="{BB962C8B-B14F-4D97-AF65-F5344CB8AC3E}">
+        <p14:creationId xmlns:p14="http://schemas.microsoft.com/office/powerpoint/2010/main" val="3614516657"/>
+      </p:ext>
+    </p:extLst>
+  </p:cSld>
+  <p:clrMapOvr>
+    <a:masterClrMapping/>
+  </p:clrMapOvr>
+</p:notes>
+</file>
+
+<file path=ppt/notesSlides/notesSlide15.xml><?xml version="1.0" encoding="utf-8"?>
+<p:notes xmlns:a="http://schemas.openxmlformats.org/drawingml/2006/main" xmlns:r="http://schemas.openxmlformats.org/officeDocument/2006/relationships" xmlns:p="http://schemas.openxmlformats.org/presentationml/2006/main">
+  <p:cSld>
+    <p:spTree>
+      <p:nvGrpSpPr>
+        <p:cNvPr id="1" name=""/>
+        <p:cNvGrpSpPr/>
+        <p:nvPr/>
+      </p:nvGrpSpPr>
+      <p:grpSpPr>
+        <a:xfrm>
+          <a:off x="0" y="0"/>
+          <a:ext cx="0" cy="0"/>
+          <a:chOff x="0" y="0"/>
+          <a:chExt cx="0" cy="0"/>
+        </a:xfrm>
+      </p:grpSpPr>
+      <p:sp>
+        <p:nvSpPr>
+          <p:cNvPr id="2" name="Slide Image Placeholder 1"/>
+          <p:cNvSpPr>
+            <a:spLocks noGrp="1" noRot="1" noChangeAspect="1"/>
+          </p:cNvSpPr>
+          <p:nvPr>
+            <p:ph type="sldImg"/>
+          </p:nvPr>
+        </p:nvSpPr>
+        <p:spPr/>
+      </p:sp>
+      <p:sp>
+        <p:nvSpPr>
+          <p:cNvPr id="3" name="Notes Placeholder 2"/>
+          <p:cNvSpPr>
+            <a:spLocks noGrp="1"/>
+          </p:cNvSpPr>
+          <p:nvPr>
+            <p:ph type="body" idx="1"/>
+          </p:nvPr>
+        </p:nvSpPr>
+        <p:spPr/>
+        <p:txBody>
+          <a:bodyPr/>
+          <a:lstStyle/>
+          <a:p>
+            <a:r>
+              <a:rPr lang="en-US" dirty="0"/>
+              <a:t>Now, I want to hear what you have to say. I have put up some possible topics of discussion, but please feel free to take it in any direction.</a:t>
+            </a:r>
+          </a:p>
+        </p:txBody>
+      </p:sp>
+      <p:sp>
+        <p:nvSpPr>
+          <p:cNvPr id="4" name="Slide Number Placeholder 3"/>
+          <p:cNvSpPr>
+            <a:spLocks noGrp="1"/>
+          </p:cNvSpPr>
+          <p:nvPr>
+            <p:ph type="sldNum" sz="quarter" idx="5"/>
+          </p:nvPr>
+        </p:nvSpPr>
+        <p:spPr/>
+        <p:txBody>
+          <a:bodyPr/>
+          <a:lstStyle/>
+          <a:p>
+            <a:fld id="{18C544B7-89C3-44C1-8E4C-E08862D59DA5}" type="slidenum">
+              <a:rPr lang="en-US" smtClean="0"/>
+              <a:t>19</a:t>
+            </a:fld>
+            <a:endParaRPr lang="en-US"/>
+          </a:p>
+        </p:txBody>
+      </p:sp>
+    </p:spTree>
+    <p:extLst>
+      <p:ext uri="{BB962C8B-B14F-4D97-AF65-F5344CB8AC3E}">
+        <p14:creationId xmlns:p14="http://schemas.microsoft.com/office/powerpoint/2010/main" val="1014934085"/>
+      </p:ext>
+    </p:extLst>
+  </p:cSld>
+  <p:clrMapOvr>
+    <a:masterClrMapping/>
+  </p:clrMapOvr>
+</p:notes>
+</file>
+
+<file path=ppt/notesSlides/notesSlide16.xml><?xml version="1.0" encoding="utf-8"?>
+<p:notes xmlns:a="http://schemas.openxmlformats.org/drawingml/2006/main" xmlns:r="http://schemas.openxmlformats.org/officeDocument/2006/relationships" xmlns:p="http://schemas.openxmlformats.org/presentationml/2006/main">
+  <p:cSld>
+    <p:spTree>
+      <p:nvGrpSpPr>
+        <p:cNvPr id="1" name=""/>
+        <p:cNvGrpSpPr/>
+        <p:nvPr/>
+      </p:nvGrpSpPr>
+      <p:grpSpPr>
+        <a:xfrm>
+          <a:off x="0" y="0"/>
+          <a:ext cx="0" cy="0"/>
+          <a:chOff x="0" y="0"/>
+          <a:chExt cx="0" cy="0"/>
+        </a:xfrm>
+      </p:grpSpPr>
+      <p:sp>
+        <p:nvSpPr>
+          <p:cNvPr id="2" name="Slide Image Placeholder 1"/>
+          <p:cNvSpPr>
+            <a:spLocks noGrp="1" noRot="1" noChangeAspect="1"/>
+          </p:cNvSpPr>
+          <p:nvPr>
+            <p:ph type="sldImg"/>
+          </p:nvPr>
+        </p:nvSpPr>
+        <p:spPr/>
+      </p:sp>
+      <p:sp>
+        <p:nvSpPr>
+          <p:cNvPr id="3" name="Notes Placeholder 2"/>
+          <p:cNvSpPr>
+            <a:spLocks noGrp="1"/>
+          </p:cNvSpPr>
+          <p:nvPr>
+            <p:ph type="body" idx="1"/>
+          </p:nvPr>
+        </p:nvSpPr>
+        <p:spPr/>
+        <p:txBody>
+          <a:bodyPr/>
+          <a:lstStyle/>
+          <a:p>
+            <a:r>
+              <a:rPr lang="en-US" dirty="0"/>
+              <a:t>Here are my references for this presentation.</a:t>
+            </a:r>
+          </a:p>
+        </p:txBody>
+      </p:sp>
+      <p:sp>
+        <p:nvSpPr>
+          <p:cNvPr id="4" name="Slide Number Placeholder 3"/>
+          <p:cNvSpPr>
+            <a:spLocks noGrp="1"/>
+          </p:cNvSpPr>
+          <p:nvPr>
+            <p:ph type="sldNum" sz="quarter" idx="5"/>
+          </p:nvPr>
+        </p:nvSpPr>
+        <p:spPr/>
+        <p:txBody>
+          <a:bodyPr/>
+          <a:lstStyle/>
+          <a:p>
+            <a:fld id="{18C544B7-89C3-44C1-8E4C-E08862D59DA5}" type="slidenum">
+              <a:rPr lang="en-US" smtClean="0"/>
+              <a:t>20</a:t>
+            </a:fld>
+            <a:endParaRPr lang="en-US"/>
+          </a:p>
+        </p:txBody>
+      </p:sp>
+    </p:spTree>
+    <p:extLst>
+      <p:ext uri="{BB962C8B-B14F-4D97-AF65-F5344CB8AC3E}">
+        <p14:creationId xmlns:p14="http://schemas.microsoft.com/office/powerpoint/2010/main" val="748385699"/>
+      </p:ext>
+    </p:extLst>
+  </p:cSld>
+  <p:clrMapOvr>
+    <a:masterClrMapping/>
+  </p:clrMapOvr>
+</p:notes>
+</file>
+
+<file path=ppt/notesSlides/notesSlide17.xml><?xml version="1.0" encoding="utf-8"?>
+<p:notes xmlns:a="http://schemas.openxmlformats.org/drawingml/2006/main" xmlns:r="http://schemas.openxmlformats.org/officeDocument/2006/relationships" xmlns:p="http://schemas.openxmlformats.org/presentationml/2006/main">
+  <p:cSld>
+    <p:spTree>
+      <p:nvGrpSpPr>
+        <p:cNvPr id="1" name=""/>
+        <p:cNvGrpSpPr/>
+        <p:nvPr/>
+      </p:nvGrpSpPr>
+      <p:grpSpPr>
+        <a:xfrm>
+          <a:off x="0" y="0"/>
+          <a:ext cx="0" cy="0"/>
+          <a:chOff x="0" y="0"/>
+          <a:chExt cx="0" cy="0"/>
+        </a:xfrm>
+      </p:grpSpPr>
+      <p:sp>
+        <p:nvSpPr>
+          <p:cNvPr id="2" name="Slide Image Placeholder 1"/>
+          <p:cNvSpPr>
+            <a:spLocks noGrp="1" noRot="1" noChangeAspect="1"/>
+          </p:cNvSpPr>
+          <p:nvPr>
+            <p:ph type="sldImg"/>
+          </p:nvPr>
+        </p:nvSpPr>
+        <p:spPr/>
+      </p:sp>
+      <p:sp>
+        <p:nvSpPr>
+          <p:cNvPr id="3" name="Notes Placeholder 2"/>
+          <p:cNvSpPr>
+            <a:spLocks noGrp="1"/>
+          </p:cNvSpPr>
+          <p:nvPr>
+            <p:ph type="body" idx="1"/>
+          </p:nvPr>
+        </p:nvSpPr>
+        <p:spPr/>
+        <p:txBody>
+          <a:bodyPr/>
+          <a:lstStyle/>
+          <a:p>
+            <a:r>
+              <a:rPr lang="en-US" dirty="0"/>
+              <a:t>I’d also like to thank those who have contributed to the project.</a:t>
+            </a:r>
+          </a:p>
+        </p:txBody>
+      </p:sp>
+      <p:sp>
+        <p:nvSpPr>
+          <p:cNvPr id="4" name="Slide Number Placeholder 3"/>
+          <p:cNvSpPr>
+            <a:spLocks noGrp="1"/>
+          </p:cNvSpPr>
+          <p:nvPr>
+            <p:ph type="sldNum" sz="quarter" idx="5"/>
+          </p:nvPr>
+        </p:nvSpPr>
+        <p:spPr/>
+        <p:txBody>
+          <a:bodyPr/>
+          <a:lstStyle/>
+          <a:p>
+            <a:fld id="{18C544B7-89C3-44C1-8E4C-E08862D59DA5}" type="slidenum">
+              <a:rPr lang="en-US" smtClean="0"/>
+              <a:t>22</a:t>
+            </a:fld>
+            <a:endParaRPr lang="en-US"/>
+          </a:p>
+        </p:txBody>
+      </p:sp>
+    </p:spTree>
+    <p:extLst>
+      <p:ext uri="{BB962C8B-B14F-4D97-AF65-F5344CB8AC3E}">
+        <p14:creationId xmlns:p14="http://schemas.microsoft.com/office/powerpoint/2010/main" val="1892092900"/>
+      </p:ext>
+    </p:extLst>
+  </p:cSld>
+  <p:clrMapOvr>
+    <a:masterClrMapping/>
+  </p:clrMapOvr>
+</p:notes>
+</file>
+
+<file path=ppt/notesSlides/notesSlide18.xml><?xml version="1.0" encoding="utf-8"?>
+<p:notes xmlns:a="http://schemas.openxmlformats.org/drawingml/2006/main" xmlns:r="http://schemas.openxmlformats.org/officeDocument/2006/relationships" xmlns:p="http://schemas.openxmlformats.org/presentationml/2006/main">
+  <p:cSld>
+    <p:spTree>
+      <p:nvGrpSpPr>
+        <p:cNvPr id="1" name=""/>
+        <p:cNvGrpSpPr/>
+        <p:nvPr/>
+      </p:nvGrpSpPr>
+      <p:grpSpPr>
+        <a:xfrm>
+          <a:off x="0" y="0"/>
+          <a:ext cx="0" cy="0"/>
+          <a:chOff x="0" y="0"/>
+          <a:chExt cx="0" cy="0"/>
+        </a:xfrm>
+      </p:grpSpPr>
+      <p:sp>
+        <p:nvSpPr>
+          <p:cNvPr id="2" name="Slide Image Placeholder 1"/>
+          <p:cNvSpPr>
+            <a:spLocks noGrp="1" noRot="1" noChangeAspect="1"/>
+          </p:cNvSpPr>
+          <p:nvPr>
+            <p:ph type="sldImg"/>
+          </p:nvPr>
+        </p:nvSpPr>
+        <p:spPr/>
+      </p:sp>
+      <p:sp>
+        <p:nvSpPr>
+          <p:cNvPr id="3" name="Notes Placeholder 2"/>
+          <p:cNvSpPr>
+            <a:spLocks noGrp="1"/>
+          </p:cNvSpPr>
+          <p:nvPr>
+            <p:ph type="body" idx="1"/>
+          </p:nvPr>
+        </p:nvSpPr>
+        <p:spPr/>
+        <p:txBody>
+          <a:bodyPr/>
+          <a:lstStyle/>
+          <a:p>
+            <a:r>
+              <a:rPr lang="en-US" dirty="0"/>
+              <a:t>Thank you for attending. Please fill out the feedback form. You can use the QR code or the link below it to find the form. Also, feel free to contact me at mmiller@northampton.edu and of course check out the project at </a:t>
+            </a:r>
+            <a:r>
+              <a:rPr lang="en-US" err="1"/>
+              <a:t>rottingresearch</a:t>
+            </a:r>
+            <a:r>
+              <a:rPr lang="en-US"/>
+              <a:t>.org</a:t>
+            </a:r>
+          </a:p>
+        </p:txBody>
+      </p:sp>
+      <p:sp>
+        <p:nvSpPr>
+          <p:cNvPr id="4" name="Slide Number Placeholder 3"/>
+          <p:cNvSpPr>
+            <a:spLocks noGrp="1"/>
+          </p:cNvSpPr>
+          <p:nvPr>
+            <p:ph type="sldNum" sz="quarter" idx="5"/>
+          </p:nvPr>
+        </p:nvSpPr>
+        <p:spPr/>
+        <p:txBody>
+          <a:bodyPr/>
+          <a:lstStyle/>
+          <a:p>
+            <a:fld id="{18C544B7-89C3-44C1-8E4C-E08862D59DA5}" type="slidenum">
+              <a:rPr lang="en-US" smtClean="0"/>
+              <a:t>23</a:t>
+            </a:fld>
+            <a:endParaRPr lang="en-US"/>
+          </a:p>
+        </p:txBody>
+      </p:sp>
+    </p:spTree>
+    <p:extLst>
+      <p:ext uri="{BB962C8B-B14F-4D97-AF65-F5344CB8AC3E}">
+        <p14:creationId xmlns:p14="http://schemas.microsoft.com/office/powerpoint/2010/main" val="2185659941"/>
       </p:ext>
     </p:extLst>
   </p:cSld>
@@ -2607,34 +3509,10 @@
           <a:bodyPr/>
           <a:lstStyle/>
           <a:p>
-            <a:pPr algn="l"/>
-            <a:r>
-              <a:rPr lang="en-US" sz="1200" b="0" i="0" u="none" strike="noStrike" baseline="0" dirty="0">
-                <a:latin typeface="Times New Roman" panose="02020603050405020304" pitchFamily="18" charset="0"/>
-              </a:rPr>
-              <a:t>Abt (2018) claimed no one</a:t>
-            </a:r>
-          </a:p>
-          <a:p>
-            <a:pPr algn="l"/>
-            <a:r>
-              <a:rPr lang="en-US" sz="1200" b="0" i="0" u="none" strike="noStrike" baseline="0" dirty="0">
-                <a:latin typeface="Times New Roman" panose="02020603050405020304" pitchFamily="18" charset="0"/>
-              </a:rPr>
-              <a:t>but Zwicky cited the study for 27 years and added that it was not seriously discussed for a total</a:t>
-            </a:r>
-          </a:p>
-          <a:p>
-            <a:pPr algn="l"/>
-            <a:r>
-              <a:rPr lang="en-US" sz="1200" b="0" i="0" u="none" strike="noStrike" baseline="0" dirty="0">
-                <a:latin typeface="Times New Roman" panose="02020603050405020304" pitchFamily="18" charset="0"/>
-              </a:rPr>
-              <a:t>of 41 years after its publication.</a:t>
-            </a:r>
-          </a:p>
-          <a:p>
-            <a:endParaRPr lang="en-US" dirty="0"/>
+            <a:r>
+              <a:rPr lang="en-US" dirty="0"/>
+              <a:t>Studies led to the formation of DOIs and other less well-known persistent identifiers. And I think a lot of us thought we had solved the issue. But in the last 5 years, studies have started to emerge about the efficacy of DOIs on mitigating research. These were the results. One study looked at DOIs at face value. Found that about 37% of these links were broken. Another study broke down the access based on institutional access. Some institutions have access behind the paywall, based solely on their network, not through a login. Over half of the links were broken from a public-facing machine, while 33% remained inaccessible, even with institutional access.</a:t>
+            </a:r>
           </a:p>
         </p:txBody>
       </p:sp>
@@ -2655,7 +3533,7 @@
           <a:p>
             <a:fld id="{18C544B7-89C3-44C1-8E4C-E08862D59DA5}" type="slidenum">
               <a:rPr lang="en-US" smtClean="0"/>
-              <a:t>8</a:t>
+              <a:t>6</a:t>
             </a:fld>
             <a:endParaRPr lang="en-US"/>
           </a:p>
@@ -2664,7 +3542,7 @@
     </p:spTree>
     <p:extLst>
       <p:ext uri="{BB962C8B-B14F-4D97-AF65-F5344CB8AC3E}">
-        <p14:creationId xmlns:p14="http://schemas.microsoft.com/office/powerpoint/2010/main" val="3839011968"/>
+        <p14:creationId xmlns:p14="http://schemas.microsoft.com/office/powerpoint/2010/main" val="3795327546"/>
       </p:ext>
     </p:extLst>
   </p:cSld>
@@ -2718,46 +3596,10 @@
           <a:bodyPr/>
           <a:lstStyle/>
           <a:p>
-            <a:pPr marL="0" marR="0" lvl="0" indent="0" algn="l" defTabSz="914400" rtl="0" eaLnBrk="1" fontAlgn="auto" latinLnBrk="0" hangingPunct="1">
-              <a:lnSpc>
-                <a:spcPct val="100000"/>
-              </a:lnSpc>
-              <a:spcBef>
-                <a:spcPts val="0"/>
-              </a:spcBef>
-              <a:spcAft>
-                <a:spcPts val="0"/>
-              </a:spcAft>
-              <a:buClrTx/>
-              <a:buSzTx/>
-              <a:buFontTx/>
-              <a:buNone/>
-              <a:tabLst/>
-              <a:defRPr/>
-            </a:pPr>
-            <a:r>
-              <a:rPr lang="en-US" sz="1200" dirty="0"/>
-              <a:t>Research has previously focused on individual disciplines. </a:t>
-            </a:r>
-            <a:r>
-              <a:rPr lang="en-US" sz="1200" b="0" i="0" u="none" strike="noStrike" baseline="0" dirty="0">
-                <a:latin typeface="Times New Roman" panose="02020603050405020304" pitchFamily="18" charset="0"/>
-              </a:rPr>
-              <a:t>(Aksnes et al., 2019).</a:t>
-            </a:r>
-            <a:endParaRPr lang="en-US" dirty="0"/>
-          </a:p>
-          <a:p>
             <a:r>
               <a:rPr lang="en-US" dirty="0"/>
-              <a:t>Web of Science, Harvard Law Review, Supreme Court decisions.</a:t>
-            </a:r>
-          </a:p>
-          <a:p>
-            <a:endParaRPr lang="en-US" dirty="0"/>
-          </a:p>
-          <a:p>
-            <a:endParaRPr lang="en-US" dirty="0"/>
+              <a:t>So. Why does this matter? I’m sure you all have ideas, but here are some bullet points that came from the research conducted in this area. Basically, the foundation of research, as a discipline, is at the heart of this issue.</a:t>
+            </a:r>
           </a:p>
         </p:txBody>
       </p:sp>
@@ -2778,7 +3620,7 @@
           <a:p>
             <a:fld id="{18C544B7-89C3-44C1-8E4C-E08862D59DA5}" type="slidenum">
               <a:rPr lang="en-US" smtClean="0"/>
-              <a:t>10</a:t>
+              <a:t>7</a:t>
             </a:fld>
             <a:endParaRPr lang="en-US"/>
           </a:p>
@@ -2787,7 +3629,7 @@
     </p:spTree>
     <p:extLst>
       <p:ext uri="{BB962C8B-B14F-4D97-AF65-F5344CB8AC3E}">
-        <p14:creationId xmlns:p14="http://schemas.microsoft.com/office/powerpoint/2010/main" val="4088702188"/>
+        <p14:creationId xmlns:p14="http://schemas.microsoft.com/office/powerpoint/2010/main" val="266197798"/>
       </p:ext>
     </p:extLst>
   </p:cSld>
@@ -2841,115 +3683,26 @@
           <a:bodyPr/>
           <a:lstStyle/>
           <a:p>
-            <a:pPr marL="0" marR="0" lvl="0" indent="0" algn="l" defTabSz="914400" rtl="0" eaLnBrk="1" fontAlgn="auto" latinLnBrk="0" hangingPunct="1">
-              <a:lnSpc>
-                <a:spcPct val="100000"/>
-              </a:lnSpc>
-              <a:spcBef>
-                <a:spcPts val="0"/>
-              </a:spcBef>
-              <a:spcAft>
-                <a:spcPts val="0"/>
-              </a:spcAft>
-              <a:buClrTx/>
-              <a:buSzTx/>
-              <a:buFontTx/>
-              <a:buNone/>
-              <a:tabLst/>
-              <a:defRPr/>
-            </a:pPr>
-            <a:r>
-              <a:rPr lang="en-US" sz="1200" dirty="0">
-                <a:effectLst/>
-                <a:latin typeface="Times New Roman" panose="02020603050405020304" pitchFamily="18" charset="0"/>
-                <a:ea typeface="Calibri" panose="020F0502020204030204" pitchFamily="34" charset="0"/>
-              </a:rPr>
-              <a:t>The best link to use is the one most likely to provide continual access to the resource. </a:t>
-            </a:r>
-            <a:r>
-              <a:rPr lang="en-US" sz="1200" baseline="30000" dirty="0">
-                <a:effectLst/>
-                <a:latin typeface="Times New Roman" panose="02020603050405020304" pitchFamily="18" charset="0"/>
-                <a:ea typeface="Calibri" panose="020F0502020204030204" pitchFamily="34" charset="0"/>
-              </a:rPr>
-              <a:t>2</a:t>
-            </a:r>
-          </a:p>
-          <a:p>
-            <a:endParaRPr lang="en-US" dirty="0"/>
-          </a:p>
-          <a:p>
-            <a:r>
-              <a:rPr lang="en-US" sz="1200" dirty="0">
-                <a:effectLst/>
-                <a:latin typeface="Times New Roman" panose="02020603050405020304" pitchFamily="18" charset="0"/>
-                <a:ea typeface="Calibri" panose="020F0502020204030204" pitchFamily="34" charset="0"/>
-              </a:rPr>
-              <a:t>Without providing any means of checking the link besides logging in. </a:t>
-            </a:r>
-          </a:p>
-          <a:p>
-            <a:r>
-              <a:rPr lang="en-US" sz="1200" dirty="0">
-                <a:effectLst/>
-                <a:latin typeface="Times New Roman" panose="02020603050405020304" pitchFamily="18" charset="0"/>
-                <a:ea typeface="Calibri" panose="020F0502020204030204" pitchFamily="34" charset="0"/>
-              </a:rPr>
-              <a:t>Most style guides advise pointing to a public abstract.</a:t>
-            </a:r>
-          </a:p>
-          <a:p>
-            <a:pPr marL="0" indent="0">
-              <a:buFont typeface="Wingdings" panose="05000000000000000000" pitchFamily="2" charset="2"/>
-              <a:buNone/>
-            </a:pPr>
-            <a:endParaRPr lang="en-US" sz="1200" dirty="0">
-              <a:effectLst/>
-              <a:latin typeface="Times New Roman" panose="02020603050405020304" pitchFamily="18" charset="0"/>
-              <a:ea typeface="Calibri" panose="020F0502020204030204" pitchFamily="34" charset="0"/>
-            </a:endParaRPr>
-          </a:p>
-          <a:p>
-            <a:pPr marL="0" indent="0">
-              <a:buFont typeface="Wingdings" panose="05000000000000000000" pitchFamily="2" charset="2"/>
-              <a:buNone/>
-            </a:pPr>
-            <a:r>
-              <a:rPr lang="en-US" sz="1200" dirty="0">
-                <a:effectLst/>
-                <a:latin typeface="Times New Roman" panose="02020603050405020304" pitchFamily="18" charset="0"/>
-                <a:ea typeface="Calibri" panose="020F0502020204030204" pitchFamily="34" charset="0"/>
-              </a:rPr>
-              <a:t>Crossref serves as one example that frequently appeared in 300-level response codes.</a:t>
-            </a:r>
-          </a:p>
-          <a:p>
-            <a:pPr marL="0" indent="0">
-              <a:buFont typeface="Wingdings" panose="05000000000000000000" pitchFamily="2" charset="2"/>
-              <a:buNone/>
-            </a:pPr>
-            <a:endParaRPr lang="en-US" sz="1200" dirty="0">
-              <a:effectLst/>
-              <a:latin typeface="Times New Roman" panose="02020603050405020304" pitchFamily="18" charset="0"/>
-              <a:ea typeface="Calibri" panose="020F0502020204030204" pitchFamily="34" charset="0"/>
-            </a:endParaRPr>
-          </a:p>
-          <a:p>
-            <a:pPr marL="0" indent="0">
-              <a:buFont typeface="Wingdings" panose="05000000000000000000" pitchFamily="2" charset="2"/>
-              <a:buNone/>
-            </a:pPr>
-            <a:r>
-              <a:rPr lang="en-US" sz="1200" dirty="0">
-                <a:effectLst/>
-                <a:latin typeface="Times New Roman" panose="02020603050405020304" pitchFamily="18" charset="0"/>
-                <a:ea typeface="Calibri" panose="020F0502020204030204" pitchFamily="34" charset="0"/>
-              </a:rPr>
-              <a:t>Using a third-party service adds another possible point of weakness in the process.</a:t>
-            </a:r>
-          </a:p>
-          <a:p>
-            <a:endParaRPr lang="en-US" dirty="0"/>
+            <a:r>
+              <a:rPr lang="en-US" dirty="0"/>
+              <a:t>In open-source software, there is this meme that we always use and I feel like it applies here. There are a lot of things in our world that are built on top of something that is built on something else and that on something else and it’s usually some small thing that no one notices or remembers. We have seen this a few times in major security issues with things like </a:t>
+            </a:r>
+            <a:r>
+              <a:rPr lang="en-US" dirty="0" err="1"/>
+              <a:t>heartblead</a:t>
+            </a:r>
+            <a:r>
+              <a:rPr lang="en-US" dirty="0"/>
+              <a:t> with SSL encryption, run by 2 </a:t>
+            </a:r>
+            <a:r>
+              <a:rPr lang="en-US" dirty="0" err="1"/>
+              <a:t>Steves</a:t>
+            </a:r>
+            <a:r>
+              <a:rPr lang="en-US" dirty="0"/>
+              <a:t>, and Log4j more recently. Now if this was research and that one publication gets redacted or is no longer accessible, all the research that is built on top of it could crumble, but would we even know?</a:t>
+            </a:r>
           </a:p>
         </p:txBody>
       </p:sp>
@@ -2970,7 +3723,7 @@
           <a:p>
             <a:fld id="{18C544B7-89C3-44C1-8E4C-E08862D59DA5}" type="slidenum">
               <a:rPr lang="en-US" smtClean="0"/>
-              <a:t>14</a:t>
+              <a:t>8</a:t>
             </a:fld>
             <a:endParaRPr lang="en-US"/>
           </a:p>
@@ -2979,7 +3732,7 @@
     </p:spTree>
     <p:extLst>
       <p:ext uri="{BB962C8B-B14F-4D97-AF65-F5344CB8AC3E}">
-        <p14:creationId xmlns:p14="http://schemas.microsoft.com/office/powerpoint/2010/main" val="2510885207"/>
+        <p14:creationId xmlns:p14="http://schemas.microsoft.com/office/powerpoint/2010/main" val="2124203691"/>
       </p:ext>
     </p:extLst>
   </p:cSld>
@@ -3033,18 +3786,42 @@
           <a:bodyPr/>
           <a:lstStyle/>
           <a:p>
-            <a:r>
-              <a:rPr lang="en-US" dirty="0"/>
-              <a:t>One possible factor contributing to these percentage differences involves the use of different style guides. </a:t>
-            </a:r>
-          </a:p>
-          <a:p>
-            <a:endParaRPr lang="en-US" dirty="0"/>
-          </a:p>
-          <a:p>
-            <a:r>
-              <a:rPr lang="en-US" dirty="0"/>
-              <a:t>Some study guides have changed more frequently than others, and some still contain outdated information in their most recent versions.</a:t>
+            <a:pPr algn="l"/>
+            <a:r>
+              <a:rPr lang="en-US" sz="1200" b="0" i="0" u="none" strike="noStrike" baseline="0" dirty="0">
+                <a:latin typeface="Times New Roman" panose="02020603050405020304" pitchFamily="18" charset="0"/>
+              </a:rPr>
+              <a:t>A story similar to the two </a:t>
+            </a:r>
+            <a:r>
+              <a:rPr lang="en-US" sz="1200" b="0" i="0" u="none" strike="noStrike" baseline="0" dirty="0" err="1">
+                <a:latin typeface="Times New Roman" panose="02020603050405020304" pitchFamily="18" charset="0"/>
+              </a:rPr>
+              <a:t>Steves</a:t>
+            </a:r>
+            <a:r>
+              <a:rPr lang="en-US" sz="1200" b="0" i="0" u="none" strike="noStrike" baseline="0" dirty="0">
+                <a:latin typeface="Times New Roman" panose="02020603050405020304" pitchFamily="18" charset="0"/>
+              </a:rPr>
+              <a:t>. </a:t>
+            </a:r>
+          </a:p>
+          <a:p>
+            <a:pPr algn="l"/>
+            <a:r>
+              <a:rPr lang="en-US" sz="1200" b="0" i="0" u="none" strike="noStrike" baseline="0" dirty="0">
+                <a:latin typeface="Times New Roman" panose="02020603050405020304" pitchFamily="18" charset="0"/>
+              </a:rPr>
+              <a:t>No one but Zwicky cited a study about galaxy clustering for 27 years and added that it was not seriously discussed for a total</a:t>
+            </a:r>
+          </a:p>
+          <a:p>
+            <a:pPr algn="l"/>
+            <a:r>
+              <a:rPr lang="en-US" sz="1200" b="0" i="0" u="none" strike="noStrike" baseline="0" dirty="0">
+                <a:latin typeface="Times New Roman" panose="02020603050405020304" pitchFamily="18" charset="0"/>
+              </a:rPr>
+              <a:t>of 41 years after its publication. Not that is a seminal work.</a:t>
             </a:r>
           </a:p>
           <a:p>
@@ -3069,7 +3846,7 @@
           <a:p>
             <a:fld id="{18C544B7-89C3-44C1-8E4C-E08862D59DA5}" type="slidenum">
               <a:rPr lang="en-US" smtClean="0"/>
-              <a:t>15</a:t>
+              <a:t>9</a:t>
             </a:fld>
             <a:endParaRPr lang="en-US"/>
           </a:p>
@@ -3078,7 +3855,7 @@
     </p:spTree>
     <p:extLst>
       <p:ext uri="{BB962C8B-B14F-4D97-AF65-F5344CB8AC3E}">
-        <p14:creationId xmlns:p14="http://schemas.microsoft.com/office/powerpoint/2010/main" val="3809609896"/>
+        <p14:creationId xmlns:p14="http://schemas.microsoft.com/office/powerpoint/2010/main" val="3839011968"/>
       </p:ext>
     </p:extLst>
   </p:cSld>
@@ -3132,7 +3909,10 @@
           <a:bodyPr/>
           <a:lstStyle/>
           <a:p>
-            <a:endParaRPr lang="en-US" dirty="0"/>
+            <a:r>
+              <a:rPr lang="en-US" dirty="0"/>
+              <a:t>I asked before about retractions. This is becoming a bigger and bigger issue as well. Every year articles are retracted. Last year alone there were over 10,000 research articles retracted. This number rises every year. Just a subset of these articles were cited more than 35,000 times. Do you think they know? Who is double-checking that research and references. Replication used to be a huge part of research, but with the emphasis on publishing numbers, it has decreased. Could lead to more issues going unnoticed for many years.</a:t>
+            </a:r>
           </a:p>
         </p:txBody>
       </p:sp>
@@ -3153,7 +3933,7 @@
           <a:p>
             <a:fld id="{18C544B7-89C3-44C1-8E4C-E08862D59DA5}" type="slidenum">
               <a:rPr lang="en-US" smtClean="0"/>
-              <a:t>16</a:t>
+              <a:t>10</a:t>
             </a:fld>
             <a:endParaRPr lang="en-US"/>
           </a:p>
@@ -3162,7 +3942,7 @@
     </p:spTree>
     <p:extLst>
       <p:ext uri="{BB962C8B-B14F-4D97-AF65-F5344CB8AC3E}">
-        <p14:creationId xmlns:p14="http://schemas.microsoft.com/office/powerpoint/2010/main" val="2806218164"/>
+        <p14:creationId xmlns:p14="http://schemas.microsoft.com/office/powerpoint/2010/main" val="158257158"/>
       </p:ext>
     </p:extLst>
   </p:cSld>
@@ -3216,6 +3996,51 @@
           <a:bodyPr/>
           <a:lstStyle/>
           <a:p>
+            <a:pPr marL="0" marR="0" lvl="0" indent="0" algn="l" defTabSz="914400" rtl="0" eaLnBrk="1" fontAlgn="auto" latinLnBrk="0" hangingPunct="1">
+              <a:lnSpc>
+                <a:spcPct val="100000"/>
+              </a:lnSpc>
+              <a:spcBef>
+                <a:spcPts val="0"/>
+              </a:spcBef>
+              <a:spcAft>
+                <a:spcPts val="0"/>
+              </a:spcAft>
+              <a:buClrTx/>
+              <a:buSzTx/>
+              <a:buFontTx/>
+              <a:buNone/>
+              <a:tabLst/>
+              <a:defRPr/>
+            </a:pPr>
+            <a:r>
+              <a:rPr lang="en-US" sz="1200" dirty="0"/>
+              <a:t>Research has previously focused on individual disciplines. </a:t>
+            </a:r>
+            <a:r>
+              <a:rPr lang="en-US" sz="1200" b="0" i="0" u="none" strike="noStrike" baseline="0" dirty="0">
+                <a:latin typeface="Times New Roman" panose="02020603050405020304" pitchFamily="18" charset="0"/>
+              </a:rPr>
+              <a:t>(Aksnes et al., 2019).</a:t>
+            </a:r>
+            <a:endParaRPr lang="en-US" dirty="0"/>
+          </a:p>
+          <a:p>
+            <a:r>
+              <a:rPr lang="en-US" dirty="0"/>
+              <a:t>Web of Science, Harvard Law Review, Supreme Court decisions.</a:t>
+            </a:r>
+          </a:p>
+          <a:p>
+            <a:r>
+              <a:rPr lang="en-US" dirty="0"/>
+              <a:t>In 2022, I decided to do my own study to see if this was isolated or impacted disciplines differently. The Dataset was far larger than any previous study had conducted.</a:t>
+            </a:r>
+          </a:p>
+          <a:p>
+            <a:endParaRPr lang="en-US" dirty="0"/>
+          </a:p>
+          <a:p>
             <a:endParaRPr lang="en-US" dirty="0"/>
           </a:p>
         </p:txBody>
@@ -3237,7 +4062,7 @@
           <a:p>
             <a:fld id="{18C544B7-89C3-44C1-8E4C-E08862D59DA5}" type="slidenum">
               <a:rPr lang="en-US" smtClean="0"/>
-              <a:t>17</a:t>
+              <a:t>11</a:t>
             </a:fld>
             <a:endParaRPr lang="en-US"/>
           </a:p>
@@ -3246,7 +4071,181 @@
     </p:spTree>
     <p:extLst>
       <p:ext uri="{BB962C8B-B14F-4D97-AF65-F5344CB8AC3E}">
-        <p14:creationId xmlns:p14="http://schemas.microsoft.com/office/powerpoint/2010/main" val="3614516657"/>
+        <p14:creationId xmlns:p14="http://schemas.microsoft.com/office/powerpoint/2010/main" val="4088702188"/>
+      </p:ext>
+    </p:extLst>
+  </p:cSld>
+  <p:clrMapOvr>
+    <a:masterClrMapping/>
+  </p:clrMapOvr>
+</p:notes>
+</file>
+
+<file path=ppt/notesSlides/notesSlide8.xml><?xml version="1.0" encoding="utf-8"?>
+<p:notes xmlns:a="http://schemas.openxmlformats.org/drawingml/2006/main" xmlns:r="http://schemas.openxmlformats.org/officeDocument/2006/relationships" xmlns:p="http://schemas.openxmlformats.org/presentationml/2006/main">
+  <p:cSld>
+    <p:spTree>
+      <p:nvGrpSpPr>
+        <p:cNvPr id="1" name=""/>
+        <p:cNvGrpSpPr/>
+        <p:nvPr/>
+      </p:nvGrpSpPr>
+      <p:grpSpPr>
+        <a:xfrm>
+          <a:off x="0" y="0"/>
+          <a:ext cx="0" cy="0"/>
+          <a:chOff x="0" y="0"/>
+          <a:chExt cx="0" cy="0"/>
+        </a:xfrm>
+      </p:grpSpPr>
+      <p:sp>
+        <p:nvSpPr>
+          <p:cNvPr id="2" name="Slide Image Placeholder 1"/>
+          <p:cNvSpPr>
+            <a:spLocks noGrp="1" noRot="1" noChangeAspect="1"/>
+          </p:cNvSpPr>
+          <p:nvPr>
+            <p:ph type="sldImg"/>
+          </p:nvPr>
+        </p:nvSpPr>
+        <p:spPr/>
+      </p:sp>
+      <p:sp>
+        <p:nvSpPr>
+          <p:cNvPr id="3" name="Notes Placeholder 2"/>
+          <p:cNvSpPr>
+            <a:spLocks noGrp="1"/>
+          </p:cNvSpPr>
+          <p:nvPr>
+            <p:ph type="body" idx="1"/>
+          </p:nvPr>
+        </p:nvSpPr>
+        <p:spPr/>
+        <p:txBody>
+          <a:bodyPr/>
+          <a:lstStyle/>
+          <a:p>
+            <a:r>
+              <a:rPr lang="en-US" dirty="0"/>
+              <a:t>Here are some of the results. They aligned with all previous studies. But I can break them down a little bit more than some of the previous ones.</a:t>
+            </a:r>
+          </a:p>
+        </p:txBody>
+      </p:sp>
+      <p:sp>
+        <p:nvSpPr>
+          <p:cNvPr id="4" name="Slide Number Placeholder 3"/>
+          <p:cNvSpPr>
+            <a:spLocks noGrp="1"/>
+          </p:cNvSpPr>
+          <p:nvPr>
+            <p:ph type="sldNum" sz="quarter" idx="5"/>
+          </p:nvPr>
+        </p:nvSpPr>
+        <p:spPr/>
+        <p:txBody>
+          <a:bodyPr/>
+          <a:lstStyle/>
+          <a:p>
+            <a:fld id="{18C544B7-89C3-44C1-8E4C-E08862D59DA5}" type="slidenum">
+              <a:rPr lang="en-US" smtClean="0"/>
+              <a:t>12</a:t>
+            </a:fld>
+            <a:endParaRPr lang="en-US"/>
+          </a:p>
+        </p:txBody>
+      </p:sp>
+    </p:spTree>
+    <p:extLst>
+      <p:ext uri="{BB962C8B-B14F-4D97-AF65-F5344CB8AC3E}">
+        <p14:creationId xmlns:p14="http://schemas.microsoft.com/office/powerpoint/2010/main" val="3877827904"/>
+      </p:ext>
+    </p:extLst>
+  </p:cSld>
+  <p:clrMapOvr>
+    <a:masterClrMapping/>
+  </p:clrMapOvr>
+</p:notes>
+</file>
+
+<file path=ppt/notesSlides/notesSlide9.xml><?xml version="1.0" encoding="utf-8"?>
+<p:notes xmlns:a="http://schemas.openxmlformats.org/drawingml/2006/main" xmlns:r="http://schemas.openxmlformats.org/officeDocument/2006/relationships" xmlns:p="http://schemas.openxmlformats.org/presentationml/2006/main">
+  <p:cSld>
+    <p:spTree>
+      <p:nvGrpSpPr>
+        <p:cNvPr id="1" name=""/>
+        <p:cNvGrpSpPr/>
+        <p:nvPr/>
+      </p:nvGrpSpPr>
+      <p:grpSpPr>
+        <a:xfrm>
+          <a:off x="0" y="0"/>
+          <a:ext cx="0" cy="0"/>
+          <a:chOff x="0" y="0"/>
+          <a:chExt cx="0" cy="0"/>
+        </a:xfrm>
+      </p:grpSpPr>
+      <p:sp>
+        <p:nvSpPr>
+          <p:cNvPr id="2" name="Slide Image Placeholder 1"/>
+          <p:cNvSpPr>
+            <a:spLocks noGrp="1" noRot="1" noChangeAspect="1"/>
+          </p:cNvSpPr>
+          <p:nvPr>
+            <p:ph type="sldImg"/>
+          </p:nvPr>
+        </p:nvSpPr>
+        <p:spPr/>
+      </p:sp>
+      <p:sp>
+        <p:nvSpPr>
+          <p:cNvPr id="3" name="Notes Placeholder 2"/>
+          <p:cNvSpPr>
+            <a:spLocks noGrp="1"/>
+          </p:cNvSpPr>
+          <p:nvPr>
+            <p:ph type="body" idx="1"/>
+          </p:nvPr>
+        </p:nvSpPr>
+        <p:spPr/>
+        <p:txBody>
+          <a:bodyPr/>
+          <a:lstStyle/>
+          <a:p>
+            <a:r>
+              <a:rPr lang="en-US" dirty="0"/>
+              <a:t>Here we have a breakdown of each of the disciplines and link rot.</a:t>
+            </a:r>
+          </a:p>
+        </p:txBody>
+      </p:sp>
+      <p:sp>
+        <p:nvSpPr>
+          <p:cNvPr id="4" name="Slide Number Placeholder 3"/>
+          <p:cNvSpPr>
+            <a:spLocks noGrp="1"/>
+          </p:cNvSpPr>
+          <p:nvPr>
+            <p:ph type="sldNum" sz="quarter" idx="5"/>
+          </p:nvPr>
+        </p:nvSpPr>
+        <p:spPr/>
+        <p:txBody>
+          <a:bodyPr/>
+          <a:lstStyle/>
+          <a:p>
+            <a:fld id="{18C544B7-89C3-44C1-8E4C-E08862D59DA5}" type="slidenum">
+              <a:rPr lang="en-US" smtClean="0"/>
+              <a:t>13</a:t>
+            </a:fld>
+            <a:endParaRPr lang="en-US"/>
+          </a:p>
+        </p:txBody>
+      </p:sp>
+    </p:spTree>
+    <p:extLst>
+      <p:ext uri="{BB962C8B-B14F-4D97-AF65-F5344CB8AC3E}">
+        <p14:creationId xmlns:p14="http://schemas.microsoft.com/office/powerpoint/2010/main" val="4263055144"/>
       </p:ext>
     </p:extLst>
   </p:cSld>
@@ -5315,10 +6314,10 @@
       </p:grpSpPr>
       <p:sp>
         <p:nvSpPr>
-          <p:cNvPr id="2" name="Content Placeholder 1">
+          <p:cNvPr id="4" name="Title 3">
             <a:extLst>
               <a:ext uri="{FF2B5EF4-FFF2-40B4-BE49-F238E27FC236}">
-                <a16:creationId xmlns:a16="http://schemas.microsoft.com/office/drawing/2014/main" id="{75C5FA54-AA1C-D18E-9AB4-EAF765C1D60B}"/>
+                <a16:creationId xmlns:a16="http://schemas.microsoft.com/office/drawing/2014/main" id="{C43EF85A-9EF5-2DBE-2ECF-2711A4E4A77E}"/>
               </a:ext>
             </a:extLst>
           </p:cNvPr>
@@ -5326,173 +6325,99 @@
             <a:spLocks noGrp="1"/>
           </p:cNvSpPr>
           <p:nvPr>
+            <p:ph type="title"/>
+          </p:nvPr>
+        </p:nvSpPr>
+        <p:spPr/>
+        <p:txBody>
+          <a:bodyPr/>
+          <a:lstStyle/>
+          <a:p>
+            <a:r>
+              <a:rPr lang="en-US" dirty="0"/>
+              <a:t>How Does This Affect Research?</a:t>
+            </a:r>
+          </a:p>
+        </p:txBody>
+      </p:sp>
+      <p:sp>
+        <p:nvSpPr>
+          <p:cNvPr id="5" name="Content Placeholder 4">
+            <a:extLst>
+              <a:ext uri="{FF2B5EF4-FFF2-40B4-BE49-F238E27FC236}">
+                <a16:creationId xmlns:a16="http://schemas.microsoft.com/office/drawing/2014/main" id="{ED5124F5-5909-E264-5C59-8EFDA8B54CF5}"/>
+              </a:ext>
+            </a:extLst>
+          </p:cNvPr>
+          <p:cNvSpPr>
+            <a:spLocks noGrp="1"/>
+          </p:cNvSpPr>
+          <p:nvPr>
             <p:ph idx="1"/>
           </p:nvPr>
         </p:nvSpPr>
-        <p:spPr>
-          <a:xfrm>
-            <a:off x="457200" y="1070199"/>
-            <a:ext cx="8229600" cy="3110492"/>
-          </a:xfrm>
-        </p:spPr>
+        <p:spPr/>
         <p:txBody>
           <a:bodyPr>
             <a:normAutofit/>
           </a:bodyPr>
           <a:lstStyle/>
           <a:p>
+            <a:r>
+              <a:rPr lang="en-US" b="1" dirty="0"/>
+              <a:t>Retracted Publications:</a:t>
+            </a:r>
+          </a:p>
+          <a:p>
             <a:pPr marL="457200" indent="-457200">
-              <a:lnSpc>
-                <a:spcPct val="90000"/>
-              </a:lnSpc>
               <a:buFont typeface="Wingdings" panose="05000000000000000000" pitchFamily="2" charset="2"/>
               <a:buChar char="§"/>
             </a:pPr>
             <a:r>
-              <a:rPr lang="en-US" sz="2000"/>
-              <a:t>2,500 peer-reviewed scholarly articles.</a:t>
-            </a:r>
-          </a:p>
-          <a:p>
-            <a:pPr marL="457200" indent="-457200">
-              <a:lnSpc>
-                <a:spcPct val="90000"/>
-              </a:lnSpc>
+              <a:rPr lang="en-US" sz="2400" dirty="0"/>
+              <a:t>The number of retractions issued for research articles in 2023 passed 10,000 in early December. </a:t>
+            </a:r>
+            <a:r>
+              <a:rPr lang="en-US" sz="2400" baseline="30000" dirty="0"/>
+              <a:t>8</a:t>
+            </a:r>
+          </a:p>
+          <a:p>
+            <a:pPr marL="457200" indent="-457200" algn="l">
               <a:buFont typeface="Wingdings" panose="05000000000000000000" pitchFamily="2" charset="2"/>
               <a:buChar char="§"/>
             </a:pPr>
             <a:r>
-              <a:rPr lang="en-US" sz="2000"/>
-              <a:t>Published between 2013 and 2022. 250 publications per year.</a:t>
-            </a:r>
-          </a:p>
-          <a:p>
-            <a:pPr marL="457200" indent="-457200">
-              <a:lnSpc>
-                <a:spcPct val="90000"/>
-              </a:lnSpc>
+              <a:rPr lang="en-US" sz="2400" dirty="0"/>
+              <a:t>Retractions to articles ratio rises 0.2% every year. </a:t>
+            </a:r>
+            <a:r>
+              <a:rPr lang="en-US" sz="2400" baseline="30000" dirty="0"/>
+              <a:t>8 </a:t>
+            </a:r>
+            <a:endParaRPr lang="en-US" sz="2400" dirty="0"/>
+          </a:p>
+          <a:p>
+            <a:pPr marL="457200" indent="-457200" algn="l">
               <a:buFont typeface="Wingdings" panose="05000000000000000000" pitchFamily="2" charset="2"/>
               <a:buChar char="§"/>
             </a:pPr>
             <a:r>
-              <a:rPr lang="en-US" sz="2000"/>
-              <a:t>500 publications from each of the 5 disciplines:</a:t>
-            </a:r>
-          </a:p>
-          <a:p>
-            <a:pPr lvl="1">
-              <a:lnSpc>
-                <a:spcPct val="90000"/>
-              </a:lnSpc>
-              <a:buFont typeface="Wingdings" panose="05000000000000000000" pitchFamily="2" charset="2"/>
-              <a:buChar char="q"/>
-            </a:pPr>
-            <a:r>
-              <a:rPr lang="en-US" sz="2000"/>
-              <a:t>Arts &amp; Humanities</a:t>
-            </a:r>
-          </a:p>
-          <a:p>
-            <a:pPr lvl="1">
-              <a:lnSpc>
-                <a:spcPct val="90000"/>
-              </a:lnSpc>
-              <a:buFont typeface="Wingdings" panose="05000000000000000000" pitchFamily="2" charset="2"/>
-              <a:buChar char="q"/>
-            </a:pPr>
-            <a:r>
-              <a:rPr lang="en-US" sz="2000"/>
-              <a:t>Business</a:t>
-            </a:r>
-          </a:p>
-          <a:p>
-            <a:pPr lvl="1">
-              <a:lnSpc>
-                <a:spcPct val="90000"/>
-              </a:lnSpc>
-              <a:buFont typeface="Wingdings" panose="05000000000000000000" pitchFamily="2" charset="2"/>
-              <a:buChar char="q"/>
-            </a:pPr>
-            <a:r>
-              <a:rPr lang="en-US" sz="2000"/>
-              <a:t>Health and Medicine</a:t>
-            </a:r>
-          </a:p>
-          <a:p>
-            <a:pPr lvl="1">
-              <a:lnSpc>
-                <a:spcPct val="90000"/>
-              </a:lnSpc>
-              <a:buFont typeface="Wingdings" panose="05000000000000000000" pitchFamily="2" charset="2"/>
-              <a:buChar char="q"/>
-            </a:pPr>
-            <a:r>
-              <a:rPr lang="en-US" sz="2000"/>
-              <a:t>Science, Math, and Technology</a:t>
-            </a:r>
-          </a:p>
-          <a:p>
-            <a:pPr lvl="1">
-              <a:lnSpc>
-                <a:spcPct val="90000"/>
-              </a:lnSpc>
-              <a:buFont typeface="Wingdings" panose="05000000000000000000" pitchFamily="2" charset="2"/>
-              <a:buChar char="q"/>
-            </a:pPr>
-            <a:r>
-              <a:rPr lang="en-US" sz="2000"/>
-              <a:t>Social Sciences</a:t>
-            </a:r>
-          </a:p>
-          <a:p>
-            <a:pPr>
-              <a:lnSpc>
-                <a:spcPct val="90000"/>
-              </a:lnSpc>
-            </a:pPr>
-            <a:endParaRPr lang="en-US" sz="2000"/>
-          </a:p>
-        </p:txBody>
-      </p:sp>
-      <p:sp>
-        <p:nvSpPr>
-          <p:cNvPr id="5" name="Title 4">
-            <a:extLst>
-              <a:ext uri="{FF2B5EF4-FFF2-40B4-BE49-F238E27FC236}">
-                <a16:creationId xmlns:a16="http://schemas.microsoft.com/office/drawing/2014/main" id="{8656D822-A16C-27EC-F7D3-8894F12C55D8}"/>
-              </a:ext>
-            </a:extLst>
-          </p:cNvPr>
-          <p:cNvSpPr>
-            <a:spLocks noGrp="1"/>
-          </p:cNvSpPr>
-          <p:nvPr>
-            <p:ph type="title"/>
-          </p:nvPr>
-        </p:nvSpPr>
-        <p:spPr>
-          <a:xfrm>
-            <a:off x="457200" y="205979"/>
-            <a:ext cx="8229600" cy="734738"/>
-          </a:xfrm>
-        </p:spPr>
-        <p:txBody>
-          <a:bodyPr anchor="ctr">
-            <a:normAutofit/>
-          </a:bodyPr>
-          <a:lstStyle/>
-          <a:p>
-            <a:r>
-              <a:rPr lang="en-US" dirty="0"/>
-              <a:t>Rotting Research: The Study</a:t>
-            </a:r>
+              <a:rPr lang="en-US" sz="2400" dirty="0"/>
+              <a:t>Wiley’s articles were cited more than 35,000 times. </a:t>
+            </a:r>
+            <a:r>
+              <a:rPr lang="en-US" sz="2400" b="0" i="0" u="none" strike="noStrike" baseline="30000" dirty="0"/>
+              <a:t>8</a:t>
+            </a:r>
+            <a:endParaRPr lang="en-US" sz="2400" dirty="0"/>
           </a:p>
         </p:txBody>
       </p:sp>
     </p:spTree>
     <p:extLst>
       <p:ext uri="{BB962C8B-B14F-4D97-AF65-F5344CB8AC3E}">
-        <p14:creationId xmlns:p14="http://schemas.microsoft.com/office/powerpoint/2010/main" val="4079877882"/>
+        <p14:creationId xmlns:p14="http://schemas.microsoft.com/office/powerpoint/2010/main" val="1264046897"/>
       </p:ext>
     </p:extLst>
   </p:cSld>
@@ -5521,6 +6446,212 @@
       </p:grpSpPr>
       <p:sp>
         <p:nvSpPr>
+          <p:cNvPr id="2" name="Content Placeholder 1">
+            <a:extLst>
+              <a:ext uri="{FF2B5EF4-FFF2-40B4-BE49-F238E27FC236}">
+                <a16:creationId xmlns:a16="http://schemas.microsoft.com/office/drawing/2014/main" id="{75C5FA54-AA1C-D18E-9AB4-EAF765C1D60B}"/>
+              </a:ext>
+            </a:extLst>
+          </p:cNvPr>
+          <p:cNvSpPr>
+            <a:spLocks noGrp="1"/>
+          </p:cNvSpPr>
+          <p:nvPr>
+            <p:ph idx="1"/>
+          </p:nvPr>
+        </p:nvSpPr>
+        <p:spPr>
+          <a:xfrm>
+            <a:off x="457200" y="1070199"/>
+            <a:ext cx="8229600" cy="3110492"/>
+          </a:xfrm>
+        </p:spPr>
+        <p:txBody>
+          <a:bodyPr>
+            <a:normAutofit/>
+          </a:bodyPr>
+          <a:lstStyle/>
+          <a:p>
+            <a:pPr marL="457200" indent="-457200">
+              <a:lnSpc>
+                <a:spcPct val="90000"/>
+              </a:lnSpc>
+              <a:buFont typeface="Wingdings" panose="05000000000000000000" pitchFamily="2" charset="2"/>
+              <a:buChar char="§"/>
+            </a:pPr>
+            <a:r>
+              <a:rPr lang="en-US" sz="2000"/>
+              <a:t>2,500 peer-reviewed scholarly articles.</a:t>
+            </a:r>
+          </a:p>
+          <a:p>
+            <a:pPr marL="457200" indent="-457200">
+              <a:lnSpc>
+                <a:spcPct val="90000"/>
+              </a:lnSpc>
+              <a:buFont typeface="Wingdings" panose="05000000000000000000" pitchFamily="2" charset="2"/>
+              <a:buChar char="§"/>
+            </a:pPr>
+            <a:r>
+              <a:rPr lang="en-US" sz="2000"/>
+              <a:t>Published between 2013 and 2022. 250 publications per year.</a:t>
+            </a:r>
+          </a:p>
+          <a:p>
+            <a:pPr marL="457200" indent="-457200">
+              <a:lnSpc>
+                <a:spcPct val="90000"/>
+              </a:lnSpc>
+              <a:buFont typeface="Wingdings" panose="05000000000000000000" pitchFamily="2" charset="2"/>
+              <a:buChar char="§"/>
+            </a:pPr>
+            <a:r>
+              <a:rPr lang="en-US" sz="2000"/>
+              <a:t>500 publications from each of the 5 disciplines:</a:t>
+            </a:r>
+          </a:p>
+          <a:p>
+            <a:pPr lvl="1">
+              <a:lnSpc>
+                <a:spcPct val="90000"/>
+              </a:lnSpc>
+              <a:buFont typeface="Wingdings" panose="05000000000000000000" pitchFamily="2" charset="2"/>
+              <a:buChar char="q"/>
+            </a:pPr>
+            <a:r>
+              <a:rPr lang="en-US" sz="2000"/>
+              <a:t>Arts &amp; Humanities</a:t>
+            </a:r>
+          </a:p>
+          <a:p>
+            <a:pPr lvl="1">
+              <a:lnSpc>
+                <a:spcPct val="90000"/>
+              </a:lnSpc>
+              <a:buFont typeface="Wingdings" panose="05000000000000000000" pitchFamily="2" charset="2"/>
+              <a:buChar char="q"/>
+            </a:pPr>
+            <a:r>
+              <a:rPr lang="en-US" sz="2000"/>
+              <a:t>Business</a:t>
+            </a:r>
+          </a:p>
+          <a:p>
+            <a:pPr lvl="1">
+              <a:lnSpc>
+                <a:spcPct val="90000"/>
+              </a:lnSpc>
+              <a:buFont typeface="Wingdings" panose="05000000000000000000" pitchFamily="2" charset="2"/>
+              <a:buChar char="q"/>
+            </a:pPr>
+            <a:r>
+              <a:rPr lang="en-US" sz="2000"/>
+              <a:t>Health and Medicine</a:t>
+            </a:r>
+          </a:p>
+          <a:p>
+            <a:pPr lvl="1">
+              <a:lnSpc>
+                <a:spcPct val="90000"/>
+              </a:lnSpc>
+              <a:buFont typeface="Wingdings" panose="05000000000000000000" pitchFamily="2" charset="2"/>
+              <a:buChar char="q"/>
+            </a:pPr>
+            <a:r>
+              <a:rPr lang="en-US" sz="2000"/>
+              <a:t>Science, Math, and Technology</a:t>
+            </a:r>
+          </a:p>
+          <a:p>
+            <a:pPr lvl="1">
+              <a:lnSpc>
+                <a:spcPct val="90000"/>
+              </a:lnSpc>
+              <a:buFont typeface="Wingdings" panose="05000000000000000000" pitchFamily="2" charset="2"/>
+              <a:buChar char="q"/>
+            </a:pPr>
+            <a:r>
+              <a:rPr lang="en-US" sz="2000"/>
+              <a:t>Social Sciences</a:t>
+            </a:r>
+          </a:p>
+          <a:p>
+            <a:pPr>
+              <a:lnSpc>
+                <a:spcPct val="90000"/>
+              </a:lnSpc>
+            </a:pPr>
+            <a:endParaRPr lang="en-US" sz="2000"/>
+          </a:p>
+        </p:txBody>
+      </p:sp>
+      <p:sp>
+        <p:nvSpPr>
+          <p:cNvPr id="5" name="Title 4">
+            <a:extLst>
+              <a:ext uri="{FF2B5EF4-FFF2-40B4-BE49-F238E27FC236}">
+                <a16:creationId xmlns:a16="http://schemas.microsoft.com/office/drawing/2014/main" id="{8656D822-A16C-27EC-F7D3-8894F12C55D8}"/>
+              </a:ext>
+            </a:extLst>
+          </p:cNvPr>
+          <p:cNvSpPr>
+            <a:spLocks noGrp="1"/>
+          </p:cNvSpPr>
+          <p:nvPr>
+            <p:ph type="title"/>
+          </p:nvPr>
+        </p:nvSpPr>
+        <p:spPr>
+          <a:xfrm>
+            <a:off x="457200" y="205979"/>
+            <a:ext cx="8229600" cy="734738"/>
+          </a:xfrm>
+        </p:spPr>
+        <p:txBody>
+          <a:bodyPr anchor="ctr">
+            <a:normAutofit/>
+          </a:bodyPr>
+          <a:lstStyle/>
+          <a:p>
+            <a:r>
+              <a:rPr lang="en-US" dirty="0"/>
+              <a:t>Rotting Research: The Study</a:t>
+            </a:r>
+          </a:p>
+        </p:txBody>
+      </p:sp>
+    </p:spTree>
+    <p:extLst>
+      <p:ext uri="{BB962C8B-B14F-4D97-AF65-F5344CB8AC3E}">
+        <p14:creationId xmlns:p14="http://schemas.microsoft.com/office/powerpoint/2010/main" val="4079877882"/>
+      </p:ext>
+    </p:extLst>
+  </p:cSld>
+  <p:clrMapOvr>
+    <a:masterClrMapping/>
+  </p:clrMapOvr>
+</p:sld>
+</file>
+
+<file path=ppt/slides/slide12.xml><?xml version="1.0" encoding="utf-8"?>
+<p:sld xmlns:a="http://schemas.openxmlformats.org/drawingml/2006/main" xmlns:r="http://schemas.openxmlformats.org/officeDocument/2006/relationships" xmlns:p="http://schemas.openxmlformats.org/presentationml/2006/main">
+  <p:cSld>
+    <p:spTree>
+      <p:nvGrpSpPr>
+        <p:cNvPr id="1" name=""/>
+        <p:cNvGrpSpPr/>
+        <p:nvPr/>
+      </p:nvGrpSpPr>
+      <p:grpSpPr>
+        <a:xfrm>
+          <a:off x="0" y="0"/>
+          <a:ext cx="0" cy="0"/>
+          <a:chOff x="0" y="0"/>
+          <a:chExt cx="0" cy="0"/>
+        </a:xfrm>
+      </p:grpSpPr>
+      <p:sp>
+        <p:nvSpPr>
           <p:cNvPr id="4" name="Title 3">
             <a:extLst>
               <a:ext uri="{FF2B5EF4-FFF2-40B4-BE49-F238E27FC236}">
@@ -5632,7 +6763,7 @@
 </p:sld>
 </file>
 
-<file path=ppt/slides/slide12.xml><?xml version="1.0" encoding="utf-8"?>
+<file path=ppt/slides/slide13.xml><?xml version="1.0" encoding="utf-8"?>
 <p:sld xmlns:a="http://schemas.openxmlformats.org/drawingml/2006/main" xmlns:r="http://schemas.openxmlformats.org/officeDocument/2006/relationships" xmlns:p="http://schemas.openxmlformats.org/presentationml/2006/main">
   <p:cSld>
     <p:spTree>
@@ -5676,7 +6807,7 @@
         </p:xfrm>
         <a:graphic>
           <a:graphicData uri="http://schemas.openxmlformats.org/drawingml/2006/chart">
-            <c:chart xmlns:c="http://schemas.openxmlformats.org/drawingml/2006/chart" xmlns:r="http://schemas.openxmlformats.org/officeDocument/2006/relationships" r:id="rId2"/>
+            <c:chart xmlns:c="http://schemas.openxmlformats.org/drawingml/2006/chart" xmlns:r="http://schemas.openxmlformats.org/officeDocument/2006/relationships" r:id="rId3"/>
           </a:graphicData>
         </a:graphic>
       </p:graphicFrame>
@@ -5830,229 +6961,6 @@
     <p:extLst>
       <p:ext uri="{BB962C8B-B14F-4D97-AF65-F5344CB8AC3E}">
         <p14:creationId xmlns:p14="http://schemas.microsoft.com/office/powerpoint/2010/main" val="262231424"/>
-      </p:ext>
-    </p:extLst>
-  </p:cSld>
-  <p:clrMapOvr>
-    <a:masterClrMapping/>
-  </p:clrMapOvr>
-</p:sld>
-</file>
-
-<file path=ppt/slides/slide13.xml><?xml version="1.0" encoding="utf-8"?>
-<p:sld xmlns:a="http://schemas.openxmlformats.org/drawingml/2006/main" xmlns:r="http://schemas.openxmlformats.org/officeDocument/2006/relationships" xmlns:p="http://schemas.openxmlformats.org/presentationml/2006/main">
-  <p:cSld>
-    <p:spTree>
-      <p:nvGrpSpPr>
-        <p:cNvPr id="1" name=""/>
-        <p:cNvGrpSpPr/>
-        <p:nvPr/>
-      </p:nvGrpSpPr>
-      <p:grpSpPr>
-        <a:xfrm>
-          <a:off x="0" y="0"/>
-          <a:ext cx="0" cy="0"/>
-          <a:chOff x="0" y="0"/>
-          <a:chExt cx="0" cy="0"/>
-        </a:xfrm>
-      </p:grpSpPr>
-      <p:sp>
-        <p:nvSpPr>
-          <p:cNvPr id="5" name="Content Placeholder 4">
-            <a:extLst>
-              <a:ext uri="{FF2B5EF4-FFF2-40B4-BE49-F238E27FC236}">
-                <a16:creationId xmlns:a16="http://schemas.microsoft.com/office/drawing/2014/main" id="{ED5124F5-5909-E264-5C59-8EFDA8B54CF5}"/>
-              </a:ext>
-            </a:extLst>
-          </p:cNvPr>
-          <p:cNvSpPr>
-            <a:spLocks noGrp="1"/>
-          </p:cNvSpPr>
-          <p:nvPr>
-            <p:ph idx="1"/>
-          </p:nvPr>
-        </p:nvSpPr>
-        <p:spPr>
-          <a:xfrm>
-            <a:off x="109728" y="1175175"/>
-            <a:ext cx="5998464" cy="3096952"/>
-          </a:xfrm>
-        </p:spPr>
-        <p:txBody>
-          <a:bodyPr>
-            <a:normAutofit/>
-          </a:bodyPr>
-          <a:lstStyle/>
-          <a:p>
-            <a:pPr>
-              <a:lnSpc>
-                <a:spcPct val="90000"/>
-              </a:lnSpc>
-            </a:pPr>
-            <a:r>
-              <a:rPr lang="en-US" sz="2000" dirty="0"/>
-              <a:t>Mean of broken DOIs by academic domain.</a:t>
-            </a:r>
-            <a:r>
-              <a:rPr lang="en-US" sz="2000" baseline="30000" dirty="0"/>
-              <a:t> 5</a:t>
-            </a:r>
-            <a:endParaRPr lang="en-US" sz="2000" dirty="0"/>
-          </a:p>
-          <a:p>
-            <a:pPr lvl="1">
-              <a:lnSpc>
-                <a:spcPct val="90000"/>
-              </a:lnSpc>
-              <a:buFont typeface="Wingdings" panose="05000000000000000000" pitchFamily="2" charset="2"/>
-              <a:buChar char="§"/>
-            </a:pPr>
-            <a:r>
-              <a:rPr lang="en-US" dirty="0"/>
-              <a:t>Arts &amp; Humanities – 42%</a:t>
-            </a:r>
-          </a:p>
-          <a:p>
-            <a:pPr lvl="1">
-              <a:lnSpc>
-                <a:spcPct val="90000"/>
-              </a:lnSpc>
-              <a:buFont typeface="Wingdings" panose="05000000000000000000" pitchFamily="2" charset="2"/>
-              <a:buChar char="§"/>
-            </a:pPr>
-            <a:r>
-              <a:rPr lang="en-US" dirty="0"/>
-              <a:t>Business – 44%</a:t>
-            </a:r>
-          </a:p>
-          <a:p>
-            <a:pPr lvl="1">
-              <a:lnSpc>
-                <a:spcPct val="90000"/>
-              </a:lnSpc>
-              <a:buFont typeface="Wingdings" panose="05000000000000000000" pitchFamily="2" charset="2"/>
-              <a:buChar char="§"/>
-            </a:pPr>
-            <a:r>
-              <a:rPr lang="en-US" dirty="0"/>
-              <a:t>Health &amp; Medicine – 33%</a:t>
-            </a:r>
-          </a:p>
-          <a:p>
-            <a:pPr lvl="1">
-              <a:lnSpc>
-                <a:spcPct val="90000"/>
-              </a:lnSpc>
-              <a:buFont typeface="Wingdings" panose="05000000000000000000" pitchFamily="2" charset="2"/>
-              <a:buChar char="§"/>
-            </a:pPr>
-            <a:r>
-              <a:rPr lang="en-US" dirty="0"/>
-              <a:t>Science, Math, &amp; Technology – 23%</a:t>
-            </a:r>
-          </a:p>
-          <a:p>
-            <a:pPr lvl="1">
-              <a:lnSpc>
-                <a:spcPct val="90000"/>
-              </a:lnSpc>
-              <a:buFont typeface="Wingdings" panose="05000000000000000000" pitchFamily="2" charset="2"/>
-              <a:buChar char="§"/>
-            </a:pPr>
-            <a:r>
-              <a:rPr lang="en-US" dirty="0"/>
-              <a:t>Social Sciences – 40%</a:t>
-            </a:r>
-          </a:p>
-          <a:p>
-            <a:pPr>
-              <a:lnSpc>
-                <a:spcPct val="90000"/>
-              </a:lnSpc>
-            </a:pPr>
-            <a:endParaRPr lang="en-US" sz="2000" dirty="0"/>
-          </a:p>
-          <a:p>
-            <a:pPr>
-              <a:lnSpc>
-                <a:spcPct val="90000"/>
-              </a:lnSpc>
-            </a:pPr>
-            <a:endParaRPr lang="en-US" sz="2000" dirty="0"/>
-          </a:p>
-        </p:txBody>
-      </p:sp>
-      <p:graphicFrame>
-        <p:nvGraphicFramePr>
-          <p:cNvPr id="6" name="Content Placeholder 5">
-            <a:extLst>
-              <a:ext uri="{FF2B5EF4-FFF2-40B4-BE49-F238E27FC236}">
-                <a16:creationId xmlns:a16="http://schemas.microsoft.com/office/drawing/2014/main" id="{12DADA47-F277-A2E9-7557-2515F1B696EC}"/>
-              </a:ext>
-            </a:extLst>
-          </p:cNvPr>
-          <p:cNvGraphicFramePr>
-            <a:graphicFrameLocks noGrp="1"/>
-          </p:cNvGraphicFramePr>
-          <p:nvPr>
-            <p:ph idx="11"/>
-            <p:extLst>
-              <p:ext uri="{D42A27DB-BD31-4B8C-83A1-F6EECF244321}">
-                <p14:modId xmlns:p14="http://schemas.microsoft.com/office/powerpoint/2010/main" val="341837021"/>
-              </p:ext>
-            </p:extLst>
-          </p:nvPr>
-        </p:nvGraphicFramePr>
-        <p:xfrm>
-          <a:off x="4660900" y="1096963"/>
-          <a:ext cx="4025900" cy="3084512"/>
-        </p:xfrm>
-        <a:graphic>
-          <a:graphicData uri="http://schemas.openxmlformats.org/drawingml/2006/chart">
-            <c:chart xmlns:c="http://schemas.openxmlformats.org/drawingml/2006/chart" xmlns:r="http://schemas.openxmlformats.org/officeDocument/2006/relationships" r:id="rId2"/>
-          </a:graphicData>
-        </a:graphic>
-      </p:graphicFrame>
-      <p:sp>
-        <p:nvSpPr>
-          <p:cNvPr id="4" name="Title 3">
-            <a:extLst>
-              <a:ext uri="{FF2B5EF4-FFF2-40B4-BE49-F238E27FC236}">
-                <a16:creationId xmlns:a16="http://schemas.microsoft.com/office/drawing/2014/main" id="{C43EF85A-9EF5-2DBE-2ECF-2711A4E4A77E}"/>
-              </a:ext>
-            </a:extLst>
-          </p:cNvPr>
-          <p:cNvSpPr>
-            <a:spLocks noGrp="1"/>
-          </p:cNvSpPr>
-          <p:nvPr>
-            <p:ph type="title"/>
-          </p:nvPr>
-        </p:nvSpPr>
-        <p:spPr>
-          <a:xfrm>
-            <a:off x="457200" y="205979"/>
-            <a:ext cx="8229600" cy="734738"/>
-          </a:xfrm>
-        </p:spPr>
-        <p:txBody>
-          <a:bodyPr anchor="ctr">
-            <a:normAutofit/>
-          </a:bodyPr>
-          <a:lstStyle/>
-          <a:p>
-            <a:r>
-              <a:rPr lang="en-US" dirty="0"/>
-              <a:t>Rotting Research: The Study</a:t>
-            </a:r>
-            <a:endParaRPr lang="en-US"/>
-          </a:p>
-        </p:txBody>
-      </p:sp>
-    </p:spTree>
-    <p:extLst>
-      <p:ext uri="{BB962C8B-B14F-4D97-AF65-F5344CB8AC3E}">
-        <p14:creationId xmlns:p14="http://schemas.microsoft.com/office/powerpoint/2010/main" val="718210527"/>
       </p:ext>
     </p:extLst>
   </p:cSld>
@@ -6081,6 +6989,163 @@
       </p:grpSpPr>
       <p:sp>
         <p:nvSpPr>
+          <p:cNvPr id="5" name="Content Placeholder 4">
+            <a:extLst>
+              <a:ext uri="{FF2B5EF4-FFF2-40B4-BE49-F238E27FC236}">
+                <a16:creationId xmlns:a16="http://schemas.microsoft.com/office/drawing/2014/main" id="{ED5124F5-5909-E264-5C59-8EFDA8B54CF5}"/>
+              </a:ext>
+            </a:extLst>
+          </p:cNvPr>
+          <p:cNvSpPr>
+            <a:spLocks noGrp="1"/>
+          </p:cNvSpPr>
+          <p:nvPr>
+            <p:ph idx="1"/>
+          </p:nvPr>
+        </p:nvSpPr>
+        <p:spPr>
+          <a:xfrm>
+            <a:off x="109728" y="1175175"/>
+            <a:ext cx="5998464" cy="3096952"/>
+          </a:xfrm>
+        </p:spPr>
+        <p:txBody>
+          <a:bodyPr>
+            <a:normAutofit/>
+          </a:bodyPr>
+          <a:lstStyle/>
+          <a:p>
+            <a:pPr>
+              <a:lnSpc>
+                <a:spcPct val="90000"/>
+              </a:lnSpc>
+            </a:pPr>
+            <a:r>
+              <a:rPr lang="en-US" sz="2000" dirty="0"/>
+              <a:t>Mean of broken DOIs by academic domain.</a:t>
+            </a:r>
+            <a:r>
+              <a:rPr lang="en-US" sz="2000" baseline="30000" dirty="0"/>
+              <a:t> 5</a:t>
+            </a:r>
+            <a:endParaRPr lang="en-US" sz="2000" dirty="0"/>
+          </a:p>
+          <a:p>
+            <a:pPr lvl="1">
+              <a:lnSpc>
+                <a:spcPct val="90000"/>
+              </a:lnSpc>
+              <a:buFont typeface="Wingdings" panose="05000000000000000000" pitchFamily="2" charset="2"/>
+              <a:buChar char="§"/>
+            </a:pPr>
+            <a:r>
+              <a:rPr lang="en-US" dirty="0"/>
+              <a:t>Arts &amp; Humanities – 42%</a:t>
+            </a:r>
+          </a:p>
+          <a:p>
+            <a:pPr lvl="1">
+              <a:lnSpc>
+                <a:spcPct val="90000"/>
+              </a:lnSpc>
+              <a:buFont typeface="Wingdings" panose="05000000000000000000" pitchFamily="2" charset="2"/>
+              <a:buChar char="§"/>
+            </a:pPr>
+            <a:r>
+              <a:rPr lang="en-US" dirty="0"/>
+              <a:t>Business – 44%</a:t>
+            </a:r>
+          </a:p>
+          <a:p>
+            <a:pPr lvl="1">
+              <a:lnSpc>
+                <a:spcPct val="90000"/>
+              </a:lnSpc>
+              <a:buFont typeface="Wingdings" panose="05000000000000000000" pitchFamily="2" charset="2"/>
+              <a:buChar char="§"/>
+            </a:pPr>
+            <a:r>
+              <a:rPr lang="en-US" dirty="0"/>
+              <a:t>Health &amp; Medicine – 33%</a:t>
+            </a:r>
+          </a:p>
+          <a:p>
+            <a:pPr lvl="1">
+              <a:lnSpc>
+                <a:spcPct val="90000"/>
+              </a:lnSpc>
+              <a:buFont typeface="Wingdings" panose="05000000000000000000" pitchFamily="2" charset="2"/>
+              <a:buChar char="§"/>
+            </a:pPr>
+            <a:r>
+              <a:rPr lang="en-US" dirty="0"/>
+              <a:t>Science, Math, &amp; Technology – 23%</a:t>
+            </a:r>
+          </a:p>
+          <a:p>
+            <a:pPr lvl="1">
+              <a:lnSpc>
+                <a:spcPct val="90000"/>
+              </a:lnSpc>
+              <a:buFont typeface="Wingdings" panose="05000000000000000000" pitchFamily="2" charset="2"/>
+              <a:buChar char="§"/>
+            </a:pPr>
+            <a:r>
+              <a:rPr lang="en-US" dirty="0"/>
+              <a:t>Social Sciences – 40%</a:t>
+            </a:r>
+          </a:p>
+          <a:p>
+            <a:pPr>
+              <a:lnSpc>
+                <a:spcPct val="90000"/>
+              </a:lnSpc>
+            </a:pPr>
+            <a:endParaRPr lang="en-US" sz="2000" dirty="0"/>
+          </a:p>
+          <a:p>
+            <a:pPr>
+              <a:lnSpc>
+                <a:spcPct val="90000"/>
+              </a:lnSpc>
+            </a:pPr>
+            <a:endParaRPr lang="en-US" sz="2000" dirty="0"/>
+          </a:p>
+        </p:txBody>
+      </p:sp>
+      <p:graphicFrame>
+        <p:nvGraphicFramePr>
+          <p:cNvPr id="6" name="Content Placeholder 5">
+            <a:extLst>
+              <a:ext uri="{FF2B5EF4-FFF2-40B4-BE49-F238E27FC236}">
+                <a16:creationId xmlns:a16="http://schemas.microsoft.com/office/drawing/2014/main" id="{12DADA47-F277-A2E9-7557-2515F1B696EC}"/>
+              </a:ext>
+            </a:extLst>
+          </p:cNvPr>
+          <p:cNvGraphicFramePr>
+            <a:graphicFrameLocks noGrp="1"/>
+          </p:cNvGraphicFramePr>
+          <p:nvPr>
+            <p:ph idx="11"/>
+            <p:extLst>
+              <p:ext uri="{D42A27DB-BD31-4B8C-83A1-F6EECF244321}">
+                <p14:modId xmlns:p14="http://schemas.microsoft.com/office/powerpoint/2010/main" val="341837021"/>
+              </p:ext>
+            </p:extLst>
+          </p:nvPr>
+        </p:nvGraphicFramePr>
+        <p:xfrm>
+          <a:off x="4660900" y="1096963"/>
+          <a:ext cx="4025900" cy="3084512"/>
+        </p:xfrm>
+        <a:graphic>
+          <a:graphicData uri="http://schemas.openxmlformats.org/drawingml/2006/chart">
+            <c:chart xmlns:c="http://schemas.openxmlformats.org/drawingml/2006/chart" xmlns:r="http://schemas.openxmlformats.org/officeDocument/2006/relationships" r:id="rId3"/>
+          </a:graphicData>
+        </a:graphic>
+      </p:graphicFrame>
+      <p:sp>
+        <p:nvSpPr>
           <p:cNvPr id="4" name="Title 3">
             <a:extLst>
               <a:ext uri="{FF2B5EF4-FFF2-40B4-BE49-F238E27FC236}">
@@ -6095,95 +7160,30 @@
             <p:ph type="title"/>
           </p:nvPr>
         </p:nvSpPr>
-        <p:spPr/>
-        <p:txBody>
-          <a:bodyPr/>
-          <a:lstStyle/>
-          <a:p>
-            <a:r>
-              <a:rPr lang="en-US" dirty="0"/>
-              <a:t>Other Findings</a:t>
-            </a:r>
-          </a:p>
-        </p:txBody>
-      </p:sp>
-      <p:sp>
-        <p:nvSpPr>
-          <p:cNvPr id="5" name="Content Placeholder 4">
-            <a:extLst>
-              <a:ext uri="{FF2B5EF4-FFF2-40B4-BE49-F238E27FC236}">
-                <a16:creationId xmlns:a16="http://schemas.microsoft.com/office/drawing/2014/main" id="{ED5124F5-5909-E264-5C59-8EFDA8B54CF5}"/>
-              </a:ext>
-            </a:extLst>
-          </p:cNvPr>
-          <p:cNvSpPr>
-            <a:spLocks noGrp="1"/>
-          </p:cNvSpPr>
-          <p:nvPr>
-            <p:ph idx="1"/>
-          </p:nvPr>
-        </p:nvSpPr>
-        <p:spPr/>
-        <p:txBody>
-          <a:bodyPr>
+        <p:spPr>
+          <a:xfrm>
+            <a:off x="457200" y="205979"/>
+            <a:ext cx="8229600" cy="734738"/>
+          </a:xfrm>
+        </p:spPr>
+        <p:txBody>
+          <a:bodyPr anchor="ctr">
             <a:normAutofit/>
           </a:bodyPr>
           <a:lstStyle/>
           <a:p>
-            <a:pPr marL="457200" indent="-457200">
-              <a:buFont typeface="Wingdings" panose="05000000000000000000" pitchFamily="2" charset="2"/>
-              <a:buChar char="§"/>
-            </a:pPr>
-            <a:r>
-              <a:rPr lang="en-US" sz="2400" dirty="0">
-                <a:effectLst/>
-                <a:ea typeface="Calibri" panose="020F0502020204030204" pitchFamily="34" charset="0"/>
-              </a:rPr>
-              <a:t>Publishers have internal policies to address DOIs. </a:t>
-            </a:r>
-          </a:p>
-          <a:p>
-            <a:pPr marL="457200" indent="-457200">
-              <a:buFont typeface="Wingdings" panose="05000000000000000000" pitchFamily="2" charset="2"/>
-              <a:buChar char="§"/>
-            </a:pPr>
-            <a:r>
-              <a:rPr lang="en-US" sz="2400" dirty="0">
-                <a:effectLst/>
-                <a:ea typeface="Calibri" panose="020F0502020204030204" pitchFamily="34" charset="0"/>
-              </a:rPr>
-              <a:t>Publishers hide their DOIs behind a paywall.</a:t>
-            </a:r>
-          </a:p>
-          <a:p>
-            <a:pPr marL="457200" indent="-457200">
-              <a:buFont typeface="Wingdings" panose="05000000000000000000" pitchFamily="2" charset="2"/>
-              <a:buChar char="§"/>
-            </a:pPr>
-            <a:r>
-              <a:rPr lang="en-US" sz="2400" dirty="0">
-                <a:effectLst/>
-                <a:ea typeface="Calibri" panose="020F0502020204030204" pitchFamily="34" charset="0"/>
-              </a:rPr>
-              <a:t>Publishers use 3rd-party services for their DOIs. </a:t>
-            </a:r>
-          </a:p>
-          <a:p>
-            <a:r>
-              <a:rPr lang="en-US" sz="2800" dirty="0">
-                <a:effectLst/>
-                <a:latin typeface="Times New Roman" panose="02020603050405020304" pitchFamily="18" charset="0"/>
-                <a:ea typeface="Calibri" panose="020F0502020204030204" pitchFamily="34" charset="0"/>
-              </a:rPr>
-              <a:t> </a:t>
-            </a:r>
+            <a:r>
+              <a:rPr lang="en-US" dirty="0"/>
+              <a:t>Rotting Research: The Study</a:t>
+            </a:r>
+            <a:endParaRPr lang="en-US"/>
           </a:p>
         </p:txBody>
       </p:sp>
     </p:spTree>
     <p:extLst>
       <p:ext uri="{BB962C8B-B14F-4D97-AF65-F5344CB8AC3E}">
-        <p14:creationId xmlns:p14="http://schemas.microsoft.com/office/powerpoint/2010/main" val="879927564"/>
+        <p14:creationId xmlns:p14="http://schemas.microsoft.com/office/powerpoint/2010/main" val="718210527"/>
       </p:ext>
     </p:extLst>
   </p:cSld>
@@ -6266,8 +7266,11 @@
               <a:buChar char="§"/>
             </a:pPr>
             <a:r>
-              <a:rPr lang="en-US" sz="2400" dirty="0"/>
-              <a:t>Style guides may play a part in this issue. </a:t>
+              <a:rPr lang="en-US" sz="2400" dirty="0">
+                <a:effectLst/>
+                <a:ea typeface="Calibri" panose="020F0502020204030204" pitchFamily="34" charset="0"/>
+              </a:rPr>
+              <a:t>Publishers have internal policies to address DOIs. </a:t>
             </a:r>
           </a:p>
           <a:p>
@@ -6276,8 +7279,11 @@
               <a:buChar char="§"/>
             </a:pPr>
             <a:r>
-              <a:rPr lang="en-US" sz="2400" dirty="0"/>
-              <a:t>Study guides are updated at different intervals.</a:t>
+              <a:rPr lang="en-US" sz="2400" dirty="0">
+                <a:effectLst/>
+                <a:ea typeface="Calibri" panose="020F0502020204030204" pitchFamily="34" charset="0"/>
+              </a:rPr>
+              <a:t>Publishers hide their DOIs behind a paywall.</a:t>
             </a:r>
           </a:p>
           <a:p>
@@ -6286,22 +7292,29 @@
               <a:buChar char="§"/>
             </a:pPr>
             <a:r>
-              <a:rPr lang="en-US" sz="2400" dirty="0"/>
-              <a:t>Some contain outdated information.</a:t>
-            </a:r>
-          </a:p>
-          <a:p>
-            <a:endParaRPr lang="en-US" dirty="0"/>
-          </a:p>
-          <a:p>
-            <a:endParaRPr lang="en-US" dirty="0"/>
+              <a:rPr lang="en-US" sz="2400" dirty="0">
+                <a:effectLst/>
+                <a:ea typeface="Calibri" panose="020F0502020204030204" pitchFamily="34" charset="0"/>
+              </a:rPr>
+              <a:t>Publishers use 3rd-party services for their DOIs. </a:t>
+            </a:r>
+          </a:p>
+          <a:p>
+            <a:r>
+              <a:rPr lang="en-US" sz="2800" dirty="0">
+                <a:effectLst/>
+                <a:latin typeface="Times New Roman" panose="02020603050405020304" pitchFamily="18" charset="0"/>
+                <a:ea typeface="Calibri" panose="020F0502020204030204" pitchFamily="34" charset="0"/>
+              </a:rPr>
+              <a:t> </a:t>
+            </a:r>
           </a:p>
         </p:txBody>
       </p:sp>
     </p:spTree>
     <p:extLst>
       <p:ext uri="{BB962C8B-B14F-4D97-AF65-F5344CB8AC3E}">
-        <p14:creationId xmlns:p14="http://schemas.microsoft.com/office/powerpoint/2010/main" val="4113647300"/>
+        <p14:creationId xmlns:p14="http://schemas.microsoft.com/office/powerpoint/2010/main" val="879927564"/>
       </p:ext>
     </p:extLst>
   </p:cSld>
@@ -6330,6 +7343,124 @@
       </p:grpSpPr>
       <p:sp>
         <p:nvSpPr>
+          <p:cNvPr id="4" name="Title 3">
+            <a:extLst>
+              <a:ext uri="{FF2B5EF4-FFF2-40B4-BE49-F238E27FC236}">
+                <a16:creationId xmlns:a16="http://schemas.microsoft.com/office/drawing/2014/main" id="{C43EF85A-9EF5-2DBE-2ECF-2711A4E4A77E}"/>
+              </a:ext>
+            </a:extLst>
+          </p:cNvPr>
+          <p:cNvSpPr>
+            <a:spLocks noGrp="1"/>
+          </p:cNvSpPr>
+          <p:nvPr>
+            <p:ph type="title"/>
+          </p:nvPr>
+        </p:nvSpPr>
+        <p:spPr/>
+        <p:txBody>
+          <a:bodyPr/>
+          <a:lstStyle/>
+          <a:p>
+            <a:r>
+              <a:rPr lang="en-US" dirty="0"/>
+              <a:t>Other Findings</a:t>
+            </a:r>
+          </a:p>
+        </p:txBody>
+      </p:sp>
+      <p:sp>
+        <p:nvSpPr>
+          <p:cNvPr id="5" name="Content Placeholder 4">
+            <a:extLst>
+              <a:ext uri="{FF2B5EF4-FFF2-40B4-BE49-F238E27FC236}">
+                <a16:creationId xmlns:a16="http://schemas.microsoft.com/office/drawing/2014/main" id="{ED5124F5-5909-E264-5C59-8EFDA8B54CF5}"/>
+              </a:ext>
+            </a:extLst>
+          </p:cNvPr>
+          <p:cNvSpPr>
+            <a:spLocks noGrp="1"/>
+          </p:cNvSpPr>
+          <p:nvPr>
+            <p:ph idx="1"/>
+          </p:nvPr>
+        </p:nvSpPr>
+        <p:spPr/>
+        <p:txBody>
+          <a:bodyPr>
+            <a:normAutofit/>
+          </a:bodyPr>
+          <a:lstStyle/>
+          <a:p>
+            <a:pPr marL="457200" indent="-457200">
+              <a:buFont typeface="Wingdings" panose="05000000000000000000" pitchFamily="2" charset="2"/>
+              <a:buChar char="§"/>
+            </a:pPr>
+            <a:r>
+              <a:rPr lang="en-US" sz="2400" dirty="0"/>
+              <a:t>Style guides may play a part in this issue. </a:t>
+            </a:r>
+          </a:p>
+          <a:p>
+            <a:pPr marL="457200" indent="-457200">
+              <a:buFont typeface="Wingdings" panose="05000000000000000000" pitchFamily="2" charset="2"/>
+              <a:buChar char="§"/>
+            </a:pPr>
+            <a:r>
+              <a:rPr lang="en-US" sz="2400" dirty="0"/>
+              <a:t>Study guides are updated at different intervals.</a:t>
+            </a:r>
+          </a:p>
+          <a:p>
+            <a:pPr marL="457200" indent="-457200">
+              <a:buFont typeface="Wingdings" panose="05000000000000000000" pitchFamily="2" charset="2"/>
+              <a:buChar char="§"/>
+            </a:pPr>
+            <a:r>
+              <a:rPr lang="en-US" sz="2400" dirty="0"/>
+              <a:t>Some contain outdated information.</a:t>
+            </a:r>
+          </a:p>
+          <a:p>
+            <a:endParaRPr lang="en-US" dirty="0"/>
+          </a:p>
+          <a:p>
+            <a:endParaRPr lang="en-US" dirty="0"/>
+          </a:p>
+        </p:txBody>
+      </p:sp>
+    </p:spTree>
+    <p:extLst>
+      <p:ext uri="{BB962C8B-B14F-4D97-AF65-F5344CB8AC3E}">
+        <p14:creationId xmlns:p14="http://schemas.microsoft.com/office/powerpoint/2010/main" val="4113647300"/>
+      </p:ext>
+    </p:extLst>
+  </p:cSld>
+  <p:clrMapOvr>
+    <a:masterClrMapping/>
+  </p:clrMapOvr>
+</p:sld>
+</file>
+
+<file path=ppt/slides/slide17.xml><?xml version="1.0" encoding="utf-8"?>
+<p:sld xmlns:a="http://schemas.openxmlformats.org/drawingml/2006/main" xmlns:r="http://schemas.openxmlformats.org/officeDocument/2006/relationships" xmlns:p="http://schemas.openxmlformats.org/presentationml/2006/main">
+  <p:cSld>
+    <p:spTree>
+      <p:nvGrpSpPr>
+        <p:cNvPr id="1" name=""/>
+        <p:cNvGrpSpPr/>
+        <p:nvPr/>
+      </p:nvGrpSpPr>
+      <p:grpSpPr>
+        <a:xfrm>
+          <a:off x="0" y="0"/>
+          <a:ext cx="0" cy="0"/>
+          <a:chOff x="0" y="0"/>
+          <a:chExt cx="0" cy="0"/>
+        </a:xfrm>
+      </p:grpSpPr>
+      <p:sp>
+        <p:nvSpPr>
           <p:cNvPr id="5" name="Title 4">
             <a:extLst>
               <a:ext uri="{FF2B5EF4-FFF2-40B4-BE49-F238E27FC236}">
@@ -6523,7 +7654,7 @@
 </p:sld>
 </file>
 
-<file path=ppt/slides/slide17.xml><?xml version="1.0" encoding="utf-8"?>
+<file path=ppt/slides/slide18.xml><?xml version="1.0" encoding="utf-8"?>
 <p:sld xmlns:a="http://schemas.openxmlformats.org/drawingml/2006/main" xmlns:r="http://schemas.openxmlformats.org/officeDocument/2006/relationships" xmlns:p="http://schemas.openxmlformats.org/presentationml/2006/main">
   <p:cSld>
     <p:spTree>
@@ -6726,195 +7857,6 @@
 </p:sld>
 </file>
 
-<file path=ppt/slides/slide18.xml><?xml version="1.0" encoding="utf-8"?>
-<p:sld xmlns:a="http://schemas.openxmlformats.org/drawingml/2006/main" xmlns:r="http://schemas.openxmlformats.org/officeDocument/2006/relationships" xmlns:p="http://schemas.openxmlformats.org/presentationml/2006/main">
-  <p:cSld>
-    <p:spTree>
-      <p:nvGrpSpPr>
-        <p:cNvPr id="1" name=""/>
-        <p:cNvGrpSpPr/>
-        <p:nvPr/>
-      </p:nvGrpSpPr>
-      <p:grpSpPr>
-        <a:xfrm>
-          <a:off x="0" y="0"/>
-          <a:ext cx="0" cy="0"/>
-          <a:chOff x="0" y="0"/>
-          <a:chExt cx="0" cy="0"/>
-        </a:xfrm>
-      </p:grpSpPr>
-      <p:sp>
-        <p:nvSpPr>
-          <p:cNvPr id="6" name="Content Placeholder 5">
-            <a:extLst>
-              <a:ext uri="{FF2B5EF4-FFF2-40B4-BE49-F238E27FC236}">
-                <a16:creationId xmlns:a16="http://schemas.microsoft.com/office/drawing/2014/main" id="{54F90BC5-BBBA-50FA-881E-32B5888CF94C}"/>
-              </a:ext>
-            </a:extLst>
-          </p:cNvPr>
-          <p:cNvSpPr>
-            <a:spLocks noGrp="1"/>
-          </p:cNvSpPr>
-          <p:nvPr>
-            <p:ph idx="1"/>
-          </p:nvPr>
-        </p:nvSpPr>
-        <p:spPr/>
-        <p:txBody>
-          <a:bodyPr/>
-          <a:lstStyle/>
-          <a:p>
-            <a:r>
-              <a:rPr lang="en-US" dirty="0"/>
-              <a:t>Content Drift</a:t>
-            </a:r>
-          </a:p>
-          <a:p>
-            <a:r>
-              <a:rPr lang="en-US" dirty="0"/>
-              <a:t>Citation Managers</a:t>
-            </a:r>
-          </a:p>
-          <a:p>
-            <a:r>
-              <a:rPr lang="en-US" dirty="0"/>
-              <a:t>Style Guides</a:t>
-            </a:r>
-          </a:p>
-          <a:p>
-            <a:r>
-              <a:rPr lang="en-US" dirty="0"/>
-              <a:t>3</a:t>
-            </a:r>
-            <a:r>
-              <a:rPr lang="en-US" baseline="30000" dirty="0"/>
-              <a:t>rd</a:t>
-            </a:r>
-            <a:r>
-              <a:rPr lang="en-US" dirty="0"/>
-              <a:t>-Party Services</a:t>
-            </a:r>
-          </a:p>
-          <a:p>
-            <a:r>
-              <a:rPr lang="en-US" dirty="0"/>
-              <a:t>DOIs</a:t>
-            </a:r>
-          </a:p>
-          <a:p>
-            <a:r>
-              <a:rPr lang="en-US" dirty="0"/>
-              <a:t>Pre-Publishing</a:t>
-            </a:r>
-          </a:p>
-          <a:p>
-            <a:endParaRPr lang="en-US" dirty="0"/>
-          </a:p>
-        </p:txBody>
-      </p:sp>
-      <p:sp>
-        <p:nvSpPr>
-          <p:cNvPr id="7" name="Content Placeholder 6">
-            <a:extLst>
-              <a:ext uri="{FF2B5EF4-FFF2-40B4-BE49-F238E27FC236}">
-                <a16:creationId xmlns:a16="http://schemas.microsoft.com/office/drawing/2014/main" id="{B88A3976-C29B-1A16-EAB4-25A0F3CB18AD}"/>
-              </a:ext>
-            </a:extLst>
-          </p:cNvPr>
-          <p:cNvSpPr>
-            <a:spLocks noGrp="1"/>
-          </p:cNvSpPr>
-          <p:nvPr>
-            <p:ph idx="11"/>
-          </p:nvPr>
-        </p:nvSpPr>
-        <p:spPr/>
-        <p:txBody>
-          <a:bodyPr>
-            <a:normAutofit/>
-          </a:bodyPr>
-          <a:lstStyle/>
-          <a:p>
-            <a:r>
-              <a:rPr lang="en-US" dirty="0"/>
-              <a:t>Role of Librarians</a:t>
-            </a:r>
-          </a:p>
-          <a:p>
-            <a:r>
-              <a:rPr lang="en-US" dirty="0"/>
-              <a:t>Iterative Citations</a:t>
-            </a:r>
-          </a:p>
-          <a:p>
-            <a:r>
-              <a:rPr lang="en-US" dirty="0"/>
-              <a:t>Library of Congress</a:t>
-            </a:r>
-          </a:p>
-          <a:p>
-            <a:r>
-              <a:rPr lang="en-US" dirty="0"/>
-              <a:t>Copyright</a:t>
-            </a:r>
-          </a:p>
-          <a:p>
-            <a:r>
-              <a:rPr lang="en-US" dirty="0"/>
-              <a:t>Future Research</a:t>
-            </a:r>
-          </a:p>
-          <a:p>
-            <a:r>
-              <a:rPr lang="en-US" dirty="0"/>
-              <a:t>Solutions</a:t>
-            </a:r>
-          </a:p>
-        </p:txBody>
-      </p:sp>
-      <p:sp>
-        <p:nvSpPr>
-          <p:cNvPr id="5" name="Title 4">
-            <a:extLst>
-              <a:ext uri="{FF2B5EF4-FFF2-40B4-BE49-F238E27FC236}">
-                <a16:creationId xmlns:a16="http://schemas.microsoft.com/office/drawing/2014/main" id="{8656D822-A16C-27EC-F7D3-8894F12C55D8}"/>
-              </a:ext>
-            </a:extLst>
-          </p:cNvPr>
-          <p:cNvSpPr>
-            <a:spLocks noGrp="1"/>
-          </p:cNvSpPr>
-          <p:nvPr>
-            <p:ph type="title"/>
-          </p:nvPr>
-        </p:nvSpPr>
-        <p:spPr/>
-        <p:txBody>
-          <a:bodyPr>
-            <a:normAutofit fontScale="90000"/>
-          </a:bodyPr>
-          <a:lstStyle/>
-          <a:p>
-            <a:r>
-              <a:rPr lang="en-US" dirty="0"/>
-              <a:t>Rotting Research: The Conversation</a:t>
-            </a:r>
-          </a:p>
-        </p:txBody>
-      </p:sp>
-    </p:spTree>
-    <p:extLst>
-      <p:ext uri="{BB962C8B-B14F-4D97-AF65-F5344CB8AC3E}">
-        <p14:creationId xmlns:p14="http://schemas.microsoft.com/office/powerpoint/2010/main" val="3447622449"/>
-      </p:ext>
-    </p:extLst>
-  </p:cSld>
-  <p:clrMapOvr>
-    <a:masterClrMapping/>
-  </p:clrMapOvr>
-</p:sld>
-</file>
-
 <file path=ppt/slides/slide19.xml><?xml version="1.0" encoding="utf-8"?>
 <p:sld xmlns:a="http://schemas.openxmlformats.org/drawingml/2006/main" xmlns:r="http://schemas.openxmlformats.org/officeDocument/2006/relationships" xmlns:p="http://schemas.openxmlformats.org/presentationml/2006/main">
   <p:cSld>
@@ -6934,10 +7876,10 @@
       </p:grpSpPr>
       <p:sp>
         <p:nvSpPr>
-          <p:cNvPr id="4" name="Title 3">
+          <p:cNvPr id="6" name="Content Placeholder 5">
             <a:extLst>
               <a:ext uri="{FF2B5EF4-FFF2-40B4-BE49-F238E27FC236}">
-                <a16:creationId xmlns:a16="http://schemas.microsoft.com/office/drawing/2014/main" id="{C43EF85A-9EF5-2DBE-2ECF-2711A4E4A77E}"/>
+                <a16:creationId xmlns:a16="http://schemas.microsoft.com/office/drawing/2014/main" id="{54F90BC5-BBBA-50FA-881E-32B5888CF94C}"/>
               </a:ext>
             </a:extLst>
           </p:cNvPr>
@@ -6945,7 +7887,7 @@
             <a:spLocks noGrp="1"/>
           </p:cNvSpPr>
           <p:nvPr>
-            <p:ph type="title"/>
+            <p:ph idx="1"/>
           </p:nvPr>
         </p:nvSpPr>
         <p:spPr/>
@@ -6955,17 +7897,58 @@
           <a:p>
             <a:r>
               <a:rPr lang="en-US" dirty="0"/>
-              <a:t>Resources</a:t>
-            </a:r>
-          </a:p>
-        </p:txBody>
-      </p:sp>
-      <p:sp>
-        <p:nvSpPr>
-          <p:cNvPr id="5" name="Content Placeholder 4">
+              <a:t>Content Drift</a:t>
+            </a:r>
+          </a:p>
+          <a:p>
+            <a:r>
+              <a:rPr lang="en-US" dirty="0"/>
+              <a:t>Citation Managers</a:t>
+            </a:r>
+          </a:p>
+          <a:p>
+            <a:r>
+              <a:rPr lang="en-US" dirty="0"/>
+              <a:t>Style Guides</a:t>
+            </a:r>
+          </a:p>
+          <a:p>
+            <a:r>
+              <a:rPr lang="en-US" dirty="0"/>
+              <a:t>3</a:t>
+            </a:r>
+            <a:r>
+              <a:rPr lang="en-US" baseline="30000" dirty="0"/>
+              <a:t>rd</a:t>
+            </a:r>
+            <a:r>
+              <a:rPr lang="en-US" dirty="0"/>
+              <a:t>-Party Services</a:t>
+            </a:r>
+          </a:p>
+          <a:p>
+            <a:r>
+              <a:rPr lang="en-US" dirty="0"/>
+              <a:t>DOIs</a:t>
+            </a:r>
+          </a:p>
+          <a:p>
+            <a:r>
+              <a:rPr lang="en-US" dirty="0"/>
+              <a:t>Pre-Publishing</a:t>
+            </a:r>
+          </a:p>
+          <a:p>
+            <a:endParaRPr lang="en-US" dirty="0"/>
+          </a:p>
+        </p:txBody>
+      </p:sp>
+      <p:sp>
+        <p:nvSpPr>
+          <p:cNvPr id="7" name="Content Placeholder 6">
             <a:extLst>
               <a:ext uri="{FF2B5EF4-FFF2-40B4-BE49-F238E27FC236}">
-                <a16:creationId xmlns:a16="http://schemas.microsoft.com/office/drawing/2014/main" id="{ED5124F5-5909-E264-5C59-8EFDA8B54CF5}"/>
+                <a16:creationId xmlns:a16="http://schemas.microsoft.com/office/drawing/2014/main" id="{B88A3976-C29B-1A16-EAB4-25A0F3CB18AD}"/>
               </a:ext>
             </a:extLst>
           </p:cNvPr>
@@ -6973,234 +7956,87 @@
             <a:spLocks noGrp="1"/>
           </p:cNvSpPr>
           <p:nvPr>
-            <p:ph idx="1"/>
-          </p:nvPr>
-        </p:nvSpPr>
-        <p:spPr>
-          <a:xfrm>
-            <a:off x="457200" y="1399031"/>
-            <a:ext cx="8229600" cy="2962657"/>
-          </a:xfrm>
-        </p:spPr>
+            <p:ph idx="11"/>
+          </p:nvPr>
+        </p:nvSpPr>
+        <p:spPr/>
         <p:txBody>
           <a:bodyPr>
-            <a:normAutofit fontScale="92500"/>
+            <a:normAutofit/>
           </a:bodyPr>
           <a:lstStyle/>
           <a:p>
-            <a:pPr marL="457200" indent="-457200">
-              <a:buFont typeface="+mj-lt"/>
-              <a:buAutoNum type="arabicPeriod"/>
-            </a:pPr>
-            <a:r>
-              <a:rPr lang="en-US" sz="1400" dirty="0">
-                <a:effectLst/>
-              </a:rPr>
-              <a:t>Gerow, A., Hu, Y., Boyd-Graber, J., </a:t>
-            </a:r>
-            <a:r>
-              <a:rPr lang="en-US" sz="1400" dirty="0" err="1">
-                <a:effectLst/>
-              </a:rPr>
-              <a:t>Blei</a:t>
-            </a:r>
-            <a:r>
-              <a:rPr lang="en-US" sz="1400" dirty="0">
-                <a:effectLst/>
-              </a:rPr>
-              <a:t>, D. M., &amp; Evans, J. A. (2018). Measuring discursive influence across scholarship. </a:t>
-            </a:r>
-            <a:r>
-              <a:rPr lang="en-US" sz="1400" i="1" dirty="0">
-                <a:effectLst/>
-              </a:rPr>
-              <a:t>Proceedings of the National Academy of Sciences of the United States of America</a:t>
-            </a:r>
-            <a:r>
-              <a:rPr lang="en-US" sz="1400" dirty="0">
-                <a:effectLst/>
-              </a:rPr>
-              <a:t>, </a:t>
-            </a:r>
-            <a:r>
-              <a:rPr lang="en-US" sz="1400" i="1" dirty="0">
-                <a:effectLst/>
-              </a:rPr>
-              <a:t>115</a:t>
-            </a:r>
-            <a:r>
-              <a:rPr lang="en-US" sz="1400" dirty="0">
-                <a:effectLst/>
-              </a:rPr>
-              <a:t>(13), 3308–3313.</a:t>
-            </a:r>
-          </a:p>
-          <a:p>
-            <a:pPr marL="457200" indent="-457200">
-              <a:buFont typeface="+mj-lt"/>
-              <a:buAutoNum type="arabicPeriod"/>
-            </a:pPr>
-            <a:r>
-              <a:rPr lang="en-US" sz="1400" dirty="0">
-                <a:effectLst/>
-              </a:rPr>
-              <a:t>Homenda, N. (2021). Persistent URLs and Citations Offered for Digital Objects by Digital Libraries. </a:t>
-            </a:r>
-            <a:r>
-              <a:rPr lang="en-US" sz="1400" i="1" dirty="0">
-                <a:effectLst/>
-              </a:rPr>
-              <a:t>Information Technology and Libraries (Online)</a:t>
-            </a:r>
-            <a:r>
-              <a:rPr lang="en-US" sz="1400" dirty="0">
-                <a:effectLst/>
-              </a:rPr>
-              <a:t>, </a:t>
-            </a:r>
-            <a:r>
-              <a:rPr lang="en-US" sz="1400" i="1" dirty="0">
-                <a:effectLst/>
-              </a:rPr>
-              <a:t>40</a:t>
-            </a:r>
-            <a:r>
-              <a:rPr lang="en-US" sz="1400" dirty="0">
-                <a:effectLst/>
-              </a:rPr>
-              <a:t>(2), 1–12. </a:t>
-            </a:r>
-            <a:r>
-              <a:rPr lang="en-US" sz="1400" dirty="0">
-                <a:effectLst/>
-                <a:hlinkClick r:id="rId2"/>
-              </a:rPr>
-              <a:t>http://dx.doi.org/10.6017/ital.v40i2.12987</a:t>
-            </a:r>
-            <a:endParaRPr lang="en-US" sz="1400" dirty="0">
-              <a:effectLst/>
-            </a:endParaRPr>
-          </a:p>
-          <a:p>
-            <a:pPr marL="457200" indent="-457200">
-              <a:buFont typeface="+mj-lt"/>
-              <a:buAutoNum type="arabicPeriod"/>
-            </a:pPr>
-            <a:r>
-              <a:rPr lang="en-US" sz="1400" dirty="0">
-                <a:effectLst/>
-              </a:rPr>
-              <a:t>Klein, M., &amp; Balakireva, L. (2021). An extended analysis of the persistence of persistent identifiers of the scholarly web. </a:t>
-            </a:r>
-            <a:r>
-              <a:rPr lang="en-US" sz="1400" i="1" dirty="0">
-                <a:effectLst/>
-              </a:rPr>
-              <a:t>International Journal on Digital Libraries</a:t>
-            </a:r>
-            <a:r>
-              <a:rPr lang="en-US" sz="1400" dirty="0">
-                <a:effectLst/>
-              </a:rPr>
-              <a:t>. </a:t>
-            </a:r>
-            <a:r>
-              <a:rPr lang="en-US" sz="1400" dirty="0">
-                <a:effectLst/>
-                <a:hlinkClick r:id="rId3"/>
-              </a:rPr>
-              <a:t>https://doi.org/10.1007/s00799-021-00315-w</a:t>
-            </a:r>
-            <a:endParaRPr lang="en-US" sz="1400" dirty="0">
-              <a:effectLst/>
-            </a:endParaRPr>
-          </a:p>
-          <a:p>
-            <a:pPr marL="457200" indent="-457200">
-              <a:buFont typeface="+mj-lt"/>
-              <a:buAutoNum type="arabicPeriod"/>
-            </a:pPr>
-            <a:r>
-              <a:rPr lang="en-US" sz="1400" dirty="0">
-                <a:effectLst/>
-              </a:rPr>
-              <a:t>Król, K., &amp; Zdonek, D. (2020). Peculiarity of the bit rot and link rot phenomena. </a:t>
-            </a:r>
-            <a:r>
-              <a:rPr lang="en-US" sz="1400" i="1" dirty="0">
-                <a:effectLst/>
-              </a:rPr>
-              <a:t>Global Knowledge, Memory and Communication</a:t>
-            </a:r>
-            <a:r>
-              <a:rPr lang="en-US" sz="1400" dirty="0">
-                <a:effectLst/>
-              </a:rPr>
-              <a:t>, </a:t>
-            </a:r>
-            <a:r>
-              <a:rPr lang="en-US" sz="1400" i="1" dirty="0">
-                <a:effectLst/>
-              </a:rPr>
-              <a:t>69</a:t>
-            </a:r>
-            <a:r>
-              <a:rPr lang="en-US" sz="1400" dirty="0">
-                <a:effectLst/>
-              </a:rPr>
-              <a:t>(1/2), 20–37. </a:t>
-            </a:r>
-            <a:r>
-              <a:rPr lang="en-US" sz="1400" dirty="0">
-                <a:effectLst/>
-                <a:hlinkClick r:id="rId4"/>
-              </a:rPr>
-              <a:t>http://dx.doi.org/10.1108/GKMC-06-2019-0067</a:t>
-            </a:r>
-            <a:endParaRPr lang="en-US" sz="1400" dirty="0">
-              <a:effectLst/>
-            </a:endParaRPr>
-          </a:p>
-          <a:p>
-            <a:pPr marL="457200" indent="-457200">
-              <a:buFont typeface="+mj-lt"/>
-              <a:buAutoNum type="arabicPeriod"/>
-            </a:pPr>
-            <a:r>
-              <a:rPr lang="en-US" sz="1400" dirty="0">
-                <a:effectLst/>
-              </a:rPr>
-              <a:t>Miller, M. A. (2022). The Putrefaction of Digital Scholarship: How Link Rot Impacts the Integrity of Scholarly Publishing [Ed.D., Southeastern University]. In </a:t>
-            </a:r>
-            <a:r>
-              <a:rPr lang="en-US" sz="1400" i="1" dirty="0">
-                <a:effectLst/>
-              </a:rPr>
-              <a:t>ProQuest Dissertations and Theses</a:t>
-            </a:r>
-            <a:r>
-              <a:rPr lang="en-US" sz="1400" dirty="0">
-                <a:effectLst/>
-              </a:rPr>
-              <a:t> (2841257231). ProQuest Central. </a:t>
-            </a:r>
-            <a:r>
-              <a:rPr lang="en-US" sz="1400" dirty="0">
-                <a:effectLst/>
-                <a:hlinkClick r:id="rId5"/>
-              </a:rPr>
-              <a:t>https://www.proquest.com/dissertations-theses/putrefaction-digital-scholarship-how-link-rot/docview/2841257231/</a:t>
-            </a:r>
-            <a:endParaRPr lang="en-US" sz="1400" dirty="0">
-              <a:effectLst/>
-            </a:endParaRPr>
+            <a:r>
+              <a:rPr lang="en-US" dirty="0"/>
+              <a:t>Role of Librarians</a:t>
+            </a:r>
+          </a:p>
+          <a:p>
+            <a:r>
+              <a:rPr lang="en-US" dirty="0"/>
+              <a:t>Iterative Citations</a:t>
+            </a:r>
+          </a:p>
+          <a:p>
+            <a:r>
+              <a:rPr lang="en-US" dirty="0"/>
+              <a:t>Library of Congress</a:t>
+            </a:r>
+          </a:p>
+          <a:p>
+            <a:r>
+              <a:rPr lang="en-US" dirty="0"/>
+              <a:t>Copyright</a:t>
+            </a:r>
+          </a:p>
+          <a:p>
+            <a:r>
+              <a:rPr lang="en-US" dirty="0"/>
+              <a:t>Future Research</a:t>
+            </a:r>
+          </a:p>
+          <a:p>
+            <a:r>
+              <a:rPr lang="en-US" dirty="0"/>
+              <a:t>Solutions</a:t>
+            </a:r>
+          </a:p>
+        </p:txBody>
+      </p:sp>
+      <p:sp>
+        <p:nvSpPr>
+          <p:cNvPr id="5" name="Title 4">
+            <a:extLst>
+              <a:ext uri="{FF2B5EF4-FFF2-40B4-BE49-F238E27FC236}">
+                <a16:creationId xmlns:a16="http://schemas.microsoft.com/office/drawing/2014/main" id="{8656D822-A16C-27EC-F7D3-8894F12C55D8}"/>
+              </a:ext>
+            </a:extLst>
+          </p:cNvPr>
+          <p:cNvSpPr>
+            <a:spLocks noGrp="1"/>
+          </p:cNvSpPr>
+          <p:nvPr>
+            <p:ph type="title"/>
+          </p:nvPr>
+        </p:nvSpPr>
+        <p:spPr/>
+        <p:txBody>
+          <a:bodyPr>
+            <a:normAutofit fontScale="90000"/>
+          </a:bodyPr>
+          <a:lstStyle/>
+          <a:p>
+            <a:r>
+              <a:rPr lang="en-US" dirty="0"/>
+              <a:t>Rotting Research: The Conversation</a:t>
+            </a:r>
           </a:p>
         </p:txBody>
       </p:sp>
     </p:spTree>
     <p:extLst>
       <p:ext uri="{BB962C8B-B14F-4D97-AF65-F5344CB8AC3E}">
-        <p14:creationId xmlns:p14="http://schemas.microsoft.com/office/powerpoint/2010/main" val="2472037666"/>
+        <p14:creationId xmlns:p14="http://schemas.microsoft.com/office/powerpoint/2010/main" val="3447622449"/>
       </p:ext>
     </p:extLst>
   </p:cSld>
@@ -7432,6 +8268,301 @@
             <p:ph idx="1"/>
           </p:nvPr>
         </p:nvSpPr>
+        <p:spPr>
+          <a:xfrm>
+            <a:off x="457200" y="1399031"/>
+            <a:ext cx="8229600" cy="2962657"/>
+          </a:xfrm>
+        </p:spPr>
+        <p:txBody>
+          <a:bodyPr>
+            <a:normAutofit fontScale="92500"/>
+          </a:bodyPr>
+          <a:lstStyle/>
+          <a:p>
+            <a:pPr marL="457200" indent="-457200">
+              <a:buFont typeface="+mj-lt"/>
+              <a:buAutoNum type="arabicPeriod"/>
+            </a:pPr>
+            <a:r>
+              <a:rPr lang="en-US" sz="1400" dirty="0">
+                <a:effectLst/>
+              </a:rPr>
+              <a:t>Gerow, A., Hu, Y., Boyd-Graber, J., </a:t>
+            </a:r>
+            <a:r>
+              <a:rPr lang="en-US" sz="1400" dirty="0" err="1">
+                <a:effectLst/>
+              </a:rPr>
+              <a:t>Blei</a:t>
+            </a:r>
+            <a:r>
+              <a:rPr lang="en-US" sz="1400" dirty="0">
+                <a:effectLst/>
+              </a:rPr>
+              <a:t>, D. M., &amp; Evans, J. A. (2018). Measuring discursive influence across scholarship. </a:t>
+            </a:r>
+            <a:r>
+              <a:rPr lang="en-US" sz="1400" i="1" dirty="0">
+                <a:effectLst/>
+              </a:rPr>
+              <a:t>Proceedings of the National Academy of Sciences of the United States of America</a:t>
+            </a:r>
+            <a:r>
+              <a:rPr lang="en-US" sz="1400" dirty="0">
+                <a:effectLst/>
+              </a:rPr>
+              <a:t>, </a:t>
+            </a:r>
+            <a:r>
+              <a:rPr lang="en-US" sz="1400" i="1" dirty="0">
+                <a:effectLst/>
+              </a:rPr>
+              <a:t>115</a:t>
+            </a:r>
+            <a:r>
+              <a:rPr lang="en-US" sz="1400" dirty="0">
+                <a:effectLst/>
+              </a:rPr>
+              <a:t>(13), 3308–3313.</a:t>
+            </a:r>
+          </a:p>
+          <a:p>
+            <a:pPr marL="457200" indent="-457200">
+              <a:buFont typeface="+mj-lt"/>
+              <a:buAutoNum type="arabicPeriod"/>
+            </a:pPr>
+            <a:r>
+              <a:rPr lang="en-US" sz="1400" dirty="0">
+                <a:effectLst/>
+              </a:rPr>
+              <a:t>Homenda, N. (2021). Persistent URLs and Citations Offered for Digital Objects by Digital Libraries. </a:t>
+            </a:r>
+            <a:r>
+              <a:rPr lang="en-US" sz="1400" i="1" dirty="0">
+                <a:effectLst/>
+              </a:rPr>
+              <a:t>Information Technology and Libraries (Online)</a:t>
+            </a:r>
+            <a:r>
+              <a:rPr lang="en-US" sz="1400" dirty="0">
+                <a:effectLst/>
+              </a:rPr>
+              <a:t>, </a:t>
+            </a:r>
+            <a:r>
+              <a:rPr lang="en-US" sz="1400" i="1" dirty="0">
+                <a:effectLst/>
+              </a:rPr>
+              <a:t>40</a:t>
+            </a:r>
+            <a:r>
+              <a:rPr lang="en-US" sz="1400" dirty="0">
+                <a:effectLst/>
+              </a:rPr>
+              <a:t>(2), 1–12. </a:t>
+            </a:r>
+            <a:r>
+              <a:rPr lang="en-US" sz="1400" dirty="0">
+                <a:effectLst/>
+                <a:hlinkClick r:id="rId3"/>
+              </a:rPr>
+              <a:t>http://dx.doi.org/10.6017/ital.v40i2.12987</a:t>
+            </a:r>
+            <a:endParaRPr lang="en-US" sz="1400" dirty="0">
+              <a:effectLst/>
+            </a:endParaRPr>
+          </a:p>
+          <a:p>
+            <a:pPr marL="457200" indent="-457200">
+              <a:buFont typeface="+mj-lt"/>
+              <a:buAutoNum type="arabicPeriod"/>
+            </a:pPr>
+            <a:r>
+              <a:rPr lang="en-US" sz="1400" dirty="0">
+                <a:effectLst/>
+              </a:rPr>
+              <a:t>Klein, M., &amp; Balakireva, L. (2021). An extended analysis of the persistence of persistent identifiers of the scholarly web. </a:t>
+            </a:r>
+            <a:r>
+              <a:rPr lang="en-US" sz="1400" i="1" dirty="0">
+                <a:effectLst/>
+              </a:rPr>
+              <a:t>International Journal on Digital Libraries</a:t>
+            </a:r>
+            <a:r>
+              <a:rPr lang="en-US" sz="1400" dirty="0">
+                <a:effectLst/>
+              </a:rPr>
+              <a:t>. </a:t>
+            </a:r>
+            <a:r>
+              <a:rPr lang="en-US" sz="1400" dirty="0">
+                <a:effectLst/>
+                <a:hlinkClick r:id="rId4"/>
+              </a:rPr>
+              <a:t>https://doi.org/10.1007/s00799-021-00315-w</a:t>
+            </a:r>
+            <a:endParaRPr lang="en-US" sz="1400" dirty="0">
+              <a:effectLst/>
+            </a:endParaRPr>
+          </a:p>
+          <a:p>
+            <a:pPr marL="457200" indent="-457200">
+              <a:buFont typeface="+mj-lt"/>
+              <a:buAutoNum type="arabicPeriod"/>
+            </a:pPr>
+            <a:r>
+              <a:rPr lang="en-US" sz="1400" dirty="0">
+                <a:effectLst/>
+              </a:rPr>
+              <a:t>Król, K., &amp; Zdonek, D. (2020). Peculiarity of the bit rot and link rot phenomena. </a:t>
+            </a:r>
+            <a:r>
+              <a:rPr lang="en-US" sz="1400" i="1" dirty="0">
+                <a:effectLst/>
+              </a:rPr>
+              <a:t>Global Knowledge, Memory and Communication</a:t>
+            </a:r>
+            <a:r>
+              <a:rPr lang="en-US" sz="1400" dirty="0">
+                <a:effectLst/>
+              </a:rPr>
+              <a:t>, </a:t>
+            </a:r>
+            <a:r>
+              <a:rPr lang="en-US" sz="1400" i="1" dirty="0">
+                <a:effectLst/>
+              </a:rPr>
+              <a:t>69</a:t>
+            </a:r>
+            <a:r>
+              <a:rPr lang="en-US" sz="1400" dirty="0">
+                <a:effectLst/>
+              </a:rPr>
+              <a:t>(1/2), 20–37. </a:t>
+            </a:r>
+            <a:r>
+              <a:rPr lang="en-US" sz="1400" dirty="0">
+                <a:effectLst/>
+                <a:hlinkClick r:id="rId5"/>
+              </a:rPr>
+              <a:t>http://dx.doi.org/10.1108/GKMC-06-2019-0067</a:t>
+            </a:r>
+            <a:endParaRPr lang="en-US" sz="1400" dirty="0">
+              <a:effectLst/>
+            </a:endParaRPr>
+          </a:p>
+          <a:p>
+            <a:pPr marL="457200" indent="-457200">
+              <a:buFont typeface="+mj-lt"/>
+              <a:buAutoNum type="arabicPeriod"/>
+            </a:pPr>
+            <a:r>
+              <a:rPr lang="en-US" sz="1400" dirty="0">
+                <a:effectLst/>
+              </a:rPr>
+              <a:t>Miller, M. A. (2022). The Putrefaction of Digital Scholarship: How Link Rot Impacts the Integrity of Scholarly Publishing [Ed.D., Southeastern University]. In </a:t>
+            </a:r>
+            <a:r>
+              <a:rPr lang="en-US" sz="1400" i="1" dirty="0">
+                <a:effectLst/>
+              </a:rPr>
+              <a:t>ProQuest Dissertations and Theses</a:t>
+            </a:r>
+            <a:r>
+              <a:rPr lang="en-US" sz="1400" dirty="0">
+                <a:effectLst/>
+              </a:rPr>
+              <a:t> (2841257231). ProQuest Central. </a:t>
+            </a:r>
+            <a:r>
+              <a:rPr lang="en-US" sz="1400" dirty="0">
+                <a:effectLst/>
+                <a:hlinkClick r:id="rId6"/>
+              </a:rPr>
+              <a:t>https://www.proquest.com/dissertations-theses/putrefaction-digital-scholarship-how-link-rot/docview/2841257231/</a:t>
+            </a:r>
+            <a:endParaRPr lang="en-US" sz="1400" dirty="0">
+              <a:effectLst/>
+            </a:endParaRPr>
+          </a:p>
+        </p:txBody>
+      </p:sp>
+    </p:spTree>
+    <p:extLst>
+      <p:ext uri="{BB962C8B-B14F-4D97-AF65-F5344CB8AC3E}">
+        <p14:creationId xmlns:p14="http://schemas.microsoft.com/office/powerpoint/2010/main" val="2472037666"/>
+      </p:ext>
+    </p:extLst>
+  </p:cSld>
+  <p:clrMapOvr>
+    <a:masterClrMapping/>
+  </p:clrMapOvr>
+</p:sld>
+</file>
+
+<file path=ppt/slides/slide21.xml><?xml version="1.0" encoding="utf-8"?>
+<p:sld xmlns:a="http://schemas.openxmlformats.org/drawingml/2006/main" xmlns:r="http://schemas.openxmlformats.org/officeDocument/2006/relationships" xmlns:p="http://schemas.openxmlformats.org/presentationml/2006/main">
+  <p:cSld>
+    <p:spTree>
+      <p:nvGrpSpPr>
+        <p:cNvPr id="1" name=""/>
+        <p:cNvGrpSpPr/>
+        <p:nvPr/>
+      </p:nvGrpSpPr>
+      <p:grpSpPr>
+        <a:xfrm>
+          <a:off x="0" y="0"/>
+          <a:ext cx="0" cy="0"/>
+          <a:chOff x="0" y="0"/>
+          <a:chExt cx="0" cy="0"/>
+        </a:xfrm>
+      </p:grpSpPr>
+      <p:sp>
+        <p:nvSpPr>
+          <p:cNvPr id="4" name="Title 3">
+            <a:extLst>
+              <a:ext uri="{FF2B5EF4-FFF2-40B4-BE49-F238E27FC236}">
+                <a16:creationId xmlns:a16="http://schemas.microsoft.com/office/drawing/2014/main" id="{C43EF85A-9EF5-2DBE-2ECF-2711A4E4A77E}"/>
+              </a:ext>
+            </a:extLst>
+          </p:cNvPr>
+          <p:cNvSpPr>
+            <a:spLocks noGrp="1"/>
+          </p:cNvSpPr>
+          <p:nvPr>
+            <p:ph type="title"/>
+          </p:nvPr>
+        </p:nvSpPr>
+        <p:spPr/>
+        <p:txBody>
+          <a:bodyPr/>
+          <a:lstStyle/>
+          <a:p>
+            <a:r>
+              <a:rPr lang="en-US" dirty="0"/>
+              <a:t>Resources</a:t>
+            </a:r>
+          </a:p>
+        </p:txBody>
+      </p:sp>
+      <p:sp>
+        <p:nvSpPr>
+          <p:cNvPr id="5" name="Content Placeholder 4">
+            <a:extLst>
+              <a:ext uri="{FF2B5EF4-FFF2-40B4-BE49-F238E27FC236}">
+                <a16:creationId xmlns:a16="http://schemas.microsoft.com/office/drawing/2014/main" id="{ED5124F5-5909-E264-5C59-8EFDA8B54CF5}"/>
+              </a:ext>
+            </a:extLst>
+          </p:cNvPr>
+          <p:cNvSpPr>
+            <a:spLocks noGrp="1"/>
+          </p:cNvSpPr>
+          <p:nvPr>
+            <p:ph idx="1"/>
+          </p:nvPr>
+        </p:nvSpPr>
         <p:spPr/>
         <p:txBody>
           <a:bodyPr>
@@ -7727,7 +8858,7 @@
 </p:sld>
 </file>
 
-<file path=ppt/slides/slide21.xml><?xml version="1.0" encoding="utf-8"?>
+<file path=ppt/slides/slide22.xml><?xml version="1.0" encoding="utf-8"?>
 <p:sld xmlns:a="http://schemas.openxmlformats.org/drawingml/2006/main" xmlns:r="http://schemas.openxmlformats.org/officeDocument/2006/relationships" xmlns:p="http://schemas.openxmlformats.org/presentationml/2006/main">
   <p:cSld>
     <p:spTree>
@@ -7761,7 +8892,7 @@
           </p:nvPr>
         </p:nvPicPr>
         <p:blipFill>
-          <a:blip r:embed="rId2"/>
+          <a:blip r:embed="rId3"/>
           <a:srcRect t="6944" b="6944"/>
           <a:stretch>
             <a:fillRect/>
@@ -7786,7 +8917,7 @@
           </p:nvPr>
         </p:nvPicPr>
         <p:blipFill>
-          <a:blip r:embed="rId3"/>
+          <a:blip r:embed="rId4"/>
           <a:stretch>
             <a:fillRect/>
           </a:stretch>
@@ -7867,7 +8998,7 @@
 </p:sld>
 </file>
 
-<file path=ppt/slides/slide22.xml><?xml version="1.0" encoding="utf-8"?>
+<file path=ppt/slides/slide23.xml><?xml version="1.0" encoding="utf-8"?>
 <p:sld xmlns:a="http://schemas.openxmlformats.org/drawingml/2006/main" xmlns:r="http://schemas.openxmlformats.org/officeDocument/2006/relationships" xmlns:p="http://schemas.openxmlformats.org/presentationml/2006/main">
   <p:cSld>
     <p:spTree>
@@ -7901,7 +9032,7 @@
           </p:nvPr>
         </p:nvPicPr>
         <p:blipFill>
-          <a:blip r:embed="rId2"/>
+          <a:blip r:embed="rId3"/>
           <a:srcRect t="6944" b="6944"/>
           <a:stretch>
             <a:fillRect/>
@@ -8474,6 +9605,34 @@
       </p:grpSpPr>
       <p:sp>
         <p:nvSpPr>
+          <p:cNvPr id="4" name="Title 3">
+            <a:extLst>
+              <a:ext uri="{FF2B5EF4-FFF2-40B4-BE49-F238E27FC236}">
+                <a16:creationId xmlns:a16="http://schemas.microsoft.com/office/drawing/2014/main" id="{C43EF85A-9EF5-2DBE-2ECF-2711A4E4A77E}"/>
+              </a:ext>
+            </a:extLst>
+          </p:cNvPr>
+          <p:cNvSpPr>
+            <a:spLocks noGrp="1"/>
+          </p:cNvSpPr>
+          <p:nvPr>
+            <p:ph type="title"/>
+          </p:nvPr>
+        </p:nvSpPr>
+        <p:spPr/>
+        <p:txBody>
+          <a:bodyPr/>
+          <a:lstStyle/>
+          <a:p>
+            <a:r>
+              <a:rPr lang="en-US" dirty="0"/>
+              <a:t>But We Have DOIs</a:t>
+            </a:r>
+          </a:p>
+        </p:txBody>
+      </p:sp>
+      <p:sp>
+        <p:nvSpPr>
           <p:cNvPr id="5" name="Content Placeholder 4">
             <a:extLst>
               <a:ext uri="{FF2B5EF4-FFF2-40B4-BE49-F238E27FC236}">
@@ -8488,129 +9647,100 @@
             <p:ph idx="1"/>
           </p:nvPr>
         </p:nvSpPr>
-        <p:spPr>
-          <a:xfrm>
-            <a:off x="457200" y="1070199"/>
-            <a:ext cx="8229600" cy="3110492"/>
-          </a:xfrm>
-        </p:spPr>
+        <p:spPr/>
         <p:txBody>
           <a:bodyPr>
             <a:normAutofit/>
           </a:bodyPr>
           <a:lstStyle/>
           <a:p>
-            <a:pPr marL="285750" indent="-285750">
-              <a:lnSpc>
-                <a:spcPct val="90000"/>
-              </a:lnSpc>
+            <a:pPr marL="457200" indent="-457200">
               <a:buFont typeface="Wingdings" panose="05000000000000000000" pitchFamily="2" charset="2"/>
               <a:buChar char="§"/>
             </a:pPr>
             <a:r>
               <a:rPr lang="en-US" sz="2400" dirty="0"/>
-              <a:t>Academics rely heavily on previous research. </a:t>
-            </a:r>
-            <a:r>
-              <a:rPr lang="en-US" sz="2400" b="0" i="0" u="none" strike="noStrike" baseline="30000" dirty="0"/>
-              <a:t>9</a:t>
-            </a:r>
-          </a:p>
-          <a:p>
-            <a:pPr marL="285750" indent="-285750">
-              <a:lnSpc>
-                <a:spcPct val="90000"/>
-              </a:lnSpc>
+              <a:t>37% of DOI links were broken. </a:t>
+            </a:r>
+            <a:r>
+              <a:rPr lang="en-US" sz="2400" baseline="30000" dirty="0"/>
+              <a:t>5</a:t>
+            </a:r>
+            <a:endParaRPr lang="en-US" sz="2400" dirty="0"/>
+          </a:p>
+          <a:p>
+            <a:pPr marL="457200" indent="-457200">
               <a:buFont typeface="Wingdings" panose="05000000000000000000" pitchFamily="2" charset="2"/>
               <a:buChar char="§"/>
             </a:pPr>
             <a:r>
-              <a:rPr lang="en-US" sz="2400" b="0" i="0" u="none" strike="noStrike" baseline="0" dirty="0"/>
-              <a:t>References provide a method for others to retrace the steps a researcher took to establish their position. </a:t>
+              <a:rPr lang="en-US" sz="2400" dirty="0">
+                <a:effectLst/>
+                <a:ea typeface="Calibri" panose="020F0502020204030204" pitchFamily="34" charset="0"/>
+              </a:rPr>
+              <a:t>33% of DOI links to be broken on </a:t>
+            </a:r>
+            <a:r>
+              <a:rPr lang="en-US" sz="2400" dirty="0">
+                <a:ea typeface="Calibri" panose="020F0502020204030204" pitchFamily="34" charset="0"/>
+              </a:rPr>
+              <a:t>the</a:t>
+            </a:r>
+            <a:r>
+              <a:rPr lang="en-US" sz="2400" dirty="0">
+                <a:effectLst/>
+                <a:ea typeface="Calibri" panose="020F0502020204030204" pitchFamily="34" charset="0"/>
+              </a:rPr>
+              <a:t> institution’s internal network. </a:t>
             </a:r>
             <a:r>
               <a:rPr lang="en-US" sz="2400" baseline="30000" dirty="0"/>
-              <a:t>6</a:t>
-            </a:r>
-            <a:endParaRPr lang="en-US" sz="2400" dirty="0"/>
-          </a:p>
-          <a:p>
-            <a:pPr marL="285750" indent="-285750">
-              <a:lnSpc>
-                <a:spcPct val="90000"/>
-              </a:lnSpc>
+              <a:t>3</a:t>
+            </a:r>
+            <a:endParaRPr lang="en-US" sz="2400" dirty="0">
+              <a:effectLst/>
+              <a:ea typeface="Calibri" panose="020F0502020204030204" pitchFamily="34" charset="0"/>
+            </a:endParaRPr>
+          </a:p>
+          <a:p>
+            <a:pPr marL="457200" indent="-457200">
               <a:buFont typeface="Wingdings" panose="05000000000000000000" pitchFamily="2" charset="2"/>
               <a:buChar char="§"/>
             </a:pPr>
             <a:r>
-              <a:rPr lang="en-US" sz="2400" dirty="0"/>
-              <a:t>Replication of studies is difficult, or impossible, without the ability to find reference resources. </a:t>
-            </a:r>
-            <a:r>
-              <a:rPr lang="en-US" sz="2400" b="0" i="0" u="none" strike="noStrike" baseline="30000" dirty="0"/>
-              <a:t>9</a:t>
-            </a:r>
-            <a:endParaRPr lang="en-US" sz="2400" dirty="0"/>
-          </a:p>
-          <a:p>
-            <a:pPr marL="285750" indent="-285750">
-              <a:lnSpc>
-                <a:spcPct val="90000"/>
-              </a:lnSpc>
-              <a:buFont typeface="Wingdings" panose="05000000000000000000" pitchFamily="2" charset="2"/>
-              <a:buChar char="§"/>
-            </a:pPr>
-            <a:r>
-              <a:rPr lang="en-US" sz="2400" dirty="0"/>
-              <a:t>Loss of verification calls into question the validity of literature reviews. </a:t>
+              <a:rPr lang="en-US" sz="2400" dirty="0">
+                <a:effectLst/>
+                <a:ea typeface="Calibri" panose="020F0502020204030204" pitchFamily="34" charset="0"/>
+              </a:rPr>
+              <a:t>51.7% of DOIs were unreachable from outside of the institution’s network. </a:t>
             </a:r>
             <a:r>
               <a:rPr lang="en-US" sz="2400" baseline="30000" dirty="0"/>
-              <a:t>7</a:t>
-            </a:r>
-            <a:endParaRPr lang="en-US" sz="2400" b="0" i="0" u="none" strike="noStrike" baseline="0" dirty="0"/>
-          </a:p>
-        </p:txBody>
-      </p:sp>
-      <p:sp>
-        <p:nvSpPr>
-          <p:cNvPr id="4" name="Title 3">
-            <a:extLst>
-              <a:ext uri="{FF2B5EF4-FFF2-40B4-BE49-F238E27FC236}">
-                <a16:creationId xmlns:a16="http://schemas.microsoft.com/office/drawing/2014/main" id="{C43EF85A-9EF5-2DBE-2ECF-2711A4E4A77E}"/>
-              </a:ext>
-            </a:extLst>
-          </p:cNvPr>
-          <p:cNvSpPr>
-            <a:spLocks noGrp="1"/>
-          </p:cNvSpPr>
-          <p:nvPr>
-            <p:ph type="title"/>
-          </p:nvPr>
-        </p:nvSpPr>
-        <p:spPr>
-          <a:xfrm>
-            <a:off x="457200" y="205979"/>
-            <a:ext cx="8229600" cy="734738"/>
-          </a:xfrm>
-        </p:spPr>
-        <p:txBody>
-          <a:bodyPr anchor="ctr">
-            <a:normAutofit/>
-          </a:bodyPr>
-          <a:lstStyle/>
-          <a:p>
-            <a:r>
-              <a:rPr lang="en-US" dirty="0"/>
-              <a:t>How Does This Affect Research?</a:t>
-            </a:r>
+              <a:t>3</a:t>
+            </a:r>
+            <a:r>
+              <a:rPr lang="en-US" sz="2400" dirty="0">
+                <a:effectLst/>
+                <a:ea typeface="Calibri" panose="020F0502020204030204" pitchFamily="34" charset="0"/>
+              </a:rPr>
+              <a:t> </a:t>
+            </a:r>
+          </a:p>
+          <a:p>
+            <a:endParaRPr lang="en-US" dirty="0"/>
+          </a:p>
+          <a:p>
+            <a:endParaRPr lang="en-US" dirty="0"/>
+          </a:p>
+          <a:p>
+            <a:endParaRPr lang="en-US" dirty="0"/>
           </a:p>
         </p:txBody>
       </p:sp>
     </p:spTree>
     <p:extLst>
       <p:ext uri="{BB962C8B-B14F-4D97-AF65-F5344CB8AC3E}">
-        <p14:creationId xmlns:p14="http://schemas.microsoft.com/office/powerpoint/2010/main" val="443181356"/>
+        <p14:creationId xmlns:p14="http://schemas.microsoft.com/office/powerpoint/2010/main" val="3323012388"/>
       </p:ext>
     </p:extLst>
   </p:cSld>
@@ -8639,6 +9769,106 @@
       </p:grpSpPr>
       <p:sp>
         <p:nvSpPr>
+          <p:cNvPr id="5" name="Content Placeholder 4">
+            <a:extLst>
+              <a:ext uri="{FF2B5EF4-FFF2-40B4-BE49-F238E27FC236}">
+                <a16:creationId xmlns:a16="http://schemas.microsoft.com/office/drawing/2014/main" id="{ED5124F5-5909-E264-5C59-8EFDA8B54CF5}"/>
+              </a:ext>
+            </a:extLst>
+          </p:cNvPr>
+          <p:cNvSpPr>
+            <a:spLocks noGrp="1"/>
+          </p:cNvSpPr>
+          <p:nvPr>
+            <p:ph idx="1"/>
+          </p:nvPr>
+        </p:nvSpPr>
+        <p:spPr>
+          <a:xfrm>
+            <a:off x="457200" y="1070199"/>
+            <a:ext cx="8229600" cy="3110492"/>
+          </a:xfrm>
+        </p:spPr>
+        <p:txBody>
+          <a:bodyPr>
+            <a:normAutofit/>
+          </a:bodyPr>
+          <a:lstStyle/>
+          <a:p>
+            <a:pPr marL="285750" indent="-285750">
+              <a:lnSpc>
+                <a:spcPct val="90000"/>
+              </a:lnSpc>
+              <a:buFont typeface="Wingdings" panose="05000000000000000000" pitchFamily="2" charset="2"/>
+              <a:buChar char="§"/>
+            </a:pPr>
+            <a:r>
+              <a:rPr lang="en-US" sz="2400" dirty="0"/>
+              <a:t>Academics rely heavily on previous research. </a:t>
+            </a:r>
+            <a:r>
+              <a:rPr lang="en-US" sz="2400" b="0" i="0" u="none" strike="noStrike" baseline="30000" dirty="0"/>
+              <a:t>9</a:t>
+            </a:r>
+          </a:p>
+          <a:p>
+            <a:pPr marL="285750" indent="-285750">
+              <a:lnSpc>
+                <a:spcPct val="90000"/>
+              </a:lnSpc>
+              <a:buFont typeface="Wingdings" panose="05000000000000000000" pitchFamily="2" charset="2"/>
+              <a:buChar char="§"/>
+            </a:pPr>
+            <a:r>
+              <a:rPr lang="en-US" sz="2400" b="0" i="0" u="none" strike="noStrike" baseline="0" dirty="0"/>
+              <a:t>References provide a method for others to retrace the steps a researcher took to establish their position. </a:t>
+            </a:r>
+            <a:r>
+              <a:rPr lang="en-US" sz="2400" baseline="30000" dirty="0"/>
+              <a:t>6</a:t>
+            </a:r>
+            <a:endParaRPr lang="en-US" sz="2400" dirty="0"/>
+          </a:p>
+          <a:p>
+            <a:pPr marL="285750" indent="-285750">
+              <a:lnSpc>
+                <a:spcPct val="90000"/>
+              </a:lnSpc>
+              <a:buFont typeface="Wingdings" panose="05000000000000000000" pitchFamily="2" charset="2"/>
+              <a:buChar char="§"/>
+            </a:pPr>
+            <a:r>
+              <a:rPr lang="en-US" sz="2400" dirty="0"/>
+              <a:t>Replication of studies is difficult, or impossible, without the ability to find reference resources. </a:t>
+            </a:r>
+            <a:r>
+              <a:rPr lang="en-US" sz="2400" b="0" i="0" u="none" strike="noStrike" baseline="30000" dirty="0"/>
+              <a:t>9</a:t>
+            </a:r>
+            <a:endParaRPr lang="en-US" sz="2400" dirty="0"/>
+          </a:p>
+          <a:p>
+            <a:pPr marL="285750" indent="-285750">
+              <a:lnSpc>
+                <a:spcPct val="90000"/>
+              </a:lnSpc>
+              <a:buFont typeface="Wingdings" panose="05000000000000000000" pitchFamily="2" charset="2"/>
+              <a:buChar char="§"/>
+            </a:pPr>
+            <a:r>
+              <a:rPr lang="en-US" sz="2400" dirty="0"/>
+              <a:t>Loss of verification calls into question the validity of literature reviews. </a:t>
+            </a:r>
+            <a:r>
+              <a:rPr lang="en-US" sz="2400" baseline="30000" dirty="0"/>
+              <a:t>7</a:t>
+            </a:r>
+            <a:endParaRPr lang="en-US" sz="2400" b="0" i="0" u="none" strike="noStrike" baseline="0" dirty="0"/>
+          </a:p>
+        </p:txBody>
+      </p:sp>
+      <p:sp>
+        <p:nvSpPr>
           <p:cNvPr id="4" name="Title 3">
             <a:extLst>
               <a:ext uri="{FF2B5EF4-FFF2-40B4-BE49-F238E27FC236}">
@@ -8653,115 +9883,29 @@
             <p:ph type="title"/>
           </p:nvPr>
         </p:nvSpPr>
-        <p:spPr/>
-        <p:txBody>
-          <a:bodyPr/>
-          <a:lstStyle/>
-          <a:p>
-            <a:r>
-              <a:rPr lang="en-US" dirty="0"/>
-              <a:t>But We Have DOIs</a:t>
-            </a:r>
-          </a:p>
-        </p:txBody>
-      </p:sp>
-      <p:sp>
-        <p:nvSpPr>
-          <p:cNvPr id="5" name="Content Placeholder 4">
-            <a:extLst>
-              <a:ext uri="{FF2B5EF4-FFF2-40B4-BE49-F238E27FC236}">
-                <a16:creationId xmlns:a16="http://schemas.microsoft.com/office/drawing/2014/main" id="{ED5124F5-5909-E264-5C59-8EFDA8B54CF5}"/>
-              </a:ext>
-            </a:extLst>
-          </p:cNvPr>
-          <p:cNvSpPr>
-            <a:spLocks noGrp="1"/>
-          </p:cNvSpPr>
-          <p:nvPr>
-            <p:ph idx="1"/>
-          </p:nvPr>
-        </p:nvSpPr>
-        <p:spPr/>
-        <p:txBody>
-          <a:bodyPr>
+        <p:spPr>
+          <a:xfrm>
+            <a:off x="457200" y="205979"/>
+            <a:ext cx="8229600" cy="734738"/>
+          </a:xfrm>
+        </p:spPr>
+        <p:txBody>
+          <a:bodyPr anchor="ctr">
             <a:normAutofit/>
           </a:bodyPr>
           <a:lstStyle/>
           <a:p>
-            <a:pPr marL="457200" indent="-457200">
-              <a:buFont typeface="Wingdings" panose="05000000000000000000" pitchFamily="2" charset="2"/>
-              <a:buChar char="§"/>
-            </a:pPr>
-            <a:r>
-              <a:rPr lang="en-US" sz="2400" dirty="0"/>
-              <a:t>37% of DOI links were broken. </a:t>
-            </a:r>
-            <a:r>
-              <a:rPr lang="en-US" sz="2400" baseline="30000" dirty="0"/>
-              <a:t>3</a:t>
-            </a:r>
-            <a:endParaRPr lang="en-US" sz="2400" dirty="0"/>
-          </a:p>
-          <a:p>
-            <a:pPr marL="457200" indent="-457200">
-              <a:buFont typeface="Wingdings" panose="05000000000000000000" pitchFamily="2" charset="2"/>
-              <a:buChar char="§"/>
-            </a:pPr>
-            <a:r>
-              <a:rPr lang="en-US" sz="2400" dirty="0">
-                <a:effectLst/>
-                <a:ea typeface="Calibri" panose="020F0502020204030204" pitchFamily="34" charset="0"/>
-              </a:rPr>
-              <a:t>33% of DOI links to be broken on one institution’s internal network. </a:t>
-            </a:r>
-            <a:r>
-              <a:rPr lang="en-US" sz="2400" baseline="30000" dirty="0"/>
-              <a:t>3</a:t>
-            </a:r>
-            <a:endParaRPr lang="en-US" sz="2400" dirty="0">
-              <a:effectLst/>
-              <a:ea typeface="Calibri" panose="020F0502020204030204" pitchFamily="34" charset="0"/>
-            </a:endParaRPr>
-          </a:p>
-          <a:p>
-            <a:pPr marL="457200" indent="-457200">
-              <a:buFont typeface="Wingdings" panose="05000000000000000000" pitchFamily="2" charset="2"/>
-              <a:buChar char="§"/>
-            </a:pPr>
-            <a:r>
-              <a:rPr lang="en-US" sz="2400" dirty="0">
-                <a:effectLst/>
-                <a:ea typeface="Calibri" panose="020F0502020204030204" pitchFamily="34" charset="0"/>
-              </a:rPr>
-              <a:t>51.7% of DOIs were unreachable from outside of the institution’s network. </a:t>
-            </a:r>
-            <a:r>
-              <a:rPr lang="en-US" sz="2400" baseline="30000" dirty="0"/>
-              <a:t>3</a:t>
-            </a:r>
-            <a:r>
-              <a:rPr lang="en-US" sz="2400" dirty="0">
-                <a:effectLst/>
-                <a:ea typeface="Calibri" panose="020F0502020204030204" pitchFamily="34" charset="0"/>
-              </a:rPr>
-              <a:t> </a:t>
-            </a:r>
-          </a:p>
-          <a:p>
-            <a:endParaRPr lang="en-US" dirty="0"/>
-          </a:p>
-          <a:p>
-            <a:endParaRPr lang="en-US" dirty="0"/>
-          </a:p>
-          <a:p>
-            <a:endParaRPr lang="en-US" dirty="0"/>
+            <a:r>
+              <a:rPr lang="en-US" dirty="0"/>
+              <a:t>How Does This Affect Research?</a:t>
+            </a:r>
           </a:p>
         </p:txBody>
       </p:sp>
     </p:spTree>
     <p:extLst>
       <p:ext uri="{BB962C8B-B14F-4D97-AF65-F5344CB8AC3E}">
-        <p14:creationId xmlns:p14="http://schemas.microsoft.com/office/powerpoint/2010/main" val="3323012388"/>
+        <p14:creationId xmlns:p14="http://schemas.microsoft.com/office/powerpoint/2010/main" val="443181356"/>
       </p:ext>
     </p:extLst>
   </p:cSld>
@@ -8788,128 +9932,35 @@
           <a:chExt cx="0" cy="0"/>
         </a:xfrm>
       </p:grpSpPr>
-      <p:sp>
-        <p:nvSpPr>
-          <p:cNvPr id="5" name="Content Placeholder 4">
+      <p:pic>
+        <p:nvPicPr>
+          <p:cNvPr id="3" name="Content Placeholder 2" descr="A cartoon of a machine&#10;&#10;Description automatically generated">
             <a:extLst>
               <a:ext uri="{FF2B5EF4-FFF2-40B4-BE49-F238E27FC236}">
-                <a16:creationId xmlns:a16="http://schemas.microsoft.com/office/drawing/2014/main" id="{ED5124F5-5909-E264-5C59-8EFDA8B54CF5}"/>
+                <a16:creationId xmlns:a16="http://schemas.microsoft.com/office/drawing/2014/main" id="{DB9918BF-C85E-713D-E010-E6EEBB19E47D}"/>
               </a:ext>
             </a:extLst>
           </p:cNvPr>
-          <p:cNvSpPr>
-            <a:spLocks noGrp="1"/>
-          </p:cNvSpPr>
+          <p:cNvPicPr>
+            <a:picLocks noGrp="1" noChangeAspect="1"/>
+          </p:cNvPicPr>
           <p:nvPr>
             <p:ph idx="1"/>
           </p:nvPr>
-        </p:nvSpPr>
+        </p:nvPicPr>
+        <p:blipFill>
+          <a:blip r:embed="rId3"/>
+          <a:stretch>
+            <a:fillRect/>
+          </a:stretch>
+        </p:blipFill>
         <p:spPr>
           <a:xfrm>
-            <a:off x="457200" y="1070199"/>
-            <a:ext cx="8229600" cy="3110492"/>
+            <a:off x="3347125" y="1069975"/>
+            <a:ext cx="2449749" cy="3111500"/>
           </a:xfrm>
         </p:spPr>
-        <p:txBody>
-          <a:bodyPr>
-            <a:normAutofit/>
-          </a:bodyPr>
-          <a:lstStyle/>
-          <a:p>
-            <a:pPr marL="285750" indent="-285750">
-              <a:lnSpc>
-                <a:spcPct val="90000"/>
-              </a:lnSpc>
-              <a:buFont typeface="Wingdings" panose="05000000000000000000" pitchFamily="2" charset="2"/>
-              <a:buChar char="§"/>
-            </a:pPr>
-            <a:r>
-              <a:rPr lang="en-US" sz="2200" b="0" i="0" u="none" strike="noStrike" baseline="0" dirty="0"/>
-              <a:t>Citations tend to decay over time because of a preference for recentness, even over seminal works. </a:t>
-            </a:r>
-            <a:r>
-              <a:rPr lang="en-US" sz="2200" baseline="30000" dirty="0"/>
-              <a:t>1</a:t>
-            </a:r>
-            <a:endParaRPr lang="en-US" sz="2200" b="0" i="0" u="none" strike="noStrike" baseline="0" dirty="0"/>
-          </a:p>
-          <a:p>
-            <a:pPr marL="285750" indent="-285750">
-              <a:lnSpc>
-                <a:spcPct val="90000"/>
-              </a:lnSpc>
-              <a:buFont typeface="Wingdings" panose="05000000000000000000" pitchFamily="2" charset="2"/>
-              <a:buChar char="§"/>
-            </a:pPr>
-            <a:r>
-              <a:rPr lang="en-US" sz="2200" b="0" i="0" u="none" strike="noStrike" baseline="0" dirty="0"/>
-              <a:t>Only 30% of links in the sciences functioned after 4 years. </a:t>
-            </a:r>
-            <a:r>
-              <a:rPr lang="en-US" sz="2200" baseline="30000" dirty="0"/>
-              <a:t>4</a:t>
-            </a:r>
-            <a:endParaRPr lang="en-US" sz="2200" b="0" i="0" u="none" strike="noStrike" baseline="30000" dirty="0"/>
-          </a:p>
-          <a:p>
-            <a:pPr marL="285750" indent="-285750">
-              <a:lnSpc>
-                <a:spcPct val="90000"/>
-              </a:lnSpc>
-              <a:buFont typeface="Wingdings" panose="05000000000000000000" pitchFamily="2" charset="2"/>
-              <a:buChar char="§"/>
-            </a:pPr>
-            <a:r>
-              <a:rPr lang="en-US" sz="2200" b="0" i="0" u="none" strike="noStrike" baseline="0" dirty="0"/>
-              <a:t>The average lifespan for a resource’s website was 9.3 years.</a:t>
-            </a:r>
-            <a:r>
-              <a:rPr lang="en-US" sz="2200" b="0" i="0" u="none" strike="noStrike" baseline="30000" dirty="0"/>
-              <a:t>  </a:t>
-            </a:r>
-            <a:r>
-              <a:rPr lang="en-US" sz="2200" baseline="30000" dirty="0"/>
-              <a:t>4</a:t>
-            </a:r>
-            <a:r>
-              <a:rPr lang="en-US" sz="2200" b="0" i="0" u="none" strike="noStrike" baseline="0" dirty="0"/>
-              <a:t> </a:t>
-            </a:r>
-          </a:p>
-          <a:p>
-            <a:pPr marL="285750" indent="-285750">
-              <a:lnSpc>
-                <a:spcPct val="90000"/>
-              </a:lnSpc>
-              <a:buFont typeface="Wingdings" panose="05000000000000000000" pitchFamily="2" charset="2"/>
-              <a:buChar char="§"/>
-            </a:pPr>
-            <a:r>
-              <a:rPr lang="en-US" sz="2200" b="0" i="0" u="none" strike="noStrike" baseline="0" dirty="0"/>
-              <a:t>Unfortunately, only 62% of that data was archived.</a:t>
-            </a:r>
-            <a:r>
-              <a:rPr lang="en-US" sz="2200" b="0" i="0" u="none" strike="noStrike" baseline="30000" dirty="0"/>
-              <a:t> </a:t>
-            </a:r>
-            <a:r>
-              <a:rPr lang="en-US" sz="2200" baseline="30000" dirty="0"/>
-              <a:t>4</a:t>
-            </a:r>
-            <a:endParaRPr lang="en-US" sz="2200" b="0" i="0" u="none" strike="noStrike" baseline="30000" dirty="0"/>
-          </a:p>
-          <a:p>
-            <a:pPr marL="285750" indent="-285750">
-              <a:lnSpc>
-                <a:spcPct val="90000"/>
-              </a:lnSpc>
-              <a:buFont typeface="Wingdings" panose="05000000000000000000" pitchFamily="2" charset="2"/>
-              <a:buChar char="§"/>
-            </a:pPr>
-            <a:endParaRPr lang="en-US" sz="2500" b="0" i="0" u="none" strike="noStrike" baseline="0" dirty="0"/>
-          </a:p>
-        </p:txBody>
-      </p:sp>
+      </p:pic>
       <p:sp>
         <p:nvSpPr>
           <p:cNvPr id="4" name="Title 3">
@@ -8939,16 +9990,17 @@
           <a:lstStyle/>
           <a:p>
             <a:r>
-              <a:rPr lang="en-US" dirty="0"/>
+              <a:rPr lang="en-US"/>
               <a:t>How Does This Affect Research?</a:t>
             </a:r>
+            <a:endParaRPr lang="en-US" dirty="0"/>
           </a:p>
         </p:txBody>
       </p:sp>
     </p:spTree>
     <p:extLst>
       <p:ext uri="{BB962C8B-B14F-4D97-AF65-F5344CB8AC3E}">
-        <p14:creationId xmlns:p14="http://schemas.microsoft.com/office/powerpoint/2010/main" val="4269488075"/>
+        <p14:creationId xmlns:p14="http://schemas.microsoft.com/office/powerpoint/2010/main" val="3748055216"/>
       </p:ext>
     </p:extLst>
   </p:cSld>
@@ -8977,6 +10029,128 @@
       </p:grpSpPr>
       <p:sp>
         <p:nvSpPr>
+          <p:cNvPr id="5" name="Content Placeholder 4">
+            <a:extLst>
+              <a:ext uri="{FF2B5EF4-FFF2-40B4-BE49-F238E27FC236}">
+                <a16:creationId xmlns:a16="http://schemas.microsoft.com/office/drawing/2014/main" id="{ED5124F5-5909-E264-5C59-8EFDA8B54CF5}"/>
+              </a:ext>
+            </a:extLst>
+          </p:cNvPr>
+          <p:cNvSpPr>
+            <a:spLocks noGrp="1"/>
+          </p:cNvSpPr>
+          <p:nvPr>
+            <p:ph idx="1"/>
+          </p:nvPr>
+        </p:nvSpPr>
+        <p:spPr>
+          <a:xfrm>
+            <a:off x="457200" y="1070199"/>
+            <a:ext cx="8229600" cy="3110492"/>
+          </a:xfrm>
+        </p:spPr>
+        <p:txBody>
+          <a:bodyPr>
+            <a:normAutofit/>
+          </a:bodyPr>
+          <a:lstStyle/>
+          <a:p>
+            <a:pPr marL="285750" indent="-285750">
+              <a:lnSpc>
+                <a:spcPct val="90000"/>
+              </a:lnSpc>
+              <a:buFont typeface="Wingdings" panose="05000000000000000000" pitchFamily="2" charset="2"/>
+              <a:buChar char="§"/>
+            </a:pPr>
+            <a:r>
+              <a:rPr lang="en-US" sz="2200" b="0" i="0" u="none" strike="noStrike" baseline="0" dirty="0"/>
+              <a:t>Citations tend to decay over time because of a preference for recentness, even over seminal works. </a:t>
+            </a:r>
+            <a:r>
+              <a:rPr lang="en-US" sz="2200" baseline="30000" dirty="0"/>
+              <a:t>1</a:t>
+            </a:r>
+            <a:endParaRPr lang="en-US" sz="2200" b="0" i="0" u="none" strike="noStrike" baseline="0" dirty="0"/>
+          </a:p>
+          <a:p>
+            <a:pPr marL="285750" indent="-285750">
+              <a:lnSpc>
+                <a:spcPct val="90000"/>
+              </a:lnSpc>
+              <a:buFont typeface="Wingdings" panose="05000000000000000000" pitchFamily="2" charset="2"/>
+              <a:buChar char="§"/>
+            </a:pPr>
+            <a:r>
+              <a:rPr lang="en-US" sz="2200" b="0" i="0" u="none" strike="noStrike" baseline="0" dirty="0"/>
+              <a:t>Only 30% of links in the sciences functioned after 4 years. </a:t>
+            </a:r>
+            <a:r>
+              <a:rPr lang="en-US" sz="2200" baseline="30000" dirty="0"/>
+              <a:t>4</a:t>
+            </a:r>
+            <a:endParaRPr lang="en-US" sz="2200" b="0" i="0" u="none" strike="noStrike" baseline="30000" dirty="0"/>
+          </a:p>
+          <a:p>
+            <a:pPr marL="285750" indent="-285750">
+              <a:lnSpc>
+                <a:spcPct val="90000"/>
+              </a:lnSpc>
+              <a:buFont typeface="Wingdings" panose="05000000000000000000" pitchFamily="2" charset="2"/>
+              <a:buChar char="§"/>
+            </a:pPr>
+            <a:r>
+              <a:rPr lang="en-US" sz="2200" b="0" i="0" u="none" strike="noStrike" baseline="0" dirty="0"/>
+              <a:t>The average lifespan for a resource’s website was 9.3 years.</a:t>
+            </a:r>
+            <a:r>
+              <a:rPr lang="en-US" sz="2200" b="0" i="0" u="none" strike="noStrike" baseline="30000" dirty="0"/>
+              <a:t>  </a:t>
+            </a:r>
+            <a:r>
+              <a:rPr lang="en-US" sz="2200" baseline="30000" dirty="0"/>
+              <a:t>4</a:t>
+            </a:r>
+            <a:r>
+              <a:rPr lang="en-US" sz="2200" b="0" i="0" u="none" strike="noStrike" baseline="0" dirty="0"/>
+              <a:t> </a:t>
+            </a:r>
+          </a:p>
+          <a:p>
+            <a:pPr marL="285750" indent="-285750">
+              <a:lnSpc>
+                <a:spcPct val="90000"/>
+              </a:lnSpc>
+              <a:buFont typeface="Wingdings" panose="05000000000000000000" pitchFamily="2" charset="2"/>
+              <a:buChar char="§"/>
+            </a:pPr>
+            <a:r>
+              <a:rPr lang="en-US" sz="2200" b="0" i="0" u="none" strike="noStrike" baseline="0" dirty="0"/>
+              <a:t>Unfortunately, only 62% of that data was archived.</a:t>
+            </a:r>
+            <a:r>
+              <a:rPr lang="en-US" sz="2200" b="0" i="0" u="none" strike="noStrike" baseline="30000" dirty="0"/>
+              <a:t> </a:t>
+            </a:r>
+            <a:r>
+              <a:rPr lang="en-US" sz="2200" baseline="30000" dirty="0"/>
+              <a:t>4</a:t>
+            </a:r>
+            <a:endParaRPr lang="en-US" sz="2200" b="0" i="0" u="none" strike="noStrike" baseline="30000" dirty="0"/>
+          </a:p>
+          <a:p>
+            <a:pPr marL="285750" indent="-285750">
+              <a:lnSpc>
+                <a:spcPct val="90000"/>
+              </a:lnSpc>
+              <a:buFont typeface="Wingdings" panose="05000000000000000000" pitchFamily="2" charset="2"/>
+              <a:buChar char="§"/>
+            </a:pPr>
+            <a:endParaRPr lang="en-US" sz="2500" b="0" i="0" u="none" strike="noStrike" baseline="0" dirty="0"/>
+          </a:p>
+        </p:txBody>
+      </p:sp>
+      <p:sp>
+        <p:nvSpPr>
           <p:cNvPr id="4" name="Title 3">
             <a:extLst>
               <a:ext uri="{FF2B5EF4-FFF2-40B4-BE49-F238E27FC236}">
@@ -8991,96 +10165,29 @@
             <p:ph type="title"/>
           </p:nvPr>
         </p:nvSpPr>
-        <p:spPr/>
-        <p:txBody>
-          <a:bodyPr/>
-          <a:lstStyle/>
-          <a:p>
-            <a:r>
-              <a:rPr lang="en-US" dirty="0"/>
-              <a:t>How Does This Affect Research?</a:t>
-            </a:r>
-          </a:p>
-        </p:txBody>
-      </p:sp>
-      <p:sp>
-        <p:nvSpPr>
-          <p:cNvPr id="5" name="Content Placeholder 4">
-            <a:extLst>
-              <a:ext uri="{FF2B5EF4-FFF2-40B4-BE49-F238E27FC236}">
-                <a16:creationId xmlns:a16="http://schemas.microsoft.com/office/drawing/2014/main" id="{ED5124F5-5909-E264-5C59-8EFDA8B54CF5}"/>
-              </a:ext>
-            </a:extLst>
-          </p:cNvPr>
-          <p:cNvSpPr>
-            <a:spLocks noGrp="1"/>
-          </p:cNvSpPr>
-          <p:nvPr>
-            <p:ph idx="1"/>
-          </p:nvPr>
-        </p:nvSpPr>
-        <p:spPr/>
-        <p:txBody>
-          <a:bodyPr>
+        <p:spPr>
+          <a:xfrm>
+            <a:off x="457200" y="205979"/>
+            <a:ext cx="8229600" cy="734738"/>
+          </a:xfrm>
+        </p:spPr>
+        <p:txBody>
+          <a:bodyPr anchor="ctr">
             <a:normAutofit/>
           </a:bodyPr>
           <a:lstStyle/>
           <a:p>
             <a:r>
-              <a:rPr lang="en-US" b="1" dirty="0"/>
-              <a:t>Retracted Publications:</a:t>
-            </a:r>
-          </a:p>
-          <a:p>
-            <a:pPr marL="457200" indent="-457200">
-              <a:buFont typeface="Wingdings" panose="05000000000000000000" pitchFamily="2" charset="2"/>
-              <a:buChar char="§"/>
-            </a:pPr>
-            <a:r>
-              <a:rPr lang="en-US" sz="2400" dirty="0"/>
-              <a:t>The number of retractions issued for research articles in 2023 passed 10,000 in early December. </a:t>
-            </a:r>
-            <a:r>
-              <a:rPr lang="en-US" sz="2400" baseline="30000" dirty="0"/>
-              <a:t>8</a:t>
-            </a:r>
-          </a:p>
-          <a:p>
-            <a:pPr marL="457200" indent="-457200" algn="l">
-              <a:buFont typeface="Wingdings" panose="05000000000000000000" pitchFamily="2" charset="2"/>
-              <a:buChar char="§"/>
-            </a:pPr>
-            <a:r>
-              <a:rPr lang="en-US" sz="2400" dirty="0"/>
-              <a:t>Retractions to articles ratio rises 0.2% every year. </a:t>
-            </a:r>
-            <a:r>
-              <a:rPr lang="en-US" sz="2400" baseline="30000" dirty="0"/>
-              <a:t>8 </a:t>
-            </a:r>
-            <a:endParaRPr lang="en-US" sz="2400" dirty="0"/>
-          </a:p>
-          <a:p>
-            <a:pPr marL="457200" indent="-457200" algn="l">
-              <a:buFont typeface="Wingdings" panose="05000000000000000000" pitchFamily="2" charset="2"/>
-              <a:buChar char="§"/>
-            </a:pPr>
-            <a:r>
-              <a:rPr lang="en-US" sz="2400" dirty="0"/>
-              <a:t>Wiley’s articles were cited more than 35,000 times. </a:t>
-            </a:r>
-            <a:r>
-              <a:rPr lang="en-US" sz="2400" b="0" i="0" u="none" strike="noStrike" baseline="30000" dirty="0"/>
-              <a:t>8</a:t>
-            </a:r>
-            <a:endParaRPr lang="en-US" sz="2400" dirty="0"/>
+              <a:rPr lang="en-US" dirty="0"/>
+              <a:t>How Does This Affect Research?</a:t>
+            </a:r>
           </a:p>
         </p:txBody>
       </p:sp>
     </p:spTree>
     <p:extLst>
       <p:ext uri="{BB962C8B-B14F-4D97-AF65-F5344CB8AC3E}">
-        <p14:creationId xmlns:p14="http://schemas.microsoft.com/office/powerpoint/2010/main" val="1264046897"/>
+        <p14:creationId xmlns:p14="http://schemas.microsoft.com/office/powerpoint/2010/main" val="4269488075"/>
       </p:ext>
     </p:extLst>
   </p:cSld>
